--- a/Gruppenarbeit_01/prr_gruppenarbeit_01.pptx
+++ b/Gruppenarbeit_01/prr_gruppenarbeit_01.pptx
@@ -5,14 +5,18 @@
     <p:sldMasterId id="2147483712" r:id="rId1"/>
   </p:sldMasterIdLst>
   <p:notesMasterIdLst>
-    <p:notesMasterId r:id="rId7"/>
+    <p:notesMasterId r:id="rId11"/>
   </p:notesMasterIdLst>
   <p:sldIdLst>
     <p:sldId id="256" r:id="rId2"/>
     <p:sldId id="257" r:id="rId3"/>
-    <p:sldId id="259" r:id="rId4"/>
-    <p:sldId id="260" r:id="rId5"/>
-    <p:sldId id="261" r:id="rId6"/>
+    <p:sldId id="258" r:id="rId4"/>
+    <p:sldId id="259" r:id="rId5"/>
+    <p:sldId id="260" r:id="rId6"/>
+    <p:sldId id="261" r:id="rId7"/>
+    <p:sldId id="262" r:id="rId8"/>
+    <p:sldId id="263" r:id="rId9"/>
+    <p:sldId id="264" r:id="rId10"/>
   </p:sldIdLst>
   <p:sldSz cx="12192000" cy="6858000"/>
   <p:notesSz cx="6858000" cy="9144000"/>
@@ -111,7 +115,209 @@
       </a:defRPr>
     </a:lvl9pPr>
   </p:defaultTextStyle>
+  <p:extLst>
+    <p:ext uri="{EFAFB233-063F-42B5-8137-9DF3F51BA10A}">
+      <p15:sldGuideLst xmlns:p15="http://schemas.microsoft.com/office/powerpoint/2012/main"/>
+    </p:ext>
+  </p:extLst>
 </p:presentation>
+</file>
+
+<file path=ppt/ink/ink1.xml><?xml version="1.0" encoding="utf-8"?>
+<inkml:ink xmlns:inkml="http://www.w3.org/2003/InkML">
+  <inkml:definitions>
+    <inkml:context xml:id="ctx0">
+      <inkml:inkSource xml:id="inkSrc0">
+        <inkml:traceFormat>
+          <inkml:channel name="X" type="integer" min="-2.14748E9" max="2.14748E9" units="cm"/>
+          <inkml:channel name="Y" type="integer" min="-2.14748E9" max="2.14748E9" units="cm"/>
+          <inkml:channel name="F" type="integer" max="32767" units="dev"/>
+        </inkml:traceFormat>
+        <inkml:channelProperties>
+          <inkml:channelProperty channel="X" name="resolution" value="1000" units="1/cm"/>
+          <inkml:channelProperty channel="Y" name="resolution" value="1000" units="1/cm"/>
+          <inkml:channelProperty channel="F" name="resolution" value="0" units="1/dev"/>
+        </inkml:channelProperties>
+      </inkml:inkSource>
+      <inkml:timestamp xml:id="ts0" timeString="2022-11-03T08:44:46.201"/>
+    </inkml:context>
+    <inkml:brush xml:id="br0">
+      <inkml:brushProperty name="width" value="0.05" units="cm"/>
+      <inkml:brushProperty name="height" value="0.05" units="cm"/>
+      <inkml:brushProperty name="color" value="#E71224"/>
+    </inkml:brush>
+  </inkml:definitions>
+  <inkml:trace contextRef="#ctx0" brushRef="#br0">0 1 24575,'0'0'-8191</inkml:trace>
+</inkml:ink>
+</file>
+
+<file path=ppt/ink/ink2.xml><?xml version="1.0" encoding="utf-8"?>
+<inkml:ink xmlns:inkml="http://www.w3.org/2003/InkML">
+  <inkml:definitions>
+    <inkml:context xml:id="ctx0">
+      <inkml:inkSource xml:id="inkSrc0">
+        <inkml:traceFormat>
+          <inkml:channel name="X" type="integer" min="-2.14748E9" max="2.14748E9" units="cm"/>
+          <inkml:channel name="Y" type="integer" min="-2.14748E9" max="2.14748E9" units="cm"/>
+          <inkml:channel name="F" type="integer" max="32767" units="dev"/>
+        </inkml:traceFormat>
+        <inkml:channelProperties>
+          <inkml:channelProperty channel="X" name="resolution" value="1000" units="1/cm"/>
+          <inkml:channelProperty channel="Y" name="resolution" value="1000" units="1/cm"/>
+          <inkml:channelProperty channel="F" name="resolution" value="0" units="1/dev"/>
+        </inkml:channelProperties>
+      </inkml:inkSource>
+      <inkml:timestamp xml:id="ts0" timeString="2022-11-03T08:44:46.797"/>
+    </inkml:context>
+    <inkml:brush xml:id="br0">
+      <inkml:brushProperty name="width" value="0.05" units="cm"/>
+      <inkml:brushProperty name="height" value="0.05" units="cm"/>
+      <inkml:brushProperty name="color" value="#E71224"/>
+    </inkml:brush>
+  </inkml:definitions>
+  <inkml:trace contextRef="#ctx0" brushRef="#br0">0 0 24575</inkml:trace>
+</inkml:ink>
+</file>
+
+<file path=ppt/ink/ink3.xml><?xml version="1.0" encoding="utf-8"?>
+<inkml:ink xmlns:inkml="http://www.w3.org/2003/InkML">
+  <inkml:definitions>
+    <inkml:context xml:id="ctx0">
+      <inkml:inkSource xml:id="inkSrc0">
+        <inkml:traceFormat>
+          <inkml:channel name="X" type="integer" min="-2.14748E9" max="2.14748E9" units="cm"/>
+          <inkml:channel name="Y" type="integer" min="-2.14748E9" max="2.14748E9" units="cm"/>
+          <inkml:channel name="F" type="integer" max="32767" units="dev"/>
+        </inkml:traceFormat>
+        <inkml:channelProperties>
+          <inkml:channelProperty channel="X" name="resolution" value="1000" units="1/cm"/>
+          <inkml:channelProperty channel="Y" name="resolution" value="1000" units="1/cm"/>
+          <inkml:channelProperty channel="F" name="resolution" value="0" units="1/dev"/>
+        </inkml:channelProperties>
+      </inkml:inkSource>
+      <inkml:timestamp xml:id="ts0" timeString="2022-11-03T08:44:47.466"/>
+    </inkml:context>
+    <inkml:brush xml:id="br0">
+      <inkml:brushProperty name="width" value="0.05" units="cm"/>
+      <inkml:brushProperty name="height" value="0.05" units="cm"/>
+      <inkml:brushProperty name="color" value="#E71224"/>
+    </inkml:brush>
+  </inkml:definitions>
+  <inkml:trace contextRef="#ctx0" brushRef="#br0">0 1 24575,'0'0'-8191</inkml:trace>
+</inkml:ink>
+</file>
+
+<file path=ppt/ink/ink4.xml><?xml version="1.0" encoding="utf-8"?>
+<inkml:ink xmlns:inkml="http://www.w3.org/2003/InkML">
+  <inkml:definitions>
+    <inkml:context xml:id="ctx0">
+      <inkml:inkSource xml:id="inkSrc0">
+        <inkml:traceFormat>
+          <inkml:channel name="X" type="integer" min="-2.14748E9" max="2.14748E9" units="cm"/>
+          <inkml:channel name="Y" type="integer" min="-2.14748E9" max="2.14748E9" units="cm"/>
+          <inkml:channel name="F" type="integer" max="32767" units="dev"/>
+        </inkml:traceFormat>
+        <inkml:channelProperties>
+          <inkml:channelProperty channel="X" name="resolution" value="1000" units="1/cm"/>
+          <inkml:channelProperty channel="Y" name="resolution" value="1000" units="1/cm"/>
+          <inkml:channelProperty channel="F" name="resolution" value="0" units="1/dev"/>
+        </inkml:channelProperties>
+      </inkml:inkSource>
+      <inkml:timestamp xml:id="ts0" timeString="2022-11-03T08:44:47.859"/>
+    </inkml:context>
+    <inkml:brush xml:id="br0">
+      <inkml:brushProperty name="width" value="0.05" units="cm"/>
+      <inkml:brushProperty name="height" value="0.05" units="cm"/>
+      <inkml:brushProperty name="color" value="#E71224"/>
+    </inkml:brush>
+  </inkml:definitions>
+  <inkml:trace contextRef="#ctx0" brushRef="#br0">0 1 24575,'0'0'-8191</inkml:trace>
+  <inkml:trace contextRef="#ctx0" brushRef="#br0" timeOffset="1">0 1 24575,'0'0'-8191</inkml:trace>
+</inkml:ink>
+</file>
+
+<file path=ppt/ink/ink5.xml><?xml version="1.0" encoding="utf-8"?>
+<inkml:ink xmlns:inkml="http://www.w3.org/2003/InkML">
+  <inkml:definitions>
+    <inkml:context xml:id="ctx0">
+      <inkml:inkSource xml:id="inkSrc0">
+        <inkml:traceFormat>
+          <inkml:channel name="X" type="integer" min="-2.14748E9" max="2.14748E9" units="cm"/>
+          <inkml:channel name="Y" type="integer" min="-2.14748E9" max="2.14748E9" units="cm"/>
+          <inkml:channel name="F" type="integer" max="32767" units="dev"/>
+        </inkml:traceFormat>
+        <inkml:channelProperties>
+          <inkml:channelProperty channel="X" name="resolution" value="1000" units="1/cm"/>
+          <inkml:channelProperty channel="Y" name="resolution" value="1000" units="1/cm"/>
+          <inkml:channelProperty channel="F" name="resolution" value="0" units="1/dev"/>
+        </inkml:channelProperties>
+      </inkml:inkSource>
+      <inkml:timestamp xml:id="ts0" timeString="2022-11-03T08:44:48.889"/>
+    </inkml:context>
+    <inkml:brush xml:id="br0">
+      <inkml:brushProperty name="width" value="0.05" units="cm"/>
+      <inkml:brushProperty name="height" value="0.05" units="cm"/>
+      <inkml:brushProperty name="color" value="#E71224"/>
+    </inkml:brush>
+  </inkml:definitions>
+  <inkml:trace contextRef="#ctx0" brushRef="#br0">0 1 24575,'0'0'-8191</inkml:trace>
+</inkml:ink>
+</file>
+
+<file path=ppt/ink/ink6.xml><?xml version="1.0" encoding="utf-8"?>
+<inkml:ink xmlns:inkml="http://www.w3.org/2003/InkML">
+  <inkml:definitions>
+    <inkml:context xml:id="ctx0">
+      <inkml:inkSource xml:id="inkSrc0">
+        <inkml:traceFormat>
+          <inkml:channel name="X" type="integer" min="-2.14748E9" max="2.14748E9" units="cm"/>
+          <inkml:channel name="Y" type="integer" min="-2.14748E9" max="2.14748E9" units="cm"/>
+          <inkml:channel name="F" type="integer" max="32767" units="dev"/>
+        </inkml:traceFormat>
+        <inkml:channelProperties>
+          <inkml:channelProperty channel="X" name="resolution" value="1000" units="1/cm"/>
+          <inkml:channelProperty channel="Y" name="resolution" value="1000" units="1/cm"/>
+          <inkml:channelProperty channel="F" name="resolution" value="0" units="1/dev"/>
+        </inkml:channelProperties>
+      </inkml:inkSource>
+      <inkml:timestamp xml:id="ts0" timeString="2022-11-03T08:44:49.233"/>
+    </inkml:context>
+    <inkml:brush xml:id="br0">
+      <inkml:brushProperty name="width" value="0.05" units="cm"/>
+      <inkml:brushProperty name="height" value="0.05" units="cm"/>
+      <inkml:brushProperty name="color" value="#E71224"/>
+    </inkml:brush>
+  </inkml:definitions>
+  <inkml:trace contextRef="#ctx0" brushRef="#br0">0 1 24575,'0'0'-8191</inkml:trace>
+</inkml:ink>
+</file>
+
+<file path=ppt/ink/ink7.xml><?xml version="1.0" encoding="utf-8"?>
+<inkml:ink xmlns:inkml="http://www.w3.org/2003/InkML">
+  <inkml:definitions>
+    <inkml:context xml:id="ctx0">
+      <inkml:inkSource xml:id="inkSrc0">
+        <inkml:traceFormat>
+          <inkml:channel name="X" type="integer" min="-2.14748E9" max="2.14748E9" units="cm"/>
+          <inkml:channel name="Y" type="integer" min="-2.14748E9" max="2.14748E9" units="cm"/>
+          <inkml:channel name="F" type="integer" max="32767" units="dev"/>
+        </inkml:traceFormat>
+        <inkml:channelProperties>
+          <inkml:channelProperty channel="X" name="resolution" value="1000" units="1/cm"/>
+          <inkml:channelProperty channel="Y" name="resolution" value="1000" units="1/cm"/>
+          <inkml:channelProperty channel="F" name="resolution" value="0" units="1/dev"/>
+        </inkml:channelProperties>
+      </inkml:inkSource>
+      <inkml:timestamp xml:id="ts0" timeString="2022-11-03T08:44:49.579"/>
+    </inkml:context>
+    <inkml:brush xml:id="br0">
+      <inkml:brushProperty name="width" value="0.05" units="cm"/>
+      <inkml:brushProperty name="height" value="0.05" units="cm"/>
+      <inkml:brushProperty name="color" value="#E71224"/>
+    </inkml:brush>
+  </inkml:definitions>
+  <inkml:trace contextRef="#ctx0" brushRef="#br0">0 0 24575,'0'0'-8191</inkml:trace>
+</inkml:ink>
 </file>
 
 <file path=ppt/notesMasters/notesMaster1.xml><?xml version="1.0" encoding="utf-8"?>
@@ -196,7 +402,7 @@
           <a:p>
             <a:fld id="{76FB3BCE-2401-4D6F-B9EB-BDDE7828DBAA}" type="datetimeFigureOut">
               <a:rPr lang="de-CH" smtClean="0"/>
-              <a:t>10.08.2022</a:t>
+              <a:t>03.11.2022</a:t>
             </a:fld>
             <a:endParaRPr lang="de-CH"/>
           </a:p>
@@ -464,6 +670,258 @@
 </p:notesMaster>
 </file>
 
+<file path=ppt/notesSlides/notesSlide1.xml><?xml version="1.0" encoding="utf-8"?>
+<p:notes xmlns:a="http://schemas.openxmlformats.org/drawingml/2006/main" xmlns:r="http://schemas.openxmlformats.org/officeDocument/2006/relationships" xmlns:p="http://schemas.openxmlformats.org/presentationml/2006/main">
+  <p:cSld>
+    <p:spTree>
+      <p:nvGrpSpPr>
+        <p:cNvPr id="1" name=""/>
+        <p:cNvGrpSpPr/>
+        <p:nvPr/>
+      </p:nvGrpSpPr>
+      <p:grpSpPr>
+        <a:xfrm>
+          <a:off x="0" y="0"/>
+          <a:ext cx="0" cy="0"/>
+          <a:chOff x="0" y="0"/>
+          <a:chExt cx="0" cy="0"/>
+        </a:xfrm>
+      </p:grpSpPr>
+      <p:sp>
+        <p:nvSpPr>
+          <p:cNvPr id="2" name="Folienbildplatzhalter 1"/>
+          <p:cNvSpPr>
+            <a:spLocks noGrp="1" noRot="1" noChangeAspect="1"/>
+          </p:cNvSpPr>
+          <p:nvPr>
+            <p:ph type="sldImg"/>
+          </p:nvPr>
+        </p:nvSpPr>
+        <p:spPr/>
+      </p:sp>
+      <p:sp>
+        <p:nvSpPr>
+          <p:cNvPr id="3" name="Notizenplatzhalter 2"/>
+          <p:cNvSpPr>
+            <a:spLocks noGrp="1"/>
+          </p:cNvSpPr>
+          <p:nvPr>
+            <p:ph type="body" idx="1"/>
+          </p:nvPr>
+        </p:nvSpPr>
+        <p:spPr/>
+        <p:txBody>
+          <a:bodyPr/>
+          <a:lstStyle/>
+          <a:p>
+            <a:endParaRPr lang="de-CH" dirty="0"/>
+          </a:p>
+        </p:txBody>
+      </p:sp>
+      <p:sp>
+        <p:nvSpPr>
+          <p:cNvPr id="4" name="Foliennummernplatzhalter 3"/>
+          <p:cNvSpPr>
+            <a:spLocks noGrp="1"/>
+          </p:cNvSpPr>
+          <p:nvPr>
+            <p:ph type="sldNum" sz="quarter" idx="5"/>
+          </p:nvPr>
+        </p:nvSpPr>
+        <p:spPr/>
+        <p:txBody>
+          <a:bodyPr/>
+          <a:lstStyle/>
+          <a:p>
+            <a:fld id="{97920913-15AF-4DD2-9906-F569B6C1DCD9}" type="slidenum">
+              <a:rPr lang="de-CH" smtClean="0"/>
+              <a:t>1</a:t>
+            </a:fld>
+            <a:endParaRPr lang="de-CH"/>
+          </a:p>
+        </p:txBody>
+      </p:sp>
+    </p:spTree>
+    <p:extLst>
+      <p:ext uri="{BB962C8B-B14F-4D97-AF65-F5344CB8AC3E}">
+        <p14:creationId xmlns:p14="http://schemas.microsoft.com/office/powerpoint/2010/main" val="3382428026"/>
+      </p:ext>
+    </p:extLst>
+  </p:cSld>
+  <p:clrMapOvr>
+    <a:masterClrMapping/>
+  </p:clrMapOvr>
+</p:notes>
+</file>
+
+<file path=ppt/notesSlides/notesSlide2.xml><?xml version="1.0" encoding="utf-8"?>
+<p:notes xmlns:a="http://schemas.openxmlformats.org/drawingml/2006/main" xmlns:r="http://schemas.openxmlformats.org/officeDocument/2006/relationships" xmlns:p="http://schemas.openxmlformats.org/presentationml/2006/main">
+  <p:cSld>
+    <p:spTree>
+      <p:nvGrpSpPr>
+        <p:cNvPr id="1" name=""/>
+        <p:cNvGrpSpPr/>
+        <p:nvPr/>
+      </p:nvGrpSpPr>
+      <p:grpSpPr>
+        <a:xfrm>
+          <a:off x="0" y="0"/>
+          <a:ext cx="0" cy="0"/>
+          <a:chOff x="0" y="0"/>
+          <a:chExt cx="0" cy="0"/>
+        </a:xfrm>
+      </p:grpSpPr>
+      <p:sp>
+        <p:nvSpPr>
+          <p:cNvPr id="2" name="Folienbildplatzhalter 1"/>
+          <p:cNvSpPr>
+            <a:spLocks noGrp="1" noRot="1" noChangeAspect="1"/>
+          </p:cNvSpPr>
+          <p:nvPr>
+            <p:ph type="sldImg"/>
+          </p:nvPr>
+        </p:nvSpPr>
+        <p:spPr/>
+      </p:sp>
+      <p:sp>
+        <p:nvSpPr>
+          <p:cNvPr id="3" name="Notizenplatzhalter 2"/>
+          <p:cNvSpPr>
+            <a:spLocks noGrp="1"/>
+          </p:cNvSpPr>
+          <p:nvPr>
+            <p:ph type="body" idx="1"/>
+          </p:nvPr>
+        </p:nvSpPr>
+        <p:spPr/>
+        <p:txBody>
+          <a:bodyPr/>
+          <a:lstStyle/>
+          <a:p>
+            <a:endParaRPr lang="de-CH" dirty="0"/>
+          </a:p>
+        </p:txBody>
+      </p:sp>
+      <p:sp>
+        <p:nvSpPr>
+          <p:cNvPr id="4" name="Foliennummernplatzhalter 3"/>
+          <p:cNvSpPr>
+            <a:spLocks noGrp="1"/>
+          </p:cNvSpPr>
+          <p:nvPr>
+            <p:ph type="sldNum" sz="quarter" idx="5"/>
+          </p:nvPr>
+        </p:nvSpPr>
+        <p:spPr/>
+        <p:txBody>
+          <a:bodyPr/>
+          <a:lstStyle/>
+          <a:p>
+            <a:fld id="{97920913-15AF-4DD2-9906-F569B6C1DCD9}" type="slidenum">
+              <a:rPr lang="de-CH" smtClean="0"/>
+              <a:t>2</a:t>
+            </a:fld>
+            <a:endParaRPr lang="de-CH"/>
+          </a:p>
+        </p:txBody>
+      </p:sp>
+    </p:spTree>
+    <p:extLst>
+      <p:ext uri="{BB962C8B-B14F-4D97-AF65-F5344CB8AC3E}">
+        <p14:creationId xmlns:p14="http://schemas.microsoft.com/office/powerpoint/2010/main" val="3226042448"/>
+      </p:ext>
+    </p:extLst>
+  </p:cSld>
+  <p:clrMapOvr>
+    <a:masterClrMapping/>
+  </p:clrMapOvr>
+</p:notes>
+</file>
+
+<file path=ppt/notesSlides/notesSlide3.xml><?xml version="1.0" encoding="utf-8"?>
+<p:notes xmlns:a="http://schemas.openxmlformats.org/drawingml/2006/main" xmlns:r="http://schemas.openxmlformats.org/officeDocument/2006/relationships" xmlns:p="http://schemas.openxmlformats.org/presentationml/2006/main">
+  <p:cSld>
+    <p:spTree>
+      <p:nvGrpSpPr>
+        <p:cNvPr id="1" name=""/>
+        <p:cNvGrpSpPr/>
+        <p:nvPr/>
+      </p:nvGrpSpPr>
+      <p:grpSpPr>
+        <a:xfrm>
+          <a:off x="0" y="0"/>
+          <a:ext cx="0" cy="0"/>
+          <a:chOff x="0" y="0"/>
+          <a:chExt cx="0" cy="0"/>
+        </a:xfrm>
+      </p:grpSpPr>
+      <p:sp>
+        <p:nvSpPr>
+          <p:cNvPr id="2" name="Folienbildplatzhalter 1"/>
+          <p:cNvSpPr>
+            <a:spLocks noGrp="1" noRot="1" noChangeAspect="1"/>
+          </p:cNvSpPr>
+          <p:nvPr>
+            <p:ph type="sldImg"/>
+          </p:nvPr>
+        </p:nvSpPr>
+        <p:spPr/>
+      </p:sp>
+      <p:sp>
+        <p:nvSpPr>
+          <p:cNvPr id="3" name="Notizenplatzhalter 2"/>
+          <p:cNvSpPr>
+            <a:spLocks noGrp="1"/>
+          </p:cNvSpPr>
+          <p:nvPr>
+            <p:ph type="body" idx="1"/>
+          </p:nvPr>
+        </p:nvSpPr>
+        <p:spPr/>
+        <p:txBody>
+          <a:bodyPr/>
+          <a:lstStyle/>
+          <a:p>
+            <a:endParaRPr lang="de-CH" dirty="0"/>
+          </a:p>
+        </p:txBody>
+      </p:sp>
+      <p:sp>
+        <p:nvSpPr>
+          <p:cNvPr id="4" name="Foliennummernplatzhalter 3"/>
+          <p:cNvSpPr>
+            <a:spLocks noGrp="1"/>
+          </p:cNvSpPr>
+          <p:nvPr>
+            <p:ph type="sldNum" sz="quarter" idx="5"/>
+          </p:nvPr>
+        </p:nvSpPr>
+        <p:spPr/>
+        <p:txBody>
+          <a:bodyPr/>
+          <a:lstStyle/>
+          <a:p>
+            <a:fld id="{97920913-15AF-4DD2-9906-F569B6C1DCD9}" type="slidenum">
+              <a:rPr lang="de-CH" smtClean="0"/>
+              <a:t>3</a:t>
+            </a:fld>
+            <a:endParaRPr lang="de-CH"/>
+          </a:p>
+        </p:txBody>
+      </p:sp>
+    </p:spTree>
+    <p:extLst>
+      <p:ext uri="{BB962C8B-B14F-4D97-AF65-F5344CB8AC3E}">
+        <p14:creationId xmlns:p14="http://schemas.microsoft.com/office/powerpoint/2010/main" val="204872387"/>
+      </p:ext>
+    </p:extLst>
+  </p:cSld>
+  <p:clrMapOvr>
+    <a:masterClrMapping/>
+  </p:clrMapOvr>
+</p:notes>
+</file>
+
 <file path=ppt/slideLayouts/slideLayout1.xml><?xml version="1.0" encoding="utf-8"?>
 <p:sldLayout xmlns:a="http://schemas.openxmlformats.org/drawingml/2006/main" xmlns:r="http://schemas.openxmlformats.org/officeDocument/2006/relationships" xmlns:p="http://schemas.openxmlformats.org/presentationml/2006/main" showMasterSp="0" type="title" preserve="1">
   <p:cSld name="Title Slide">
@@ -2130,7 +2588,7 @@
           <a:p>
             <a:fld id="{857530C4-E09B-4403-A941-6895AC0AAD56}" type="datetime1">
               <a:rPr lang="en-US" smtClean="0"/>
-              <a:t>8/10/2022</a:t>
+              <a:t>11/3/2022</a:t>
             </a:fld>
             <a:endParaRPr lang="en-US"/>
           </a:p>
@@ -2333,7 +2791,7 @@
           <a:p>
             <a:fld id="{48318ACE-2899-43DA-9D0D-21A353FCCCDA}" type="datetime1">
               <a:rPr lang="en-US" smtClean="0"/>
-              <a:t>8/10/2022</a:t>
+              <a:t>11/3/2022</a:t>
             </a:fld>
             <a:endParaRPr lang="en-US"/>
           </a:p>
@@ -4054,7 +4512,7 @@
           <a:p>
             <a:fld id="{60687668-1573-4585-91CB-32693C532F36}" type="datetime1">
               <a:rPr lang="en-US" smtClean="0"/>
-              <a:t>8/10/2022</a:t>
+              <a:t>11/3/2022</a:t>
             </a:fld>
             <a:endParaRPr lang="en-US"/>
           </a:p>
@@ -4253,7 +4711,7 @@
           <a:p>
             <a:fld id="{17E2E289-B482-469D-AD20-AE957C7162E3}" type="datetime1">
               <a:rPr lang="en-US" smtClean="0"/>
-              <a:t>8/10/2022</a:t>
+              <a:t>11/3/2022</a:t>
             </a:fld>
             <a:endParaRPr lang="en-US"/>
           </a:p>
@@ -6043,7 +6501,7 @@
           <a:p>
             <a:fld id="{8A535AD4-D255-41C8-9093-09204E4BCD69}" type="datetime1">
               <a:rPr lang="en-US" smtClean="0"/>
-              <a:t>8/10/2022</a:t>
+              <a:t>11/3/2022</a:t>
             </a:fld>
             <a:endParaRPr lang="en-US"/>
           </a:p>
@@ -6316,7 +6774,7 @@
           <a:p>
             <a:fld id="{ECF9956C-5DF7-4A40-B932-E8D8CBE05931}" type="datetime1">
               <a:rPr lang="en-US" smtClean="0"/>
-              <a:t>8/10/2022</a:t>
+              <a:t>11/3/2022</a:t>
             </a:fld>
             <a:endParaRPr lang="en-US"/>
           </a:p>
@@ -6736,7 +7194,7 @@
           <a:p>
             <a:fld id="{48DBE806-B4BE-4002-97E4-4C18ADB0A2EF}" type="datetime1">
               <a:rPr lang="en-US" smtClean="0"/>
-              <a:t>8/10/2022</a:t>
+              <a:t>11/3/2022</a:t>
             </a:fld>
             <a:endParaRPr lang="en-US"/>
           </a:p>
@@ -6892,7 +7350,7 @@
           <a:p>
             <a:fld id="{352482E8-16C3-4150-B73E-9C89B43DF22A}" type="datetime1">
               <a:rPr lang="en-US" smtClean="0"/>
-              <a:t>8/10/2022</a:t>
+              <a:t>11/3/2022</a:t>
             </a:fld>
             <a:endParaRPr lang="en-US"/>
           </a:p>
@@ -8460,7 +8918,7 @@
           <a:p>
             <a:fld id="{9E9BA27A-4FCC-4397-9A1E-FE0E0A5688E9}" type="datetime1">
               <a:rPr lang="en-US" smtClean="0"/>
-              <a:t>8/10/2022</a:t>
+              <a:t>11/3/2022</a:t>
             </a:fld>
             <a:endParaRPr lang="en-US"/>
           </a:p>
@@ -10311,7 +10769,7 @@
           <a:p>
             <a:fld id="{6DBE95F5-4B41-472F-879B-995FCF8AABEA}" type="datetime1">
               <a:rPr lang="en-US" smtClean="0"/>
-              <a:t>8/10/2022</a:t>
+              <a:t>11/3/2022</a:t>
             </a:fld>
             <a:endParaRPr lang="en-US"/>
           </a:p>
@@ -12124,7 +12582,7 @@
           <a:p>
             <a:fld id="{691E8630-5088-4F20-B480-189B2929B20B}" type="datetime1">
               <a:rPr lang="en-US" smtClean="0"/>
-              <a:t>8/10/2022</a:t>
+              <a:t>11/3/2022</a:t>
             </a:fld>
             <a:endParaRPr lang="en-US"/>
           </a:p>
@@ -13817,7 +14275,7 @@
           <a:p>
             <a:fld id="{27B57FC3-2AE1-4B01-9714-343BDFC54610}" type="datetime1">
               <a:rPr lang="en-US" smtClean="0"/>
-              <a:t>8/10/2022</a:t>
+              <a:t>11/3/2022</a:t>
             </a:fld>
             <a:endParaRPr lang="en-US" dirty="0"/>
           </a:p>
@@ -14342,10 +14800,2135 @@
       </p:grpSpPr>
       <p:sp useBgFill="1">
         <p:nvSpPr>
-          <p:cNvPr id="9" name="Rectangle 8">
+          <p:cNvPr id="56" name="Rectangle 55">
             <a:extLst>
               <a:ext uri="{FF2B5EF4-FFF2-40B4-BE49-F238E27FC236}">
-                <a16:creationId xmlns:a16="http://schemas.microsoft.com/office/drawing/2014/main" id="{BA6285CA-6AFA-4F27-AFB5-1B32CDE09B1A}"/>
+                <a16:creationId xmlns:a16="http://schemas.microsoft.com/office/drawing/2014/main" id="{4E1EF4E8-5513-4BF5-BC41-04645281C672}"/>
+              </a:ext>
+              <a:ext uri="{C183D7F6-B498-43B3-948B-1728B52AA6E4}">
+                <adec:decorative xmlns:adec="http://schemas.microsoft.com/office/drawing/2017/decorative" val="1"/>
+              </a:ext>
+            </a:extLst>
+          </p:cNvPr>
+          <p:cNvSpPr>
+            <a:spLocks noGrp="1" noRot="1" noChangeAspect="1" noMove="1" noResize="1" noEditPoints="1" noAdjustHandles="1" noChangeArrowheads="1" noChangeShapeType="1" noTextEdit="1"/>
+          </p:cNvSpPr>
+          <p:nvPr>
+            <p:extLst>
+              <p:ext uri="{386F3935-93C4-4BCD-93E2-E3B085C9AB24}">
+                <p16:designElem xmlns:p16="http://schemas.microsoft.com/office/powerpoint/2015/main" val="1"/>
+              </p:ext>
+            </p:extLst>
+          </p:nvPr>
+        </p:nvSpPr>
+        <p:spPr>
+          <a:xfrm>
+            <a:off x="0" y="0"/>
+            <a:ext cx="12192000" cy="6858000"/>
+          </a:xfrm>
+          <a:prstGeom prst="rect">
+            <a:avLst/>
+          </a:prstGeom>
+          <a:ln w="3848" cap="flat">
+            <a:noFill/>
+            <a:prstDash val="solid"/>
+            <a:miter/>
+          </a:ln>
+          <a:effectLst/>
+        </p:spPr>
+        <p:txBody>
+          <a:bodyPr rtlCol="0" anchor="ctr"/>
+          <a:lstStyle/>
+          <a:p>
+            <a:endParaRPr lang="en-US" dirty="0">
+              <a:solidFill>
+                <a:schemeClr val="tx1"/>
+              </a:solidFill>
+            </a:endParaRPr>
+          </a:p>
+        </p:txBody>
+      </p:sp>
+      <p:pic>
+        <p:nvPicPr>
+          <p:cNvPr id="4" name="Picture 3" descr="Ein Bild, das Ausstechform, Vektorgrafiken, Brille enthält.&#10;&#10;Automatisch generierte Beschreibung">
+            <a:extLst>
+              <a:ext uri="{FF2B5EF4-FFF2-40B4-BE49-F238E27FC236}">
+                <a16:creationId xmlns:a16="http://schemas.microsoft.com/office/drawing/2014/main" id="{26EF1706-88CD-4A21-6A0A-161787634AC9}"/>
+              </a:ext>
+            </a:extLst>
+          </p:cNvPr>
+          <p:cNvPicPr>
+            <a:picLocks noChangeAspect="1"/>
+          </p:cNvPicPr>
+          <p:nvPr/>
+        </p:nvPicPr>
+        <p:blipFill rotWithShape="1">
+          <a:blip r:embed="rId3"/>
+          <a:srcRect t="23986"/>
+          <a:stretch/>
+        </p:blipFill>
+        <p:spPr>
+          <a:xfrm>
+            <a:off x="20" y="10"/>
+            <a:ext cx="12191980" cy="6857989"/>
+          </a:xfrm>
+          <a:prstGeom prst="rect">
+            <a:avLst/>
+          </a:prstGeom>
+        </p:spPr>
+      </p:pic>
+      <p:grpSp>
+        <p:nvGrpSpPr>
+          <p:cNvPr id="58" name="Group 57">
+            <a:extLst>
+              <a:ext uri="{FF2B5EF4-FFF2-40B4-BE49-F238E27FC236}">
+                <a16:creationId xmlns:a16="http://schemas.microsoft.com/office/drawing/2014/main" id="{88ABB63B-B6EE-43AF-9C37-0924518E53E3}"/>
+              </a:ext>
+              <a:ext uri="{C183D7F6-B498-43B3-948B-1728B52AA6E4}">
+                <adec:decorative xmlns:adec="http://schemas.microsoft.com/office/drawing/2017/decorative" val="1"/>
+              </a:ext>
+            </a:extLst>
+          </p:cNvPr>
+          <p:cNvGrpSpPr>
+            <a:grpSpLocks noGrp="1" noUngrp="1" noRot="1" noChangeAspect="1" noMove="1" noResize="1"/>
+          </p:cNvGrpSpPr>
+          <p:nvPr>
+            <p:extLst>
+              <p:ext uri="{386F3935-93C4-4BCD-93E2-E3B085C9AB24}">
+                <p16:designElem xmlns:p16="http://schemas.microsoft.com/office/powerpoint/2015/main" val="1"/>
+              </p:ext>
+            </p:extLst>
+          </p:nvPr>
+        </p:nvGrpSpPr>
+        <p:grpSpPr>
+          <a:xfrm>
+            <a:off x="-6214" y="-1"/>
+            <a:ext cx="12214827" cy="6858000"/>
+            <a:chOff x="-6214" y="-1"/>
+            <a:chExt cx="12214827" cy="6858000"/>
+          </a:xfrm>
+        </p:grpSpPr>
+        <p:cxnSp>
+          <p:nvCxnSpPr>
+            <p:cNvPr id="59" name="Straight Connector 58">
+              <a:extLst>
+                <a:ext uri="{FF2B5EF4-FFF2-40B4-BE49-F238E27FC236}">
+                  <a16:creationId xmlns:a16="http://schemas.microsoft.com/office/drawing/2014/main" id="{CB7E45DC-7AC9-4A43-B52C-78D9531B8635}"/>
+                </a:ext>
+                <a:ext uri="{C183D7F6-B498-43B3-948B-1728B52AA6E4}">
+                  <adec:decorative xmlns:adec="http://schemas.microsoft.com/office/drawing/2017/decorative" val="1"/>
+                </a:ext>
+              </a:extLst>
+            </p:cNvPr>
+            <p:cNvCxnSpPr>
+              <a:cxnSpLocks/>
+            </p:cNvCxnSpPr>
+            <p:nvPr>
+              <p:extLst>
+                <p:ext uri="{386F3935-93C4-4BCD-93E2-E3B085C9AB24}">
+                  <p16:designElem xmlns:p16="http://schemas.microsoft.com/office/powerpoint/2015/main" val="1"/>
+                </p:ext>
+              </p:extLst>
+            </p:nvPr>
+          </p:nvCxnSpPr>
+          <p:spPr>
+            <a:xfrm>
+              <a:off x="-6214" y="6686283"/>
+              <a:ext cx="12192000" cy="0"/>
+            </a:xfrm>
+            <a:prstGeom prst="line">
+              <a:avLst/>
+            </a:prstGeom>
+            <a:ln w="12700">
+              <a:solidFill>
+                <a:srgbClr val="BCBCBC">
+                  <a:alpha val="29804"/>
+                </a:srgbClr>
+              </a:solidFill>
+              <a:prstDash val="sysDot"/>
+            </a:ln>
+          </p:spPr>
+          <p:style>
+            <a:lnRef idx="1">
+              <a:schemeClr val="accent1"/>
+            </a:lnRef>
+            <a:fillRef idx="0">
+              <a:schemeClr val="accent1"/>
+            </a:fillRef>
+            <a:effectRef idx="0">
+              <a:schemeClr val="accent1"/>
+            </a:effectRef>
+            <a:fontRef idx="minor">
+              <a:schemeClr val="tx1"/>
+            </a:fontRef>
+          </p:style>
+        </p:cxnSp>
+        <p:cxnSp>
+          <p:nvCxnSpPr>
+            <p:cNvPr id="60" name="Straight Connector 59">
+              <a:extLst>
+                <a:ext uri="{FF2B5EF4-FFF2-40B4-BE49-F238E27FC236}">
+                  <a16:creationId xmlns:a16="http://schemas.microsoft.com/office/drawing/2014/main" id="{2543D79A-4328-45EF-A428-FC665CB507FB}"/>
+                </a:ext>
+                <a:ext uri="{C183D7F6-B498-43B3-948B-1728B52AA6E4}">
+                  <adec:decorative xmlns:adec="http://schemas.microsoft.com/office/drawing/2017/decorative" val="1"/>
+                </a:ext>
+              </a:extLst>
+            </p:cNvPr>
+            <p:cNvCxnSpPr>
+              <a:cxnSpLocks/>
+            </p:cNvCxnSpPr>
+            <p:nvPr>
+              <p:extLst>
+                <p:ext uri="{386F3935-93C4-4BCD-93E2-E3B085C9AB24}">
+                  <p16:designElem xmlns:p16="http://schemas.microsoft.com/office/powerpoint/2015/main" val="1"/>
+                </p:ext>
+              </p:extLst>
+            </p:nvPr>
+          </p:nvCxnSpPr>
+          <p:spPr>
+            <a:xfrm>
+              <a:off x="0" y="-1"/>
+              <a:ext cx="0" cy="6858000"/>
+            </a:xfrm>
+            <a:prstGeom prst="line">
+              <a:avLst/>
+            </a:prstGeom>
+            <a:ln w="12700">
+              <a:solidFill>
+                <a:srgbClr val="BCBCBC">
+                  <a:alpha val="29804"/>
+                </a:srgbClr>
+              </a:solidFill>
+              <a:prstDash val="sysDot"/>
+            </a:ln>
+          </p:spPr>
+          <p:style>
+            <a:lnRef idx="1">
+              <a:schemeClr val="accent1"/>
+            </a:lnRef>
+            <a:fillRef idx="0">
+              <a:schemeClr val="accent1"/>
+            </a:fillRef>
+            <a:effectRef idx="0">
+              <a:schemeClr val="accent1"/>
+            </a:effectRef>
+            <a:fontRef idx="minor">
+              <a:schemeClr val="tx1"/>
+            </a:fontRef>
+          </p:style>
+        </p:cxnSp>
+        <p:cxnSp>
+          <p:nvCxnSpPr>
+            <p:cNvPr id="61" name="Straight Connector 60">
+              <a:extLst>
+                <a:ext uri="{FF2B5EF4-FFF2-40B4-BE49-F238E27FC236}">
+                  <a16:creationId xmlns:a16="http://schemas.microsoft.com/office/drawing/2014/main" id="{0804AB2D-9BA7-48D7-AFC0-D368F3B76800}"/>
+                </a:ext>
+                <a:ext uri="{C183D7F6-B498-43B3-948B-1728B52AA6E4}">
+                  <adec:decorative xmlns:adec="http://schemas.microsoft.com/office/drawing/2017/decorative" val="1"/>
+                </a:ext>
+              </a:extLst>
+            </p:cNvPr>
+            <p:cNvCxnSpPr>
+              <a:cxnSpLocks/>
+            </p:cNvCxnSpPr>
+            <p:nvPr>
+              <p:extLst>
+                <p:ext uri="{386F3935-93C4-4BCD-93E2-E3B085C9AB24}">
+                  <p16:designElem xmlns:p16="http://schemas.microsoft.com/office/powerpoint/2015/main" val="1"/>
+                </p:ext>
+              </p:extLst>
+            </p:nvPr>
+          </p:nvCxnSpPr>
+          <p:spPr>
+            <a:xfrm>
+              <a:off x="11993258" y="-1"/>
+              <a:ext cx="0" cy="6858000"/>
+            </a:xfrm>
+            <a:prstGeom prst="line">
+              <a:avLst/>
+            </a:prstGeom>
+            <a:ln w="12700">
+              <a:solidFill>
+                <a:srgbClr val="BCBCBC">
+                  <a:alpha val="29804"/>
+                </a:srgbClr>
+              </a:solidFill>
+              <a:prstDash val="sysDot"/>
+            </a:ln>
+          </p:spPr>
+          <p:style>
+            <a:lnRef idx="1">
+              <a:schemeClr val="accent1"/>
+            </a:lnRef>
+            <a:fillRef idx="0">
+              <a:schemeClr val="accent1"/>
+            </a:fillRef>
+            <a:effectRef idx="0">
+              <a:schemeClr val="accent1"/>
+            </a:effectRef>
+            <a:fontRef idx="minor">
+              <a:schemeClr val="tx1"/>
+            </a:fontRef>
+          </p:style>
+        </p:cxnSp>
+        <p:cxnSp>
+          <p:nvCxnSpPr>
+            <p:cNvPr id="62" name="Straight Connector 61">
+              <a:extLst>
+                <a:ext uri="{FF2B5EF4-FFF2-40B4-BE49-F238E27FC236}">
+                  <a16:creationId xmlns:a16="http://schemas.microsoft.com/office/drawing/2014/main" id="{ED26FBC9-30B7-4D26-AF30-4BA8719F3056}"/>
+                </a:ext>
+                <a:ext uri="{C183D7F6-B498-43B3-948B-1728B52AA6E4}">
+                  <adec:decorative xmlns:adec="http://schemas.microsoft.com/office/drawing/2017/decorative" val="1"/>
+                </a:ext>
+              </a:extLst>
+            </p:cNvPr>
+            <p:cNvCxnSpPr>
+              <a:cxnSpLocks/>
+            </p:cNvCxnSpPr>
+            <p:nvPr>
+              <p:extLst>
+                <p:ext uri="{386F3935-93C4-4BCD-93E2-E3B085C9AB24}">
+                  <p16:designElem xmlns:p16="http://schemas.microsoft.com/office/powerpoint/2015/main" val="1"/>
+                </p:ext>
+              </p:extLst>
+            </p:nvPr>
+          </p:nvCxnSpPr>
+          <p:spPr>
+            <a:xfrm>
+              <a:off x="192528" y="-1"/>
+              <a:ext cx="0" cy="6858000"/>
+            </a:xfrm>
+            <a:prstGeom prst="line">
+              <a:avLst/>
+            </a:prstGeom>
+            <a:ln w="12700">
+              <a:solidFill>
+                <a:srgbClr val="BCBCBC">
+                  <a:alpha val="29804"/>
+                </a:srgbClr>
+              </a:solidFill>
+              <a:prstDash val="sysDot"/>
+            </a:ln>
+          </p:spPr>
+          <p:style>
+            <a:lnRef idx="1">
+              <a:schemeClr val="accent1"/>
+            </a:lnRef>
+            <a:fillRef idx="0">
+              <a:schemeClr val="accent1"/>
+            </a:fillRef>
+            <a:effectRef idx="0">
+              <a:schemeClr val="accent1"/>
+            </a:effectRef>
+            <a:fontRef idx="minor">
+              <a:schemeClr val="tx1"/>
+            </a:fontRef>
+          </p:style>
+        </p:cxnSp>
+        <p:cxnSp>
+          <p:nvCxnSpPr>
+            <p:cNvPr id="63" name="Straight Connector 62">
+              <a:extLst>
+                <a:ext uri="{FF2B5EF4-FFF2-40B4-BE49-F238E27FC236}">
+                  <a16:creationId xmlns:a16="http://schemas.microsoft.com/office/drawing/2014/main" id="{EB5A0212-58CB-4A88-83F7-FD0BBBF1ED88}"/>
+                </a:ext>
+                <a:ext uri="{C183D7F6-B498-43B3-948B-1728B52AA6E4}">
+                  <adec:decorative xmlns:adec="http://schemas.microsoft.com/office/drawing/2017/decorative" val="1"/>
+                </a:ext>
+              </a:extLst>
+            </p:cNvPr>
+            <p:cNvCxnSpPr>
+              <a:cxnSpLocks/>
+            </p:cNvCxnSpPr>
+            <p:nvPr>
+              <p:extLst>
+                <p:ext uri="{386F3935-93C4-4BCD-93E2-E3B085C9AB24}">
+                  <p16:designElem xmlns:p16="http://schemas.microsoft.com/office/powerpoint/2015/main" val="1"/>
+                </p:ext>
+              </p:extLst>
+            </p:nvPr>
+          </p:nvCxnSpPr>
+          <p:spPr>
+            <a:xfrm>
+              <a:off x="1175922" y="-1"/>
+              <a:ext cx="0" cy="6858000"/>
+            </a:xfrm>
+            <a:prstGeom prst="line">
+              <a:avLst/>
+            </a:prstGeom>
+            <a:ln w="12700">
+              <a:solidFill>
+                <a:srgbClr val="BCBCBC">
+                  <a:alpha val="29804"/>
+                </a:srgbClr>
+              </a:solidFill>
+              <a:prstDash val="sysDot"/>
+            </a:ln>
+          </p:spPr>
+          <p:style>
+            <a:lnRef idx="1">
+              <a:schemeClr val="accent1"/>
+            </a:lnRef>
+            <a:fillRef idx="0">
+              <a:schemeClr val="accent1"/>
+            </a:fillRef>
+            <a:effectRef idx="0">
+              <a:schemeClr val="accent1"/>
+            </a:effectRef>
+            <a:fontRef idx="minor">
+              <a:schemeClr val="tx1"/>
+            </a:fontRef>
+          </p:style>
+        </p:cxnSp>
+        <p:cxnSp>
+          <p:nvCxnSpPr>
+            <p:cNvPr id="64" name="Straight Connector 63">
+              <a:extLst>
+                <a:ext uri="{FF2B5EF4-FFF2-40B4-BE49-F238E27FC236}">
+                  <a16:creationId xmlns:a16="http://schemas.microsoft.com/office/drawing/2014/main" id="{766733B5-84D5-4202-859D-5A322504EE48}"/>
+                </a:ext>
+                <a:ext uri="{C183D7F6-B498-43B3-948B-1728B52AA6E4}">
+                  <adec:decorative xmlns:adec="http://schemas.microsoft.com/office/drawing/2017/decorative" val="1"/>
+                </a:ext>
+              </a:extLst>
+            </p:cNvPr>
+            <p:cNvCxnSpPr>
+              <a:cxnSpLocks/>
+            </p:cNvCxnSpPr>
+            <p:nvPr>
+              <p:extLst>
+                <p:ext uri="{386F3935-93C4-4BCD-93E2-E3B085C9AB24}">
+                  <p16:designElem xmlns:p16="http://schemas.microsoft.com/office/powerpoint/2015/main" val="1"/>
+                </p:ext>
+              </p:extLst>
+            </p:nvPr>
+          </p:nvCxnSpPr>
+          <p:spPr>
+            <a:xfrm>
+              <a:off x="2159316" y="-1"/>
+              <a:ext cx="0" cy="6858000"/>
+            </a:xfrm>
+            <a:prstGeom prst="line">
+              <a:avLst/>
+            </a:prstGeom>
+            <a:ln w="12700">
+              <a:solidFill>
+                <a:srgbClr val="BCBCBC">
+                  <a:alpha val="29804"/>
+                </a:srgbClr>
+              </a:solidFill>
+              <a:prstDash val="sysDot"/>
+            </a:ln>
+          </p:spPr>
+          <p:style>
+            <a:lnRef idx="1">
+              <a:schemeClr val="accent1"/>
+            </a:lnRef>
+            <a:fillRef idx="0">
+              <a:schemeClr val="accent1"/>
+            </a:fillRef>
+            <a:effectRef idx="0">
+              <a:schemeClr val="accent1"/>
+            </a:effectRef>
+            <a:fontRef idx="minor">
+              <a:schemeClr val="tx1"/>
+            </a:fontRef>
+          </p:style>
+        </p:cxnSp>
+        <p:cxnSp>
+          <p:nvCxnSpPr>
+            <p:cNvPr id="65" name="Straight Connector 64">
+              <a:extLst>
+                <a:ext uri="{FF2B5EF4-FFF2-40B4-BE49-F238E27FC236}">
+                  <a16:creationId xmlns:a16="http://schemas.microsoft.com/office/drawing/2014/main" id="{020F393D-8F55-493E-A0AB-C04E63D242E6}"/>
+                </a:ext>
+                <a:ext uri="{C183D7F6-B498-43B3-948B-1728B52AA6E4}">
+                  <adec:decorative xmlns:adec="http://schemas.microsoft.com/office/drawing/2017/decorative" val="1"/>
+                </a:ext>
+              </a:extLst>
+            </p:cNvPr>
+            <p:cNvCxnSpPr>
+              <a:cxnSpLocks/>
+            </p:cNvCxnSpPr>
+            <p:nvPr>
+              <p:extLst>
+                <p:ext uri="{386F3935-93C4-4BCD-93E2-E3B085C9AB24}">
+                  <p16:designElem xmlns:p16="http://schemas.microsoft.com/office/powerpoint/2015/main" val="1"/>
+                </p:ext>
+              </p:extLst>
+            </p:nvPr>
+          </p:nvCxnSpPr>
+          <p:spPr>
+            <a:xfrm>
+              <a:off x="3142710" y="-1"/>
+              <a:ext cx="0" cy="6858000"/>
+            </a:xfrm>
+            <a:prstGeom prst="line">
+              <a:avLst/>
+            </a:prstGeom>
+            <a:ln w="12700">
+              <a:solidFill>
+                <a:srgbClr val="BCBCBC">
+                  <a:alpha val="29804"/>
+                </a:srgbClr>
+              </a:solidFill>
+              <a:prstDash val="sysDot"/>
+            </a:ln>
+          </p:spPr>
+          <p:style>
+            <a:lnRef idx="1">
+              <a:schemeClr val="accent1"/>
+            </a:lnRef>
+            <a:fillRef idx="0">
+              <a:schemeClr val="accent1"/>
+            </a:fillRef>
+            <a:effectRef idx="0">
+              <a:schemeClr val="accent1"/>
+            </a:effectRef>
+            <a:fontRef idx="minor">
+              <a:schemeClr val="tx1"/>
+            </a:fontRef>
+          </p:style>
+        </p:cxnSp>
+        <p:cxnSp>
+          <p:nvCxnSpPr>
+            <p:cNvPr id="66" name="Straight Connector 65">
+              <a:extLst>
+                <a:ext uri="{FF2B5EF4-FFF2-40B4-BE49-F238E27FC236}">
+                  <a16:creationId xmlns:a16="http://schemas.microsoft.com/office/drawing/2014/main" id="{B6150823-0FA6-4C5F-8052-B5E795D1BC5C}"/>
+                </a:ext>
+                <a:ext uri="{C183D7F6-B498-43B3-948B-1728B52AA6E4}">
+                  <adec:decorative xmlns:adec="http://schemas.microsoft.com/office/drawing/2017/decorative" val="1"/>
+                </a:ext>
+              </a:extLst>
+            </p:cNvPr>
+            <p:cNvCxnSpPr>
+              <a:cxnSpLocks/>
+            </p:cNvCxnSpPr>
+            <p:nvPr>
+              <p:extLst>
+                <p:ext uri="{386F3935-93C4-4BCD-93E2-E3B085C9AB24}">
+                  <p16:designElem xmlns:p16="http://schemas.microsoft.com/office/powerpoint/2015/main" val="1"/>
+                </p:ext>
+              </p:extLst>
+            </p:nvPr>
+          </p:nvCxnSpPr>
+          <p:spPr>
+            <a:xfrm>
+              <a:off x="4126104" y="-1"/>
+              <a:ext cx="0" cy="6858000"/>
+            </a:xfrm>
+            <a:prstGeom prst="line">
+              <a:avLst/>
+            </a:prstGeom>
+            <a:ln w="12700">
+              <a:solidFill>
+                <a:srgbClr val="BCBCBC">
+                  <a:alpha val="29804"/>
+                </a:srgbClr>
+              </a:solidFill>
+              <a:prstDash val="sysDot"/>
+            </a:ln>
+          </p:spPr>
+          <p:style>
+            <a:lnRef idx="1">
+              <a:schemeClr val="accent1"/>
+            </a:lnRef>
+            <a:fillRef idx="0">
+              <a:schemeClr val="accent1"/>
+            </a:fillRef>
+            <a:effectRef idx="0">
+              <a:schemeClr val="accent1"/>
+            </a:effectRef>
+            <a:fontRef idx="minor">
+              <a:schemeClr val="tx1"/>
+            </a:fontRef>
+          </p:style>
+        </p:cxnSp>
+        <p:cxnSp>
+          <p:nvCxnSpPr>
+            <p:cNvPr id="67" name="Straight Connector 66">
+              <a:extLst>
+                <a:ext uri="{FF2B5EF4-FFF2-40B4-BE49-F238E27FC236}">
+                  <a16:creationId xmlns:a16="http://schemas.microsoft.com/office/drawing/2014/main" id="{1FE80E66-FB82-48F1-AC3B-98B532D5406C}"/>
+                </a:ext>
+                <a:ext uri="{C183D7F6-B498-43B3-948B-1728B52AA6E4}">
+                  <adec:decorative xmlns:adec="http://schemas.microsoft.com/office/drawing/2017/decorative" val="1"/>
+                </a:ext>
+              </a:extLst>
+            </p:cNvPr>
+            <p:cNvCxnSpPr>
+              <a:cxnSpLocks/>
+            </p:cNvCxnSpPr>
+            <p:nvPr>
+              <p:extLst>
+                <p:ext uri="{386F3935-93C4-4BCD-93E2-E3B085C9AB24}">
+                  <p16:designElem xmlns:p16="http://schemas.microsoft.com/office/powerpoint/2015/main" val="1"/>
+                </p:ext>
+              </p:extLst>
+            </p:nvPr>
+          </p:nvCxnSpPr>
+          <p:spPr>
+            <a:xfrm>
+              <a:off x="5109498" y="-1"/>
+              <a:ext cx="0" cy="6858000"/>
+            </a:xfrm>
+            <a:prstGeom prst="line">
+              <a:avLst/>
+            </a:prstGeom>
+            <a:ln w="12700">
+              <a:solidFill>
+                <a:srgbClr val="BCBCBC">
+                  <a:alpha val="29804"/>
+                </a:srgbClr>
+              </a:solidFill>
+              <a:prstDash val="sysDot"/>
+            </a:ln>
+          </p:spPr>
+          <p:style>
+            <a:lnRef idx="1">
+              <a:schemeClr val="accent1"/>
+            </a:lnRef>
+            <a:fillRef idx="0">
+              <a:schemeClr val="accent1"/>
+            </a:fillRef>
+            <a:effectRef idx="0">
+              <a:schemeClr val="accent1"/>
+            </a:effectRef>
+            <a:fontRef idx="minor">
+              <a:schemeClr val="tx1"/>
+            </a:fontRef>
+          </p:style>
+        </p:cxnSp>
+        <p:cxnSp>
+          <p:nvCxnSpPr>
+            <p:cNvPr id="68" name="Straight Connector 67">
+              <a:extLst>
+                <a:ext uri="{FF2B5EF4-FFF2-40B4-BE49-F238E27FC236}">
+                  <a16:creationId xmlns:a16="http://schemas.microsoft.com/office/drawing/2014/main" id="{59863583-0ECD-4F7A-B751-43B12C75CBF6}"/>
+                </a:ext>
+                <a:ext uri="{C183D7F6-B498-43B3-948B-1728B52AA6E4}">
+                  <adec:decorative xmlns:adec="http://schemas.microsoft.com/office/drawing/2017/decorative" val="1"/>
+                </a:ext>
+              </a:extLst>
+            </p:cNvPr>
+            <p:cNvCxnSpPr>
+              <a:cxnSpLocks/>
+            </p:cNvCxnSpPr>
+            <p:nvPr>
+              <p:extLst>
+                <p:ext uri="{386F3935-93C4-4BCD-93E2-E3B085C9AB24}">
+                  <p16:designElem xmlns:p16="http://schemas.microsoft.com/office/powerpoint/2015/main" val="1"/>
+                </p:ext>
+              </p:extLst>
+            </p:nvPr>
+          </p:nvCxnSpPr>
+          <p:spPr>
+            <a:xfrm>
+              <a:off x="6092892" y="-1"/>
+              <a:ext cx="0" cy="6858000"/>
+            </a:xfrm>
+            <a:prstGeom prst="line">
+              <a:avLst/>
+            </a:prstGeom>
+            <a:ln w="12700">
+              <a:solidFill>
+                <a:srgbClr val="BCBCBC">
+                  <a:alpha val="29804"/>
+                </a:srgbClr>
+              </a:solidFill>
+              <a:prstDash val="sysDot"/>
+            </a:ln>
+          </p:spPr>
+          <p:style>
+            <a:lnRef idx="1">
+              <a:schemeClr val="accent1"/>
+            </a:lnRef>
+            <a:fillRef idx="0">
+              <a:schemeClr val="accent1"/>
+            </a:fillRef>
+            <a:effectRef idx="0">
+              <a:schemeClr val="accent1"/>
+            </a:effectRef>
+            <a:fontRef idx="minor">
+              <a:schemeClr val="tx1"/>
+            </a:fontRef>
+          </p:style>
+        </p:cxnSp>
+        <p:cxnSp>
+          <p:nvCxnSpPr>
+            <p:cNvPr id="69" name="Straight Connector 68">
+              <a:extLst>
+                <a:ext uri="{FF2B5EF4-FFF2-40B4-BE49-F238E27FC236}">
+                  <a16:creationId xmlns:a16="http://schemas.microsoft.com/office/drawing/2014/main" id="{16F49142-3C77-4864-BACD-DCB993CA069E}"/>
+                </a:ext>
+                <a:ext uri="{C183D7F6-B498-43B3-948B-1728B52AA6E4}">
+                  <adec:decorative xmlns:adec="http://schemas.microsoft.com/office/drawing/2017/decorative" val="1"/>
+                </a:ext>
+              </a:extLst>
+            </p:cNvPr>
+            <p:cNvCxnSpPr>
+              <a:cxnSpLocks/>
+            </p:cNvCxnSpPr>
+            <p:nvPr>
+              <p:extLst>
+                <p:ext uri="{386F3935-93C4-4BCD-93E2-E3B085C9AB24}">
+                  <p16:designElem xmlns:p16="http://schemas.microsoft.com/office/powerpoint/2015/main" val="1"/>
+                </p:ext>
+              </p:extLst>
+            </p:nvPr>
+          </p:nvCxnSpPr>
+          <p:spPr>
+            <a:xfrm>
+              <a:off x="7076286" y="-1"/>
+              <a:ext cx="0" cy="6858000"/>
+            </a:xfrm>
+            <a:prstGeom prst="line">
+              <a:avLst/>
+            </a:prstGeom>
+            <a:ln w="12700">
+              <a:solidFill>
+                <a:srgbClr val="BCBCBC">
+                  <a:alpha val="29804"/>
+                </a:srgbClr>
+              </a:solidFill>
+              <a:prstDash val="sysDot"/>
+            </a:ln>
+          </p:spPr>
+          <p:style>
+            <a:lnRef idx="1">
+              <a:schemeClr val="accent1"/>
+            </a:lnRef>
+            <a:fillRef idx="0">
+              <a:schemeClr val="accent1"/>
+            </a:fillRef>
+            <a:effectRef idx="0">
+              <a:schemeClr val="accent1"/>
+            </a:effectRef>
+            <a:fontRef idx="minor">
+              <a:schemeClr val="tx1"/>
+            </a:fontRef>
+          </p:style>
+        </p:cxnSp>
+        <p:cxnSp>
+          <p:nvCxnSpPr>
+            <p:cNvPr id="70" name="Straight Connector 69">
+              <a:extLst>
+                <a:ext uri="{FF2B5EF4-FFF2-40B4-BE49-F238E27FC236}">
+                  <a16:creationId xmlns:a16="http://schemas.microsoft.com/office/drawing/2014/main" id="{145D06CF-A107-4909-A09D-67FDDF4C2238}"/>
+                </a:ext>
+                <a:ext uri="{C183D7F6-B498-43B3-948B-1728B52AA6E4}">
+                  <adec:decorative xmlns:adec="http://schemas.microsoft.com/office/drawing/2017/decorative" val="1"/>
+                </a:ext>
+              </a:extLst>
+            </p:cNvPr>
+            <p:cNvCxnSpPr>
+              <a:cxnSpLocks/>
+            </p:cNvCxnSpPr>
+            <p:nvPr>
+              <p:extLst>
+                <p:ext uri="{386F3935-93C4-4BCD-93E2-E3B085C9AB24}">
+                  <p16:designElem xmlns:p16="http://schemas.microsoft.com/office/powerpoint/2015/main" val="1"/>
+                </p:ext>
+              </p:extLst>
+            </p:nvPr>
+          </p:nvCxnSpPr>
+          <p:spPr>
+            <a:xfrm>
+              <a:off x="8059680" y="-1"/>
+              <a:ext cx="0" cy="6858000"/>
+            </a:xfrm>
+            <a:prstGeom prst="line">
+              <a:avLst/>
+            </a:prstGeom>
+            <a:ln w="12700">
+              <a:solidFill>
+                <a:srgbClr val="BCBCBC">
+                  <a:alpha val="29804"/>
+                </a:srgbClr>
+              </a:solidFill>
+              <a:prstDash val="sysDot"/>
+            </a:ln>
+          </p:spPr>
+          <p:style>
+            <a:lnRef idx="1">
+              <a:schemeClr val="accent1"/>
+            </a:lnRef>
+            <a:fillRef idx="0">
+              <a:schemeClr val="accent1"/>
+            </a:fillRef>
+            <a:effectRef idx="0">
+              <a:schemeClr val="accent1"/>
+            </a:effectRef>
+            <a:fontRef idx="minor">
+              <a:schemeClr val="tx1"/>
+            </a:fontRef>
+          </p:style>
+        </p:cxnSp>
+        <p:cxnSp>
+          <p:nvCxnSpPr>
+            <p:cNvPr id="71" name="Straight Connector 70">
+              <a:extLst>
+                <a:ext uri="{FF2B5EF4-FFF2-40B4-BE49-F238E27FC236}">
+                  <a16:creationId xmlns:a16="http://schemas.microsoft.com/office/drawing/2014/main" id="{0FBDE9B1-0BD3-4397-9FF4-7C3203885D0E}"/>
+                </a:ext>
+                <a:ext uri="{C183D7F6-B498-43B3-948B-1728B52AA6E4}">
+                  <adec:decorative xmlns:adec="http://schemas.microsoft.com/office/drawing/2017/decorative" val="1"/>
+                </a:ext>
+              </a:extLst>
+            </p:cNvPr>
+            <p:cNvCxnSpPr>
+              <a:cxnSpLocks/>
+            </p:cNvCxnSpPr>
+            <p:nvPr>
+              <p:extLst>
+                <p:ext uri="{386F3935-93C4-4BCD-93E2-E3B085C9AB24}">
+                  <p16:designElem xmlns:p16="http://schemas.microsoft.com/office/powerpoint/2015/main" val="1"/>
+                </p:ext>
+              </p:extLst>
+            </p:nvPr>
+          </p:nvCxnSpPr>
+          <p:spPr>
+            <a:xfrm>
+              <a:off x="9043074" y="-1"/>
+              <a:ext cx="0" cy="6858000"/>
+            </a:xfrm>
+            <a:prstGeom prst="line">
+              <a:avLst/>
+            </a:prstGeom>
+            <a:ln w="12700">
+              <a:solidFill>
+                <a:srgbClr val="BCBCBC">
+                  <a:alpha val="29804"/>
+                </a:srgbClr>
+              </a:solidFill>
+              <a:prstDash val="sysDot"/>
+            </a:ln>
+          </p:spPr>
+          <p:style>
+            <a:lnRef idx="1">
+              <a:schemeClr val="accent1"/>
+            </a:lnRef>
+            <a:fillRef idx="0">
+              <a:schemeClr val="accent1"/>
+            </a:fillRef>
+            <a:effectRef idx="0">
+              <a:schemeClr val="accent1"/>
+            </a:effectRef>
+            <a:fontRef idx="minor">
+              <a:schemeClr val="tx1"/>
+            </a:fontRef>
+          </p:style>
+        </p:cxnSp>
+        <p:cxnSp>
+          <p:nvCxnSpPr>
+            <p:cNvPr id="72" name="Straight Connector 71">
+              <a:extLst>
+                <a:ext uri="{FF2B5EF4-FFF2-40B4-BE49-F238E27FC236}">
+                  <a16:creationId xmlns:a16="http://schemas.microsoft.com/office/drawing/2014/main" id="{E1A02805-216D-43C5-A768-1836DD224356}"/>
+                </a:ext>
+                <a:ext uri="{C183D7F6-B498-43B3-948B-1728B52AA6E4}">
+                  <adec:decorative xmlns:adec="http://schemas.microsoft.com/office/drawing/2017/decorative" val="1"/>
+                </a:ext>
+              </a:extLst>
+            </p:cNvPr>
+            <p:cNvCxnSpPr>
+              <a:cxnSpLocks/>
+            </p:cNvCxnSpPr>
+            <p:nvPr>
+              <p:extLst>
+                <p:ext uri="{386F3935-93C4-4BCD-93E2-E3B085C9AB24}">
+                  <p16:designElem xmlns:p16="http://schemas.microsoft.com/office/powerpoint/2015/main" val="1"/>
+                </p:ext>
+              </p:extLst>
+            </p:nvPr>
+          </p:nvCxnSpPr>
+          <p:spPr>
+            <a:xfrm>
+              <a:off x="10026468" y="-1"/>
+              <a:ext cx="0" cy="6858000"/>
+            </a:xfrm>
+            <a:prstGeom prst="line">
+              <a:avLst/>
+            </a:prstGeom>
+            <a:ln w="12700">
+              <a:solidFill>
+                <a:srgbClr val="BCBCBC">
+                  <a:alpha val="29804"/>
+                </a:srgbClr>
+              </a:solidFill>
+              <a:prstDash val="sysDot"/>
+            </a:ln>
+          </p:spPr>
+          <p:style>
+            <a:lnRef idx="1">
+              <a:schemeClr val="accent1"/>
+            </a:lnRef>
+            <a:fillRef idx="0">
+              <a:schemeClr val="accent1"/>
+            </a:fillRef>
+            <a:effectRef idx="0">
+              <a:schemeClr val="accent1"/>
+            </a:effectRef>
+            <a:fontRef idx="minor">
+              <a:schemeClr val="tx1"/>
+            </a:fontRef>
+          </p:style>
+        </p:cxnSp>
+        <p:cxnSp>
+          <p:nvCxnSpPr>
+            <p:cNvPr id="73" name="Straight Connector 72">
+              <a:extLst>
+                <a:ext uri="{FF2B5EF4-FFF2-40B4-BE49-F238E27FC236}">
+                  <a16:creationId xmlns:a16="http://schemas.microsoft.com/office/drawing/2014/main" id="{90B017B1-1B97-4EC7-ABC8-9636A34745F1}"/>
+                </a:ext>
+                <a:ext uri="{C183D7F6-B498-43B3-948B-1728B52AA6E4}">
+                  <adec:decorative xmlns:adec="http://schemas.microsoft.com/office/drawing/2017/decorative" val="1"/>
+                </a:ext>
+              </a:extLst>
+            </p:cNvPr>
+            <p:cNvCxnSpPr>
+              <a:cxnSpLocks/>
+            </p:cNvCxnSpPr>
+            <p:nvPr>
+              <p:extLst>
+                <p:ext uri="{386F3935-93C4-4BCD-93E2-E3B085C9AB24}">
+                  <p16:designElem xmlns:p16="http://schemas.microsoft.com/office/powerpoint/2015/main" val="1"/>
+                </p:ext>
+              </p:extLst>
+            </p:nvPr>
+          </p:nvCxnSpPr>
+          <p:spPr>
+            <a:xfrm>
+              <a:off x="11009862" y="-1"/>
+              <a:ext cx="0" cy="6858000"/>
+            </a:xfrm>
+            <a:prstGeom prst="line">
+              <a:avLst/>
+            </a:prstGeom>
+            <a:ln w="12700">
+              <a:solidFill>
+                <a:srgbClr val="BCBCBC">
+                  <a:alpha val="29804"/>
+                </a:srgbClr>
+              </a:solidFill>
+              <a:prstDash val="sysDot"/>
+            </a:ln>
+          </p:spPr>
+          <p:style>
+            <a:lnRef idx="1">
+              <a:schemeClr val="accent1"/>
+            </a:lnRef>
+            <a:fillRef idx="0">
+              <a:schemeClr val="accent1"/>
+            </a:fillRef>
+            <a:effectRef idx="0">
+              <a:schemeClr val="accent1"/>
+            </a:effectRef>
+            <a:fontRef idx="minor">
+              <a:schemeClr val="tx1"/>
+            </a:fontRef>
+          </p:style>
+        </p:cxnSp>
+        <p:cxnSp>
+          <p:nvCxnSpPr>
+            <p:cNvPr id="74" name="Straight Connector 73">
+              <a:extLst>
+                <a:ext uri="{FF2B5EF4-FFF2-40B4-BE49-F238E27FC236}">
+                  <a16:creationId xmlns:a16="http://schemas.microsoft.com/office/drawing/2014/main" id="{0E48FD6E-B77B-43DA-94E2-2478501EDD7C}"/>
+                </a:ext>
+                <a:ext uri="{C183D7F6-B498-43B3-948B-1728B52AA6E4}">
+                  <adec:decorative xmlns:adec="http://schemas.microsoft.com/office/drawing/2017/decorative" val="1"/>
+                </a:ext>
+              </a:extLst>
+            </p:cNvPr>
+            <p:cNvCxnSpPr>
+              <a:cxnSpLocks/>
+            </p:cNvCxnSpPr>
+            <p:nvPr>
+              <p:extLst>
+                <p:ext uri="{386F3935-93C4-4BCD-93E2-E3B085C9AB24}">
+                  <p16:designElem xmlns:p16="http://schemas.microsoft.com/office/powerpoint/2015/main" val="1"/>
+                </p:ext>
+              </p:extLst>
+            </p:nvPr>
+          </p:nvCxnSpPr>
+          <p:spPr>
+            <a:xfrm>
+              <a:off x="12185786" y="-1"/>
+              <a:ext cx="0" cy="6858000"/>
+            </a:xfrm>
+            <a:prstGeom prst="line">
+              <a:avLst/>
+            </a:prstGeom>
+            <a:ln w="12700">
+              <a:solidFill>
+                <a:srgbClr val="BCBCBC">
+                  <a:alpha val="29804"/>
+                </a:srgbClr>
+              </a:solidFill>
+              <a:prstDash val="sysDot"/>
+            </a:ln>
+          </p:spPr>
+          <p:style>
+            <a:lnRef idx="1">
+              <a:schemeClr val="accent1"/>
+            </a:lnRef>
+            <a:fillRef idx="0">
+              <a:schemeClr val="accent1"/>
+            </a:fillRef>
+            <a:effectRef idx="0">
+              <a:schemeClr val="accent1"/>
+            </a:effectRef>
+            <a:fontRef idx="minor">
+              <a:schemeClr val="tx1"/>
+            </a:fontRef>
+          </p:style>
+        </p:cxnSp>
+        <p:cxnSp>
+          <p:nvCxnSpPr>
+            <p:cNvPr id="75" name="Straight Connector 74">
+              <a:extLst>
+                <a:ext uri="{FF2B5EF4-FFF2-40B4-BE49-F238E27FC236}">
+                  <a16:creationId xmlns:a16="http://schemas.microsoft.com/office/drawing/2014/main" id="{4AB14AB7-76CD-4FBF-AF73-A1A32AE78264}"/>
+                </a:ext>
+                <a:ext uri="{C183D7F6-B498-43B3-948B-1728B52AA6E4}">
+                  <adec:decorative xmlns:adec="http://schemas.microsoft.com/office/drawing/2017/decorative" val="1"/>
+                </a:ext>
+              </a:extLst>
+            </p:cNvPr>
+            <p:cNvCxnSpPr>
+              <a:cxnSpLocks/>
+            </p:cNvCxnSpPr>
+            <p:nvPr>
+              <p:extLst>
+                <p:ext uri="{386F3935-93C4-4BCD-93E2-E3B085C9AB24}">
+                  <p16:designElem xmlns:p16="http://schemas.microsoft.com/office/powerpoint/2015/main" val="1"/>
+                </p:ext>
+              </p:extLst>
+            </p:nvPr>
+          </p:nvCxnSpPr>
+          <p:spPr>
+            <a:xfrm>
+              <a:off x="0" y="171716"/>
+              <a:ext cx="12192000" cy="0"/>
+            </a:xfrm>
+            <a:prstGeom prst="line">
+              <a:avLst/>
+            </a:prstGeom>
+            <a:ln w="12700">
+              <a:solidFill>
+                <a:srgbClr val="BCBCBC">
+                  <a:alpha val="29804"/>
+                </a:srgbClr>
+              </a:solidFill>
+              <a:prstDash val="sysDot"/>
+            </a:ln>
+          </p:spPr>
+          <p:style>
+            <a:lnRef idx="1">
+              <a:schemeClr val="accent1"/>
+            </a:lnRef>
+            <a:fillRef idx="0">
+              <a:schemeClr val="accent1"/>
+            </a:fillRef>
+            <a:effectRef idx="0">
+              <a:schemeClr val="accent1"/>
+            </a:effectRef>
+            <a:fontRef idx="minor">
+              <a:schemeClr val="tx1"/>
+            </a:fontRef>
+          </p:style>
+        </p:cxnSp>
+        <p:cxnSp>
+          <p:nvCxnSpPr>
+            <p:cNvPr id="76" name="Straight Connector 75">
+              <a:extLst>
+                <a:ext uri="{FF2B5EF4-FFF2-40B4-BE49-F238E27FC236}">
+                  <a16:creationId xmlns:a16="http://schemas.microsoft.com/office/drawing/2014/main" id="{93E5C242-AF46-4E5E-9FD6-29B7F9689A31}"/>
+                </a:ext>
+                <a:ext uri="{C183D7F6-B498-43B3-948B-1728B52AA6E4}">
+                  <adec:decorative xmlns:adec="http://schemas.microsoft.com/office/drawing/2017/decorative" val="1"/>
+                </a:ext>
+              </a:extLst>
+            </p:cNvPr>
+            <p:cNvCxnSpPr>
+              <a:cxnSpLocks/>
+            </p:cNvCxnSpPr>
+            <p:nvPr>
+              <p:extLst>
+                <p:ext uri="{386F3935-93C4-4BCD-93E2-E3B085C9AB24}">
+                  <p16:designElem xmlns:p16="http://schemas.microsoft.com/office/powerpoint/2015/main" val="1"/>
+                </p:ext>
+              </p:extLst>
+            </p:nvPr>
+          </p:nvCxnSpPr>
+          <p:spPr>
+            <a:xfrm>
+              <a:off x="0" y="714597"/>
+              <a:ext cx="12192000" cy="0"/>
+            </a:xfrm>
+            <a:prstGeom prst="line">
+              <a:avLst/>
+            </a:prstGeom>
+            <a:ln w="12700">
+              <a:solidFill>
+                <a:srgbClr val="BCBCBC">
+                  <a:alpha val="29804"/>
+                </a:srgbClr>
+              </a:solidFill>
+              <a:prstDash val="sysDot"/>
+            </a:ln>
+          </p:spPr>
+          <p:style>
+            <a:lnRef idx="1">
+              <a:schemeClr val="accent1"/>
+            </a:lnRef>
+            <a:fillRef idx="0">
+              <a:schemeClr val="accent1"/>
+            </a:fillRef>
+            <a:effectRef idx="0">
+              <a:schemeClr val="accent1"/>
+            </a:effectRef>
+            <a:fontRef idx="minor">
+              <a:schemeClr val="tx1"/>
+            </a:fontRef>
+          </p:style>
+        </p:cxnSp>
+        <p:cxnSp>
+          <p:nvCxnSpPr>
+            <p:cNvPr id="77" name="Straight Connector 76">
+              <a:extLst>
+                <a:ext uri="{FF2B5EF4-FFF2-40B4-BE49-F238E27FC236}">
+                  <a16:creationId xmlns:a16="http://schemas.microsoft.com/office/drawing/2014/main" id="{391D4E89-05DE-483F-8F2E-39D93202C28B}"/>
+                </a:ext>
+                <a:ext uri="{C183D7F6-B498-43B3-948B-1728B52AA6E4}">
+                  <adec:decorative xmlns:adec="http://schemas.microsoft.com/office/drawing/2017/decorative" val="1"/>
+                </a:ext>
+              </a:extLst>
+            </p:cNvPr>
+            <p:cNvCxnSpPr>
+              <a:cxnSpLocks/>
+            </p:cNvCxnSpPr>
+            <p:nvPr>
+              <p:extLst>
+                <p:ext uri="{386F3935-93C4-4BCD-93E2-E3B085C9AB24}">
+                  <p16:designElem xmlns:p16="http://schemas.microsoft.com/office/powerpoint/2015/main" val="1"/>
+                </p:ext>
+              </p:extLst>
+            </p:nvPr>
+          </p:nvCxnSpPr>
+          <p:spPr>
+            <a:xfrm>
+              <a:off x="0" y="1257478"/>
+              <a:ext cx="12192000" cy="0"/>
+            </a:xfrm>
+            <a:prstGeom prst="line">
+              <a:avLst/>
+            </a:prstGeom>
+            <a:ln w="12700">
+              <a:solidFill>
+                <a:srgbClr val="BCBCBC">
+                  <a:alpha val="29804"/>
+                </a:srgbClr>
+              </a:solidFill>
+              <a:prstDash val="sysDot"/>
+            </a:ln>
+          </p:spPr>
+          <p:style>
+            <a:lnRef idx="1">
+              <a:schemeClr val="accent1"/>
+            </a:lnRef>
+            <a:fillRef idx="0">
+              <a:schemeClr val="accent1"/>
+            </a:fillRef>
+            <a:effectRef idx="0">
+              <a:schemeClr val="accent1"/>
+            </a:effectRef>
+            <a:fontRef idx="minor">
+              <a:schemeClr val="tx1"/>
+            </a:fontRef>
+          </p:style>
+        </p:cxnSp>
+        <p:cxnSp>
+          <p:nvCxnSpPr>
+            <p:cNvPr id="78" name="Straight Connector 77">
+              <a:extLst>
+                <a:ext uri="{FF2B5EF4-FFF2-40B4-BE49-F238E27FC236}">
+                  <a16:creationId xmlns:a16="http://schemas.microsoft.com/office/drawing/2014/main" id="{F6B02D5B-D04D-4A2C-A5CF-91D1534290DF}"/>
+                </a:ext>
+                <a:ext uri="{C183D7F6-B498-43B3-948B-1728B52AA6E4}">
+                  <adec:decorative xmlns:adec="http://schemas.microsoft.com/office/drawing/2017/decorative" val="1"/>
+                </a:ext>
+              </a:extLst>
+            </p:cNvPr>
+            <p:cNvCxnSpPr>
+              <a:cxnSpLocks/>
+            </p:cNvCxnSpPr>
+            <p:nvPr>
+              <p:extLst>
+                <p:ext uri="{386F3935-93C4-4BCD-93E2-E3B085C9AB24}">
+                  <p16:designElem xmlns:p16="http://schemas.microsoft.com/office/powerpoint/2015/main" val="1"/>
+                </p:ext>
+              </p:extLst>
+            </p:nvPr>
+          </p:nvCxnSpPr>
+          <p:spPr>
+            <a:xfrm>
+              <a:off x="0" y="1800359"/>
+              <a:ext cx="12192000" cy="0"/>
+            </a:xfrm>
+            <a:prstGeom prst="line">
+              <a:avLst/>
+            </a:prstGeom>
+            <a:ln w="12700">
+              <a:solidFill>
+                <a:srgbClr val="BCBCBC">
+                  <a:alpha val="29804"/>
+                </a:srgbClr>
+              </a:solidFill>
+              <a:prstDash val="sysDot"/>
+            </a:ln>
+          </p:spPr>
+          <p:style>
+            <a:lnRef idx="1">
+              <a:schemeClr val="accent1"/>
+            </a:lnRef>
+            <a:fillRef idx="0">
+              <a:schemeClr val="accent1"/>
+            </a:fillRef>
+            <a:effectRef idx="0">
+              <a:schemeClr val="accent1"/>
+            </a:effectRef>
+            <a:fontRef idx="minor">
+              <a:schemeClr val="tx1"/>
+            </a:fontRef>
+          </p:style>
+        </p:cxnSp>
+        <p:cxnSp>
+          <p:nvCxnSpPr>
+            <p:cNvPr id="79" name="Straight Connector 78">
+              <a:extLst>
+                <a:ext uri="{FF2B5EF4-FFF2-40B4-BE49-F238E27FC236}">
+                  <a16:creationId xmlns:a16="http://schemas.microsoft.com/office/drawing/2014/main" id="{568FE945-F3C5-445E-B906-FC9FAF734799}"/>
+                </a:ext>
+                <a:ext uri="{C183D7F6-B498-43B3-948B-1728B52AA6E4}">
+                  <adec:decorative xmlns:adec="http://schemas.microsoft.com/office/drawing/2017/decorative" val="1"/>
+                </a:ext>
+              </a:extLst>
+            </p:cNvPr>
+            <p:cNvCxnSpPr>
+              <a:cxnSpLocks/>
+            </p:cNvCxnSpPr>
+            <p:nvPr>
+              <p:extLst>
+                <p:ext uri="{386F3935-93C4-4BCD-93E2-E3B085C9AB24}">
+                  <p16:designElem xmlns:p16="http://schemas.microsoft.com/office/powerpoint/2015/main" val="1"/>
+                </p:ext>
+              </p:extLst>
+            </p:nvPr>
+          </p:nvCxnSpPr>
+          <p:spPr>
+            <a:xfrm>
+              <a:off x="0" y="2343240"/>
+              <a:ext cx="12192000" cy="0"/>
+            </a:xfrm>
+            <a:prstGeom prst="line">
+              <a:avLst/>
+            </a:prstGeom>
+            <a:ln w="12700">
+              <a:solidFill>
+                <a:srgbClr val="BCBCBC">
+                  <a:alpha val="29804"/>
+                </a:srgbClr>
+              </a:solidFill>
+              <a:prstDash val="sysDot"/>
+            </a:ln>
+          </p:spPr>
+          <p:style>
+            <a:lnRef idx="1">
+              <a:schemeClr val="accent1"/>
+            </a:lnRef>
+            <a:fillRef idx="0">
+              <a:schemeClr val="accent1"/>
+            </a:fillRef>
+            <a:effectRef idx="0">
+              <a:schemeClr val="accent1"/>
+            </a:effectRef>
+            <a:fontRef idx="minor">
+              <a:schemeClr val="tx1"/>
+            </a:fontRef>
+          </p:style>
+        </p:cxnSp>
+        <p:cxnSp>
+          <p:nvCxnSpPr>
+            <p:cNvPr id="80" name="Straight Connector 79">
+              <a:extLst>
+                <a:ext uri="{FF2B5EF4-FFF2-40B4-BE49-F238E27FC236}">
+                  <a16:creationId xmlns:a16="http://schemas.microsoft.com/office/drawing/2014/main" id="{9AF4C4E0-F9C9-45B0-8B83-5C344A71B484}"/>
+                </a:ext>
+                <a:ext uri="{C183D7F6-B498-43B3-948B-1728B52AA6E4}">
+                  <adec:decorative xmlns:adec="http://schemas.microsoft.com/office/drawing/2017/decorative" val="1"/>
+                </a:ext>
+              </a:extLst>
+            </p:cNvPr>
+            <p:cNvCxnSpPr>
+              <a:cxnSpLocks/>
+            </p:cNvCxnSpPr>
+            <p:nvPr>
+              <p:extLst>
+                <p:ext uri="{386F3935-93C4-4BCD-93E2-E3B085C9AB24}">
+                  <p16:designElem xmlns:p16="http://schemas.microsoft.com/office/powerpoint/2015/main" val="1"/>
+                </p:ext>
+              </p:extLst>
+            </p:nvPr>
+          </p:nvCxnSpPr>
+          <p:spPr>
+            <a:xfrm>
+              <a:off x="0" y="2886121"/>
+              <a:ext cx="12192000" cy="0"/>
+            </a:xfrm>
+            <a:prstGeom prst="line">
+              <a:avLst/>
+            </a:prstGeom>
+            <a:ln w="12700">
+              <a:solidFill>
+                <a:srgbClr val="BCBCBC">
+                  <a:alpha val="29804"/>
+                </a:srgbClr>
+              </a:solidFill>
+              <a:prstDash val="sysDot"/>
+            </a:ln>
+          </p:spPr>
+          <p:style>
+            <a:lnRef idx="1">
+              <a:schemeClr val="accent1"/>
+            </a:lnRef>
+            <a:fillRef idx="0">
+              <a:schemeClr val="accent1"/>
+            </a:fillRef>
+            <a:effectRef idx="0">
+              <a:schemeClr val="accent1"/>
+            </a:effectRef>
+            <a:fontRef idx="minor">
+              <a:schemeClr val="tx1"/>
+            </a:fontRef>
+          </p:style>
+        </p:cxnSp>
+        <p:cxnSp>
+          <p:nvCxnSpPr>
+            <p:cNvPr id="81" name="Straight Connector 80">
+              <a:extLst>
+                <a:ext uri="{FF2B5EF4-FFF2-40B4-BE49-F238E27FC236}">
+                  <a16:creationId xmlns:a16="http://schemas.microsoft.com/office/drawing/2014/main" id="{DD05AC98-1440-4ED3-BBDF-BC89F248F98A}"/>
+                </a:ext>
+                <a:ext uri="{C183D7F6-B498-43B3-948B-1728B52AA6E4}">
+                  <adec:decorative xmlns:adec="http://schemas.microsoft.com/office/drawing/2017/decorative" val="1"/>
+                </a:ext>
+              </a:extLst>
+            </p:cNvPr>
+            <p:cNvCxnSpPr>
+              <a:cxnSpLocks/>
+            </p:cNvCxnSpPr>
+            <p:nvPr>
+              <p:extLst>
+                <p:ext uri="{386F3935-93C4-4BCD-93E2-E3B085C9AB24}">
+                  <p16:designElem xmlns:p16="http://schemas.microsoft.com/office/powerpoint/2015/main" val="1"/>
+                </p:ext>
+              </p:extLst>
+            </p:nvPr>
+          </p:nvCxnSpPr>
+          <p:spPr>
+            <a:xfrm>
+              <a:off x="0" y="3429002"/>
+              <a:ext cx="12192000" cy="0"/>
+            </a:xfrm>
+            <a:prstGeom prst="line">
+              <a:avLst/>
+            </a:prstGeom>
+            <a:ln w="12700">
+              <a:solidFill>
+                <a:srgbClr val="BCBCBC">
+                  <a:alpha val="29804"/>
+                </a:srgbClr>
+              </a:solidFill>
+              <a:prstDash val="sysDot"/>
+            </a:ln>
+          </p:spPr>
+          <p:style>
+            <a:lnRef idx="1">
+              <a:schemeClr val="accent1"/>
+            </a:lnRef>
+            <a:fillRef idx="0">
+              <a:schemeClr val="accent1"/>
+            </a:fillRef>
+            <a:effectRef idx="0">
+              <a:schemeClr val="accent1"/>
+            </a:effectRef>
+            <a:fontRef idx="minor">
+              <a:schemeClr val="tx1"/>
+            </a:fontRef>
+          </p:style>
+        </p:cxnSp>
+        <p:cxnSp>
+          <p:nvCxnSpPr>
+            <p:cNvPr id="82" name="Straight Connector 81">
+              <a:extLst>
+                <a:ext uri="{FF2B5EF4-FFF2-40B4-BE49-F238E27FC236}">
+                  <a16:creationId xmlns:a16="http://schemas.microsoft.com/office/drawing/2014/main" id="{A9C04193-7AC6-475B-ABF0-124F26E6BDA4}"/>
+                </a:ext>
+                <a:ext uri="{C183D7F6-B498-43B3-948B-1728B52AA6E4}">
+                  <adec:decorative xmlns:adec="http://schemas.microsoft.com/office/drawing/2017/decorative" val="1"/>
+                </a:ext>
+              </a:extLst>
+            </p:cNvPr>
+            <p:cNvCxnSpPr>
+              <a:cxnSpLocks/>
+            </p:cNvCxnSpPr>
+            <p:nvPr>
+              <p:extLst>
+                <p:ext uri="{386F3935-93C4-4BCD-93E2-E3B085C9AB24}">
+                  <p16:designElem xmlns:p16="http://schemas.microsoft.com/office/powerpoint/2015/main" val="1"/>
+                </p:ext>
+              </p:extLst>
+            </p:nvPr>
+          </p:nvCxnSpPr>
+          <p:spPr>
+            <a:xfrm>
+              <a:off x="0" y="3971883"/>
+              <a:ext cx="12192000" cy="0"/>
+            </a:xfrm>
+            <a:prstGeom prst="line">
+              <a:avLst/>
+            </a:prstGeom>
+            <a:ln w="12700">
+              <a:solidFill>
+                <a:srgbClr val="BCBCBC">
+                  <a:alpha val="29804"/>
+                </a:srgbClr>
+              </a:solidFill>
+              <a:prstDash val="sysDot"/>
+            </a:ln>
+          </p:spPr>
+          <p:style>
+            <a:lnRef idx="1">
+              <a:schemeClr val="accent1"/>
+            </a:lnRef>
+            <a:fillRef idx="0">
+              <a:schemeClr val="accent1"/>
+            </a:fillRef>
+            <a:effectRef idx="0">
+              <a:schemeClr val="accent1"/>
+            </a:effectRef>
+            <a:fontRef idx="minor">
+              <a:schemeClr val="tx1"/>
+            </a:fontRef>
+          </p:style>
+        </p:cxnSp>
+        <p:cxnSp>
+          <p:nvCxnSpPr>
+            <p:cNvPr id="83" name="Straight Connector 82">
+              <a:extLst>
+                <a:ext uri="{FF2B5EF4-FFF2-40B4-BE49-F238E27FC236}">
+                  <a16:creationId xmlns:a16="http://schemas.microsoft.com/office/drawing/2014/main" id="{8C3C8E23-341E-40F3-BF1F-ECC8CA8F0442}"/>
+                </a:ext>
+                <a:ext uri="{C183D7F6-B498-43B3-948B-1728B52AA6E4}">
+                  <adec:decorative xmlns:adec="http://schemas.microsoft.com/office/drawing/2017/decorative" val="1"/>
+                </a:ext>
+              </a:extLst>
+            </p:cNvPr>
+            <p:cNvCxnSpPr>
+              <a:cxnSpLocks/>
+            </p:cNvCxnSpPr>
+            <p:nvPr>
+              <p:extLst>
+                <p:ext uri="{386F3935-93C4-4BCD-93E2-E3B085C9AB24}">
+                  <p16:designElem xmlns:p16="http://schemas.microsoft.com/office/powerpoint/2015/main" val="1"/>
+                </p:ext>
+              </p:extLst>
+            </p:nvPr>
+          </p:nvCxnSpPr>
+          <p:spPr>
+            <a:xfrm>
+              <a:off x="0" y="4514764"/>
+              <a:ext cx="12192000" cy="0"/>
+            </a:xfrm>
+            <a:prstGeom prst="line">
+              <a:avLst/>
+            </a:prstGeom>
+            <a:ln w="12700">
+              <a:solidFill>
+                <a:srgbClr val="BCBCBC">
+                  <a:alpha val="29804"/>
+                </a:srgbClr>
+              </a:solidFill>
+              <a:prstDash val="sysDot"/>
+            </a:ln>
+          </p:spPr>
+          <p:style>
+            <a:lnRef idx="1">
+              <a:schemeClr val="accent1"/>
+            </a:lnRef>
+            <a:fillRef idx="0">
+              <a:schemeClr val="accent1"/>
+            </a:fillRef>
+            <a:effectRef idx="0">
+              <a:schemeClr val="accent1"/>
+            </a:effectRef>
+            <a:fontRef idx="minor">
+              <a:schemeClr val="tx1"/>
+            </a:fontRef>
+          </p:style>
+        </p:cxnSp>
+        <p:cxnSp>
+          <p:nvCxnSpPr>
+            <p:cNvPr id="84" name="Straight Connector 83">
+              <a:extLst>
+                <a:ext uri="{FF2B5EF4-FFF2-40B4-BE49-F238E27FC236}">
+                  <a16:creationId xmlns:a16="http://schemas.microsoft.com/office/drawing/2014/main" id="{0378643A-EADF-4EB2-9D39-FA294DFBFE3C}"/>
+                </a:ext>
+                <a:ext uri="{C183D7F6-B498-43B3-948B-1728B52AA6E4}">
+                  <adec:decorative xmlns:adec="http://schemas.microsoft.com/office/drawing/2017/decorative" val="1"/>
+                </a:ext>
+              </a:extLst>
+            </p:cNvPr>
+            <p:cNvCxnSpPr>
+              <a:cxnSpLocks/>
+            </p:cNvCxnSpPr>
+            <p:nvPr>
+              <p:extLst>
+                <p:ext uri="{386F3935-93C4-4BCD-93E2-E3B085C9AB24}">
+                  <p16:designElem xmlns:p16="http://schemas.microsoft.com/office/powerpoint/2015/main" val="1"/>
+                </p:ext>
+              </p:extLst>
+            </p:nvPr>
+          </p:nvCxnSpPr>
+          <p:spPr>
+            <a:xfrm>
+              <a:off x="0" y="5057645"/>
+              <a:ext cx="12192000" cy="0"/>
+            </a:xfrm>
+            <a:prstGeom prst="line">
+              <a:avLst/>
+            </a:prstGeom>
+            <a:ln w="12700">
+              <a:solidFill>
+                <a:srgbClr val="BCBCBC">
+                  <a:alpha val="29804"/>
+                </a:srgbClr>
+              </a:solidFill>
+              <a:prstDash val="sysDot"/>
+            </a:ln>
+          </p:spPr>
+          <p:style>
+            <a:lnRef idx="1">
+              <a:schemeClr val="accent1"/>
+            </a:lnRef>
+            <a:fillRef idx="0">
+              <a:schemeClr val="accent1"/>
+            </a:fillRef>
+            <a:effectRef idx="0">
+              <a:schemeClr val="accent1"/>
+            </a:effectRef>
+            <a:fontRef idx="minor">
+              <a:schemeClr val="tx1"/>
+            </a:fontRef>
+          </p:style>
+        </p:cxnSp>
+        <p:cxnSp>
+          <p:nvCxnSpPr>
+            <p:cNvPr id="85" name="Straight Connector 84">
+              <a:extLst>
+                <a:ext uri="{FF2B5EF4-FFF2-40B4-BE49-F238E27FC236}">
+                  <a16:creationId xmlns:a16="http://schemas.microsoft.com/office/drawing/2014/main" id="{8F93D56A-A28E-4201-8293-D716906D71DF}"/>
+                </a:ext>
+                <a:ext uri="{C183D7F6-B498-43B3-948B-1728B52AA6E4}">
+                  <adec:decorative xmlns:adec="http://schemas.microsoft.com/office/drawing/2017/decorative" val="1"/>
+                </a:ext>
+              </a:extLst>
+            </p:cNvPr>
+            <p:cNvCxnSpPr>
+              <a:cxnSpLocks/>
+            </p:cNvCxnSpPr>
+            <p:nvPr>
+              <p:extLst>
+                <p:ext uri="{386F3935-93C4-4BCD-93E2-E3B085C9AB24}">
+                  <p16:designElem xmlns:p16="http://schemas.microsoft.com/office/powerpoint/2015/main" val="1"/>
+                </p:ext>
+              </p:extLst>
+            </p:nvPr>
+          </p:nvCxnSpPr>
+          <p:spPr>
+            <a:xfrm>
+              <a:off x="0" y="5600526"/>
+              <a:ext cx="12192000" cy="0"/>
+            </a:xfrm>
+            <a:prstGeom prst="line">
+              <a:avLst/>
+            </a:prstGeom>
+            <a:ln w="12700">
+              <a:solidFill>
+                <a:srgbClr val="BCBCBC">
+                  <a:alpha val="29804"/>
+                </a:srgbClr>
+              </a:solidFill>
+              <a:prstDash val="sysDot"/>
+            </a:ln>
+          </p:spPr>
+          <p:style>
+            <a:lnRef idx="1">
+              <a:schemeClr val="accent1"/>
+            </a:lnRef>
+            <a:fillRef idx="0">
+              <a:schemeClr val="accent1"/>
+            </a:fillRef>
+            <a:effectRef idx="0">
+              <a:schemeClr val="accent1"/>
+            </a:effectRef>
+            <a:fontRef idx="minor">
+              <a:schemeClr val="tx1"/>
+            </a:fontRef>
+          </p:style>
+        </p:cxnSp>
+        <p:cxnSp>
+          <p:nvCxnSpPr>
+            <p:cNvPr id="86" name="Straight Connector 85">
+              <a:extLst>
+                <a:ext uri="{FF2B5EF4-FFF2-40B4-BE49-F238E27FC236}">
+                  <a16:creationId xmlns:a16="http://schemas.microsoft.com/office/drawing/2014/main" id="{70AA7744-5CCA-46B9-8B10-AD632C2D7031}"/>
+                </a:ext>
+                <a:ext uri="{C183D7F6-B498-43B3-948B-1728B52AA6E4}">
+                  <adec:decorative xmlns:adec="http://schemas.microsoft.com/office/drawing/2017/decorative" val="1"/>
+                </a:ext>
+              </a:extLst>
+            </p:cNvPr>
+            <p:cNvCxnSpPr>
+              <a:cxnSpLocks/>
+            </p:cNvCxnSpPr>
+            <p:nvPr>
+              <p:extLst>
+                <p:ext uri="{386F3935-93C4-4BCD-93E2-E3B085C9AB24}">
+                  <p16:designElem xmlns:p16="http://schemas.microsoft.com/office/powerpoint/2015/main" val="1"/>
+                </p:ext>
+              </p:extLst>
+            </p:nvPr>
+          </p:nvCxnSpPr>
+          <p:spPr>
+            <a:xfrm>
+              <a:off x="0" y="6857999"/>
+              <a:ext cx="12192000" cy="0"/>
+            </a:xfrm>
+            <a:prstGeom prst="line">
+              <a:avLst/>
+            </a:prstGeom>
+            <a:ln w="12700">
+              <a:solidFill>
+                <a:srgbClr val="BCBCBC">
+                  <a:alpha val="29804"/>
+                </a:srgbClr>
+              </a:solidFill>
+              <a:prstDash val="sysDot"/>
+            </a:ln>
+          </p:spPr>
+          <p:style>
+            <a:lnRef idx="1">
+              <a:schemeClr val="accent1"/>
+            </a:lnRef>
+            <a:fillRef idx="0">
+              <a:schemeClr val="accent1"/>
+            </a:fillRef>
+            <a:effectRef idx="0">
+              <a:schemeClr val="accent1"/>
+            </a:effectRef>
+            <a:fontRef idx="minor">
+              <a:schemeClr val="tx1"/>
+            </a:fontRef>
+          </p:style>
+        </p:cxnSp>
+        <p:cxnSp>
+          <p:nvCxnSpPr>
+            <p:cNvPr id="87" name="Straight Connector 86">
+              <a:extLst>
+                <a:ext uri="{FF2B5EF4-FFF2-40B4-BE49-F238E27FC236}">
+                  <a16:creationId xmlns:a16="http://schemas.microsoft.com/office/drawing/2014/main" id="{BEEA2F9D-20BE-49EA-8282-486B36601DBC}"/>
+                </a:ext>
+                <a:ext uri="{C183D7F6-B498-43B3-948B-1728B52AA6E4}">
+                  <adec:decorative xmlns:adec="http://schemas.microsoft.com/office/drawing/2017/decorative" val="1"/>
+                </a:ext>
+              </a:extLst>
+            </p:cNvPr>
+            <p:cNvCxnSpPr>
+              <a:cxnSpLocks/>
+            </p:cNvCxnSpPr>
+            <p:nvPr>
+              <p:extLst>
+                <p:ext uri="{386F3935-93C4-4BCD-93E2-E3B085C9AB24}">
+                  <p16:designElem xmlns:p16="http://schemas.microsoft.com/office/powerpoint/2015/main" val="1"/>
+                </p:ext>
+              </p:extLst>
+            </p:nvPr>
+          </p:nvCxnSpPr>
+          <p:spPr>
+            <a:xfrm>
+              <a:off x="16613" y="6143407"/>
+              <a:ext cx="12192000" cy="0"/>
+            </a:xfrm>
+            <a:prstGeom prst="line">
+              <a:avLst/>
+            </a:prstGeom>
+            <a:ln w="12700">
+              <a:solidFill>
+                <a:srgbClr val="BCBCBC">
+                  <a:alpha val="29804"/>
+                </a:srgbClr>
+              </a:solidFill>
+              <a:prstDash val="sysDot"/>
+            </a:ln>
+          </p:spPr>
+          <p:style>
+            <a:lnRef idx="1">
+              <a:schemeClr val="accent1"/>
+            </a:lnRef>
+            <a:fillRef idx="0">
+              <a:schemeClr val="accent1"/>
+            </a:fillRef>
+            <a:effectRef idx="0">
+              <a:schemeClr val="accent1"/>
+            </a:effectRef>
+            <a:fontRef idx="minor">
+              <a:schemeClr val="tx1"/>
+            </a:fontRef>
+          </p:style>
+        </p:cxnSp>
+        <p:cxnSp>
+          <p:nvCxnSpPr>
+            <p:cNvPr id="88" name="Straight Connector 87">
+              <a:extLst>
+                <a:ext uri="{FF2B5EF4-FFF2-40B4-BE49-F238E27FC236}">
+                  <a16:creationId xmlns:a16="http://schemas.microsoft.com/office/drawing/2014/main" id="{8AD57988-A54E-4C9B-BB33-50A03DB63B68}"/>
+                </a:ext>
+                <a:ext uri="{C183D7F6-B498-43B3-948B-1728B52AA6E4}">
+                  <adec:decorative xmlns:adec="http://schemas.microsoft.com/office/drawing/2017/decorative" val="1"/>
+                </a:ext>
+              </a:extLst>
+            </p:cNvPr>
+            <p:cNvCxnSpPr>
+              <a:cxnSpLocks/>
+            </p:cNvCxnSpPr>
+            <p:nvPr>
+              <p:extLst>
+                <p:ext uri="{386F3935-93C4-4BCD-93E2-E3B085C9AB24}">
+                  <p16:designElem xmlns:p16="http://schemas.microsoft.com/office/powerpoint/2015/main" val="1"/>
+                </p:ext>
+              </p:extLst>
+            </p:nvPr>
+          </p:nvCxnSpPr>
+          <p:spPr>
+            <a:xfrm>
+              <a:off x="684225" y="171716"/>
+              <a:ext cx="0" cy="6511464"/>
+            </a:xfrm>
+            <a:prstGeom prst="line">
+              <a:avLst/>
+            </a:prstGeom>
+            <a:ln w="12700">
+              <a:solidFill>
+                <a:srgbClr val="BCBCBC">
+                  <a:alpha val="29804"/>
+                </a:srgbClr>
+              </a:solidFill>
+              <a:prstDash val="sysDot"/>
+            </a:ln>
+          </p:spPr>
+          <p:style>
+            <a:lnRef idx="1">
+              <a:schemeClr val="accent1"/>
+            </a:lnRef>
+            <a:fillRef idx="0">
+              <a:schemeClr val="accent1"/>
+            </a:fillRef>
+            <a:effectRef idx="0">
+              <a:schemeClr val="accent1"/>
+            </a:effectRef>
+            <a:fontRef idx="minor">
+              <a:schemeClr val="tx1"/>
+            </a:fontRef>
+          </p:style>
+        </p:cxnSp>
+        <p:cxnSp>
+          <p:nvCxnSpPr>
+            <p:cNvPr id="89" name="Straight Connector 88">
+              <a:extLst>
+                <a:ext uri="{FF2B5EF4-FFF2-40B4-BE49-F238E27FC236}">
+                  <a16:creationId xmlns:a16="http://schemas.microsoft.com/office/drawing/2014/main" id="{520EEE2B-368D-4BA2-93F7-3B41F0C9378E}"/>
+                </a:ext>
+                <a:ext uri="{C183D7F6-B498-43B3-948B-1728B52AA6E4}">
+                  <adec:decorative xmlns:adec="http://schemas.microsoft.com/office/drawing/2017/decorative" val="1"/>
+                </a:ext>
+              </a:extLst>
+            </p:cNvPr>
+            <p:cNvCxnSpPr>
+              <a:cxnSpLocks/>
+            </p:cNvCxnSpPr>
+            <p:nvPr>
+              <p:extLst>
+                <p:ext uri="{386F3935-93C4-4BCD-93E2-E3B085C9AB24}">
+                  <p16:designElem xmlns:p16="http://schemas.microsoft.com/office/powerpoint/2015/main" val="1"/>
+                </p:ext>
+              </p:extLst>
+            </p:nvPr>
+          </p:nvCxnSpPr>
+          <p:spPr>
+            <a:xfrm>
+              <a:off x="11508412" y="173267"/>
+              <a:ext cx="0" cy="6511464"/>
+            </a:xfrm>
+            <a:prstGeom prst="line">
+              <a:avLst/>
+            </a:prstGeom>
+            <a:ln w="12700">
+              <a:solidFill>
+                <a:srgbClr val="BCBCBC">
+                  <a:alpha val="29804"/>
+                </a:srgbClr>
+              </a:solidFill>
+              <a:prstDash val="sysDot"/>
+            </a:ln>
+          </p:spPr>
+          <p:style>
+            <a:lnRef idx="1">
+              <a:schemeClr val="accent1"/>
+            </a:lnRef>
+            <a:fillRef idx="0">
+              <a:schemeClr val="accent1"/>
+            </a:fillRef>
+            <a:effectRef idx="0">
+              <a:schemeClr val="accent1"/>
+            </a:effectRef>
+            <a:fontRef idx="minor">
+              <a:schemeClr val="tx1"/>
+            </a:fontRef>
+          </p:style>
+        </p:cxnSp>
+      </p:grpSp>
+      <p:sp>
+        <p:nvSpPr>
+          <p:cNvPr id="91" name="Freeform: Shape 90">
+            <a:extLst>
+              <a:ext uri="{FF2B5EF4-FFF2-40B4-BE49-F238E27FC236}">
+                <a16:creationId xmlns:a16="http://schemas.microsoft.com/office/drawing/2014/main" id="{83C375E8-F6F8-46A9-AAA9-EDE318CADC6B}"/>
+              </a:ext>
+              <a:ext uri="{C183D7F6-B498-43B3-948B-1728B52AA6E4}">
+                <adec:decorative xmlns:adec="http://schemas.microsoft.com/office/drawing/2017/decorative" val="1"/>
+              </a:ext>
+            </a:extLst>
+          </p:cNvPr>
+          <p:cNvSpPr>
+            <a:spLocks noGrp="1" noRot="1" noChangeAspect="1" noMove="1" noResize="1" noEditPoints="1" noAdjustHandles="1" noChangeArrowheads="1" noChangeShapeType="1" noTextEdit="1"/>
+          </p:cNvSpPr>
+          <p:nvPr>
+            <p:extLst>
+              <p:ext uri="{386F3935-93C4-4BCD-93E2-E3B085C9AB24}">
+                <p16:designElem xmlns:p16="http://schemas.microsoft.com/office/powerpoint/2015/main" val="1"/>
+              </p:ext>
+            </p:extLst>
+          </p:nvPr>
+        </p:nvSpPr>
+        <p:spPr>
+          <a:xfrm rot="10800000">
+            <a:off x="-6214" y="-1"/>
+            <a:ext cx="12198214" cy="3276600"/>
+          </a:xfrm>
+          <a:custGeom>
+            <a:avLst/>
+            <a:gdLst>
+              <a:gd name="connsiteX0" fmla="*/ 8951169 w 12179808"/>
+              <a:gd name="connsiteY0" fmla="*/ 21 h 2933519"/>
+              <a:gd name="connsiteX1" fmla="*/ 11653845 w 12179808"/>
+              <a:gd name="connsiteY1" fmla="*/ 146056 h 2933519"/>
+              <a:gd name="connsiteX2" fmla="*/ 12178450 w 12179808"/>
+              <a:gd name="connsiteY2" fmla="*/ 199538 h 2933519"/>
+              <a:gd name="connsiteX3" fmla="*/ 12178450 w 12179808"/>
+              <a:gd name="connsiteY3" fmla="*/ 1261956 h 2933519"/>
+              <a:gd name="connsiteX4" fmla="*/ 12179808 w 12179808"/>
+              <a:gd name="connsiteY4" fmla="*/ 1261956 h 2933519"/>
+              <a:gd name="connsiteX5" fmla="*/ 12179808 w 12179808"/>
+              <a:gd name="connsiteY5" fmla="*/ 2933519 h 2933519"/>
+              <a:gd name="connsiteX6" fmla="*/ 0 w 12179808"/>
+              <a:gd name="connsiteY6" fmla="*/ 2933519 h 2933519"/>
+              <a:gd name="connsiteX7" fmla="*/ 0 w 12179808"/>
+              <a:gd name="connsiteY7" fmla="*/ 1392987 h 2933519"/>
+              <a:gd name="connsiteX8" fmla="*/ 0 w 12179808"/>
+              <a:gd name="connsiteY8" fmla="*/ 1261956 h 2933519"/>
+              <a:gd name="connsiteX9" fmla="*/ 0 w 12179808"/>
+              <a:gd name="connsiteY9" fmla="*/ 703569 h 2933519"/>
+              <a:gd name="connsiteX10" fmla="*/ 8951169 w 12179808"/>
+              <a:gd name="connsiteY10" fmla="*/ 21 h 2933519"/>
+            </a:gdLst>
+            <a:ahLst/>
+            <a:cxnLst>
+              <a:cxn ang="0">
+                <a:pos x="connsiteX0" y="connsiteY0"/>
+              </a:cxn>
+              <a:cxn ang="0">
+                <a:pos x="connsiteX1" y="connsiteY1"/>
+              </a:cxn>
+              <a:cxn ang="0">
+                <a:pos x="connsiteX2" y="connsiteY2"/>
+              </a:cxn>
+              <a:cxn ang="0">
+                <a:pos x="connsiteX3" y="connsiteY3"/>
+              </a:cxn>
+              <a:cxn ang="0">
+                <a:pos x="connsiteX4" y="connsiteY4"/>
+              </a:cxn>
+              <a:cxn ang="0">
+                <a:pos x="connsiteX5" y="connsiteY5"/>
+              </a:cxn>
+              <a:cxn ang="0">
+                <a:pos x="connsiteX6" y="connsiteY6"/>
+              </a:cxn>
+              <a:cxn ang="0">
+                <a:pos x="connsiteX7" y="connsiteY7"/>
+              </a:cxn>
+              <a:cxn ang="0">
+                <a:pos x="connsiteX8" y="connsiteY8"/>
+              </a:cxn>
+              <a:cxn ang="0">
+                <a:pos x="connsiteX9" y="connsiteY9"/>
+              </a:cxn>
+              <a:cxn ang="0">
+                <a:pos x="connsiteX10" y="connsiteY10"/>
+              </a:cxn>
+            </a:cxnLst>
+            <a:rect l="l" t="t" r="r" b="b"/>
+            <a:pathLst>
+              <a:path w="12179808" h="2933519">
+                <a:moveTo>
+                  <a:pt x="8951169" y="21"/>
+                </a:moveTo>
+                <a:cubicBezTo>
+                  <a:pt x="9704520" y="1107"/>
+                  <a:pt x="10578586" y="43239"/>
+                  <a:pt x="11653845" y="146056"/>
+                </a:cubicBezTo>
+                <a:lnTo>
+                  <a:pt x="12178450" y="199538"/>
+                </a:lnTo>
+                <a:lnTo>
+                  <a:pt x="12178450" y="1261956"/>
+                </a:lnTo>
+                <a:lnTo>
+                  <a:pt x="12179808" y="1261956"/>
+                </a:lnTo>
+                <a:lnTo>
+                  <a:pt x="12179808" y="2933519"/>
+                </a:lnTo>
+                <a:lnTo>
+                  <a:pt x="0" y="2933519"/>
+                </a:lnTo>
+                <a:lnTo>
+                  <a:pt x="0" y="1392987"/>
+                </a:lnTo>
+                <a:lnTo>
+                  <a:pt x="0" y="1261956"/>
+                </a:lnTo>
+                <a:lnTo>
+                  <a:pt x="0" y="703569"/>
+                </a:lnTo>
+                <a:cubicBezTo>
+                  <a:pt x="4768989" y="703569"/>
+                  <a:pt x="5812206" y="-4505"/>
+                  <a:pt x="8951169" y="21"/>
+                </a:cubicBezTo>
+                <a:close/>
+              </a:path>
+            </a:pathLst>
+          </a:custGeom>
+          <a:solidFill>
+            <a:schemeClr val="bg1">
+              <a:alpha val="85000"/>
+            </a:schemeClr>
+          </a:solidFill>
+          <a:ln>
+            <a:noFill/>
+          </a:ln>
+        </p:spPr>
+        <p:style>
+          <a:lnRef idx="2">
+            <a:schemeClr val="accent1">
+              <a:shade val="50000"/>
+            </a:schemeClr>
+          </a:lnRef>
+          <a:fillRef idx="1">
+            <a:schemeClr val="accent1"/>
+          </a:fillRef>
+          <a:effectRef idx="0">
+            <a:schemeClr val="accent1"/>
+          </a:effectRef>
+          <a:fontRef idx="minor">
+            <a:schemeClr val="lt1"/>
+          </a:fontRef>
+        </p:style>
+        <p:txBody>
+          <a:bodyPr wrap="square" rtlCol="0" anchor="ctr">
+            <a:noAutofit/>
+          </a:bodyPr>
+          <a:lstStyle/>
+          <a:p>
+            <a:pPr algn="ctr"/>
+            <a:endParaRPr lang="en-US">
+              <a:solidFill>
+                <a:schemeClr val="bg1"/>
+              </a:solidFill>
+            </a:endParaRPr>
+          </a:p>
+        </p:txBody>
+      </p:sp>
+      <p:sp>
+        <p:nvSpPr>
+          <p:cNvPr id="2" name="Titel 1">
+            <a:extLst>
+              <a:ext uri="{FF2B5EF4-FFF2-40B4-BE49-F238E27FC236}">
+                <a16:creationId xmlns:a16="http://schemas.microsoft.com/office/drawing/2014/main" id="{9B27C47F-B8D0-39C6-BF29-3237DF047171}"/>
+              </a:ext>
+            </a:extLst>
+          </p:cNvPr>
+          <p:cNvSpPr>
+            <a:spLocks noGrp="1"/>
+          </p:cNvSpPr>
+          <p:nvPr>
+            <p:ph type="ctrTitle"/>
+          </p:nvPr>
+        </p:nvSpPr>
+        <p:spPr>
+          <a:xfrm>
+            <a:off x="684225" y="746841"/>
+            <a:ext cx="6385847" cy="1967563"/>
+          </a:xfrm>
+        </p:spPr>
+        <p:txBody>
+          <a:bodyPr anchor="t">
+            <a:normAutofit/>
+          </a:bodyPr>
+          <a:lstStyle/>
+          <a:p>
+            <a:r>
+              <a:rPr lang="en-US" sz="5000"/>
+              <a:t>L</a:t>
+            </a:r>
+            <a:r>
+              <a:rPr lang="de-CH" sz="5000" err="1"/>
+              <a:t>ineare</a:t>
+            </a:r>
+            <a:r>
+              <a:rPr lang="de-CH" sz="5000"/>
+              <a:t> &amp; Logistische Regression</a:t>
+            </a:r>
+          </a:p>
+        </p:txBody>
+      </p:sp>
+      <p:sp>
+        <p:nvSpPr>
+          <p:cNvPr id="7" name="Foliennummernplatzhalter 6">
+            <a:extLst>
+              <a:ext uri="{FF2B5EF4-FFF2-40B4-BE49-F238E27FC236}">
+                <a16:creationId xmlns:a16="http://schemas.microsoft.com/office/drawing/2014/main" id="{FEF7C359-A08E-4595-FBD0-2CC8CEA43307}"/>
+              </a:ext>
+            </a:extLst>
+          </p:cNvPr>
+          <p:cNvSpPr>
+            <a:spLocks noGrp="1"/>
+          </p:cNvSpPr>
+          <p:nvPr>
+            <p:ph type="sldNum" sz="quarter" idx="12"/>
+          </p:nvPr>
+        </p:nvSpPr>
+        <p:spPr>
+          <a:xfrm>
+            <a:off x="11003649" y="6215870"/>
+            <a:ext cx="979151" cy="417126"/>
+          </a:xfrm>
+        </p:spPr>
+        <p:txBody>
+          <a:bodyPr>
+            <a:normAutofit/>
+          </a:bodyPr>
+          <a:lstStyle/>
+          <a:p>
+            <a:pPr>
+              <a:spcAft>
+                <a:spcPts val="600"/>
+              </a:spcAft>
+            </a:pPr>
+            <a:fld id="{BE15108C-154A-4A5A-9C05-91A49A422BA7}" type="slidenum">
+              <a:rPr lang="en-US">
+                <a:solidFill>
+                  <a:srgbClr val="FFFFFF"/>
+                </a:solidFill>
+              </a:rPr>
+              <a:pPr>
+                <a:spcAft>
+                  <a:spcPts val="600"/>
+                </a:spcAft>
+              </a:pPr>
+              <a:t>1</a:t>
+            </a:fld>
+            <a:endParaRPr lang="en-US">
+              <a:solidFill>
+                <a:srgbClr val="FFFFFF"/>
+              </a:solidFill>
+            </a:endParaRPr>
+          </a:p>
+        </p:txBody>
+      </p:sp>
+    </p:spTree>
+    <p:extLst>
+      <p:ext uri="{BB962C8B-B14F-4D97-AF65-F5344CB8AC3E}">
+        <p14:creationId xmlns:p14="http://schemas.microsoft.com/office/powerpoint/2010/main" val="2618431835"/>
+      </p:ext>
+    </p:extLst>
+  </p:cSld>
+  <p:clrMapOvr>
+    <a:masterClrMapping/>
+  </p:clrMapOvr>
+</p:sld>
+</file>
+
+<file path=ppt/slides/slide2.xml><?xml version="1.0" encoding="utf-8"?>
+<p:sld xmlns:a="http://schemas.openxmlformats.org/drawingml/2006/main" xmlns:r="http://schemas.openxmlformats.org/officeDocument/2006/relationships" xmlns:p="http://schemas.openxmlformats.org/presentationml/2006/main">
+  <p:cSld>
+    <p:bg>
+      <p:bgPr>
+        <a:solidFill>
+          <a:schemeClr val="bg1"/>
+        </a:solidFill>
+        <a:effectLst/>
+      </p:bgPr>
+    </p:bg>
+    <p:spTree>
+      <p:nvGrpSpPr>
+        <p:cNvPr id="1" name=""/>
+        <p:cNvGrpSpPr/>
+        <p:nvPr/>
+      </p:nvGrpSpPr>
+      <p:grpSpPr>
+        <a:xfrm>
+          <a:off x="0" y="0"/>
+          <a:ext cx="0" cy="0"/>
+          <a:chOff x="0" y="0"/>
+          <a:chExt cx="0" cy="0"/>
+        </a:xfrm>
+      </p:grpSpPr>
+      <p:sp useBgFill="1">
+        <p:nvSpPr>
+          <p:cNvPr id="85" name="Rectangle 8">
+            <a:extLst>
+              <a:ext uri="{FF2B5EF4-FFF2-40B4-BE49-F238E27FC236}">
+                <a16:creationId xmlns:a16="http://schemas.microsoft.com/office/drawing/2014/main" id="{2FD1FEA2-AFB3-4160-AD46-30A807296446}"/>
               </a:ext>
               <a:ext uri="{C183D7F6-B498-43B3-948B-1728B52AA6E4}">
                 <adec:decorative xmlns:adec="http://schemas.microsoft.com/office/drawing/2017/decorative" val="1"/>
@@ -14409,7 +16992,7 @@
           <p:cNvPr id="11" name="Group 10">
             <a:extLst>
               <a:ext uri="{FF2B5EF4-FFF2-40B4-BE49-F238E27FC236}">
-                <a16:creationId xmlns:a16="http://schemas.microsoft.com/office/drawing/2014/main" id="{7CC099DD-8E7F-4878-A418-76859A85E971}"/>
+                <a16:creationId xmlns:a16="http://schemas.microsoft.com/office/drawing/2014/main" id="{514AF8D4-8E5C-4E3A-999F-1FE86654EE48}"/>
               </a:ext>
               <a:ext uri="{C183D7F6-B498-43B3-948B-1728B52AA6E4}">
                 <adec:decorative xmlns:adec="http://schemas.microsoft.com/office/drawing/2017/decorative" val="1"/>
@@ -14440,7 +17023,7 @@
             <p:cNvPr id="12" name="Straight Connector 11">
               <a:extLst>
                 <a:ext uri="{FF2B5EF4-FFF2-40B4-BE49-F238E27FC236}">
-                  <a16:creationId xmlns:a16="http://schemas.microsoft.com/office/drawing/2014/main" id="{3DEBDB6E-6E9D-48C5-8C66-EC8D1AC84FD2}"/>
+                  <a16:creationId xmlns:a16="http://schemas.microsoft.com/office/drawing/2014/main" id="{AA8BE230-DCEC-4180-B5D3-EA65C4A34369}"/>
                 </a:ext>
                 <a:ext uri="{C183D7F6-B498-43B3-948B-1728B52AA6E4}">
                   <adec:decorative xmlns:adec="http://schemas.microsoft.com/office/drawing/2017/decorative" val="1"/>
@@ -14492,10 +17075,10 @@
         </p:cxnSp>
         <p:cxnSp>
           <p:nvCxnSpPr>
-            <p:cNvPr id="50" name="Straight Connector 12">
-              <a:extLst>
-                <a:ext uri="{FF2B5EF4-FFF2-40B4-BE49-F238E27FC236}">
-                  <a16:creationId xmlns:a16="http://schemas.microsoft.com/office/drawing/2014/main" id="{4B1C1573-D299-448C-8A04-C9E22704695F}"/>
+            <p:cNvPr id="13" name="Straight Connector 12">
+              <a:extLst>
+                <a:ext uri="{FF2B5EF4-FFF2-40B4-BE49-F238E27FC236}">
+                  <a16:creationId xmlns:a16="http://schemas.microsoft.com/office/drawing/2014/main" id="{54034248-80AA-4C75-A898-0CBAF23E74D3}"/>
                 </a:ext>
                 <a:ext uri="{C183D7F6-B498-43B3-948B-1728B52AA6E4}">
                   <adec:decorative xmlns:adec="http://schemas.microsoft.com/office/drawing/2017/decorative" val="1"/>
@@ -14550,7 +17133,7 @@
             <p:cNvPr id="14" name="Straight Connector 13">
               <a:extLst>
                 <a:ext uri="{FF2B5EF4-FFF2-40B4-BE49-F238E27FC236}">
-                  <a16:creationId xmlns:a16="http://schemas.microsoft.com/office/drawing/2014/main" id="{1D0AE86A-F86F-4CBE-9CAD-B508CD66DFB4}"/>
+                  <a16:creationId xmlns:a16="http://schemas.microsoft.com/office/drawing/2014/main" id="{B27431FC-0100-44D0-999E-3EF9B361E1DC}"/>
                 </a:ext>
                 <a:ext uri="{C183D7F6-B498-43B3-948B-1728B52AA6E4}">
                   <adec:decorative xmlns:adec="http://schemas.microsoft.com/office/drawing/2017/decorative" val="1"/>
@@ -14602,10 +17185,10 @@
         </p:cxnSp>
         <p:cxnSp>
           <p:nvCxnSpPr>
-            <p:cNvPr id="51" name="Straight Connector 14">
-              <a:extLst>
-                <a:ext uri="{FF2B5EF4-FFF2-40B4-BE49-F238E27FC236}">
-                  <a16:creationId xmlns:a16="http://schemas.microsoft.com/office/drawing/2014/main" id="{637F07FB-5D28-409C-BEFF-56E4E0470B56}"/>
+            <p:cNvPr id="15" name="Straight Connector 14">
+              <a:extLst>
+                <a:ext uri="{FF2B5EF4-FFF2-40B4-BE49-F238E27FC236}">
+                  <a16:creationId xmlns:a16="http://schemas.microsoft.com/office/drawing/2014/main" id="{B71491DF-0796-4A80-B724-6CAAD85E5726}"/>
                 </a:ext>
                 <a:ext uri="{C183D7F6-B498-43B3-948B-1728B52AA6E4}">
                   <adec:decorative xmlns:adec="http://schemas.microsoft.com/office/drawing/2017/decorative" val="1"/>
@@ -14660,7 +17243,7 @@
             <p:cNvPr id="16" name="Straight Connector 15">
               <a:extLst>
                 <a:ext uri="{FF2B5EF4-FFF2-40B4-BE49-F238E27FC236}">
-                  <a16:creationId xmlns:a16="http://schemas.microsoft.com/office/drawing/2014/main" id="{1F314C2B-7573-4DB8-AD6D-D07CE831EB0F}"/>
+                  <a16:creationId xmlns:a16="http://schemas.microsoft.com/office/drawing/2014/main" id="{5C3FFC75-C94A-4427-85D1-26F0028AC683}"/>
                 </a:ext>
                 <a:ext uri="{C183D7F6-B498-43B3-948B-1728B52AA6E4}">
                   <adec:decorative xmlns:adec="http://schemas.microsoft.com/office/drawing/2017/decorative" val="1"/>
@@ -14715,7 +17298,7 @@
             <p:cNvPr id="17" name="Straight Connector 16">
               <a:extLst>
                 <a:ext uri="{FF2B5EF4-FFF2-40B4-BE49-F238E27FC236}">
-                  <a16:creationId xmlns:a16="http://schemas.microsoft.com/office/drawing/2014/main" id="{AAB0E5B9-7A69-4C8F-832C-385E34CF94A6}"/>
+                  <a16:creationId xmlns:a16="http://schemas.microsoft.com/office/drawing/2014/main" id="{C0F1554D-792C-4554-B623-F99A47B1B297}"/>
                 </a:ext>
                 <a:ext uri="{C183D7F6-B498-43B3-948B-1728B52AA6E4}">
                   <adec:decorative xmlns:adec="http://schemas.microsoft.com/office/drawing/2017/decorative" val="1"/>
@@ -14770,7 +17353,7 @@
             <p:cNvPr id="18" name="Straight Connector 17">
               <a:extLst>
                 <a:ext uri="{FF2B5EF4-FFF2-40B4-BE49-F238E27FC236}">
-                  <a16:creationId xmlns:a16="http://schemas.microsoft.com/office/drawing/2014/main" id="{13EE5250-5184-40BF-9DF2-E25C8ED2F7F2}"/>
+                  <a16:creationId xmlns:a16="http://schemas.microsoft.com/office/drawing/2014/main" id="{46371075-9273-4FF4-A45B-606B943060D3}"/>
                 </a:ext>
                 <a:ext uri="{C183D7F6-B498-43B3-948B-1728B52AA6E4}">
                   <adec:decorative xmlns:adec="http://schemas.microsoft.com/office/drawing/2017/decorative" val="1"/>
@@ -14825,7 +17408,7 @@
             <p:cNvPr id="19" name="Straight Connector 18">
               <a:extLst>
                 <a:ext uri="{FF2B5EF4-FFF2-40B4-BE49-F238E27FC236}">
-                  <a16:creationId xmlns:a16="http://schemas.microsoft.com/office/drawing/2014/main" id="{B45F0B04-CD2F-4DFA-BC25-7CD1B4723FD6}"/>
+                  <a16:creationId xmlns:a16="http://schemas.microsoft.com/office/drawing/2014/main" id="{7844A38F-298C-477B-8764-0A32E50DD659}"/>
                 </a:ext>
                 <a:ext uri="{C183D7F6-B498-43B3-948B-1728B52AA6E4}">
                   <adec:decorative xmlns:adec="http://schemas.microsoft.com/office/drawing/2017/decorative" val="1"/>
@@ -14880,7 +17463,7 @@
             <p:cNvPr id="20" name="Straight Connector 19">
               <a:extLst>
                 <a:ext uri="{FF2B5EF4-FFF2-40B4-BE49-F238E27FC236}">
-                  <a16:creationId xmlns:a16="http://schemas.microsoft.com/office/drawing/2014/main" id="{9120A221-52E9-45D0-A6EA-2E4B7BA913FC}"/>
+                  <a16:creationId xmlns:a16="http://schemas.microsoft.com/office/drawing/2014/main" id="{9F78CA47-3A09-4651-B57D-690F14C783F4}"/>
                 </a:ext>
                 <a:ext uri="{C183D7F6-B498-43B3-948B-1728B52AA6E4}">
                   <adec:decorative xmlns:adec="http://schemas.microsoft.com/office/drawing/2017/decorative" val="1"/>
@@ -14935,7 +17518,7 @@
             <p:cNvPr id="21" name="Straight Connector 20">
               <a:extLst>
                 <a:ext uri="{FF2B5EF4-FFF2-40B4-BE49-F238E27FC236}">
-                  <a16:creationId xmlns:a16="http://schemas.microsoft.com/office/drawing/2014/main" id="{BEF69602-360C-4C8D-A2EC-558B20F58712}"/>
+                  <a16:creationId xmlns:a16="http://schemas.microsoft.com/office/drawing/2014/main" id="{4CB69771-B806-4E29-834E-E0BBE273B82E}"/>
                 </a:ext>
                 <a:ext uri="{C183D7F6-B498-43B3-948B-1728B52AA6E4}">
                   <adec:decorative xmlns:adec="http://schemas.microsoft.com/office/drawing/2017/decorative" val="1"/>
@@ -14990,7 +17573,7 @@
             <p:cNvPr id="22" name="Straight Connector 21">
               <a:extLst>
                 <a:ext uri="{FF2B5EF4-FFF2-40B4-BE49-F238E27FC236}">
-                  <a16:creationId xmlns:a16="http://schemas.microsoft.com/office/drawing/2014/main" id="{C20FAB78-4165-4488-A328-3396610F0F25}"/>
+                  <a16:creationId xmlns:a16="http://schemas.microsoft.com/office/drawing/2014/main" id="{027EE3C0-1B82-43F3-AF55-5D1D6FBF47AD}"/>
                 </a:ext>
                 <a:ext uri="{C183D7F6-B498-43B3-948B-1728B52AA6E4}">
                   <adec:decorative xmlns:adec="http://schemas.microsoft.com/office/drawing/2017/decorative" val="1"/>
@@ -15045,7 +17628,7 @@
             <p:cNvPr id="23" name="Straight Connector 22">
               <a:extLst>
                 <a:ext uri="{FF2B5EF4-FFF2-40B4-BE49-F238E27FC236}">
-                  <a16:creationId xmlns:a16="http://schemas.microsoft.com/office/drawing/2014/main" id="{5FECEB49-DD6B-46B0-96F6-9B56A3AA9F3D}"/>
+                  <a16:creationId xmlns:a16="http://schemas.microsoft.com/office/drawing/2014/main" id="{91898DA7-BA6E-4B4C-8139-596D59F48211}"/>
                 </a:ext>
                 <a:ext uri="{C183D7F6-B498-43B3-948B-1728B52AA6E4}">
                   <adec:decorative xmlns:adec="http://schemas.microsoft.com/office/drawing/2017/decorative" val="1"/>
@@ -15100,7 +17683,7 @@
             <p:cNvPr id="24" name="Straight Connector 23">
               <a:extLst>
                 <a:ext uri="{FF2B5EF4-FFF2-40B4-BE49-F238E27FC236}">
-                  <a16:creationId xmlns:a16="http://schemas.microsoft.com/office/drawing/2014/main" id="{C9BB7828-91C2-45AB-B2EB-A77E93E5D2B5}"/>
+                  <a16:creationId xmlns:a16="http://schemas.microsoft.com/office/drawing/2014/main" id="{8F121E84-2FAA-4948-B3B3-F1FE69ED8776}"/>
                 </a:ext>
                 <a:ext uri="{C183D7F6-B498-43B3-948B-1728B52AA6E4}">
                   <adec:decorative xmlns:adec="http://schemas.microsoft.com/office/drawing/2017/decorative" val="1"/>
@@ -15155,7 +17738,7 @@
             <p:cNvPr id="25" name="Straight Connector 24">
               <a:extLst>
                 <a:ext uri="{FF2B5EF4-FFF2-40B4-BE49-F238E27FC236}">
-                  <a16:creationId xmlns:a16="http://schemas.microsoft.com/office/drawing/2014/main" id="{658D9842-FFBE-40DA-AD41-4067978A6A59}"/>
+                  <a16:creationId xmlns:a16="http://schemas.microsoft.com/office/drawing/2014/main" id="{F1C2C1AC-3864-47AA-B22A-D350A3A04E7E}"/>
                 </a:ext>
                 <a:ext uri="{C183D7F6-B498-43B3-948B-1728B52AA6E4}">
                   <adec:decorative xmlns:adec="http://schemas.microsoft.com/office/drawing/2017/decorative" val="1"/>
@@ -15210,7 +17793,7 @@
             <p:cNvPr id="26" name="Straight Connector 25">
               <a:extLst>
                 <a:ext uri="{FF2B5EF4-FFF2-40B4-BE49-F238E27FC236}">
-                  <a16:creationId xmlns:a16="http://schemas.microsoft.com/office/drawing/2014/main" id="{EA9D92EE-93D9-42DE-9645-2C81E20E04DB}"/>
+                  <a16:creationId xmlns:a16="http://schemas.microsoft.com/office/drawing/2014/main" id="{2DFADCA4-3AD3-4D6C-81B7-259F20359438}"/>
                 </a:ext>
                 <a:ext uri="{C183D7F6-B498-43B3-948B-1728B52AA6E4}">
                   <adec:decorative xmlns:adec="http://schemas.microsoft.com/office/drawing/2017/decorative" val="1"/>
@@ -15265,7 +17848,7 @@
             <p:cNvPr id="27" name="Straight Connector 26">
               <a:extLst>
                 <a:ext uri="{FF2B5EF4-FFF2-40B4-BE49-F238E27FC236}">
-                  <a16:creationId xmlns:a16="http://schemas.microsoft.com/office/drawing/2014/main" id="{318C150F-1B6F-4BD1-9052-EA20D0294BF9}"/>
+                  <a16:creationId xmlns:a16="http://schemas.microsoft.com/office/drawing/2014/main" id="{46D515CD-A4F0-4B0A-B6BB-11A2774FBBB7}"/>
                 </a:ext>
                 <a:ext uri="{C183D7F6-B498-43B3-948B-1728B52AA6E4}">
                   <adec:decorative xmlns:adec="http://schemas.microsoft.com/office/drawing/2017/decorative" val="1"/>
@@ -15320,7 +17903,7 @@
             <p:cNvPr id="28" name="Straight Connector 27">
               <a:extLst>
                 <a:ext uri="{FF2B5EF4-FFF2-40B4-BE49-F238E27FC236}">
-                  <a16:creationId xmlns:a16="http://schemas.microsoft.com/office/drawing/2014/main" id="{ECCDB6DC-96CE-4D4A-917E-DAC57748370B}"/>
+                  <a16:creationId xmlns:a16="http://schemas.microsoft.com/office/drawing/2014/main" id="{5CB97DD1-8D17-426C-BC2A-B34FE5836844}"/>
                 </a:ext>
                 <a:ext uri="{C183D7F6-B498-43B3-948B-1728B52AA6E4}">
                   <adec:decorative xmlns:adec="http://schemas.microsoft.com/office/drawing/2017/decorative" val="1"/>
@@ -15375,7 +17958,7 @@
             <p:cNvPr id="29" name="Straight Connector 28">
               <a:extLst>
                 <a:ext uri="{FF2B5EF4-FFF2-40B4-BE49-F238E27FC236}">
-                  <a16:creationId xmlns:a16="http://schemas.microsoft.com/office/drawing/2014/main" id="{D1C4B445-E267-49A6-AB25-07B18221127B}"/>
+                  <a16:creationId xmlns:a16="http://schemas.microsoft.com/office/drawing/2014/main" id="{05865967-B063-41EC-85BC-A5CF90367EE2}"/>
                 </a:ext>
                 <a:ext uri="{C183D7F6-B498-43B3-948B-1728B52AA6E4}">
                   <adec:decorative xmlns:adec="http://schemas.microsoft.com/office/drawing/2017/decorative" val="1"/>
@@ -15430,7 +18013,7 @@
             <p:cNvPr id="30" name="Straight Connector 29">
               <a:extLst>
                 <a:ext uri="{FF2B5EF4-FFF2-40B4-BE49-F238E27FC236}">
-                  <a16:creationId xmlns:a16="http://schemas.microsoft.com/office/drawing/2014/main" id="{658BDCEC-CCF4-470A-A624-152E41F9889C}"/>
+                  <a16:creationId xmlns:a16="http://schemas.microsoft.com/office/drawing/2014/main" id="{FBC63DB2-5B99-42B5-9B7F-826B0BD876F0}"/>
                 </a:ext>
                 <a:ext uri="{C183D7F6-B498-43B3-948B-1728B52AA6E4}">
                   <adec:decorative xmlns:adec="http://schemas.microsoft.com/office/drawing/2017/decorative" val="1"/>
@@ -15485,7 +18068,7 @@
             <p:cNvPr id="31" name="Straight Connector 30">
               <a:extLst>
                 <a:ext uri="{FF2B5EF4-FFF2-40B4-BE49-F238E27FC236}">
-                  <a16:creationId xmlns:a16="http://schemas.microsoft.com/office/drawing/2014/main" id="{C55D99E0-6D1B-4979-BC1C-0F54F485AA1C}"/>
+                  <a16:creationId xmlns:a16="http://schemas.microsoft.com/office/drawing/2014/main" id="{46B694AB-9FC1-4857-A6CD-1FEC6D183DA2}"/>
                 </a:ext>
                 <a:ext uri="{C183D7F6-B498-43B3-948B-1728B52AA6E4}">
                   <adec:decorative xmlns:adec="http://schemas.microsoft.com/office/drawing/2017/decorative" val="1"/>
@@ -15540,7 +18123,7 @@
             <p:cNvPr id="32" name="Straight Connector 31">
               <a:extLst>
                 <a:ext uri="{FF2B5EF4-FFF2-40B4-BE49-F238E27FC236}">
-                  <a16:creationId xmlns:a16="http://schemas.microsoft.com/office/drawing/2014/main" id="{98BFEC78-630A-4A9D-B4BF-92B08A158858}"/>
+                  <a16:creationId xmlns:a16="http://schemas.microsoft.com/office/drawing/2014/main" id="{C42AE103-97D9-407D-BCE0-9FA4756612B5}"/>
                 </a:ext>
                 <a:ext uri="{C183D7F6-B498-43B3-948B-1728B52AA6E4}">
                   <adec:decorative xmlns:adec="http://schemas.microsoft.com/office/drawing/2017/decorative" val="1"/>
@@ -15595,7 +18178,7 @@
             <p:cNvPr id="33" name="Straight Connector 32">
               <a:extLst>
                 <a:ext uri="{FF2B5EF4-FFF2-40B4-BE49-F238E27FC236}">
-                  <a16:creationId xmlns:a16="http://schemas.microsoft.com/office/drawing/2014/main" id="{7DFC065A-13A3-45D2-ACB7-1068F4A69747}"/>
+                  <a16:creationId xmlns:a16="http://schemas.microsoft.com/office/drawing/2014/main" id="{730AC9FC-9BF1-4F78-B0F9-4E024D0C6D74}"/>
                 </a:ext>
                 <a:ext uri="{C183D7F6-B498-43B3-948B-1728B52AA6E4}">
                   <adec:decorative xmlns:adec="http://schemas.microsoft.com/office/drawing/2017/decorative" val="1"/>
@@ -15650,7 +18233,7 @@
             <p:cNvPr id="34" name="Straight Connector 33">
               <a:extLst>
                 <a:ext uri="{FF2B5EF4-FFF2-40B4-BE49-F238E27FC236}">
-                  <a16:creationId xmlns:a16="http://schemas.microsoft.com/office/drawing/2014/main" id="{D2551881-1E40-4ABC-A1FC-686D1B2D2D2E}"/>
+                  <a16:creationId xmlns:a16="http://schemas.microsoft.com/office/drawing/2014/main" id="{6C77E885-6F2C-4E94-88DF-7E6BEF98ACC4}"/>
                 </a:ext>
                 <a:ext uri="{C183D7F6-B498-43B3-948B-1728B52AA6E4}">
                   <adec:decorative xmlns:adec="http://schemas.microsoft.com/office/drawing/2017/decorative" val="1"/>
@@ -15705,7 +18288,7 @@
             <p:cNvPr id="35" name="Straight Connector 34">
               <a:extLst>
                 <a:ext uri="{FF2B5EF4-FFF2-40B4-BE49-F238E27FC236}">
-                  <a16:creationId xmlns:a16="http://schemas.microsoft.com/office/drawing/2014/main" id="{9445FBD3-DA73-4FF1-8388-AED59D76786B}"/>
+                  <a16:creationId xmlns:a16="http://schemas.microsoft.com/office/drawing/2014/main" id="{262840B5-21D6-4B05-802E-549F1A92A1FE}"/>
                 </a:ext>
                 <a:ext uri="{C183D7F6-B498-43B3-948B-1728B52AA6E4}">
                   <adec:decorative xmlns:adec="http://schemas.microsoft.com/office/drawing/2017/decorative" val="1"/>
@@ -15760,7 +18343,7 @@
             <p:cNvPr id="36" name="Straight Connector 35">
               <a:extLst>
                 <a:ext uri="{FF2B5EF4-FFF2-40B4-BE49-F238E27FC236}">
-                  <a16:creationId xmlns:a16="http://schemas.microsoft.com/office/drawing/2014/main" id="{FB492AB2-E246-471D-A23E-7A279EDAEDC6}"/>
+                  <a16:creationId xmlns:a16="http://schemas.microsoft.com/office/drawing/2014/main" id="{3B21055F-E4D5-474F-B6C7-C44BC1244BF3}"/>
                 </a:ext>
                 <a:ext uri="{C183D7F6-B498-43B3-948B-1728B52AA6E4}">
                   <adec:decorative xmlns:adec="http://schemas.microsoft.com/office/drawing/2017/decorative" val="1"/>
@@ -15815,7 +18398,7 @@
             <p:cNvPr id="37" name="Straight Connector 36">
               <a:extLst>
                 <a:ext uri="{FF2B5EF4-FFF2-40B4-BE49-F238E27FC236}">
-                  <a16:creationId xmlns:a16="http://schemas.microsoft.com/office/drawing/2014/main" id="{A5DDB3BB-3E22-49A4-B920-BBC68FD6D144}"/>
+                  <a16:creationId xmlns:a16="http://schemas.microsoft.com/office/drawing/2014/main" id="{8C49B031-FD8F-422C-AA54-9FB482600854}"/>
                 </a:ext>
                 <a:ext uri="{C183D7F6-B498-43B3-948B-1728B52AA6E4}">
                   <adec:decorative xmlns:adec="http://schemas.microsoft.com/office/drawing/2017/decorative" val="1"/>
@@ -15870,7 +18453,7 @@
             <p:cNvPr id="38" name="Straight Connector 37">
               <a:extLst>
                 <a:ext uri="{FF2B5EF4-FFF2-40B4-BE49-F238E27FC236}">
-                  <a16:creationId xmlns:a16="http://schemas.microsoft.com/office/drawing/2014/main" id="{444814FE-01E1-4C6F-AE3A-46BDA527BB9A}"/>
+                  <a16:creationId xmlns:a16="http://schemas.microsoft.com/office/drawing/2014/main" id="{FAF843B0-2A4F-4989-8B91-BDB7FECE7549}"/>
                 </a:ext>
                 <a:ext uri="{C183D7F6-B498-43B3-948B-1728B52AA6E4}">
                   <adec:decorative xmlns:adec="http://schemas.microsoft.com/office/drawing/2017/decorative" val="1"/>
@@ -15925,7 +18508,7 @@
             <p:cNvPr id="39" name="Straight Connector 38">
               <a:extLst>
                 <a:ext uri="{FF2B5EF4-FFF2-40B4-BE49-F238E27FC236}">
-                  <a16:creationId xmlns:a16="http://schemas.microsoft.com/office/drawing/2014/main" id="{D90DA665-0CFA-4ADB-89FF-9F79AC293778}"/>
+                  <a16:creationId xmlns:a16="http://schemas.microsoft.com/office/drawing/2014/main" id="{90BC5B75-FAF9-427D-BD65-D37C1BF973D2}"/>
                 </a:ext>
                 <a:ext uri="{C183D7F6-B498-43B3-948B-1728B52AA6E4}">
                   <adec:decorative xmlns:adec="http://schemas.microsoft.com/office/drawing/2017/decorative" val="1"/>
@@ -15980,7 +18563,7 @@
             <p:cNvPr id="40" name="Straight Connector 39">
               <a:extLst>
                 <a:ext uri="{FF2B5EF4-FFF2-40B4-BE49-F238E27FC236}">
-                  <a16:creationId xmlns:a16="http://schemas.microsoft.com/office/drawing/2014/main" id="{7249E6A0-5BFC-4622-B59D-F5082F67BD2A}"/>
+                  <a16:creationId xmlns:a16="http://schemas.microsoft.com/office/drawing/2014/main" id="{B0BFA052-2C6E-4F70-BF95-50DAC0649E14}"/>
                 </a:ext>
                 <a:ext uri="{C183D7F6-B498-43B3-948B-1728B52AA6E4}">
                   <adec:decorative xmlns:adec="http://schemas.microsoft.com/office/drawing/2017/decorative" val="1"/>
@@ -16035,7 +18618,7 @@
             <p:cNvPr id="41" name="Straight Connector 40">
               <a:extLst>
                 <a:ext uri="{FF2B5EF4-FFF2-40B4-BE49-F238E27FC236}">
-                  <a16:creationId xmlns:a16="http://schemas.microsoft.com/office/drawing/2014/main" id="{3BD83E7E-1DA8-4060-9D1A-803D0654271F}"/>
+                  <a16:creationId xmlns:a16="http://schemas.microsoft.com/office/drawing/2014/main" id="{CDD7C7F8-6562-470D-B38E-21F56B2AB21F}"/>
                 </a:ext>
                 <a:ext uri="{C183D7F6-B498-43B3-948B-1728B52AA6E4}">
                   <adec:decorative xmlns:adec="http://schemas.microsoft.com/office/drawing/2017/decorative" val="1"/>
@@ -16087,10 +18670,10 @@
         </p:cxnSp>
         <p:cxnSp>
           <p:nvCxnSpPr>
-            <p:cNvPr id="42" name="Straight Connector 41">
-              <a:extLst>
-                <a:ext uri="{FF2B5EF4-FFF2-40B4-BE49-F238E27FC236}">
-                  <a16:creationId xmlns:a16="http://schemas.microsoft.com/office/drawing/2014/main" id="{794C0F59-9A0F-4340-BCD2-20B5BBBE5E43}"/>
+            <p:cNvPr id="86" name="Straight Connector 41">
+              <a:extLst>
+                <a:ext uri="{FF2B5EF4-FFF2-40B4-BE49-F238E27FC236}">
+                  <a16:creationId xmlns:a16="http://schemas.microsoft.com/office/drawing/2014/main" id="{06C7B2A1-F80D-4F4A-88E1-5FFB02B703B7}"/>
                 </a:ext>
                 <a:ext uri="{C183D7F6-B498-43B3-948B-1728B52AA6E4}">
                   <adec:decorative xmlns:adec="http://schemas.microsoft.com/office/drawing/2017/decorative" val="1"/>
@@ -16143,10 +18726,10 @@
       </p:grpSp>
       <p:sp>
         <p:nvSpPr>
-          <p:cNvPr id="44" name="Freeform: Shape 43">
+          <p:cNvPr id="87" name="Right Triangle 43">
             <a:extLst>
               <a:ext uri="{FF2B5EF4-FFF2-40B4-BE49-F238E27FC236}">
-                <a16:creationId xmlns:a16="http://schemas.microsoft.com/office/drawing/2014/main" id="{A7050958-138C-4DA8-9DF5-1A9D65C19168}"/>
+                <a16:creationId xmlns:a16="http://schemas.microsoft.com/office/drawing/2014/main" id="{9AA2BC59-928B-43C3-B9E7-D77D4F3EE7EA}"/>
               </a:ext>
               <a:ext uri="{C183D7F6-B498-43B3-948B-1728B52AA6E4}">
                 <adec:decorative xmlns:adec="http://schemas.microsoft.com/office/drawing/2017/decorative" val="1"/>
@@ -16165,92 +18748,17 @@
           </p:nvPr>
         </p:nvSpPr>
         <p:spPr>
-          <a:xfrm rot="16200000">
-            <a:off x="2133265" y="-2152219"/>
-            <a:ext cx="6858000" cy="11162439"/>
+          <a:xfrm rot="13500000">
+            <a:off x="-295947" y="1516209"/>
+            <a:ext cx="568289" cy="568289"/>
           </a:xfrm>
-          <a:custGeom>
+          <a:prstGeom prst="rtTriangle">
             <a:avLst/>
-            <a:gdLst>
-              <a:gd name="connsiteX0" fmla="*/ 6858000 w 6858000"/>
-              <a:gd name="connsiteY0" fmla="*/ 0 h 11162439"/>
-              <a:gd name="connsiteX1" fmla="*/ 6858000 w 6858000"/>
-              <a:gd name="connsiteY1" fmla="*/ 7095240 h 11162439"/>
-              <a:gd name="connsiteX2" fmla="*/ 6857998 w 6858000"/>
-              <a:gd name="connsiteY2" fmla="*/ 7095240 h 11162439"/>
-              <a:gd name="connsiteX3" fmla="*/ 6857998 w 6858000"/>
-              <a:gd name="connsiteY3" fmla="*/ 10339528 h 11162439"/>
-              <a:gd name="connsiteX4" fmla="*/ 0 w 6858000"/>
-              <a:gd name="connsiteY4" fmla="*/ 10925458 h 11162439"/>
-              <a:gd name="connsiteX5" fmla="*/ 0 w 6858000"/>
-              <a:gd name="connsiteY5" fmla="*/ 7095240 h 11162439"/>
-              <a:gd name="connsiteX6" fmla="*/ 0 w 6858000"/>
-              <a:gd name="connsiteY6" fmla="*/ 6778313 h 11162439"/>
-              <a:gd name="connsiteX7" fmla="*/ 0 w 6858000"/>
-              <a:gd name="connsiteY7" fmla="*/ 0 h 11162439"/>
-            </a:gdLst>
-            <a:ahLst/>
-            <a:cxnLst>
-              <a:cxn ang="0">
-                <a:pos x="connsiteX0" y="connsiteY0"/>
-              </a:cxn>
-              <a:cxn ang="0">
-                <a:pos x="connsiteX1" y="connsiteY1"/>
-              </a:cxn>
-              <a:cxn ang="0">
-                <a:pos x="connsiteX2" y="connsiteY2"/>
-              </a:cxn>
-              <a:cxn ang="0">
-                <a:pos x="connsiteX3" y="connsiteY3"/>
-              </a:cxn>
-              <a:cxn ang="0">
-                <a:pos x="connsiteX4" y="connsiteY4"/>
-              </a:cxn>
-              <a:cxn ang="0">
-                <a:pos x="connsiteX5" y="connsiteY5"/>
-              </a:cxn>
-              <a:cxn ang="0">
-                <a:pos x="connsiteX6" y="connsiteY6"/>
-              </a:cxn>
-              <a:cxn ang="0">
-                <a:pos x="connsiteX7" y="connsiteY7"/>
-              </a:cxn>
-            </a:cxnLst>
-            <a:rect l="l" t="t" r="r" b="b"/>
-            <a:pathLst>
-              <a:path w="6858000" h="11162439">
-                <a:moveTo>
-                  <a:pt x="6858000" y="0"/>
-                </a:moveTo>
-                <a:lnTo>
-                  <a:pt x="6858000" y="7095240"/>
-                </a:lnTo>
-                <a:lnTo>
-                  <a:pt x="6857998" y="7095240"/>
-                </a:lnTo>
-                <a:lnTo>
-                  <a:pt x="6857998" y="10339528"/>
-                </a:lnTo>
-                <a:cubicBezTo>
-                  <a:pt x="3428999" y="10339528"/>
-                  <a:pt x="3428999" y="11696417"/>
-                  <a:pt x="0" y="10925458"/>
-                </a:cubicBezTo>
-                <a:lnTo>
-                  <a:pt x="0" y="7095240"/>
-                </a:lnTo>
-                <a:lnTo>
-                  <a:pt x="0" y="6778313"/>
-                </a:lnTo>
-                <a:lnTo>
-                  <a:pt x="0" y="0"/>
-                </a:lnTo>
-                <a:close/>
-              </a:path>
-            </a:pathLst>
-          </a:custGeom>
+          </a:prstGeom>
           <a:solidFill>
-            <a:srgbClr val="000000"/>
+            <a:schemeClr val="accent1">
+              <a:alpha val="50000"/>
+            </a:schemeClr>
           </a:solidFill>
           <a:ln>
             <a:noFill/>
@@ -16273,202 +18781,18 @@
           </a:fontRef>
         </p:style>
         <p:txBody>
-          <a:bodyPr wrap="square" rtlCol="0" anchor="ctr">
-            <a:noAutofit/>
-          </a:bodyPr>
+          <a:bodyPr rtlCol="0" anchor="ctr"/>
           <a:lstStyle/>
           <a:p>
             <a:pPr algn="ctr"/>
-            <a:endParaRPr lang="en-US"/>
+            <a:endParaRPr lang="en-US">
+              <a:solidFill>
+                <a:schemeClr val="tx1"/>
+              </a:solidFill>
+            </a:endParaRPr>
           </a:p>
         </p:txBody>
       </p:sp>
-      <p:pic>
-        <p:nvPicPr>
-          <p:cNvPr id="4" name="Picture 3" descr="Ein Bild, das Ausstechform, Vektorgrafiken, Brille enthält.&#10;&#10;Automatisch generierte Beschreibung">
-            <a:extLst>
-              <a:ext uri="{FF2B5EF4-FFF2-40B4-BE49-F238E27FC236}">
-                <a16:creationId xmlns:a16="http://schemas.microsoft.com/office/drawing/2014/main" id="{26EF1706-88CD-4A21-6A0A-161787634AC9}"/>
-              </a:ext>
-            </a:extLst>
-          </p:cNvPr>
-          <p:cNvPicPr>
-            <a:picLocks noChangeAspect="1"/>
-          </p:cNvPicPr>
-          <p:nvPr/>
-        </p:nvPicPr>
-        <p:blipFill rotWithShape="1">
-          <a:blip r:embed="rId2">
-            <a:alphaModFix amt="60000"/>
-          </a:blip>
-          <a:srcRect t="17012" r="-1" b="-2"/>
-          <a:stretch/>
-        </p:blipFill>
-        <p:spPr>
-          <a:xfrm>
-            <a:off x="-18954" y="10"/>
-            <a:ext cx="11167367" cy="6857990"/>
-          </a:xfrm>
-          <a:custGeom>
-            <a:avLst/>
-            <a:gdLst/>
-            <a:ahLst/>
-            <a:cxnLst/>
-            <a:rect l="l" t="t" r="r" b="b"/>
-            <a:pathLst>
-              <a:path w="12142767" h="6858000">
-                <a:moveTo>
-                  <a:pt x="0" y="0"/>
-                </a:moveTo>
-                <a:lnTo>
-                  <a:pt x="11251490" y="0"/>
-                </a:lnTo>
-                <a:lnTo>
-                  <a:pt x="11255634" y="308191"/>
-                </a:lnTo>
-                <a:cubicBezTo>
-                  <a:pt x="11341049" y="3428907"/>
-                  <a:pt x="12695043" y="3532715"/>
-                  <a:pt x="11886084" y="6854559"/>
-                </a:cubicBezTo>
-                <a:lnTo>
-                  <a:pt x="7539784" y="6854559"/>
-                </a:lnTo>
-                <a:lnTo>
-                  <a:pt x="7539784" y="6858000"/>
-                </a:lnTo>
-                <a:lnTo>
-                  <a:pt x="0" y="6858000"/>
-                </a:lnTo>
-                <a:close/>
-              </a:path>
-            </a:pathLst>
-          </a:custGeom>
-        </p:spPr>
-      </p:pic>
-      <p:sp>
-        <p:nvSpPr>
-          <p:cNvPr id="2" name="Titel 1">
-            <a:extLst>
-              <a:ext uri="{FF2B5EF4-FFF2-40B4-BE49-F238E27FC236}">
-                <a16:creationId xmlns:a16="http://schemas.microsoft.com/office/drawing/2014/main" id="{9B27C47F-B8D0-39C6-BF29-3237DF047171}"/>
-              </a:ext>
-            </a:extLst>
-          </p:cNvPr>
-          <p:cNvSpPr>
-            <a:spLocks noGrp="1"/>
-          </p:cNvSpPr>
-          <p:nvPr>
-            <p:ph type="ctrTitle"/>
-          </p:nvPr>
-        </p:nvSpPr>
-        <p:spPr>
-          <a:xfrm>
-            <a:off x="684225" y="746841"/>
-            <a:ext cx="9339075" cy="2682160"/>
-          </a:xfrm>
-        </p:spPr>
-        <p:txBody>
-          <a:bodyPr>
-            <a:normAutofit/>
-          </a:bodyPr>
-          <a:lstStyle/>
-          <a:p>
-            <a:r>
-              <a:rPr lang="de-CH" dirty="0">
-                <a:solidFill>
-                  <a:srgbClr val="FFFFFF"/>
-                </a:solidFill>
-              </a:rPr>
-              <a:t>Daten zum Kraftstoffverbrauch</a:t>
-            </a:r>
-          </a:p>
-        </p:txBody>
-      </p:sp>
-      <p:sp>
-        <p:nvSpPr>
-          <p:cNvPr id="6" name="Untertitel 5">
-            <a:extLst>
-              <a:ext uri="{FF2B5EF4-FFF2-40B4-BE49-F238E27FC236}">
-                <a16:creationId xmlns:a16="http://schemas.microsoft.com/office/drawing/2014/main" id="{33F8983D-1B35-9363-8410-C846D77AE4F7}"/>
-              </a:ext>
-            </a:extLst>
-          </p:cNvPr>
-          <p:cNvSpPr>
-            <a:spLocks noGrp="1"/>
-          </p:cNvSpPr>
-          <p:nvPr>
-            <p:ph type="subTitle" idx="1"/>
-          </p:nvPr>
-        </p:nvSpPr>
-        <p:spPr/>
-        <p:txBody>
-          <a:bodyPr/>
-          <a:lstStyle/>
-          <a:p>
-            <a:endParaRPr lang="de-CH"/>
-          </a:p>
-        </p:txBody>
-      </p:sp>
-      <p:sp>
-        <p:nvSpPr>
-          <p:cNvPr id="7" name="Foliennummernplatzhalter 6">
-            <a:extLst>
-              <a:ext uri="{FF2B5EF4-FFF2-40B4-BE49-F238E27FC236}">
-                <a16:creationId xmlns:a16="http://schemas.microsoft.com/office/drawing/2014/main" id="{FEF7C359-A08E-4595-FBD0-2CC8CEA43307}"/>
-              </a:ext>
-            </a:extLst>
-          </p:cNvPr>
-          <p:cNvSpPr>
-            <a:spLocks noGrp="1"/>
-          </p:cNvSpPr>
-          <p:nvPr>
-            <p:ph type="sldNum" sz="quarter" idx="12"/>
-          </p:nvPr>
-        </p:nvSpPr>
-        <p:spPr/>
-        <p:txBody>
-          <a:bodyPr/>
-          <a:lstStyle/>
-          <a:p>
-            <a:fld id="{BE15108C-154A-4A5A-9C05-91A49A422BA7}" type="slidenum">
-              <a:rPr lang="en-US" smtClean="0"/>
-              <a:t>1</a:t>
-            </a:fld>
-            <a:endParaRPr lang="en-US"/>
-          </a:p>
-        </p:txBody>
-      </p:sp>
-    </p:spTree>
-    <p:extLst>
-      <p:ext uri="{BB962C8B-B14F-4D97-AF65-F5344CB8AC3E}">
-        <p14:creationId xmlns:p14="http://schemas.microsoft.com/office/powerpoint/2010/main" val="2618431835"/>
-      </p:ext>
-    </p:extLst>
-  </p:cSld>
-  <p:clrMapOvr>
-    <a:masterClrMapping/>
-  </p:clrMapOvr>
-</p:sld>
-</file>
-
-<file path=ppt/slides/slide2.xml><?xml version="1.0" encoding="utf-8"?>
-<p:sld xmlns:a="http://schemas.openxmlformats.org/drawingml/2006/main" xmlns:r="http://schemas.openxmlformats.org/officeDocument/2006/relationships" xmlns:p="http://schemas.openxmlformats.org/presentationml/2006/main">
-  <p:cSld>
-    <p:spTree>
-      <p:nvGrpSpPr>
-        <p:cNvPr id="1" name=""/>
-        <p:cNvGrpSpPr/>
-        <p:nvPr/>
-      </p:nvGrpSpPr>
-      <p:grpSpPr>
-        <a:xfrm>
-          <a:off x="0" y="0"/>
-          <a:ext cx="0" cy="0"/>
-          <a:chOff x="0" y="0"/>
-          <a:chExt cx="0" cy="0"/>
-        </a:xfrm>
-      </p:grpSpPr>
       <p:sp>
         <p:nvSpPr>
           <p:cNvPr id="2" name="Titel 1">
@@ -16485,45 +18809,23 @@
             <p:ph type="title"/>
           </p:nvPr>
         </p:nvSpPr>
-        <p:spPr/>
+        <p:spPr>
+          <a:xfrm>
+            <a:off x="691079" y="725952"/>
+            <a:ext cx="10325000" cy="672560"/>
+          </a:xfrm>
+        </p:spPr>
         <p:txBody>
-          <a:bodyPr/>
+          <a:bodyPr>
+            <a:normAutofit fontScale="90000"/>
+          </a:bodyPr>
           <a:lstStyle/>
           <a:p>
-            <a:r>
-              <a:rPr lang="en-US" dirty="0"/>
-              <a:t>MPG </a:t>
-            </a:r>
             <a:r>
               <a:rPr lang="en-US" dirty="0" err="1"/>
               <a:t>Datensatz</a:t>
             </a:r>
             <a:endParaRPr lang="de-CH" dirty="0"/>
-          </a:p>
-        </p:txBody>
-      </p:sp>
-      <p:sp>
-        <p:nvSpPr>
-          <p:cNvPr id="3" name="Inhaltsplatzhalter 2">
-            <a:extLst>
-              <a:ext uri="{FF2B5EF4-FFF2-40B4-BE49-F238E27FC236}">
-                <a16:creationId xmlns:a16="http://schemas.microsoft.com/office/drawing/2014/main" id="{73B691D0-9E85-AE48-B48E-87902E0CF331}"/>
-              </a:ext>
-            </a:extLst>
-          </p:cNvPr>
-          <p:cNvSpPr>
-            <a:spLocks noGrp="1"/>
-          </p:cNvSpPr>
-          <p:nvPr>
-            <p:ph idx="1"/>
-          </p:nvPr>
-        </p:nvSpPr>
-        <p:spPr/>
-        <p:txBody>
-          <a:bodyPr/>
-          <a:lstStyle/>
-          <a:p>
-            <a:endParaRPr lang="de-CH"/>
           </a:p>
         </p:txBody>
       </p:sp>
@@ -16543,19 +18845,65 @@
             <p:ph type="sldNum" sz="quarter" idx="12"/>
           </p:nvPr>
         </p:nvSpPr>
-        <p:spPr/>
+        <p:spPr>
+          <a:xfrm>
+            <a:off x="11003649" y="6215870"/>
+            <a:ext cx="979151" cy="417126"/>
+          </a:xfrm>
+        </p:spPr>
         <p:txBody>
-          <a:bodyPr/>
+          <a:bodyPr>
+            <a:normAutofit/>
+          </a:bodyPr>
           <a:lstStyle/>
           <a:p>
+            <a:pPr>
+              <a:spcAft>
+                <a:spcPts val="600"/>
+              </a:spcAft>
+            </a:pPr>
             <a:fld id="{BE15108C-154A-4A5A-9C05-91A49A422BA7}" type="slidenum">
               <a:rPr lang="en-US" smtClean="0"/>
+              <a:pPr>
+                <a:spcAft>
+                  <a:spcPts val="600"/>
+                </a:spcAft>
+              </a:pPr>
               <a:t>2</a:t>
             </a:fld>
             <a:endParaRPr lang="en-US"/>
           </a:p>
         </p:txBody>
       </p:sp>
+      <p:pic>
+        <p:nvPicPr>
+          <p:cNvPr id="6" name="Grafik 5">
+            <a:extLst>
+              <a:ext uri="{FF2B5EF4-FFF2-40B4-BE49-F238E27FC236}">
+                <a16:creationId xmlns:a16="http://schemas.microsoft.com/office/drawing/2014/main" id="{95952605-34CA-2EF7-2BE7-CE108F8A2341}"/>
+              </a:ext>
+            </a:extLst>
+          </p:cNvPr>
+          <p:cNvPicPr>
+            <a:picLocks noChangeAspect="1"/>
+          </p:cNvPicPr>
+          <p:nvPr/>
+        </p:nvPicPr>
+        <p:blipFill rotWithShape="1">
+          <a:blip r:embed="rId3"/>
+          <a:srcRect r="10630" b="54640"/>
+          <a:stretch/>
+        </p:blipFill>
+        <p:spPr>
+          <a:xfrm>
+            <a:off x="582566" y="1972070"/>
+            <a:ext cx="10974580" cy="2983497"/>
+          </a:xfrm>
+          <a:prstGeom prst="rect">
+            <a:avLst/>
+          </a:prstGeom>
+        </p:spPr>
+      </p:pic>
     </p:spTree>
     <p:extLst>
       <p:ext uri="{BB962C8B-B14F-4D97-AF65-F5344CB8AC3E}">
@@ -16591,7 +18939,7 @@
           <p:cNvPr id="2" name="Titel 1">
             <a:extLst>
               <a:ext uri="{FF2B5EF4-FFF2-40B4-BE49-F238E27FC236}">
-                <a16:creationId xmlns:a16="http://schemas.microsoft.com/office/drawing/2014/main" id="{CF29F5AD-6ADE-1EA6-E657-B50CD89D21BD}"/>
+                <a16:creationId xmlns:a16="http://schemas.microsoft.com/office/drawing/2014/main" id="{39DAD9D2-6D14-8FA1-CE17-787F9B5734A3}"/>
               </a:ext>
             </a:extLst>
           </p:cNvPr>
@@ -16602,9 +18950,16 @@
             <p:ph type="title"/>
           </p:nvPr>
         </p:nvSpPr>
-        <p:spPr/>
+        <p:spPr>
+          <a:xfrm>
+            <a:off x="678649" y="745237"/>
+            <a:ext cx="10325000" cy="672560"/>
+          </a:xfrm>
+        </p:spPr>
         <p:txBody>
-          <a:bodyPr/>
+          <a:bodyPr>
+            <a:normAutofit fontScale="90000"/>
+          </a:bodyPr>
           <a:lstStyle/>
           <a:p>
             <a:r>
@@ -16621,35 +18976,10 @@
       </p:sp>
       <p:sp>
         <p:nvSpPr>
-          <p:cNvPr id="3" name="Inhaltsplatzhalter 2">
-            <a:extLst>
-              <a:ext uri="{FF2B5EF4-FFF2-40B4-BE49-F238E27FC236}">
-                <a16:creationId xmlns:a16="http://schemas.microsoft.com/office/drawing/2014/main" id="{A7DA133E-B057-6E24-0F36-713E170E6753}"/>
-              </a:ext>
-            </a:extLst>
-          </p:cNvPr>
-          <p:cNvSpPr>
-            <a:spLocks noGrp="1"/>
-          </p:cNvSpPr>
-          <p:nvPr>
-            <p:ph idx="1"/>
-          </p:nvPr>
-        </p:nvSpPr>
-        <p:spPr/>
-        <p:txBody>
-          <a:bodyPr/>
-          <a:lstStyle/>
-          <a:p>
-            <a:endParaRPr lang="de-CH"/>
-          </a:p>
-        </p:txBody>
-      </p:sp>
-      <p:sp>
-        <p:nvSpPr>
           <p:cNvPr id="4" name="Foliennummernplatzhalter 3">
             <a:extLst>
               <a:ext uri="{FF2B5EF4-FFF2-40B4-BE49-F238E27FC236}">
-                <a16:creationId xmlns:a16="http://schemas.microsoft.com/office/drawing/2014/main" id="{415059F2-0E4C-04B4-4BAC-4DDC8B87E91C}"/>
+                <a16:creationId xmlns:a16="http://schemas.microsoft.com/office/drawing/2014/main" id="{D8EBB5DB-F20A-EFF4-2F57-4B0BDC8988A6}"/>
               </a:ext>
             </a:extLst>
           </p:cNvPr>
@@ -16660,23 +18990,198 @@
             <p:ph type="sldNum" sz="quarter" idx="12"/>
           </p:nvPr>
         </p:nvSpPr>
-        <p:spPr/>
+        <p:spPr>
+          <a:xfrm>
+            <a:off x="11003649" y="6215870"/>
+            <a:ext cx="979151" cy="417126"/>
+          </a:xfrm>
+        </p:spPr>
         <p:txBody>
-          <a:bodyPr/>
+          <a:bodyPr>
+            <a:normAutofit/>
+          </a:bodyPr>
           <a:lstStyle/>
           <a:p>
+            <a:pPr>
+              <a:spcAft>
+                <a:spcPts val="600"/>
+              </a:spcAft>
+            </a:pPr>
             <a:fld id="{BE15108C-154A-4A5A-9C05-91A49A422BA7}" type="slidenum">
               <a:rPr lang="en-US" smtClean="0"/>
+              <a:pPr>
+                <a:spcAft>
+                  <a:spcPts val="600"/>
+                </a:spcAft>
+              </a:pPr>
               <a:t>3</a:t>
             </a:fld>
             <a:endParaRPr lang="en-US"/>
           </a:p>
         </p:txBody>
       </p:sp>
+      <p:pic>
+        <p:nvPicPr>
+          <p:cNvPr id="10" name="Grafik 9">
+            <a:extLst>
+              <a:ext uri="{FF2B5EF4-FFF2-40B4-BE49-F238E27FC236}">
+                <a16:creationId xmlns:a16="http://schemas.microsoft.com/office/drawing/2014/main" id="{BED812AF-0692-35DC-65CB-B84A5FD1C812}"/>
+              </a:ext>
+            </a:extLst>
+          </p:cNvPr>
+          <p:cNvPicPr>
+            <a:picLocks noChangeAspect="1"/>
+          </p:cNvPicPr>
+          <p:nvPr/>
+        </p:nvPicPr>
+        <p:blipFill>
+          <a:blip r:embed="rId3"/>
+          <a:stretch>
+            <a:fillRect/>
+          </a:stretch>
+        </p:blipFill>
+        <p:spPr>
+          <a:xfrm>
+            <a:off x="5300268" y="3031632"/>
+            <a:ext cx="6491236" cy="3081131"/>
+          </a:xfrm>
+          <a:prstGeom prst="rect">
+            <a:avLst/>
+          </a:prstGeom>
+        </p:spPr>
+      </p:pic>
+      <p:pic>
+        <p:nvPicPr>
+          <p:cNvPr id="43" name="Grafik 42">
+            <a:extLst>
+              <a:ext uri="{FF2B5EF4-FFF2-40B4-BE49-F238E27FC236}">
+                <a16:creationId xmlns:a16="http://schemas.microsoft.com/office/drawing/2014/main" id="{EF2A9DC1-3B17-660B-6434-D8D5E20D0860}"/>
+              </a:ext>
+            </a:extLst>
+          </p:cNvPr>
+          <p:cNvPicPr>
+            <a:picLocks noChangeAspect="1"/>
+          </p:cNvPicPr>
+          <p:nvPr/>
+        </p:nvPicPr>
+        <p:blipFill rotWithShape="1">
+          <a:blip r:embed="rId4"/>
+          <a:srcRect l="16316" t="793" r="20559" b="9998"/>
+          <a:stretch/>
+        </p:blipFill>
+        <p:spPr>
+          <a:xfrm>
+            <a:off x="313013" y="1532096"/>
+            <a:ext cx="5066663" cy="3641221"/>
+          </a:xfrm>
+          <a:prstGeom prst="rect">
+            <a:avLst/>
+          </a:prstGeom>
+        </p:spPr>
+      </p:pic>
+      <p:sp>
+        <p:nvSpPr>
+          <p:cNvPr id="44" name="Textfeld 43">
+            <a:extLst>
+              <a:ext uri="{FF2B5EF4-FFF2-40B4-BE49-F238E27FC236}">
+                <a16:creationId xmlns:a16="http://schemas.microsoft.com/office/drawing/2014/main" id="{FC6BD8F6-D5CE-E681-1D3B-CA2CD775AF47}"/>
+              </a:ext>
+            </a:extLst>
+          </p:cNvPr>
+          <p:cNvSpPr txBox="1"/>
+          <p:nvPr/>
+        </p:nvSpPr>
+        <p:spPr>
+          <a:xfrm>
+            <a:off x="5978720" y="1341738"/>
+            <a:ext cx="5427722" cy="1323439"/>
+          </a:xfrm>
+          <a:prstGeom prst="rect">
+            <a:avLst/>
+          </a:prstGeom>
+          <a:noFill/>
+        </p:spPr>
+        <p:txBody>
+          <a:bodyPr wrap="square" rtlCol="0">
+            <a:spAutoFit/>
+          </a:bodyPr>
+          <a:lstStyle/>
+          <a:p>
+            <a:r>
+              <a:rPr lang="en-US" sz="2000" b="1" dirty="0" err="1"/>
+              <a:t>Kriterien</a:t>
+            </a:r>
+            <a:r>
+              <a:rPr lang="en-US" sz="2000" b="1" dirty="0"/>
+              <a:t> </a:t>
+            </a:r>
+            <a:r>
+              <a:rPr lang="en-US" sz="2000" b="1" dirty="0" err="1"/>
+              <a:t>Residuen</a:t>
+            </a:r>
+            <a:endParaRPr lang="en-US" sz="2000" b="1" dirty="0"/>
+          </a:p>
+          <a:p>
+            <a:pPr marL="285750" indent="-285750">
+              <a:buFont typeface="Arial" panose="020B0604020202020204" pitchFamily="34" charset="0"/>
+              <a:buChar char="•"/>
+            </a:pPr>
+            <a:r>
+              <a:rPr lang="en-US" sz="2000" dirty="0" err="1"/>
+              <a:t>Residuen</a:t>
+            </a:r>
+            <a:r>
+              <a:rPr lang="en-US" sz="2000" dirty="0"/>
+              <a:t> </a:t>
+            </a:r>
+            <a:r>
+              <a:rPr lang="en-US" sz="2000" dirty="0" err="1"/>
+              <a:t>sind</a:t>
+            </a:r>
+            <a:r>
+              <a:rPr lang="en-US" sz="2000" dirty="0"/>
+              <a:t> </a:t>
+            </a:r>
+            <a:r>
+              <a:rPr lang="en-US" sz="2000" dirty="0" err="1"/>
+              <a:t>unabh</a:t>
+            </a:r>
+            <a:r>
+              <a:rPr lang="de-DE" sz="2000" dirty="0" err="1"/>
+              <a:t>ängig</a:t>
+            </a:r>
+            <a:r>
+              <a:rPr lang="de-DE" sz="2000" dirty="0"/>
+              <a:t> voneinander</a:t>
+            </a:r>
+          </a:p>
+          <a:p>
+            <a:pPr marL="285750" indent="-285750">
+              <a:buFont typeface="Arial" panose="020B0604020202020204" pitchFamily="34" charset="0"/>
+              <a:buChar char="•"/>
+            </a:pPr>
+            <a:r>
+              <a:rPr lang="de-DE" sz="2000" dirty="0"/>
+              <a:t>Residuen haben den Erwartungswert 0</a:t>
+            </a:r>
+          </a:p>
+          <a:p>
+            <a:pPr marL="285750" indent="-285750">
+              <a:buFont typeface="Arial" panose="020B0604020202020204" pitchFamily="34" charset="0"/>
+              <a:buChar char="•"/>
+            </a:pPr>
+            <a:r>
+              <a:rPr lang="de-DE" sz="2000" dirty="0"/>
+              <a:t>Residuen folgen einer Normalverteilung</a:t>
+            </a:r>
+            <a:endParaRPr lang="de-CH" sz="2000" dirty="0"/>
+          </a:p>
+        </p:txBody>
+      </p:sp>
     </p:spTree>
     <p:extLst>
       <p:ext uri="{BB962C8B-B14F-4D97-AF65-F5344CB8AC3E}">
-        <p14:creationId xmlns:p14="http://schemas.microsoft.com/office/powerpoint/2010/main" val="1864621897"/>
+        <p14:creationId xmlns:p14="http://schemas.microsoft.com/office/powerpoint/2010/main" val="366185642"/>
       </p:ext>
     </p:extLst>
   </p:cSld>
@@ -16708,7 +19213,7 @@
           <p:cNvPr id="2" name="Titel 1">
             <a:extLst>
               <a:ext uri="{FF2B5EF4-FFF2-40B4-BE49-F238E27FC236}">
-                <a16:creationId xmlns:a16="http://schemas.microsoft.com/office/drawing/2014/main" id="{DF7D1558-80AF-72E1-18E4-AE6E3D66694C}"/>
+                <a16:creationId xmlns:a16="http://schemas.microsoft.com/office/drawing/2014/main" id="{39DAD9D2-6D14-8FA1-CE17-787F9B5734A3}"/>
               </a:ext>
             </a:extLst>
           </p:cNvPr>
@@ -16719,9 +19224,16 @@
             <p:ph type="title"/>
           </p:nvPr>
         </p:nvSpPr>
-        <p:spPr/>
+        <p:spPr>
+          <a:xfrm>
+            <a:off x="691079" y="725952"/>
+            <a:ext cx="10325000" cy="672560"/>
+          </a:xfrm>
+        </p:spPr>
         <p:txBody>
-          <a:bodyPr/>
+          <a:bodyPr>
+            <a:normAutofit fontScale="90000"/>
+          </a:bodyPr>
           <a:lstStyle/>
           <a:p>
             <a:r>
@@ -16730,34 +19242,9 @@
             </a:r>
             <a:r>
               <a:rPr lang="en-US" dirty="0"/>
-              <a:t> Regression</a:t>
+              <a:t> Regression in R</a:t>
             </a:r>
             <a:endParaRPr lang="de-CH" dirty="0"/>
-          </a:p>
-        </p:txBody>
-      </p:sp>
-      <p:sp>
-        <p:nvSpPr>
-          <p:cNvPr id="3" name="Inhaltsplatzhalter 2">
-            <a:extLst>
-              <a:ext uri="{FF2B5EF4-FFF2-40B4-BE49-F238E27FC236}">
-                <a16:creationId xmlns:a16="http://schemas.microsoft.com/office/drawing/2014/main" id="{0A25FA3C-3F39-0DCC-9BA9-2DC9950CF565}"/>
-              </a:ext>
-            </a:extLst>
-          </p:cNvPr>
-          <p:cNvSpPr>
-            <a:spLocks noGrp="1"/>
-          </p:cNvSpPr>
-          <p:nvPr>
-            <p:ph idx="1"/>
-          </p:nvPr>
-        </p:nvSpPr>
-        <p:spPr/>
-        <p:txBody>
-          <a:bodyPr/>
-          <a:lstStyle/>
-          <a:p>
-            <a:endParaRPr lang="de-CH"/>
           </a:p>
         </p:txBody>
       </p:sp>
@@ -16766,7 +19253,7 @@
           <p:cNvPr id="4" name="Foliennummernplatzhalter 3">
             <a:extLst>
               <a:ext uri="{FF2B5EF4-FFF2-40B4-BE49-F238E27FC236}">
-                <a16:creationId xmlns:a16="http://schemas.microsoft.com/office/drawing/2014/main" id="{35FA5BB2-2306-BE91-5307-C15B00A4E28D}"/>
+                <a16:creationId xmlns:a16="http://schemas.microsoft.com/office/drawing/2014/main" id="{D8EBB5DB-F20A-EFF4-2F57-4B0BDC8988A6}"/>
               </a:ext>
             </a:extLst>
           </p:cNvPr>
@@ -16777,23 +19264,498 @@
             <p:ph type="sldNum" sz="quarter" idx="12"/>
           </p:nvPr>
         </p:nvSpPr>
-        <p:spPr/>
+        <p:spPr>
+          <a:xfrm>
+            <a:off x="11003649" y="6215870"/>
+            <a:ext cx="979151" cy="417126"/>
+          </a:xfrm>
+        </p:spPr>
         <p:txBody>
-          <a:bodyPr/>
+          <a:bodyPr>
+            <a:normAutofit/>
+          </a:bodyPr>
           <a:lstStyle/>
           <a:p>
+            <a:pPr>
+              <a:spcAft>
+                <a:spcPts val="600"/>
+              </a:spcAft>
+            </a:pPr>
             <a:fld id="{BE15108C-154A-4A5A-9C05-91A49A422BA7}" type="slidenum">
               <a:rPr lang="en-US" smtClean="0"/>
+              <a:pPr>
+                <a:spcAft>
+                  <a:spcPts val="600"/>
+                </a:spcAft>
+              </a:pPr>
               <a:t>4</a:t>
             </a:fld>
             <a:endParaRPr lang="en-US"/>
           </a:p>
         </p:txBody>
       </p:sp>
+      <p:pic>
+        <p:nvPicPr>
+          <p:cNvPr id="5" name="Grafik 4">
+            <a:extLst>
+              <a:ext uri="{FF2B5EF4-FFF2-40B4-BE49-F238E27FC236}">
+                <a16:creationId xmlns:a16="http://schemas.microsoft.com/office/drawing/2014/main" id="{37361499-6664-49FA-C67E-50CCDC496F05}"/>
+              </a:ext>
+            </a:extLst>
+          </p:cNvPr>
+          <p:cNvPicPr>
+            <a:picLocks noChangeAspect="1"/>
+          </p:cNvPicPr>
+          <p:nvPr/>
+        </p:nvPicPr>
+        <p:blipFill rotWithShape="1">
+          <a:blip r:embed="rId2"/>
+          <a:srcRect t="-22555" r="-1373"/>
+          <a:stretch/>
+        </p:blipFill>
+        <p:spPr>
+          <a:xfrm>
+            <a:off x="375194" y="1398512"/>
+            <a:ext cx="6858000" cy="824256"/>
+          </a:xfrm>
+          <a:prstGeom prst="rect">
+            <a:avLst/>
+          </a:prstGeom>
+        </p:spPr>
+      </p:pic>
+      <mc:AlternateContent xmlns:mc="http://schemas.openxmlformats.org/markup-compatibility/2006">
+        <mc:Choice xmlns:p14="http://schemas.microsoft.com/office/powerpoint/2010/main" Requires="p14">
+          <p:contentPart p14:bwMode="auto" r:id="rId3">
+            <p14:nvContentPartPr>
+              <p14:cNvPr id="9" name="Freihand 8">
+                <a:extLst>
+                  <a:ext uri="{FF2B5EF4-FFF2-40B4-BE49-F238E27FC236}">
+                    <a16:creationId xmlns:a16="http://schemas.microsoft.com/office/drawing/2014/main" id="{44716203-E68C-2412-3658-26E9215C89F9}"/>
+                  </a:ext>
+                </a:extLst>
+              </p14:cNvPr>
+              <p14:cNvContentPartPr/>
+              <p14:nvPr/>
+            </p14:nvContentPartPr>
+            <p14:xfrm>
+              <a:off x="5843990" y="4974159"/>
+              <a:ext cx="360" cy="360"/>
+            </p14:xfrm>
+          </p:contentPart>
+        </mc:Choice>
+        <mc:Fallback>
+          <p:pic>
+            <p:nvPicPr>
+              <p:cNvPr id="9" name="Freihand 8">
+                <a:extLst>
+                  <a:ext uri="{FF2B5EF4-FFF2-40B4-BE49-F238E27FC236}">
+                    <a16:creationId xmlns:a16="http://schemas.microsoft.com/office/drawing/2014/main" id="{44716203-E68C-2412-3658-26E9215C89F9}"/>
+                  </a:ext>
+                </a:extLst>
+              </p:cNvPr>
+              <p:cNvPicPr/>
+              <p:nvPr/>
+            </p:nvPicPr>
+            <p:blipFill>
+              <a:blip r:embed="rId4"/>
+              <a:stretch>
+                <a:fillRect/>
+              </a:stretch>
+            </p:blipFill>
+            <p:spPr>
+              <a:xfrm>
+                <a:off x="5834990" y="4965519"/>
+                <a:ext cx="18000" cy="18000"/>
+              </a:xfrm>
+              <a:prstGeom prst="rect">
+                <a:avLst/>
+              </a:prstGeom>
+            </p:spPr>
+          </p:pic>
+        </mc:Fallback>
+      </mc:AlternateContent>
+      <mc:AlternateContent xmlns:mc="http://schemas.openxmlformats.org/markup-compatibility/2006">
+        <mc:Choice xmlns:p14="http://schemas.microsoft.com/office/powerpoint/2010/main" Requires="p14">
+          <p:contentPart p14:bwMode="auto" r:id="rId5">
+            <p14:nvContentPartPr>
+              <p14:cNvPr id="10" name="Freihand 9">
+                <a:extLst>
+                  <a:ext uri="{FF2B5EF4-FFF2-40B4-BE49-F238E27FC236}">
+                    <a16:creationId xmlns:a16="http://schemas.microsoft.com/office/drawing/2014/main" id="{E23A921F-4A7F-9248-3FCC-BA8AFF31EDAF}"/>
+                  </a:ext>
+                </a:extLst>
+              </p14:cNvPr>
+              <p14:cNvContentPartPr/>
+              <p14:nvPr/>
+            </p14:nvContentPartPr>
+            <p14:xfrm>
+              <a:off x="6211910" y="3876159"/>
+              <a:ext cx="360" cy="360"/>
+            </p14:xfrm>
+          </p:contentPart>
+        </mc:Choice>
+        <mc:Fallback>
+          <p:pic>
+            <p:nvPicPr>
+              <p:cNvPr id="10" name="Freihand 9">
+                <a:extLst>
+                  <a:ext uri="{FF2B5EF4-FFF2-40B4-BE49-F238E27FC236}">
+                    <a16:creationId xmlns:a16="http://schemas.microsoft.com/office/drawing/2014/main" id="{E23A921F-4A7F-9248-3FCC-BA8AFF31EDAF}"/>
+                  </a:ext>
+                </a:extLst>
+              </p:cNvPr>
+              <p:cNvPicPr/>
+              <p:nvPr/>
+            </p:nvPicPr>
+            <p:blipFill>
+              <a:blip r:embed="rId4"/>
+              <a:stretch>
+                <a:fillRect/>
+              </a:stretch>
+            </p:blipFill>
+            <p:spPr>
+              <a:xfrm>
+                <a:off x="6202910" y="3867159"/>
+                <a:ext cx="18000" cy="18000"/>
+              </a:xfrm>
+              <a:prstGeom prst="rect">
+                <a:avLst/>
+              </a:prstGeom>
+            </p:spPr>
+          </p:pic>
+        </mc:Fallback>
+      </mc:AlternateContent>
+      <p:grpSp>
+        <p:nvGrpSpPr>
+          <p:cNvPr id="44" name="Gruppieren 43">
+            <a:extLst>
+              <a:ext uri="{FF2B5EF4-FFF2-40B4-BE49-F238E27FC236}">
+                <a16:creationId xmlns:a16="http://schemas.microsoft.com/office/drawing/2014/main" id="{D63B898E-4CCE-3848-3E06-B51E4FA8CA32}"/>
+              </a:ext>
+            </a:extLst>
+          </p:cNvPr>
+          <p:cNvGrpSpPr/>
+          <p:nvPr/>
+        </p:nvGrpSpPr>
+        <p:grpSpPr>
+          <a:xfrm>
+            <a:off x="6206870" y="3840879"/>
+            <a:ext cx="360" cy="360"/>
+            <a:chOff x="6206870" y="3840879"/>
+            <a:chExt cx="360" cy="360"/>
+          </a:xfrm>
+        </p:grpSpPr>
+        <mc:AlternateContent xmlns:mc="http://schemas.openxmlformats.org/markup-compatibility/2006">
+          <mc:Choice xmlns:p14="http://schemas.microsoft.com/office/powerpoint/2010/main" Requires="p14">
+            <p:contentPart p14:bwMode="auto" r:id="rId6">
+              <p14:nvContentPartPr>
+                <p14:cNvPr id="42" name="Freihand 41">
+                  <a:extLst>
+                    <a:ext uri="{FF2B5EF4-FFF2-40B4-BE49-F238E27FC236}">
+                      <a16:creationId xmlns:a16="http://schemas.microsoft.com/office/drawing/2014/main" id="{16E9EB37-3A07-E172-5345-1320162E0E86}"/>
+                    </a:ext>
+                  </a:extLst>
+                </p14:cNvPr>
+                <p14:cNvContentPartPr/>
+                <p14:nvPr/>
+              </p14:nvContentPartPr>
+              <p14:xfrm>
+                <a:off x="6206870" y="3840879"/>
+                <a:ext cx="360" cy="360"/>
+              </p14:xfrm>
+            </p:contentPart>
+          </mc:Choice>
+          <mc:Fallback>
+            <p:pic>
+              <p:nvPicPr>
+                <p:cNvPr id="42" name="Freihand 41">
+                  <a:extLst>
+                    <a:ext uri="{FF2B5EF4-FFF2-40B4-BE49-F238E27FC236}">
+                      <a16:creationId xmlns:a16="http://schemas.microsoft.com/office/drawing/2014/main" id="{16E9EB37-3A07-E172-5345-1320162E0E86}"/>
+                    </a:ext>
+                  </a:extLst>
+                </p:cNvPr>
+                <p:cNvPicPr/>
+                <p:nvPr/>
+              </p:nvPicPr>
+              <p:blipFill>
+                <a:blip r:embed="rId4"/>
+                <a:stretch>
+                  <a:fillRect/>
+                </a:stretch>
+              </p:blipFill>
+              <p:spPr>
+                <a:xfrm>
+                  <a:off x="6197870" y="3832239"/>
+                  <a:ext cx="18000" cy="18000"/>
+                </a:xfrm>
+                <a:prstGeom prst="rect">
+                  <a:avLst/>
+                </a:prstGeom>
+              </p:spPr>
+            </p:pic>
+          </mc:Fallback>
+        </mc:AlternateContent>
+        <mc:AlternateContent xmlns:mc="http://schemas.openxmlformats.org/markup-compatibility/2006">
+          <mc:Choice xmlns:p14="http://schemas.microsoft.com/office/powerpoint/2010/main" Requires="p14">
+            <p:contentPart p14:bwMode="auto" r:id="rId7">
+              <p14:nvContentPartPr>
+                <p14:cNvPr id="43" name="Freihand 42">
+                  <a:extLst>
+                    <a:ext uri="{FF2B5EF4-FFF2-40B4-BE49-F238E27FC236}">
+                      <a16:creationId xmlns:a16="http://schemas.microsoft.com/office/drawing/2014/main" id="{D6696F08-97E2-B31D-990C-F9FDA7B85DC5}"/>
+                    </a:ext>
+                  </a:extLst>
+                </p14:cNvPr>
+                <p14:cNvContentPartPr/>
+                <p14:nvPr/>
+              </p14:nvContentPartPr>
+              <p14:xfrm>
+                <a:off x="6206870" y="3840879"/>
+                <a:ext cx="360" cy="360"/>
+              </p14:xfrm>
+            </p:contentPart>
+          </mc:Choice>
+          <mc:Fallback>
+            <p:pic>
+              <p:nvPicPr>
+                <p:cNvPr id="43" name="Freihand 42">
+                  <a:extLst>
+                    <a:ext uri="{FF2B5EF4-FFF2-40B4-BE49-F238E27FC236}">
+                      <a16:creationId xmlns:a16="http://schemas.microsoft.com/office/drawing/2014/main" id="{D6696F08-97E2-B31D-990C-F9FDA7B85DC5}"/>
+                    </a:ext>
+                  </a:extLst>
+                </p:cNvPr>
+                <p:cNvPicPr/>
+                <p:nvPr/>
+              </p:nvPicPr>
+              <p:blipFill>
+                <a:blip r:embed="rId8"/>
+                <a:stretch>
+                  <a:fillRect/>
+                </a:stretch>
+              </p:blipFill>
+              <p:spPr>
+                <a:xfrm>
+                  <a:off x="6197870" y="3832239"/>
+                  <a:ext cx="18000" cy="18000"/>
+                </a:xfrm>
+                <a:prstGeom prst="rect">
+                  <a:avLst/>
+                </a:prstGeom>
+              </p:spPr>
+            </p:pic>
+          </mc:Fallback>
+        </mc:AlternateContent>
+      </p:grpSp>
+      <p:grpSp>
+        <p:nvGrpSpPr>
+          <p:cNvPr id="48" name="Gruppieren 47">
+            <a:extLst>
+              <a:ext uri="{FF2B5EF4-FFF2-40B4-BE49-F238E27FC236}">
+                <a16:creationId xmlns:a16="http://schemas.microsoft.com/office/drawing/2014/main" id="{0CD0117F-3792-B490-CB87-6CAA7EC1388B}"/>
+              </a:ext>
+            </a:extLst>
+          </p:cNvPr>
+          <p:cNvGrpSpPr/>
+          <p:nvPr/>
+        </p:nvGrpSpPr>
+        <p:grpSpPr>
+          <a:xfrm>
+            <a:off x="8457950" y="4079559"/>
+            <a:ext cx="360" cy="360"/>
+            <a:chOff x="8457950" y="4079559"/>
+            <a:chExt cx="360" cy="360"/>
+          </a:xfrm>
+        </p:grpSpPr>
+        <mc:AlternateContent xmlns:mc="http://schemas.openxmlformats.org/markup-compatibility/2006">
+          <mc:Choice xmlns:p14="http://schemas.microsoft.com/office/powerpoint/2010/main" Requires="p14">
+            <p:contentPart p14:bwMode="auto" r:id="rId9">
+              <p14:nvContentPartPr>
+                <p14:cNvPr id="45" name="Freihand 44">
+                  <a:extLst>
+                    <a:ext uri="{FF2B5EF4-FFF2-40B4-BE49-F238E27FC236}">
+                      <a16:creationId xmlns:a16="http://schemas.microsoft.com/office/drawing/2014/main" id="{A4A6354F-C87A-FDF5-9A92-1EEA39D2ED93}"/>
+                    </a:ext>
+                  </a:extLst>
+                </p14:cNvPr>
+                <p14:cNvContentPartPr/>
+                <p14:nvPr/>
+              </p14:nvContentPartPr>
+              <p14:xfrm>
+                <a:off x="8457950" y="4079559"/>
+                <a:ext cx="360" cy="360"/>
+              </p14:xfrm>
+            </p:contentPart>
+          </mc:Choice>
+          <mc:Fallback>
+            <p:pic>
+              <p:nvPicPr>
+                <p:cNvPr id="45" name="Freihand 44">
+                  <a:extLst>
+                    <a:ext uri="{FF2B5EF4-FFF2-40B4-BE49-F238E27FC236}">
+                      <a16:creationId xmlns:a16="http://schemas.microsoft.com/office/drawing/2014/main" id="{A4A6354F-C87A-FDF5-9A92-1EEA39D2ED93}"/>
+                    </a:ext>
+                  </a:extLst>
+                </p:cNvPr>
+                <p:cNvPicPr/>
+                <p:nvPr/>
+              </p:nvPicPr>
+              <p:blipFill>
+                <a:blip r:embed="rId4"/>
+                <a:stretch>
+                  <a:fillRect/>
+                </a:stretch>
+              </p:blipFill>
+              <p:spPr>
+                <a:xfrm>
+                  <a:off x="8448950" y="4070919"/>
+                  <a:ext cx="18000" cy="18000"/>
+                </a:xfrm>
+                <a:prstGeom prst="rect">
+                  <a:avLst/>
+                </a:prstGeom>
+              </p:spPr>
+            </p:pic>
+          </mc:Fallback>
+        </mc:AlternateContent>
+        <mc:AlternateContent xmlns:mc="http://schemas.openxmlformats.org/markup-compatibility/2006">
+          <mc:Choice xmlns:p14="http://schemas.microsoft.com/office/powerpoint/2010/main" Requires="p14">
+            <p:contentPart p14:bwMode="auto" r:id="rId10">
+              <p14:nvContentPartPr>
+                <p14:cNvPr id="46" name="Freihand 45">
+                  <a:extLst>
+                    <a:ext uri="{FF2B5EF4-FFF2-40B4-BE49-F238E27FC236}">
+                      <a16:creationId xmlns:a16="http://schemas.microsoft.com/office/drawing/2014/main" id="{4C2F5296-7653-9713-FF7F-A18251747F44}"/>
+                    </a:ext>
+                  </a:extLst>
+                </p14:cNvPr>
+                <p14:cNvContentPartPr/>
+                <p14:nvPr/>
+              </p14:nvContentPartPr>
+              <p14:xfrm>
+                <a:off x="8457950" y="4079559"/>
+                <a:ext cx="360" cy="360"/>
+              </p14:xfrm>
+            </p:contentPart>
+          </mc:Choice>
+          <mc:Fallback>
+            <p:pic>
+              <p:nvPicPr>
+                <p:cNvPr id="46" name="Freihand 45">
+                  <a:extLst>
+                    <a:ext uri="{FF2B5EF4-FFF2-40B4-BE49-F238E27FC236}">
+                      <a16:creationId xmlns:a16="http://schemas.microsoft.com/office/drawing/2014/main" id="{4C2F5296-7653-9713-FF7F-A18251747F44}"/>
+                    </a:ext>
+                  </a:extLst>
+                </p:cNvPr>
+                <p:cNvPicPr/>
+                <p:nvPr/>
+              </p:nvPicPr>
+              <p:blipFill>
+                <a:blip r:embed="rId4"/>
+                <a:stretch>
+                  <a:fillRect/>
+                </a:stretch>
+              </p:blipFill>
+              <p:spPr>
+                <a:xfrm>
+                  <a:off x="8448950" y="4070919"/>
+                  <a:ext cx="18000" cy="18000"/>
+                </a:xfrm>
+                <a:prstGeom prst="rect">
+                  <a:avLst/>
+                </a:prstGeom>
+              </p:spPr>
+            </p:pic>
+          </mc:Fallback>
+        </mc:AlternateContent>
+      </p:grpSp>
+      <mc:AlternateContent xmlns:mc="http://schemas.openxmlformats.org/markup-compatibility/2006">
+        <mc:Choice xmlns:p14="http://schemas.microsoft.com/office/powerpoint/2010/main" Requires="p14">
+          <p:contentPart p14:bwMode="auto" r:id="rId11">
+            <p14:nvContentPartPr>
+              <p14:cNvPr id="47" name="Freihand 46">
+                <a:extLst>
+                  <a:ext uri="{FF2B5EF4-FFF2-40B4-BE49-F238E27FC236}">
+                    <a16:creationId xmlns:a16="http://schemas.microsoft.com/office/drawing/2014/main" id="{28208169-90FB-8F88-45C8-65B1CC9C272E}"/>
+                  </a:ext>
+                </a:extLst>
+              </p14:cNvPr>
+              <p14:cNvContentPartPr/>
+              <p14:nvPr/>
+            </p14:nvContentPartPr>
+            <p14:xfrm>
+              <a:off x="775190" y="3408879"/>
+              <a:ext cx="360" cy="360"/>
+            </p14:xfrm>
+          </p:contentPart>
+        </mc:Choice>
+        <mc:Fallback>
+          <p:pic>
+            <p:nvPicPr>
+              <p:cNvPr id="47" name="Freihand 46">
+                <a:extLst>
+                  <a:ext uri="{FF2B5EF4-FFF2-40B4-BE49-F238E27FC236}">
+                    <a16:creationId xmlns:a16="http://schemas.microsoft.com/office/drawing/2014/main" id="{28208169-90FB-8F88-45C8-65B1CC9C272E}"/>
+                  </a:ext>
+                </a:extLst>
+              </p:cNvPr>
+              <p:cNvPicPr/>
+              <p:nvPr/>
+            </p:nvPicPr>
+            <p:blipFill>
+              <a:blip r:embed="rId4"/>
+              <a:stretch>
+                <a:fillRect/>
+              </a:stretch>
+            </p:blipFill>
+            <p:spPr>
+              <a:xfrm>
+                <a:off x="766190" y="3399879"/>
+                <a:ext cx="18000" cy="18000"/>
+              </a:xfrm>
+              <a:prstGeom prst="rect">
+                <a:avLst/>
+              </a:prstGeom>
+            </p:spPr>
+          </p:pic>
+        </mc:Fallback>
+      </mc:AlternateContent>
+      <p:pic>
+        <p:nvPicPr>
+          <p:cNvPr id="50" name="Grafik 49">
+            <a:extLst>
+              <a:ext uri="{FF2B5EF4-FFF2-40B4-BE49-F238E27FC236}">
+                <a16:creationId xmlns:a16="http://schemas.microsoft.com/office/drawing/2014/main" id="{FD65AFF9-F585-B3AE-CA43-208B85B3029F}"/>
+              </a:ext>
+            </a:extLst>
+          </p:cNvPr>
+          <p:cNvPicPr>
+            <a:picLocks noChangeAspect="1"/>
+          </p:cNvPicPr>
+          <p:nvPr/>
+        </p:nvPicPr>
+        <p:blipFill>
+          <a:blip r:embed="rId12"/>
+          <a:stretch>
+            <a:fillRect/>
+          </a:stretch>
+        </p:blipFill>
+        <p:spPr>
+          <a:xfrm>
+            <a:off x="4445992" y="2345125"/>
+            <a:ext cx="6858000" cy="4152900"/>
+          </a:xfrm>
+          <a:prstGeom prst="rect">
+            <a:avLst/>
+          </a:prstGeom>
+        </p:spPr>
+      </p:pic>
     </p:spTree>
     <p:extLst>
       <p:ext uri="{BB962C8B-B14F-4D97-AF65-F5344CB8AC3E}">
-        <p14:creationId xmlns:p14="http://schemas.microsoft.com/office/powerpoint/2010/main" val="2095898986"/>
+        <p14:creationId xmlns:p14="http://schemas.microsoft.com/office/powerpoint/2010/main" val="2720888569"/>
       </p:ext>
     </p:extLst>
   </p:cSld>
@@ -16825,7 +19787,7 @@
           <p:cNvPr id="2" name="Titel 1">
             <a:extLst>
               <a:ext uri="{FF2B5EF4-FFF2-40B4-BE49-F238E27FC236}">
-                <a16:creationId xmlns:a16="http://schemas.microsoft.com/office/drawing/2014/main" id="{B65CCC7A-60E9-1338-2712-4397FC34924B}"/>
+                <a16:creationId xmlns:a16="http://schemas.microsoft.com/office/drawing/2014/main" id="{39DAD9D2-6D14-8FA1-CE17-787F9B5734A3}"/>
               </a:ext>
             </a:extLst>
           </p:cNvPr>
@@ -16836,40 +19798,22 @@
             <p:ph type="title"/>
           </p:nvPr>
         </p:nvSpPr>
-        <p:spPr/>
+        <p:spPr>
+          <a:xfrm>
+            <a:off x="691079" y="725952"/>
+            <a:ext cx="10325000" cy="672560"/>
+          </a:xfrm>
+        </p:spPr>
         <p:txBody>
-          <a:bodyPr/>
+          <a:bodyPr>
+            <a:normAutofit fontScale="90000"/>
+          </a:bodyPr>
           <a:lstStyle/>
           <a:p>
             <a:r>
               <a:rPr lang="en-US" dirty="0" err="1"/>
-              <a:t>Fazit</a:t>
+              <a:t>Hypothese</a:t>
             </a:r>
-            <a:endParaRPr lang="de-CH" dirty="0"/>
-          </a:p>
-        </p:txBody>
-      </p:sp>
-      <p:sp>
-        <p:nvSpPr>
-          <p:cNvPr id="3" name="Inhaltsplatzhalter 2">
-            <a:extLst>
-              <a:ext uri="{FF2B5EF4-FFF2-40B4-BE49-F238E27FC236}">
-                <a16:creationId xmlns:a16="http://schemas.microsoft.com/office/drawing/2014/main" id="{F2B3EE90-61BF-2D50-5649-71C0F31EE1A0}"/>
-              </a:ext>
-            </a:extLst>
-          </p:cNvPr>
-          <p:cNvSpPr>
-            <a:spLocks noGrp="1"/>
-          </p:cNvSpPr>
-          <p:nvPr>
-            <p:ph idx="1"/>
-          </p:nvPr>
-        </p:nvSpPr>
-        <p:spPr/>
-        <p:txBody>
-          <a:bodyPr/>
-          <a:lstStyle/>
-          <a:p>
             <a:endParaRPr lang="de-CH" dirty="0"/>
           </a:p>
         </p:txBody>
@@ -16879,7 +19823,189 @@
           <p:cNvPr id="4" name="Foliennummernplatzhalter 3">
             <a:extLst>
               <a:ext uri="{FF2B5EF4-FFF2-40B4-BE49-F238E27FC236}">
-                <a16:creationId xmlns:a16="http://schemas.microsoft.com/office/drawing/2014/main" id="{01E46517-E6C6-C53D-A0CD-E37BB4EB9025}"/>
+                <a16:creationId xmlns:a16="http://schemas.microsoft.com/office/drawing/2014/main" id="{D8EBB5DB-F20A-EFF4-2F57-4B0BDC8988A6}"/>
+              </a:ext>
+            </a:extLst>
+          </p:cNvPr>
+          <p:cNvSpPr>
+            <a:spLocks noGrp="1"/>
+          </p:cNvSpPr>
+          <p:nvPr>
+            <p:ph type="sldNum" sz="quarter" idx="12"/>
+          </p:nvPr>
+        </p:nvSpPr>
+        <p:spPr>
+          <a:xfrm>
+            <a:off x="11003649" y="6215870"/>
+            <a:ext cx="979151" cy="417126"/>
+          </a:xfrm>
+        </p:spPr>
+        <p:txBody>
+          <a:bodyPr>
+            <a:normAutofit/>
+          </a:bodyPr>
+          <a:lstStyle/>
+          <a:p>
+            <a:pPr>
+              <a:spcAft>
+                <a:spcPts val="600"/>
+              </a:spcAft>
+            </a:pPr>
+            <a:fld id="{BE15108C-154A-4A5A-9C05-91A49A422BA7}" type="slidenum">
+              <a:rPr lang="en-US" smtClean="0"/>
+              <a:pPr>
+                <a:spcAft>
+                  <a:spcPts val="600"/>
+                </a:spcAft>
+              </a:pPr>
+              <a:t>5</a:t>
+            </a:fld>
+            <a:endParaRPr lang="en-US"/>
+          </a:p>
+        </p:txBody>
+      </p:sp>
+      <p:sp>
+        <p:nvSpPr>
+          <p:cNvPr id="5" name="Textfeld 4">
+            <a:extLst>
+              <a:ext uri="{FF2B5EF4-FFF2-40B4-BE49-F238E27FC236}">
+                <a16:creationId xmlns:a16="http://schemas.microsoft.com/office/drawing/2014/main" id="{3EBAEFD8-8C27-06E7-8786-A2EF598DE7CA}"/>
+              </a:ext>
+            </a:extLst>
+          </p:cNvPr>
+          <p:cNvSpPr txBox="1"/>
+          <p:nvPr/>
+        </p:nvSpPr>
+        <p:spPr>
+          <a:xfrm>
+            <a:off x="645512" y="1720840"/>
+            <a:ext cx="10826052" cy="2585323"/>
+          </a:xfrm>
+          <a:prstGeom prst="rect">
+            <a:avLst/>
+          </a:prstGeom>
+          <a:noFill/>
+        </p:spPr>
+        <p:txBody>
+          <a:bodyPr wrap="square">
+            <a:spAutoFit/>
+          </a:bodyPr>
+          <a:lstStyle/>
+          <a:p>
+            <a:r>
+              <a:rPr lang="de-CH" b="1" dirty="0"/>
+              <a:t>1. Sales ist abhängig von Income/Advertising/Population. (Lineare Regression)</a:t>
+            </a:r>
+          </a:p>
+          <a:p>
+            <a:endParaRPr lang="de-CH" dirty="0"/>
+          </a:p>
+          <a:p>
+            <a:r>
+              <a:rPr lang="de-CH" dirty="0"/>
+              <a:t>2. Die Differenz von </a:t>
+            </a:r>
+            <a:r>
+              <a:rPr lang="de-CH" dirty="0" err="1"/>
+              <a:t>Comprice</a:t>
+            </a:r>
+            <a:r>
+              <a:rPr lang="de-CH" dirty="0"/>
+              <a:t> und Price hat einen Einfluss auf den Verkauf. (Lineare Regression)</a:t>
+            </a:r>
+          </a:p>
+          <a:p>
+            <a:endParaRPr lang="de-CH" dirty="0"/>
+          </a:p>
+          <a:p>
+            <a:r>
+              <a:rPr lang="de-CH" dirty="0"/>
+              <a:t>3. Sales lässt sich durch die Verwendung von mehreren Features zuverlässiger vorhersagen. (Multiple Lineare Regression)</a:t>
+            </a:r>
+          </a:p>
+          <a:p>
+            <a:endParaRPr lang="de-CH" dirty="0"/>
+          </a:p>
+          <a:p>
+            <a:r>
+              <a:rPr lang="de-CH" dirty="0"/>
+              <a:t>4. Bewohner von urbanen Regionen kaufen weniger Kindersitze als Bürger ländlicher Regionen. (Logistische Regression)</a:t>
+            </a:r>
+          </a:p>
+        </p:txBody>
+      </p:sp>
+    </p:spTree>
+    <p:extLst>
+      <p:ext uri="{BB962C8B-B14F-4D97-AF65-F5344CB8AC3E}">
+        <p14:creationId xmlns:p14="http://schemas.microsoft.com/office/powerpoint/2010/main" val="4024915887"/>
+      </p:ext>
+    </p:extLst>
+  </p:cSld>
+  <p:clrMapOvr>
+    <a:masterClrMapping/>
+  </p:clrMapOvr>
+</p:sld>
+</file>
+
+<file path=ppt/slides/slide6.xml><?xml version="1.0" encoding="utf-8"?>
+<p:sld xmlns:a="http://schemas.openxmlformats.org/drawingml/2006/main" xmlns:r="http://schemas.openxmlformats.org/officeDocument/2006/relationships" xmlns:p="http://schemas.openxmlformats.org/presentationml/2006/main">
+  <p:cSld>
+    <p:spTree>
+      <p:nvGrpSpPr>
+        <p:cNvPr id="1" name=""/>
+        <p:cNvGrpSpPr/>
+        <p:nvPr/>
+      </p:nvGrpSpPr>
+      <p:grpSpPr>
+        <a:xfrm>
+          <a:off x="0" y="0"/>
+          <a:ext cx="0" cy="0"/>
+          <a:chOff x="0" y="0"/>
+          <a:chExt cx="0" cy="0"/>
+        </a:xfrm>
+      </p:grpSpPr>
+      <p:sp>
+        <p:nvSpPr>
+          <p:cNvPr id="2" name="Titel 1">
+            <a:extLst>
+              <a:ext uri="{FF2B5EF4-FFF2-40B4-BE49-F238E27FC236}">
+                <a16:creationId xmlns:a16="http://schemas.microsoft.com/office/drawing/2014/main" id="{2A42348C-C943-DC46-07E3-A86B4A563362}"/>
+              </a:ext>
+            </a:extLst>
+          </p:cNvPr>
+          <p:cNvSpPr>
+            <a:spLocks noGrp="1"/>
+          </p:cNvSpPr>
+          <p:nvPr>
+            <p:ph type="title"/>
+          </p:nvPr>
+        </p:nvSpPr>
+        <p:spPr>
+          <a:xfrm>
+            <a:off x="691079" y="725951"/>
+            <a:ext cx="10325000" cy="740071"/>
+          </a:xfrm>
+        </p:spPr>
+        <p:txBody>
+          <a:bodyPr>
+            <a:normAutofit fontScale="90000"/>
+          </a:bodyPr>
+          <a:lstStyle/>
+          <a:p>
+            <a:r>
+              <a:rPr lang="de-DE" dirty="0"/>
+              <a:t>Auswertung Hypothese 1</a:t>
+            </a:r>
+            <a:endParaRPr lang="de-CH" dirty="0"/>
+          </a:p>
+        </p:txBody>
+      </p:sp>
+      <p:sp>
+        <p:nvSpPr>
+          <p:cNvPr id="4" name="Foliennummernplatzhalter 3">
+            <a:extLst>
+              <a:ext uri="{FF2B5EF4-FFF2-40B4-BE49-F238E27FC236}">
+                <a16:creationId xmlns:a16="http://schemas.microsoft.com/office/drawing/2014/main" id="{993B8FA3-B1F0-E031-2978-4430C2EFCD9F}"/>
               </a:ext>
             </a:extLst>
           </p:cNvPr>
@@ -16897,7 +20023,4268 @@
           <a:p>
             <a:fld id="{BE15108C-154A-4A5A-9C05-91A49A422BA7}" type="slidenum">
               <a:rPr lang="en-US" smtClean="0"/>
-              <a:t>5</a:t>
+              <a:t>6</a:t>
+            </a:fld>
+            <a:endParaRPr lang="en-US"/>
+          </a:p>
+        </p:txBody>
+      </p:sp>
+      <p:pic>
+        <p:nvPicPr>
+          <p:cNvPr id="6" name="Grafik 5">
+            <a:extLst>
+              <a:ext uri="{FF2B5EF4-FFF2-40B4-BE49-F238E27FC236}">
+                <a16:creationId xmlns:a16="http://schemas.microsoft.com/office/drawing/2014/main" id="{6EE440BC-659B-582D-4989-728D18FDC05D}"/>
+              </a:ext>
+            </a:extLst>
+          </p:cNvPr>
+          <p:cNvPicPr>
+            <a:picLocks noChangeAspect="1"/>
+          </p:cNvPicPr>
+          <p:nvPr/>
+        </p:nvPicPr>
+        <p:blipFill>
+          <a:blip r:embed="rId2"/>
+          <a:stretch>
+            <a:fillRect/>
+          </a:stretch>
+        </p:blipFill>
+        <p:spPr>
+          <a:xfrm>
+            <a:off x="89451" y="1466022"/>
+            <a:ext cx="5297557" cy="3223666"/>
+          </a:xfrm>
+          <a:prstGeom prst="rect">
+            <a:avLst/>
+          </a:prstGeom>
+        </p:spPr>
+      </p:pic>
+      <p:pic>
+        <p:nvPicPr>
+          <p:cNvPr id="8" name="Grafik 7">
+            <a:extLst>
+              <a:ext uri="{FF2B5EF4-FFF2-40B4-BE49-F238E27FC236}">
+                <a16:creationId xmlns:a16="http://schemas.microsoft.com/office/drawing/2014/main" id="{4BA5C352-FD78-D1E8-26DF-D3538CB3E0A6}"/>
+              </a:ext>
+            </a:extLst>
+          </p:cNvPr>
+          <p:cNvPicPr>
+            <a:picLocks noChangeAspect="1"/>
+          </p:cNvPicPr>
+          <p:nvPr/>
+        </p:nvPicPr>
+        <p:blipFill>
+          <a:blip r:embed="rId3"/>
+          <a:stretch>
+            <a:fillRect/>
+          </a:stretch>
+        </p:blipFill>
+        <p:spPr>
+          <a:xfrm>
+            <a:off x="5731773" y="3436980"/>
+            <a:ext cx="4939540" cy="2778890"/>
+          </a:xfrm>
+          <a:prstGeom prst="rect">
+            <a:avLst/>
+          </a:prstGeom>
+        </p:spPr>
+      </p:pic>
+    </p:spTree>
+    <p:extLst>
+      <p:ext uri="{BB962C8B-B14F-4D97-AF65-F5344CB8AC3E}">
+        <p14:creationId xmlns:p14="http://schemas.microsoft.com/office/powerpoint/2010/main" val="1045881428"/>
+      </p:ext>
+    </p:extLst>
+  </p:cSld>
+  <p:clrMapOvr>
+    <a:masterClrMapping/>
+  </p:clrMapOvr>
+</p:sld>
+</file>
+
+<file path=ppt/slides/slide7.xml><?xml version="1.0" encoding="utf-8"?>
+<p:sld xmlns:a="http://schemas.openxmlformats.org/drawingml/2006/main" xmlns:r="http://schemas.openxmlformats.org/officeDocument/2006/relationships" xmlns:p="http://schemas.openxmlformats.org/presentationml/2006/main">
+  <p:cSld>
+    <p:spTree>
+      <p:nvGrpSpPr>
+        <p:cNvPr id="1" name=""/>
+        <p:cNvGrpSpPr/>
+        <p:nvPr/>
+      </p:nvGrpSpPr>
+      <p:grpSpPr>
+        <a:xfrm>
+          <a:off x="0" y="0"/>
+          <a:ext cx="0" cy="0"/>
+          <a:chOff x="0" y="0"/>
+          <a:chExt cx="0" cy="0"/>
+        </a:xfrm>
+      </p:grpSpPr>
+      <p:sp>
+        <p:nvSpPr>
+          <p:cNvPr id="2" name="Titel 1">
+            <a:extLst>
+              <a:ext uri="{FF2B5EF4-FFF2-40B4-BE49-F238E27FC236}">
+                <a16:creationId xmlns:a16="http://schemas.microsoft.com/office/drawing/2014/main" id="{39DAD9D2-6D14-8FA1-CE17-787F9B5734A3}"/>
+              </a:ext>
+            </a:extLst>
+          </p:cNvPr>
+          <p:cNvSpPr>
+            <a:spLocks noGrp="1"/>
+          </p:cNvSpPr>
+          <p:nvPr>
+            <p:ph type="title"/>
+          </p:nvPr>
+        </p:nvSpPr>
+        <p:spPr>
+          <a:xfrm>
+            <a:off x="691079" y="725952"/>
+            <a:ext cx="10325000" cy="672560"/>
+          </a:xfrm>
+        </p:spPr>
+        <p:txBody>
+          <a:bodyPr>
+            <a:normAutofit fontScale="90000"/>
+          </a:bodyPr>
+          <a:lstStyle/>
+          <a:p>
+            <a:r>
+              <a:rPr lang="en-US" dirty="0" err="1"/>
+              <a:t>Hypothese</a:t>
+            </a:r>
+            <a:endParaRPr lang="de-CH" dirty="0"/>
+          </a:p>
+        </p:txBody>
+      </p:sp>
+      <p:sp>
+        <p:nvSpPr>
+          <p:cNvPr id="4" name="Foliennummernplatzhalter 3">
+            <a:extLst>
+              <a:ext uri="{FF2B5EF4-FFF2-40B4-BE49-F238E27FC236}">
+                <a16:creationId xmlns:a16="http://schemas.microsoft.com/office/drawing/2014/main" id="{D8EBB5DB-F20A-EFF4-2F57-4B0BDC8988A6}"/>
+              </a:ext>
+            </a:extLst>
+          </p:cNvPr>
+          <p:cNvSpPr>
+            <a:spLocks noGrp="1"/>
+          </p:cNvSpPr>
+          <p:nvPr>
+            <p:ph type="sldNum" sz="quarter" idx="12"/>
+          </p:nvPr>
+        </p:nvSpPr>
+        <p:spPr>
+          <a:xfrm>
+            <a:off x="11003649" y="6215870"/>
+            <a:ext cx="979151" cy="417126"/>
+          </a:xfrm>
+        </p:spPr>
+        <p:txBody>
+          <a:bodyPr>
+            <a:normAutofit/>
+          </a:bodyPr>
+          <a:lstStyle/>
+          <a:p>
+            <a:pPr>
+              <a:spcAft>
+                <a:spcPts val="600"/>
+              </a:spcAft>
+            </a:pPr>
+            <a:fld id="{BE15108C-154A-4A5A-9C05-91A49A422BA7}" type="slidenum">
+              <a:rPr lang="en-US" smtClean="0"/>
+              <a:pPr>
+                <a:spcAft>
+                  <a:spcPts val="600"/>
+                </a:spcAft>
+              </a:pPr>
+              <a:t>7</a:t>
+            </a:fld>
+            <a:endParaRPr lang="en-US"/>
+          </a:p>
+        </p:txBody>
+      </p:sp>
+      <p:sp>
+        <p:nvSpPr>
+          <p:cNvPr id="5" name="Textfeld 4">
+            <a:extLst>
+              <a:ext uri="{FF2B5EF4-FFF2-40B4-BE49-F238E27FC236}">
+                <a16:creationId xmlns:a16="http://schemas.microsoft.com/office/drawing/2014/main" id="{3EBAEFD8-8C27-06E7-8786-A2EF598DE7CA}"/>
+              </a:ext>
+            </a:extLst>
+          </p:cNvPr>
+          <p:cNvSpPr txBox="1"/>
+          <p:nvPr/>
+        </p:nvSpPr>
+        <p:spPr>
+          <a:xfrm>
+            <a:off x="645512" y="1720840"/>
+            <a:ext cx="10826052" cy="2585323"/>
+          </a:xfrm>
+          <a:prstGeom prst="rect">
+            <a:avLst/>
+          </a:prstGeom>
+          <a:noFill/>
+        </p:spPr>
+        <p:txBody>
+          <a:bodyPr wrap="square">
+            <a:spAutoFit/>
+          </a:bodyPr>
+          <a:lstStyle/>
+          <a:p>
+            <a:r>
+              <a:rPr lang="de-CH" dirty="0"/>
+              <a:t>1. Sales ist abhängig von Income/Advertising/Population. (Lineare Regression)</a:t>
+            </a:r>
+          </a:p>
+          <a:p>
+            <a:endParaRPr lang="de-CH" dirty="0"/>
+          </a:p>
+          <a:p>
+            <a:r>
+              <a:rPr lang="de-CH" dirty="0"/>
+              <a:t>2. Die Differenz von </a:t>
+            </a:r>
+            <a:r>
+              <a:rPr lang="de-CH" dirty="0" err="1"/>
+              <a:t>Comprice</a:t>
+            </a:r>
+            <a:r>
+              <a:rPr lang="de-CH" dirty="0"/>
+              <a:t> und Price hat einen Einfluss auf den Verkauf. (Lineare Regression)</a:t>
+            </a:r>
+          </a:p>
+          <a:p>
+            <a:endParaRPr lang="de-CH" dirty="0"/>
+          </a:p>
+          <a:p>
+            <a:r>
+              <a:rPr lang="de-CH" b="1" dirty="0"/>
+              <a:t>3. Sales lässt sich durch die Verwendung von mehreren Features zuverlässiger vorhersagen. (Multiple Lineare Regression)</a:t>
+            </a:r>
+          </a:p>
+          <a:p>
+            <a:endParaRPr lang="de-CH" dirty="0"/>
+          </a:p>
+          <a:p>
+            <a:r>
+              <a:rPr lang="de-CH" dirty="0"/>
+              <a:t>4. Bewohner von urbanen Regionen kaufen weniger Kindersitze als Bürger ländlicher Regionen. (Logistische Regression)</a:t>
+            </a:r>
+          </a:p>
+        </p:txBody>
+      </p:sp>
+    </p:spTree>
+    <p:extLst>
+      <p:ext uri="{BB962C8B-B14F-4D97-AF65-F5344CB8AC3E}">
+        <p14:creationId xmlns:p14="http://schemas.microsoft.com/office/powerpoint/2010/main" val="2708258209"/>
+      </p:ext>
+    </p:extLst>
+  </p:cSld>
+  <p:clrMapOvr>
+    <a:masterClrMapping/>
+  </p:clrMapOvr>
+</p:sld>
+</file>
+
+<file path=ppt/slides/slide8.xml><?xml version="1.0" encoding="utf-8"?>
+<p:sld xmlns:a="http://schemas.openxmlformats.org/drawingml/2006/main" xmlns:r="http://schemas.openxmlformats.org/officeDocument/2006/relationships" xmlns:p="http://schemas.openxmlformats.org/presentationml/2006/main">
+  <p:cSld>
+    <p:spTree>
+      <p:nvGrpSpPr>
+        <p:cNvPr id="1" name=""/>
+        <p:cNvGrpSpPr/>
+        <p:nvPr/>
+      </p:nvGrpSpPr>
+      <p:grpSpPr>
+        <a:xfrm>
+          <a:off x="0" y="0"/>
+          <a:ext cx="0" cy="0"/>
+          <a:chOff x="0" y="0"/>
+          <a:chExt cx="0" cy="0"/>
+        </a:xfrm>
+      </p:grpSpPr>
+      <p:sp>
+        <p:nvSpPr>
+          <p:cNvPr id="2" name="Titel 1">
+            <a:extLst>
+              <a:ext uri="{FF2B5EF4-FFF2-40B4-BE49-F238E27FC236}">
+                <a16:creationId xmlns:a16="http://schemas.microsoft.com/office/drawing/2014/main" id="{2A42348C-C943-DC46-07E3-A86B4A563362}"/>
+              </a:ext>
+            </a:extLst>
+          </p:cNvPr>
+          <p:cNvSpPr>
+            <a:spLocks noGrp="1"/>
+          </p:cNvSpPr>
+          <p:nvPr>
+            <p:ph type="title"/>
+          </p:nvPr>
+        </p:nvSpPr>
+        <p:spPr>
+          <a:xfrm>
+            <a:off x="691079" y="725951"/>
+            <a:ext cx="10325000" cy="740071"/>
+          </a:xfrm>
+        </p:spPr>
+        <p:txBody>
+          <a:bodyPr>
+            <a:normAutofit fontScale="90000"/>
+          </a:bodyPr>
+          <a:lstStyle/>
+          <a:p>
+            <a:r>
+              <a:rPr lang="de-DE" dirty="0"/>
+              <a:t>Auswertung Hypothese 3</a:t>
+            </a:r>
+            <a:endParaRPr lang="de-CH" dirty="0"/>
+          </a:p>
+        </p:txBody>
+      </p:sp>
+      <p:sp>
+        <p:nvSpPr>
+          <p:cNvPr id="4" name="Foliennummernplatzhalter 3">
+            <a:extLst>
+              <a:ext uri="{FF2B5EF4-FFF2-40B4-BE49-F238E27FC236}">
+                <a16:creationId xmlns:a16="http://schemas.microsoft.com/office/drawing/2014/main" id="{993B8FA3-B1F0-E031-2978-4430C2EFCD9F}"/>
+              </a:ext>
+            </a:extLst>
+          </p:cNvPr>
+          <p:cNvSpPr>
+            <a:spLocks noGrp="1"/>
+          </p:cNvSpPr>
+          <p:nvPr>
+            <p:ph type="sldNum" sz="quarter" idx="12"/>
+          </p:nvPr>
+        </p:nvSpPr>
+        <p:spPr/>
+        <p:txBody>
+          <a:bodyPr/>
+          <a:lstStyle/>
+          <a:p>
+            <a:fld id="{BE15108C-154A-4A5A-9C05-91A49A422BA7}" type="slidenum">
+              <a:rPr lang="en-US" smtClean="0"/>
+              <a:t>8</a:t>
+            </a:fld>
+            <a:endParaRPr lang="en-US"/>
+          </a:p>
+        </p:txBody>
+      </p:sp>
+      <p:pic>
+        <p:nvPicPr>
+          <p:cNvPr id="5" name="Grafik 4">
+            <a:extLst>
+              <a:ext uri="{FF2B5EF4-FFF2-40B4-BE49-F238E27FC236}">
+                <a16:creationId xmlns:a16="http://schemas.microsoft.com/office/drawing/2014/main" id="{BB2410E1-8556-EDFF-B64C-0260DCE24228}"/>
+              </a:ext>
+            </a:extLst>
+          </p:cNvPr>
+          <p:cNvPicPr>
+            <a:picLocks noChangeAspect="1"/>
+          </p:cNvPicPr>
+          <p:nvPr/>
+        </p:nvPicPr>
+        <p:blipFill>
+          <a:blip r:embed="rId2"/>
+          <a:stretch>
+            <a:fillRect/>
+          </a:stretch>
+        </p:blipFill>
+        <p:spPr>
+          <a:xfrm>
+            <a:off x="177910" y="1991330"/>
+            <a:ext cx="5846967" cy="4051662"/>
+          </a:xfrm>
+          <a:prstGeom prst="rect">
+            <a:avLst/>
+          </a:prstGeom>
+        </p:spPr>
+      </p:pic>
+      <p:pic>
+        <p:nvPicPr>
+          <p:cNvPr id="9" name="Grafik 8">
+            <a:extLst>
+              <a:ext uri="{FF2B5EF4-FFF2-40B4-BE49-F238E27FC236}">
+                <a16:creationId xmlns:a16="http://schemas.microsoft.com/office/drawing/2014/main" id="{5157716F-2562-FE19-432B-64C4CEFADA17}"/>
+              </a:ext>
+            </a:extLst>
+          </p:cNvPr>
+          <p:cNvPicPr>
+            <a:picLocks noChangeAspect="1"/>
+          </p:cNvPicPr>
+          <p:nvPr/>
+        </p:nvPicPr>
+        <p:blipFill>
+          <a:blip r:embed="rId3"/>
+          <a:stretch>
+            <a:fillRect/>
+          </a:stretch>
+        </p:blipFill>
+        <p:spPr>
+          <a:xfrm>
+            <a:off x="6334013" y="1466023"/>
+            <a:ext cx="4549335" cy="2383890"/>
+          </a:xfrm>
+          <a:prstGeom prst="rect">
+            <a:avLst/>
+          </a:prstGeom>
+        </p:spPr>
+      </p:pic>
+      <p:pic>
+        <p:nvPicPr>
+          <p:cNvPr id="11" name="Grafik 10">
+            <a:extLst>
+              <a:ext uri="{FF2B5EF4-FFF2-40B4-BE49-F238E27FC236}">
+                <a16:creationId xmlns:a16="http://schemas.microsoft.com/office/drawing/2014/main" id="{13BA2DD2-360E-B755-3383-DAE1D0CB9E96}"/>
+              </a:ext>
+            </a:extLst>
+          </p:cNvPr>
+          <p:cNvPicPr>
+            <a:picLocks noChangeAspect="1"/>
+          </p:cNvPicPr>
+          <p:nvPr/>
+        </p:nvPicPr>
+        <p:blipFill>
+          <a:blip r:embed="rId4"/>
+          <a:stretch>
+            <a:fillRect/>
+          </a:stretch>
+        </p:blipFill>
+        <p:spPr>
+          <a:xfrm>
+            <a:off x="6890854" y="4017161"/>
+            <a:ext cx="3992494" cy="2500133"/>
+          </a:xfrm>
+          <a:prstGeom prst="rect">
+            <a:avLst/>
+          </a:prstGeom>
+        </p:spPr>
+      </p:pic>
+    </p:spTree>
+    <p:extLst>
+      <p:ext uri="{BB962C8B-B14F-4D97-AF65-F5344CB8AC3E}">
+        <p14:creationId xmlns:p14="http://schemas.microsoft.com/office/powerpoint/2010/main" val="4041086452"/>
+      </p:ext>
+    </p:extLst>
+  </p:cSld>
+  <p:clrMapOvr>
+    <a:masterClrMapping/>
+  </p:clrMapOvr>
+</p:sld>
+</file>
+
+<file path=ppt/slides/slide9.xml><?xml version="1.0" encoding="utf-8"?>
+<p:sld xmlns:a="http://schemas.openxmlformats.org/drawingml/2006/main" xmlns:r="http://schemas.openxmlformats.org/officeDocument/2006/relationships" xmlns:p="http://schemas.openxmlformats.org/presentationml/2006/main">
+  <p:cSld>
+    <p:bg>
+      <p:bgPr>
+        <a:solidFill>
+          <a:schemeClr val="bg1"/>
+        </a:solidFill>
+        <a:effectLst/>
+      </p:bgPr>
+    </p:bg>
+    <p:spTree>
+      <p:nvGrpSpPr>
+        <p:cNvPr id="1" name=""/>
+        <p:cNvGrpSpPr/>
+        <p:nvPr/>
+      </p:nvGrpSpPr>
+      <p:grpSpPr>
+        <a:xfrm>
+          <a:off x="0" y="0"/>
+          <a:ext cx="0" cy="0"/>
+          <a:chOff x="0" y="0"/>
+          <a:chExt cx="0" cy="0"/>
+        </a:xfrm>
+      </p:grpSpPr>
+      <p:grpSp>
+        <p:nvGrpSpPr>
+          <p:cNvPr id="11" name="Group 10">
+            <a:extLst>
+              <a:ext uri="{FF2B5EF4-FFF2-40B4-BE49-F238E27FC236}">
+                <a16:creationId xmlns:a16="http://schemas.microsoft.com/office/drawing/2014/main" id="{748618E9-EE2D-4864-9EEE-58939BD4FBBA}"/>
+              </a:ext>
+              <a:ext uri="{C183D7F6-B498-43B3-948B-1728B52AA6E4}">
+                <adec:decorative xmlns:adec="http://schemas.microsoft.com/office/drawing/2017/decorative" val="1"/>
+              </a:ext>
+            </a:extLst>
+          </p:cNvPr>
+          <p:cNvGrpSpPr>
+            <a:grpSpLocks noGrp="1" noUngrp="1" noRot="1" noChangeAspect="1" noMove="1" noResize="1"/>
+          </p:cNvGrpSpPr>
+          <p:nvPr>
+            <p:extLst>
+              <p:ext uri="{386F3935-93C4-4BCD-93E2-E3B085C9AB24}">
+                <p16:designElem xmlns:p16="http://schemas.microsoft.com/office/powerpoint/2015/main" val="1"/>
+              </p:ext>
+            </p:extLst>
+          </p:nvPr>
+        </p:nvGrpSpPr>
+        <p:grpSpPr>
+          <a:xfrm>
+            <a:off x="-6214" y="-1"/>
+            <a:ext cx="12214827" cy="6858000"/>
+            <a:chOff x="-6214" y="-1"/>
+            <a:chExt cx="12214827" cy="6858000"/>
+          </a:xfrm>
+        </p:grpSpPr>
+        <p:cxnSp>
+          <p:nvCxnSpPr>
+            <p:cNvPr id="12" name="Straight Connector 11">
+              <a:extLst>
+                <a:ext uri="{FF2B5EF4-FFF2-40B4-BE49-F238E27FC236}">
+                  <a16:creationId xmlns:a16="http://schemas.microsoft.com/office/drawing/2014/main" id="{317D1EC0-23FF-4FC8-B22D-E34878EAA4CC}"/>
+                </a:ext>
+                <a:ext uri="{C183D7F6-B498-43B3-948B-1728B52AA6E4}">
+                  <adec:decorative xmlns:adec="http://schemas.microsoft.com/office/drawing/2017/decorative" val="1"/>
+                </a:ext>
+              </a:extLst>
+            </p:cNvPr>
+            <p:cNvCxnSpPr>
+              <a:cxnSpLocks/>
+            </p:cNvCxnSpPr>
+            <p:nvPr>
+              <p:extLst>
+                <p:ext uri="{386F3935-93C4-4BCD-93E2-E3B085C9AB24}">
+                  <p16:designElem xmlns:p16="http://schemas.microsoft.com/office/powerpoint/2015/main" val="1"/>
+                </p:ext>
+              </p:extLst>
+            </p:nvPr>
+          </p:nvCxnSpPr>
+          <p:spPr>
+            <a:xfrm>
+              <a:off x="-6214" y="6686283"/>
+              <a:ext cx="12192000" cy="0"/>
+            </a:xfrm>
+            <a:prstGeom prst="line">
+              <a:avLst/>
+            </a:prstGeom>
+            <a:ln w="12700">
+              <a:solidFill>
+                <a:srgbClr val="BCBCBC">
+                  <a:alpha val="29804"/>
+                </a:srgbClr>
+              </a:solidFill>
+              <a:prstDash val="sysDot"/>
+            </a:ln>
+          </p:spPr>
+          <p:style>
+            <a:lnRef idx="1">
+              <a:schemeClr val="accent1"/>
+            </a:lnRef>
+            <a:fillRef idx="0">
+              <a:schemeClr val="accent1"/>
+            </a:fillRef>
+            <a:effectRef idx="0">
+              <a:schemeClr val="accent1"/>
+            </a:effectRef>
+            <a:fontRef idx="minor">
+              <a:schemeClr val="tx1"/>
+            </a:fontRef>
+          </p:style>
+        </p:cxnSp>
+        <p:cxnSp>
+          <p:nvCxnSpPr>
+            <p:cNvPr id="13" name="Straight Connector 12">
+              <a:extLst>
+                <a:ext uri="{FF2B5EF4-FFF2-40B4-BE49-F238E27FC236}">
+                  <a16:creationId xmlns:a16="http://schemas.microsoft.com/office/drawing/2014/main" id="{5AB929A7-258C-4469-AAB4-A67D713F7A80}"/>
+                </a:ext>
+                <a:ext uri="{C183D7F6-B498-43B3-948B-1728B52AA6E4}">
+                  <adec:decorative xmlns:adec="http://schemas.microsoft.com/office/drawing/2017/decorative" val="1"/>
+                </a:ext>
+              </a:extLst>
+            </p:cNvPr>
+            <p:cNvCxnSpPr>
+              <a:cxnSpLocks/>
+            </p:cNvCxnSpPr>
+            <p:nvPr>
+              <p:extLst>
+                <p:ext uri="{386F3935-93C4-4BCD-93E2-E3B085C9AB24}">
+                  <p16:designElem xmlns:p16="http://schemas.microsoft.com/office/powerpoint/2015/main" val="1"/>
+                </p:ext>
+              </p:extLst>
+            </p:nvPr>
+          </p:nvCxnSpPr>
+          <p:spPr>
+            <a:xfrm>
+              <a:off x="0" y="-1"/>
+              <a:ext cx="0" cy="6858000"/>
+            </a:xfrm>
+            <a:prstGeom prst="line">
+              <a:avLst/>
+            </a:prstGeom>
+            <a:ln w="12700">
+              <a:solidFill>
+                <a:srgbClr val="BCBCBC">
+                  <a:alpha val="29804"/>
+                </a:srgbClr>
+              </a:solidFill>
+              <a:prstDash val="sysDot"/>
+            </a:ln>
+          </p:spPr>
+          <p:style>
+            <a:lnRef idx="1">
+              <a:schemeClr val="accent1"/>
+            </a:lnRef>
+            <a:fillRef idx="0">
+              <a:schemeClr val="accent1"/>
+            </a:fillRef>
+            <a:effectRef idx="0">
+              <a:schemeClr val="accent1"/>
+            </a:effectRef>
+            <a:fontRef idx="minor">
+              <a:schemeClr val="tx1"/>
+            </a:fontRef>
+          </p:style>
+        </p:cxnSp>
+        <p:cxnSp>
+          <p:nvCxnSpPr>
+            <p:cNvPr id="14" name="Straight Connector 13">
+              <a:extLst>
+                <a:ext uri="{FF2B5EF4-FFF2-40B4-BE49-F238E27FC236}">
+                  <a16:creationId xmlns:a16="http://schemas.microsoft.com/office/drawing/2014/main" id="{DA635CDB-2D00-49D5-B26E-0694A25000C7}"/>
+                </a:ext>
+                <a:ext uri="{C183D7F6-B498-43B3-948B-1728B52AA6E4}">
+                  <adec:decorative xmlns:adec="http://schemas.microsoft.com/office/drawing/2017/decorative" val="1"/>
+                </a:ext>
+              </a:extLst>
+            </p:cNvPr>
+            <p:cNvCxnSpPr>
+              <a:cxnSpLocks/>
+            </p:cNvCxnSpPr>
+            <p:nvPr>
+              <p:extLst>
+                <p:ext uri="{386F3935-93C4-4BCD-93E2-E3B085C9AB24}">
+                  <p16:designElem xmlns:p16="http://schemas.microsoft.com/office/powerpoint/2015/main" val="1"/>
+                </p:ext>
+              </p:extLst>
+            </p:nvPr>
+          </p:nvCxnSpPr>
+          <p:spPr>
+            <a:xfrm>
+              <a:off x="11993258" y="-1"/>
+              <a:ext cx="0" cy="6858000"/>
+            </a:xfrm>
+            <a:prstGeom prst="line">
+              <a:avLst/>
+            </a:prstGeom>
+            <a:ln w="12700">
+              <a:solidFill>
+                <a:srgbClr val="BCBCBC">
+                  <a:alpha val="29804"/>
+                </a:srgbClr>
+              </a:solidFill>
+              <a:prstDash val="sysDot"/>
+            </a:ln>
+          </p:spPr>
+          <p:style>
+            <a:lnRef idx="1">
+              <a:schemeClr val="accent1"/>
+            </a:lnRef>
+            <a:fillRef idx="0">
+              <a:schemeClr val="accent1"/>
+            </a:fillRef>
+            <a:effectRef idx="0">
+              <a:schemeClr val="accent1"/>
+            </a:effectRef>
+            <a:fontRef idx="minor">
+              <a:schemeClr val="tx1"/>
+            </a:fontRef>
+          </p:style>
+        </p:cxnSp>
+        <p:cxnSp>
+          <p:nvCxnSpPr>
+            <p:cNvPr id="15" name="Straight Connector 14">
+              <a:extLst>
+                <a:ext uri="{FF2B5EF4-FFF2-40B4-BE49-F238E27FC236}">
+                  <a16:creationId xmlns:a16="http://schemas.microsoft.com/office/drawing/2014/main" id="{B4288D7A-F857-418D-92F2-368E841B9F27}"/>
+                </a:ext>
+                <a:ext uri="{C183D7F6-B498-43B3-948B-1728B52AA6E4}">
+                  <adec:decorative xmlns:adec="http://schemas.microsoft.com/office/drawing/2017/decorative" val="1"/>
+                </a:ext>
+              </a:extLst>
+            </p:cNvPr>
+            <p:cNvCxnSpPr>
+              <a:cxnSpLocks/>
+            </p:cNvCxnSpPr>
+            <p:nvPr>
+              <p:extLst>
+                <p:ext uri="{386F3935-93C4-4BCD-93E2-E3B085C9AB24}">
+                  <p16:designElem xmlns:p16="http://schemas.microsoft.com/office/powerpoint/2015/main" val="1"/>
+                </p:ext>
+              </p:extLst>
+            </p:nvPr>
+          </p:nvCxnSpPr>
+          <p:spPr>
+            <a:xfrm>
+              <a:off x="192528" y="-1"/>
+              <a:ext cx="0" cy="6858000"/>
+            </a:xfrm>
+            <a:prstGeom prst="line">
+              <a:avLst/>
+            </a:prstGeom>
+            <a:ln w="12700">
+              <a:solidFill>
+                <a:srgbClr val="BCBCBC">
+                  <a:alpha val="29804"/>
+                </a:srgbClr>
+              </a:solidFill>
+              <a:prstDash val="sysDot"/>
+            </a:ln>
+          </p:spPr>
+          <p:style>
+            <a:lnRef idx="1">
+              <a:schemeClr val="accent1"/>
+            </a:lnRef>
+            <a:fillRef idx="0">
+              <a:schemeClr val="accent1"/>
+            </a:fillRef>
+            <a:effectRef idx="0">
+              <a:schemeClr val="accent1"/>
+            </a:effectRef>
+            <a:fontRef idx="minor">
+              <a:schemeClr val="tx1"/>
+            </a:fontRef>
+          </p:style>
+        </p:cxnSp>
+        <p:cxnSp>
+          <p:nvCxnSpPr>
+            <p:cNvPr id="16" name="Straight Connector 15">
+              <a:extLst>
+                <a:ext uri="{FF2B5EF4-FFF2-40B4-BE49-F238E27FC236}">
+                  <a16:creationId xmlns:a16="http://schemas.microsoft.com/office/drawing/2014/main" id="{F1084F50-7F3C-4A4A-877E-FFD9EC7CD88B}"/>
+                </a:ext>
+                <a:ext uri="{C183D7F6-B498-43B3-948B-1728B52AA6E4}">
+                  <adec:decorative xmlns:adec="http://schemas.microsoft.com/office/drawing/2017/decorative" val="1"/>
+                </a:ext>
+              </a:extLst>
+            </p:cNvPr>
+            <p:cNvCxnSpPr>
+              <a:cxnSpLocks/>
+            </p:cNvCxnSpPr>
+            <p:nvPr>
+              <p:extLst>
+                <p:ext uri="{386F3935-93C4-4BCD-93E2-E3B085C9AB24}">
+                  <p16:designElem xmlns:p16="http://schemas.microsoft.com/office/powerpoint/2015/main" val="1"/>
+                </p:ext>
+              </p:extLst>
+            </p:nvPr>
+          </p:nvCxnSpPr>
+          <p:spPr>
+            <a:xfrm>
+              <a:off x="1175922" y="-1"/>
+              <a:ext cx="0" cy="6858000"/>
+            </a:xfrm>
+            <a:prstGeom prst="line">
+              <a:avLst/>
+            </a:prstGeom>
+            <a:ln w="12700">
+              <a:solidFill>
+                <a:srgbClr val="BCBCBC">
+                  <a:alpha val="29804"/>
+                </a:srgbClr>
+              </a:solidFill>
+              <a:prstDash val="sysDot"/>
+            </a:ln>
+          </p:spPr>
+          <p:style>
+            <a:lnRef idx="1">
+              <a:schemeClr val="accent1"/>
+            </a:lnRef>
+            <a:fillRef idx="0">
+              <a:schemeClr val="accent1"/>
+            </a:fillRef>
+            <a:effectRef idx="0">
+              <a:schemeClr val="accent1"/>
+            </a:effectRef>
+            <a:fontRef idx="minor">
+              <a:schemeClr val="tx1"/>
+            </a:fontRef>
+          </p:style>
+        </p:cxnSp>
+        <p:cxnSp>
+          <p:nvCxnSpPr>
+            <p:cNvPr id="17" name="Straight Connector 16">
+              <a:extLst>
+                <a:ext uri="{FF2B5EF4-FFF2-40B4-BE49-F238E27FC236}">
+                  <a16:creationId xmlns:a16="http://schemas.microsoft.com/office/drawing/2014/main" id="{331E64C1-F4C0-4A94-B319-BB1A0A2450B5}"/>
+                </a:ext>
+                <a:ext uri="{C183D7F6-B498-43B3-948B-1728B52AA6E4}">
+                  <adec:decorative xmlns:adec="http://schemas.microsoft.com/office/drawing/2017/decorative" val="1"/>
+                </a:ext>
+              </a:extLst>
+            </p:cNvPr>
+            <p:cNvCxnSpPr>
+              <a:cxnSpLocks/>
+            </p:cNvCxnSpPr>
+            <p:nvPr>
+              <p:extLst>
+                <p:ext uri="{386F3935-93C4-4BCD-93E2-E3B085C9AB24}">
+                  <p16:designElem xmlns:p16="http://schemas.microsoft.com/office/powerpoint/2015/main" val="1"/>
+                </p:ext>
+              </p:extLst>
+            </p:nvPr>
+          </p:nvCxnSpPr>
+          <p:spPr>
+            <a:xfrm>
+              <a:off x="2159316" y="-1"/>
+              <a:ext cx="0" cy="6858000"/>
+            </a:xfrm>
+            <a:prstGeom prst="line">
+              <a:avLst/>
+            </a:prstGeom>
+            <a:ln w="12700">
+              <a:solidFill>
+                <a:srgbClr val="BCBCBC">
+                  <a:alpha val="29804"/>
+                </a:srgbClr>
+              </a:solidFill>
+              <a:prstDash val="sysDot"/>
+            </a:ln>
+          </p:spPr>
+          <p:style>
+            <a:lnRef idx="1">
+              <a:schemeClr val="accent1"/>
+            </a:lnRef>
+            <a:fillRef idx="0">
+              <a:schemeClr val="accent1"/>
+            </a:fillRef>
+            <a:effectRef idx="0">
+              <a:schemeClr val="accent1"/>
+            </a:effectRef>
+            <a:fontRef idx="minor">
+              <a:schemeClr val="tx1"/>
+            </a:fontRef>
+          </p:style>
+        </p:cxnSp>
+        <p:cxnSp>
+          <p:nvCxnSpPr>
+            <p:cNvPr id="18" name="Straight Connector 17">
+              <a:extLst>
+                <a:ext uri="{FF2B5EF4-FFF2-40B4-BE49-F238E27FC236}">
+                  <a16:creationId xmlns:a16="http://schemas.microsoft.com/office/drawing/2014/main" id="{363D8374-8052-417F-AB69-B97EAC43D513}"/>
+                </a:ext>
+                <a:ext uri="{C183D7F6-B498-43B3-948B-1728B52AA6E4}">
+                  <adec:decorative xmlns:adec="http://schemas.microsoft.com/office/drawing/2017/decorative" val="1"/>
+                </a:ext>
+              </a:extLst>
+            </p:cNvPr>
+            <p:cNvCxnSpPr>
+              <a:cxnSpLocks/>
+            </p:cNvCxnSpPr>
+            <p:nvPr>
+              <p:extLst>
+                <p:ext uri="{386F3935-93C4-4BCD-93E2-E3B085C9AB24}">
+                  <p16:designElem xmlns:p16="http://schemas.microsoft.com/office/powerpoint/2015/main" val="1"/>
+                </p:ext>
+              </p:extLst>
+            </p:nvPr>
+          </p:nvCxnSpPr>
+          <p:spPr>
+            <a:xfrm>
+              <a:off x="3142710" y="-1"/>
+              <a:ext cx="0" cy="6858000"/>
+            </a:xfrm>
+            <a:prstGeom prst="line">
+              <a:avLst/>
+            </a:prstGeom>
+            <a:ln w="12700">
+              <a:solidFill>
+                <a:srgbClr val="BCBCBC">
+                  <a:alpha val="29804"/>
+                </a:srgbClr>
+              </a:solidFill>
+              <a:prstDash val="sysDot"/>
+            </a:ln>
+          </p:spPr>
+          <p:style>
+            <a:lnRef idx="1">
+              <a:schemeClr val="accent1"/>
+            </a:lnRef>
+            <a:fillRef idx="0">
+              <a:schemeClr val="accent1"/>
+            </a:fillRef>
+            <a:effectRef idx="0">
+              <a:schemeClr val="accent1"/>
+            </a:effectRef>
+            <a:fontRef idx="minor">
+              <a:schemeClr val="tx1"/>
+            </a:fontRef>
+          </p:style>
+        </p:cxnSp>
+        <p:cxnSp>
+          <p:nvCxnSpPr>
+            <p:cNvPr id="19" name="Straight Connector 18">
+              <a:extLst>
+                <a:ext uri="{FF2B5EF4-FFF2-40B4-BE49-F238E27FC236}">
+                  <a16:creationId xmlns:a16="http://schemas.microsoft.com/office/drawing/2014/main" id="{C7750734-4D51-4019-A003-38A3DE49B434}"/>
+                </a:ext>
+                <a:ext uri="{C183D7F6-B498-43B3-948B-1728B52AA6E4}">
+                  <adec:decorative xmlns:adec="http://schemas.microsoft.com/office/drawing/2017/decorative" val="1"/>
+                </a:ext>
+              </a:extLst>
+            </p:cNvPr>
+            <p:cNvCxnSpPr>
+              <a:cxnSpLocks/>
+            </p:cNvCxnSpPr>
+            <p:nvPr>
+              <p:extLst>
+                <p:ext uri="{386F3935-93C4-4BCD-93E2-E3B085C9AB24}">
+                  <p16:designElem xmlns:p16="http://schemas.microsoft.com/office/powerpoint/2015/main" val="1"/>
+                </p:ext>
+              </p:extLst>
+            </p:nvPr>
+          </p:nvCxnSpPr>
+          <p:spPr>
+            <a:xfrm>
+              <a:off x="4126104" y="-1"/>
+              <a:ext cx="0" cy="6858000"/>
+            </a:xfrm>
+            <a:prstGeom prst="line">
+              <a:avLst/>
+            </a:prstGeom>
+            <a:ln w="12700">
+              <a:solidFill>
+                <a:srgbClr val="BCBCBC">
+                  <a:alpha val="29804"/>
+                </a:srgbClr>
+              </a:solidFill>
+              <a:prstDash val="sysDot"/>
+            </a:ln>
+          </p:spPr>
+          <p:style>
+            <a:lnRef idx="1">
+              <a:schemeClr val="accent1"/>
+            </a:lnRef>
+            <a:fillRef idx="0">
+              <a:schemeClr val="accent1"/>
+            </a:fillRef>
+            <a:effectRef idx="0">
+              <a:schemeClr val="accent1"/>
+            </a:effectRef>
+            <a:fontRef idx="minor">
+              <a:schemeClr val="tx1"/>
+            </a:fontRef>
+          </p:style>
+        </p:cxnSp>
+        <p:cxnSp>
+          <p:nvCxnSpPr>
+            <p:cNvPr id="20" name="Straight Connector 19">
+              <a:extLst>
+                <a:ext uri="{FF2B5EF4-FFF2-40B4-BE49-F238E27FC236}">
+                  <a16:creationId xmlns:a16="http://schemas.microsoft.com/office/drawing/2014/main" id="{71B693D1-DBA2-4D3B-9B37-D9EE8C4112F4}"/>
+                </a:ext>
+                <a:ext uri="{C183D7F6-B498-43B3-948B-1728B52AA6E4}">
+                  <adec:decorative xmlns:adec="http://schemas.microsoft.com/office/drawing/2017/decorative" val="1"/>
+                </a:ext>
+              </a:extLst>
+            </p:cNvPr>
+            <p:cNvCxnSpPr>
+              <a:cxnSpLocks/>
+            </p:cNvCxnSpPr>
+            <p:nvPr>
+              <p:extLst>
+                <p:ext uri="{386F3935-93C4-4BCD-93E2-E3B085C9AB24}">
+                  <p16:designElem xmlns:p16="http://schemas.microsoft.com/office/powerpoint/2015/main" val="1"/>
+                </p:ext>
+              </p:extLst>
+            </p:nvPr>
+          </p:nvCxnSpPr>
+          <p:spPr>
+            <a:xfrm>
+              <a:off x="5109498" y="-1"/>
+              <a:ext cx="0" cy="6858000"/>
+            </a:xfrm>
+            <a:prstGeom prst="line">
+              <a:avLst/>
+            </a:prstGeom>
+            <a:ln w="12700">
+              <a:solidFill>
+                <a:srgbClr val="BCBCBC">
+                  <a:alpha val="29804"/>
+                </a:srgbClr>
+              </a:solidFill>
+              <a:prstDash val="sysDot"/>
+            </a:ln>
+          </p:spPr>
+          <p:style>
+            <a:lnRef idx="1">
+              <a:schemeClr val="accent1"/>
+            </a:lnRef>
+            <a:fillRef idx="0">
+              <a:schemeClr val="accent1"/>
+            </a:fillRef>
+            <a:effectRef idx="0">
+              <a:schemeClr val="accent1"/>
+            </a:effectRef>
+            <a:fontRef idx="minor">
+              <a:schemeClr val="tx1"/>
+            </a:fontRef>
+          </p:style>
+        </p:cxnSp>
+        <p:cxnSp>
+          <p:nvCxnSpPr>
+            <p:cNvPr id="21" name="Straight Connector 20">
+              <a:extLst>
+                <a:ext uri="{FF2B5EF4-FFF2-40B4-BE49-F238E27FC236}">
+                  <a16:creationId xmlns:a16="http://schemas.microsoft.com/office/drawing/2014/main" id="{1BCD3EA8-E4C0-4AF6-817F-F9F29157A499}"/>
+                </a:ext>
+                <a:ext uri="{C183D7F6-B498-43B3-948B-1728B52AA6E4}">
+                  <adec:decorative xmlns:adec="http://schemas.microsoft.com/office/drawing/2017/decorative" val="1"/>
+                </a:ext>
+              </a:extLst>
+            </p:cNvPr>
+            <p:cNvCxnSpPr>
+              <a:cxnSpLocks/>
+            </p:cNvCxnSpPr>
+            <p:nvPr>
+              <p:extLst>
+                <p:ext uri="{386F3935-93C4-4BCD-93E2-E3B085C9AB24}">
+                  <p16:designElem xmlns:p16="http://schemas.microsoft.com/office/powerpoint/2015/main" val="1"/>
+                </p:ext>
+              </p:extLst>
+            </p:nvPr>
+          </p:nvCxnSpPr>
+          <p:spPr>
+            <a:xfrm>
+              <a:off x="6092892" y="-1"/>
+              <a:ext cx="0" cy="6858000"/>
+            </a:xfrm>
+            <a:prstGeom prst="line">
+              <a:avLst/>
+            </a:prstGeom>
+            <a:ln w="12700">
+              <a:solidFill>
+                <a:srgbClr val="BCBCBC">
+                  <a:alpha val="29804"/>
+                </a:srgbClr>
+              </a:solidFill>
+              <a:prstDash val="sysDot"/>
+            </a:ln>
+          </p:spPr>
+          <p:style>
+            <a:lnRef idx="1">
+              <a:schemeClr val="accent1"/>
+            </a:lnRef>
+            <a:fillRef idx="0">
+              <a:schemeClr val="accent1"/>
+            </a:fillRef>
+            <a:effectRef idx="0">
+              <a:schemeClr val="accent1"/>
+            </a:effectRef>
+            <a:fontRef idx="minor">
+              <a:schemeClr val="tx1"/>
+            </a:fontRef>
+          </p:style>
+        </p:cxnSp>
+        <p:cxnSp>
+          <p:nvCxnSpPr>
+            <p:cNvPr id="22" name="Straight Connector 21">
+              <a:extLst>
+                <a:ext uri="{FF2B5EF4-FFF2-40B4-BE49-F238E27FC236}">
+                  <a16:creationId xmlns:a16="http://schemas.microsoft.com/office/drawing/2014/main" id="{7A170FB3-B397-4AC9-85FD-65388F26D90A}"/>
+                </a:ext>
+                <a:ext uri="{C183D7F6-B498-43B3-948B-1728B52AA6E4}">
+                  <adec:decorative xmlns:adec="http://schemas.microsoft.com/office/drawing/2017/decorative" val="1"/>
+                </a:ext>
+              </a:extLst>
+            </p:cNvPr>
+            <p:cNvCxnSpPr>
+              <a:cxnSpLocks/>
+            </p:cNvCxnSpPr>
+            <p:nvPr>
+              <p:extLst>
+                <p:ext uri="{386F3935-93C4-4BCD-93E2-E3B085C9AB24}">
+                  <p16:designElem xmlns:p16="http://schemas.microsoft.com/office/powerpoint/2015/main" val="1"/>
+                </p:ext>
+              </p:extLst>
+            </p:nvPr>
+          </p:nvCxnSpPr>
+          <p:spPr>
+            <a:xfrm>
+              <a:off x="7076286" y="-1"/>
+              <a:ext cx="0" cy="6858000"/>
+            </a:xfrm>
+            <a:prstGeom prst="line">
+              <a:avLst/>
+            </a:prstGeom>
+            <a:ln w="12700">
+              <a:solidFill>
+                <a:srgbClr val="BCBCBC">
+                  <a:alpha val="29804"/>
+                </a:srgbClr>
+              </a:solidFill>
+              <a:prstDash val="sysDot"/>
+            </a:ln>
+          </p:spPr>
+          <p:style>
+            <a:lnRef idx="1">
+              <a:schemeClr val="accent1"/>
+            </a:lnRef>
+            <a:fillRef idx="0">
+              <a:schemeClr val="accent1"/>
+            </a:fillRef>
+            <a:effectRef idx="0">
+              <a:schemeClr val="accent1"/>
+            </a:effectRef>
+            <a:fontRef idx="minor">
+              <a:schemeClr val="tx1"/>
+            </a:fontRef>
+          </p:style>
+        </p:cxnSp>
+        <p:cxnSp>
+          <p:nvCxnSpPr>
+            <p:cNvPr id="23" name="Straight Connector 22">
+              <a:extLst>
+                <a:ext uri="{FF2B5EF4-FFF2-40B4-BE49-F238E27FC236}">
+                  <a16:creationId xmlns:a16="http://schemas.microsoft.com/office/drawing/2014/main" id="{BE5EC0B9-49C7-4777-AEC5-B5EF8DE40498}"/>
+                </a:ext>
+                <a:ext uri="{C183D7F6-B498-43B3-948B-1728B52AA6E4}">
+                  <adec:decorative xmlns:adec="http://schemas.microsoft.com/office/drawing/2017/decorative" val="1"/>
+                </a:ext>
+              </a:extLst>
+            </p:cNvPr>
+            <p:cNvCxnSpPr>
+              <a:cxnSpLocks/>
+            </p:cNvCxnSpPr>
+            <p:nvPr>
+              <p:extLst>
+                <p:ext uri="{386F3935-93C4-4BCD-93E2-E3B085C9AB24}">
+                  <p16:designElem xmlns:p16="http://schemas.microsoft.com/office/powerpoint/2015/main" val="1"/>
+                </p:ext>
+              </p:extLst>
+            </p:nvPr>
+          </p:nvCxnSpPr>
+          <p:spPr>
+            <a:xfrm>
+              <a:off x="8059680" y="-1"/>
+              <a:ext cx="0" cy="6858000"/>
+            </a:xfrm>
+            <a:prstGeom prst="line">
+              <a:avLst/>
+            </a:prstGeom>
+            <a:ln w="12700">
+              <a:solidFill>
+                <a:srgbClr val="BCBCBC">
+                  <a:alpha val="29804"/>
+                </a:srgbClr>
+              </a:solidFill>
+              <a:prstDash val="sysDot"/>
+            </a:ln>
+          </p:spPr>
+          <p:style>
+            <a:lnRef idx="1">
+              <a:schemeClr val="accent1"/>
+            </a:lnRef>
+            <a:fillRef idx="0">
+              <a:schemeClr val="accent1"/>
+            </a:fillRef>
+            <a:effectRef idx="0">
+              <a:schemeClr val="accent1"/>
+            </a:effectRef>
+            <a:fontRef idx="minor">
+              <a:schemeClr val="tx1"/>
+            </a:fontRef>
+          </p:style>
+        </p:cxnSp>
+        <p:cxnSp>
+          <p:nvCxnSpPr>
+            <p:cNvPr id="24" name="Straight Connector 23">
+              <a:extLst>
+                <a:ext uri="{FF2B5EF4-FFF2-40B4-BE49-F238E27FC236}">
+                  <a16:creationId xmlns:a16="http://schemas.microsoft.com/office/drawing/2014/main" id="{7902048B-30F7-4434-87A5-140F9BB4BEB1}"/>
+                </a:ext>
+                <a:ext uri="{C183D7F6-B498-43B3-948B-1728B52AA6E4}">
+                  <adec:decorative xmlns:adec="http://schemas.microsoft.com/office/drawing/2017/decorative" val="1"/>
+                </a:ext>
+              </a:extLst>
+            </p:cNvPr>
+            <p:cNvCxnSpPr>
+              <a:cxnSpLocks/>
+            </p:cNvCxnSpPr>
+            <p:nvPr>
+              <p:extLst>
+                <p:ext uri="{386F3935-93C4-4BCD-93E2-E3B085C9AB24}">
+                  <p16:designElem xmlns:p16="http://schemas.microsoft.com/office/powerpoint/2015/main" val="1"/>
+                </p:ext>
+              </p:extLst>
+            </p:nvPr>
+          </p:nvCxnSpPr>
+          <p:spPr>
+            <a:xfrm>
+              <a:off x="9043074" y="-1"/>
+              <a:ext cx="0" cy="6858000"/>
+            </a:xfrm>
+            <a:prstGeom prst="line">
+              <a:avLst/>
+            </a:prstGeom>
+            <a:ln w="12700">
+              <a:solidFill>
+                <a:srgbClr val="BCBCBC">
+                  <a:alpha val="29804"/>
+                </a:srgbClr>
+              </a:solidFill>
+              <a:prstDash val="sysDot"/>
+            </a:ln>
+          </p:spPr>
+          <p:style>
+            <a:lnRef idx="1">
+              <a:schemeClr val="accent1"/>
+            </a:lnRef>
+            <a:fillRef idx="0">
+              <a:schemeClr val="accent1"/>
+            </a:fillRef>
+            <a:effectRef idx="0">
+              <a:schemeClr val="accent1"/>
+            </a:effectRef>
+            <a:fontRef idx="minor">
+              <a:schemeClr val="tx1"/>
+            </a:fontRef>
+          </p:style>
+        </p:cxnSp>
+        <p:cxnSp>
+          <p:nvCxnSpPr>
+            <p:cNvPr id="25" name="Straight Connector 24">
+              <a:extLst>
+                <a:ext uri="{FF2B5EF4-FFF2-40B4-BE49-F238E27FC236}">
+                  <a16:creationId xmlns:a16="http://schemas.microsoft.com/office/drawing/2014/main" id="{0500A6E2-A41C-4751-8A4E-9A0C5718D930}"/>
+                </a:ext>
+                <a:ext uri="{C183D7F6-B498-43B3-948B-1728B52AA6E4}">
+                  <adec:decorative xmlns:adec="http://schemas.microsoft.com/office/drawing/2017/decorative" val="1"/>
+                </a:ext>
+              </a:extLst>
+            </p:cNvPr>
+            <p:cNvCxnSpPr>
+              <a:cxnSpLocks/>
+            </p:cNvCxnSpPr>
+            <p:nvPr>
+              <p:extLst>
+                <p:ext uri="{386F3935-93C4-4BCD-93E2-E3B085C9AB24}">
+                  <p16:designElem xmlns:p16="http://schemas.microsoft.com/office/powerpoint/2015/main" val="1"/>
+                </p:ext>
+              </p:extLst>
+            </p:nvPr>
+          </p:nvCxnSpPr>
+          <p:spPr>
+            <a:xfrm>
+              <a:off x="10026468" y="-1"/>
+              <a:ext cx="0" cy="6858000"/>
+            </a:xfrm>
+            <a:prstGeom prst="line">
+              <a:avLst/>
+            </a:prstGeom>
+            <a:ln w="12700">
+              <a:solidFill>
+                <a:srgbClr val="BCBCBC">
+                  <a:alpha val="29804"/>
+                </a:srgbClr>
+              </a:solidFill>
+              <a:prstDash val="sysDot"/>
+            </a:ln>
+          </p:spPr>
+          <p:style>
+            <a:lnRef idx="1">
+              <a:schemeClr val="accent1"/>
+            </a:lnRef>
+            <a:fillRef idx="0">
+              <a:schemeClr val="accent1"/>
+            </a:fillRef>
+            <a:effectRef idx="0">
+              <a:schemeClr val="accent1"/>
+            </a:effectRef>
+            <a:fontRef idx="minor">
+              <a:schemeClr val="tx1"/>
+            </a:fontRef>
+          </p:style>
+        </p:cxnSp>
+        <p:cxnSp>
+          <p:nvCxnSpPr>
+            <p:cNvPr id="26" name="Straight Connector 25">
+              <a:extLst>
+                <a:ext uri="{FF2B5EF4-FFF2-40B4-BE49-F238E27FC236}">
+                  <a16:creationId xmlns:a16="http://schemas.microsoft.com/office/drawing/2014/main" id="{FC259517-7BE7-45F9-81C0-3A6362BF143C}"/>
+                </a:ext>
+                <a:ext uri="{C183D7F6-B498-43B3-948B-1728B52AA6E4}">
+                  <adec:decorative xmlns:adec="http://schemas.microsoft.com/office/drawing/2017/decorative" val="1"/>
+                </a:ext>
+              </a:extLst>
+            </p:cNvPr>
+            <p:cNvCxnSpPr>
+              <a:cxnSpLocks/>
+            </p:cNvCxnSpPr>
+            <p:nvPr>
+              <p:extLst>
+                <p:ext uri="{386F3935-93C4-4BCD-93E2-E3B085C9AB24}">
+                  <p16:designElem xmlns:p16="http://schemas.microsoft.com/office/powerpoint/2015/main" val="1"/>
+                </p:ext>
+              </p:extLst>
+            </p:nvPr>
+          </p:nvCxnSpPr>
+          <p:spPr>
+            <a:xfrm>
+              <a:off x="11009862" y="-1"/>
+              <a:ext cx="0" cy="6858000"/>
+            </a:xfrm>
+            <a:prstGeom prst="line">
+              <a:avLst/>
+            </a:prstGeom>
+            <a:ln w="12700">
+              <a:solidFill>
+                <a:srgbClr val="BCBCBC">
+                  <a:alpha val="29804"/>
+                </a:srgbClr>
+              </a:solidFill>
+              <a:prstDash val="sysDot"/>
+            </a:ln>
+          </p:spPr>
+          <p:style>
+            <a:lnRef idx="1">
+              <a:schemeClr val="accent1"/>
+            </a:lnRef>
+            <a:fillRef idx="0">
+              <a:schemeClr val="accent1"/>
+            </a:fillRef>
+            <a:effectRef idx="0">
+              <a:schemeClr val="accent1"/>
+            </a:effectRef>
+            <a:fontRef idx="minor">
+              <a:schemeClr val="tx1"/>
+            </a:fontRef>
+          </p:style>
+        </p:cxnSp>
+        <p:cxnSp>
+          <p:nvCxnSpPr>
+            <p:cNvPr id="27" name="Straight Connector 26">
+              <a:extLst>
+                <a:ext uri="{FF2B5EF4-FFF2-40B4-BE49-F238E27FC236}">
+                  <a16:creationId xmlns:a16="http://schemas.microsoft.com/office/drawing/2014/main" id="{90652F56-7B71-42B2-AB68-22204A6DF177}"/>
+                </a:ext>
+                <a:ext uri="{C183D7F6-B498-43B3-948B-1728B52AA6E4}">
+                  <adec:decorative xmlns:adec="http://schemas.microsoft.com/office/drawing/2017/decorative" val="1"/>
+                </a:ext>
+              </a:extLst>
+            </p:cNvPr>
+            <p:cNvCxnSpPr>
+              <a:cxnSpLocks/>
+            </p:cNvCxnSpPr>
+            <p:nvPr>
+              <p:extLst>
+                <p:ext uri="{386F3935-93C4-4BCD-93E2-E3B085C9AB24}">
+                  <p16:designElem xmlns:p16="http://schemas.microsoft.com/office/powerpoint/2015/main" val="1"/>
+                </p:ext>
+              </p:extLst>
+            </p:nvPr>
+          </p:nvCxnSpPr>
+          <p:spPr>
+            <a:xfrm>
+              <a:off x="12185786" y="-1"/>
+              <a:ext cx="0" cy="6858000"/>
+            </a:xfrm>
+            <a:prstGeom prst="line">
+              <a:avLst/>
+            </a:prstGeom>
+            <a:ln w="12700">
+              <a:solidFill>
+                <a:srgbClr val="BCBCBC">
+                  <a:alpha val="29804"/>
+                </a:srgbClr>
+              </a:solidFill>
+              <a:prstDash val="sysDot"/>
+            </a:ln>
+          </p:spPr>
+          <p:style>
+            <a:lnRef idx="1">
+              <a:schemeClr val="accent1"/>
+            </a:lnRef>
+            <a:fillRef idx="0">
+              <a:schemeClr val="accent1"/>
+            </a:fillRef>
+            <a:effectRef idx="0">
+              <a:schemeClr val="accent1"/>
+            </a:effectRef>
+            <a:fontRef idx="minor">
+              <a:schemeClr val="tx1"/>
+            </a:fontRef>
+          </p:style>
+        </p:cxnSp>
+        <p:cxnSp>
+          <p:nvCxnSpPr>
+            <p:cNvPr id="28" name="Straight Connector 27">
+              <a:extLst>
+                <a:ext uri="{FF2B5EF4-FFF2-40B4-BE49-F238E27FC236}">
+                  <a16:creationId xmlns:a16="http://schemas.microsoft.com/office/drawing/2014/main" id="{1059830E-1C3D-4D42-8789-524971CB4657}"/>
+                </a:ext>
+                <a:ext uri="{C183D7F6-B498-43B3-948B-1728B52AA6E4}">
+                  <adec:decorative xmlns:adec="http://schemas.microsoft.com/office/drawing/2017/decorative" val="1"/>
+                </a:ext>
+              </a:extLst>
+            </p:cNvPr>
+            <p:cNvCxnSpPr>
+              <a:cxnSpLocks/>
+            </p:cNvCxnSpPr>
+            <p:nvPr>
+              <p:extLst>
+                <p:ext uri="{386F3935-93C4-4BCD-93E2-E3B085C9AB24}">
+                  <p16:designElem xmlns:p16="http://schemas.microsoft.com/office/powerpoint/2015/main" val="1"/>
+                </p:ext>
+              </p:extLst>
+            </p:nvPr>
+          </p:nvCxnSpPr>
+          <p:spPr>
+            <a:xfrm>
+              <a:off x="0" y="171716"/>
+              <a:ext cx="12192000" cy="0"/>
+            </a:xfrm>
+            <a:prstGeom prst="line">
+              <a:avLst/>
+            </a:prstGeom>
+            <a:ln w="12700">
+              <a:solidFill>
+                <a:srgbClr val="BCBCBC">
+                  <a:alpha val="29804"/>
+                </a:srgbClr>
+              </a:solidFill>
+              <a:prstDash val="sysDot"/>
+            </a:ln>
+          </p:spPr>
+          <p:style>
+            <a:lnRef idx="1">
+              <a:schemeClr val="accent1"/>
+            </a:lnRef>
+            <a:fillRef idx="0">
+              <a:schemeClr val="accent1"/>
+            </a:fillRef>
+            <a:effectRef idx="0">
+              <a:schemeClr val="accent1"/>
+            </a:effectRef>
+            <a:fontRef idx="minor">
+              <a:schemeClr val="tx1"/>
+            </a:fontRef>
+          </p:style>
+        </p:cxnSp>
+        <p:cxnSp>
+          <p:nvCxnSpPr>
+            <p:cNvPr id="29" name="Straight Connector 28">
+              <a:extLst>
+                <a:ext uri="{FF2B5EF4-FFF2-40B4-BE49-F238E27FC236}">
+                  <a16:creationId xmlns:a16="http://schemas.microsoft.com/office/drawing/2014/main" id="{B53325A7-86D3-4B52-A7E3-ADDF408B4067}"/>
+                </a:ext>
+                <a:ext uri="{C183D7F6-B498-43B3-948B-1728B52AA6E4}">
+                  <adec:decorative xmlns:adec="http://schemas.microsoft.com/office/drawing/2017/decorative" val="1"/>
+                </a:ext>
+              </a:extLst>
+            </p:cNvPr>
+            <p:cNvCxnSpPr>
+              <a:cxnSpLocks/>
+            </p:cNvCxnSpPr>
+            <p:nvPr>
+              <p:extLst>
+                <p:ext uri="{386F3935-93C4-4BCD-93E2-E3B085C9AB24}">
+                  <p16:designElem xmlns:p16="http://schemas.microsoft.com/office/powerpoint/2015/main" val="1"/>
+                </p:ext>
+              </p:extLst>
+            </p:nvPr>
+          </p:nvCxnSpPr>
+          <p:spPr>
+            <a:xfrm>
+              <a:off x="0" y="714597"/>
+              <a:ext cx="12192000" cy="0"/>
+            </a:xfrm>
+            <a:prstGeom prst="line">
+              <a:avLst/>
+            </a:prstGeom>
+            <a:ln w="12700">
+              <a:solidFill>
+                <a:srgbClr val="BCBCBC">
+                  <a:alpha val="29804"/>
+                </a:srgbClr>
+              </a:solidFill>
+              <a:prstDash val="sysDot"/>
+            </a:ln>
+          </p:spPr>
+          <p:style>
+            <a:lnRef idx="1">
+              <a:schemeClr val="accent1"/>
+            </a:lnRef>
+            <a:fillRef idx="0">
+              <a:schemeClr val="accent1"/>
+            </a:fillRef>
+            <a:effectRef idx="0">
+              <a:schemeClr val="accent1"/>
+            </a:effectRef>
+            <a:fontRef idx="minor">
+              <a:schemeClr val="tx1"/>
+            </a:fontRef>
+          </p:style>
+        </p:cxnSp>
+        <p:cxnSp>
+          <p:nvCxnSpPr>
+            <p:cNvPr id="30" name="Straight Connector 29">
+              <a:extLst>
+                <a:ext uri="{FF2B5EF4-FFF2-40B4-BE49-F238E27FC236}">
+                  <a16:creationId xmlns:a16="http://schemas.microsoft.com/office/drawing/2014/main" id="{6D53F46F-EC12-484C-A4E7-791E57687AC1}"/>
+                </a:ext>
+                <a:ext uri="{C183D7F6-B498-43B3-948B-1728B52AA6E4}">
+                  <adec:decorative xmlns:adec="http://schemas.microsoft.com/office/drawing/2017/decorative" val="1"/>
+                </a:ext>
+              </a:extLst>
+            </p:cNvPr>
+            <p:cNvCxnSpPr>
+              <a:cxnSpLocks/>
+            </p:cNvCxnSpPr>
+            <p:nvPr>
+              <p:extLst>
+                <p:ext uri="{386F3935-93C4-4BCD-93E2-E3B085C9AB24}">
+                  <p16:designElem xmlns:p16="http://schemas.microsoft.com/office/powerpoint/2015/main" val="1"/>
+                </p:ext>
+              </p:extLst>
+            </p:nvPr>
+          </p:nvCxnSpPr>
+          <p:spPr>
+            <a:xfrm>
+              <a:off x="0" y="1257478"/>
+              <a:ext cx="12192000" cy="0"/>
+            </a:xfrm>
+            <a:prstGeom prst="line">
+              <a:avLst/>
+            </a:prstGeom>
+            <a:ln w="12700">
+              <a:solidFill>
+                <a:srgbClr val="BCBCBC">
+                  <a:alpha val="29804"/>
+                </a:srgbClr>
+              </a:solidFill>
+              <a:prstDash val="sysDot"/>
+            </a:ln>
+          </p:spPr>
+          <p:style>
+            <a:lnRef idx="1">
+              <a:schemeClr val="accent1"/>
+            </a:lnRef>
+            <a:fillRef idx="0">
+              <a:schemeClr val="accent1"/>
+            </a:fillRef>
+            <a:effectRef idx="0">
+              <a:schemeClr val="accent1"/>
+            </a:effectRef>
+            <a:fontRef idx="minor">
+              <a:schemeClr val="tx1"/>
+            </a:fontRef>
+          </p:style>
+        </p:cxnSp>
+        <p:cxnSp>
+          <p:nvCxnSpPr>
+            <p:cNvPr id="31" name="Straight Connector 30">
+              <a:extLst>
+                <a:ext uri="{FF2B5EF4-FFF2-40B4-BE49-F238E27FC236}">
+                  <a16:creationId xmlns:a16="http://schemas.microsoft.com/office/drawing/2014/main" id="{464ED9CA-8950-47B8-A9ED-22B45CE15FBC}"/>
+                </a:ext>
+                <a:ext uri="{C183D7F6-B498-43B3-948B-1728B52AA6E4}">
+                  <adec:decorative xmlns:adec="http://schemas.microsoft.com/office/drawing/2017/decorative" val="1"/>
+                </a:ext>
+              </a:extLst>
+            </p:cNvPr>
+            <p:cNvCxnSpPr>
+              <a:cxnSpLocks/>
+            </p:cNvCxnSpPr>
+            <p:nvPr>
+              <p:extLst>
+                <p:ext uri="{386F3935-93C4-4BCD-93E2-E3B085C9AB24}">
+                  <p16:designElem xmlns:p16="http://schemas.microsoft.com/office/powerpoint/2015/main" val="1"/>
+                </p:ext>
+              </p:extLst>
+            </p:nvPr>
+          </p:nvCxnSpPr>
+          <p:spPr>
+            <a:xfrm>
+              <a:off x="0" y="1800359"/>
+              <a:ext cx="12192000" cy="0"/>
+            </a:xfrm>
+            <a:prstGeom prst="line">
+              <a:avLst/>
+            </a:prstGeom>
+            <a:ln w="12700">
+              <a:solidFill>
+                <a:srgbClr val="BCBCBC">
+                  <a:alpha val="29804"/>
+                </a:srgbClr>
+              </a:solidFill>
+              <a:prstDash val="sysDot"/>
+            </a:ln>
+          </p:spPr>
+          <p:style>
+            <a:lnRef idx="1">
+              <a:schemeClr val="accent1"/>
+            </a:lnRef>
+            <a:fillRef idx="0">
+              <a:schemeClr val="accent1"/>
+            </a:fillRef>
+            <a:effectRef idx="0">
+              <a:schemeClr val="accent1"/>
+            </a:effectRef>
+            <a:fontRef idx="minor">
+              <a:schemeClr val="tx1"/>
+            </a:fontRef>
+          </p:style>
+        </p:cxnSp>
+        <p:cxnSp>
+          <p:nvCxnSpPr>
+            <p:cNvPr id="32" name="Straight Connector 31">
+              <a:extLst>
+                <a:ext uri="{FF2B5EF4-FFF2-40B4-BE49-F238E27FC236}">
+                  <a16:creationId xmlns:a16="http://schemas.microsoft.com/office/drawing/2014/main" id="{E4429F7B-9FD7-438F-8ECA-3FCAD0061805}"/>
+                </a:ext>
+                <a:ext uri="{C183D7F6-B498-43B3-948B-1728B52AA6E4}">
+                  <adec:decorative xmlns:adec="http://schemas.microsoft.com/office/drawing/2017/decorative" val="1"/>
+                </a:ext>
+              </a:extLst>
+            </p:cNvPr>
+            <p:cNvCxnSpPr>
+              <a:cxnSpLocks/>
+            </p:cNvCxnSpPr>
+            <p:nvPr>
+              <p:extLst>
+                <p:ext uri="{386F3935-93C4-4BCD-93E2-E3B085C9AB24}">
+                  <p16:designElem xmlns:p16="http://schemas.microsoft.com/office/powerpoint/2015/main" val="1"/>
+                </p:ext>
+              </p:extLst>
+            </p:nvPr>
+          </p:nvCxnSpPr>
+          <p:spPr>
+            <a:xfrm>
+              <a:off x="0" y="2343240"/>
+              <a:ext cx="12192000" cy="0"/>
+            </a:xfrm>
+            <a:prstGeom prst="line">
+              <a:avLst/>
+            </a:prstGeom>
+            <a:ln w="12700">
+              <a:solidFill>
+                <a:srgbClr val="BCBCBC">
+                  <a:alpha val="29804"/>
+                </a:srgbClr>
+              </a:solidFill>
+              <a:prstDash val="sysDot"/>
+            </a:ln>
+          </p:spPr>
+          <p:style>
+            <a:lnRef idx="1">
+              <a:schemeClr val="accent1"/>
+            </a:lnRef>
+            <a:fillRef idx="0">
+              <a:schemeClr val="accent1"/>
+            </a:fillRef>
+            <a:effectRef idx="0">
+              <a:schemeClr val="accent1"/>
+            </a:effectRef>
+            <a:fontRef idx="minor">
+              <a:schemeClr val="tx1"/>
+            </a:fontRef>
+          </p:style>
+        </p:cxnSp>
+        <p:cxnSp>
+          <p:nvCxnSpPr>
+            <p:cNvPr id="33" name="Straight Connector 32">
+              <a:extLst>
+                <a:ext uri="{FF2B5EF4-FFF2-40B4-BE49-F238E27FC236}">
+                  <a16:creationId xmlns:a16="http://schemas.microsoft.com/office/drawing/2014/main" id="{0C558100-D455-4B41-890C-BCC898B2D165}"/>
+                </a:ext>
+                <a:ext uri="{C183D7F6-B498-43B3-948B-1728B52AA6E4}">
+                  <adec:decorative xmlns:adec="http://schemas.microsoft.com/office/drawing/2017/decorative" val="1"/>
+                </a:ext>
+              </a:extLst>
+            </p:cNvPr>
+            <p:cNvCxnSpPr>
+              <a:cxnSpLocks/>
+            </p:cNvCxnSpPr>
+            <p:nvPr>
+              <p:extLst>
+                <p:ext uri="{386F3935-93C4-4BCD-93E2-E3B085C9AB24}">
+                  <p16:designElem xmlns:p16="http://schemas.microsoft.com/office/powerpoint/2015/main" val="1"/>
+                </p:ext>
+              </p:extLst>
+            </p:nvPr>
+          </p:nvCxnSpPr>
+          <p:spPr>
+            <a:xfrm>
+              <a:off x="0" y="2886121"/>
+              <a:ext cx="12192000" cy="0"/>
+            </a:xfrm>
+            <a:prstGeom prst="line">
+              <a:avLst/>
+            </a:prstGeom>
+            <a:ln w="12700">
+              <a:solidFill>
+                <a:srgbClr val="BCBCBC">
+                  <a:alpha val="29804"/>
+                </a:srgbClr>
+              </a:solidFill>
+              <a:prstDash val="sysDot"/>
+            </a:ln>
+          </p:spPr>
+          <p:style>
+            <a:lnRef idx="1">
+              <a:schemeClr val="accent1"/>
+            </a:lnRef>
+            <a:fillRef idx="0">
+              <a:schemeClr val="accent1"/>
+            </a:fillRef>
+            <a:effectRef idx="0">
+              <a:schemeClr val="accent1"/>
+            </a:effectRef>
+            <a:fontRef idx="minor">
+              <a:schemeClr val="tx1"/>
+            </a:fontRef>
+          </p:style>
+        </p:cxnSp>
+        <p:cxnSp>
+          <p:nvCxnSpPr>
+            <p:cNvPr id="34" name="Straight Connector 33">
+              <a:extLst>
+                <a:ext uri="{FF2B5EF4-FFF2-40B4-BE49-F238E27FC236}">
+                  <a16:creationId xmlns:a16="http://schemas.microsoft.com/office/drawing/2014/main" id="{F2886397-398A-4318-BE16-2CBAC1902F9E}"/>
+                </a:ext>
+                <a:ext uri="{C183D7F6-B498-43B3-948B-1728B52AA6E4}">
+                  <adec:decorative xmlns:adec="http://schemas.microsoft.com/office/drawing/2017/decorative" val="1"/>
+                </a:ext>
+              </a:extLst>
+            </p:cNvPr>
+            <p:cNvCxnSpPr>
+              <a:cxnSpLocks/>
+            </p:cNvCxnSpPr>
+            <p:nvPr>
+              <p:extLst>
+                <p:ext uri="{386F3935-93C4-4BCD-93E2-E3B085C9AB24}">
+                  <p16:designElem xmlns:p16="http://schemas.microsoft.com/office/powerpoint/2015/main" val="1"/>
+                </p:ext>
+              </p:extLst>
+            </p:nvPr>
+          </p:nvCxnSpPr>
+          <p:spPr>
+            <a:xfrm>
+              <a:off x="0" y="3429002"/>
+              <a:ext cx="12192000" cy="0"/>
+            </a:xfrm>
+            <a:prstGeom prst="line">
+              <a:avLst/>
+            </a:prstGeom>
+            <a:ln w="12700">
+              <a:solidFill>
+                <a:srgbClr val="BCBCBC">
+                  <a:alpha val="29804"/>
+                </a:srgbClr>
+              </a:solidFill>
+              <a:prstDash val="sysDot"/>
+            </a:ln>
+          </p:spPr>
+          <p:style>
+            <a:lnRef idx="1">
+              <a:schemeClr val="accent1"/>
+            </a:lnRef>
+            <a:fillRef idx="0">
+              <a:schemeClr val="accent1"/>
+            </a:fillRef>
+            <a:effectRef idx="0">
+              <a:schemeClr val="accent1"/>
+            </a:effectRef>
+            <a:fontRef idx="minor">
+              <a:schemeClr val="tx1"/>
+            </a:fontRef>
+          </p:style>
+        </p:cxnSp>
+        <p:cxnSp>
+          <p:nvCxnSpPr>
+            <p:cNvPr id="35" name="Straight Connector 34">
+              <a:extLst>
+                <a:ext uri="{FF2B5EF4-FFF2-40B4-BE49-F238E27FC236}">
+                  <a16:creationId xmlns:a16="http://schemas.microsoft.com/office/drawing/2014/main" id="{7D32A3A6-CE6E-4ABD-8522-2C8DC88C070E}"/>
+                </a:ext>
+                <a:ext uri="{C183D7F6-B498-43B3-948B-1728B52AA6E4}">
+                  <adec:decorative xmlns:adec="http://schemas.microsoft.com/office/drawing/2017/decorative" val="1"/>
+                </a:ext>
+              </a:extLst>
+            </p:cNvPr>
+            <p:cNvCxnSpPr>
+              <a:cxnSpLocks/>
+            </p:cNvCxnSpPr>
+            <p:nvPr>
+              <p:extLst>
+                <p:ext uri="{386F3935-93C4-4BCD-93E2-E3B085C9AB24}">
+                  <p16:designElem xmlns:p16="http://schemas.microsoft.com/office/powerpoint/2015/main" val="1"/>
+                </p:ext>
+              </p:extLst>
+            </p:nvPr>
+          </p:nvCxnSpPr>
+          <p:spPr>
+            <a:xfrm>
+              <a:off x="0" y="3971883"/>
+              <a:ext cx="12192000" cy="0"/>
+            </a:xfrm>
+            <a:prstGeom prst="line">
+              <a:avLst/>
+            </a:prstGeom>
+            <a:ln w="12700">
+              <a:solidFill>
+                <a:srgbClr val="BCBCBC">
+                  <a:alpha val="29804"/>
+                </a:srgbClr>
+              </a:solidFill>
+              <a:prstDash val="sysDot"/>
+            </a:ln>
+          </p:spPr>
+          <p:style>
+            <a:lnRef idx="1">
+              <a:schemeClr val="accent1"/>
+            </a:lnRef>
+            <a:fillRef idx="0">
+              <a:schemeClr val="accent1"/>
+            </a:fillRef>
+            <a:effectRef idx="0">
+              <a:schemeClr val="accent1"/>
+            </a:effectRef>
+            <a:fontRef idx="minor">
+              <a:schemeClr val="tx1"/>
+            </a:fontRef>
+          </p:style>
+        </p:cxnSp>
+        <p:cxnSp>
+          <p:nvCxnSpPr>
+            <p:cNvPr id="36" name="Straight Connector 35">
+              <a:extLst>
+                <a:ext uri="{FF2B5EF4-FFF2-40B4-BE49-F238E27FC236}">
+                  <a16:creationId xmlns:a16="http://schemas.microsoft.com/office/drawing/2014/main" id="{F9014C09-5B84-4798-8BDE-C80D76E67B8E}"/>
+                </a:ext>
+                <a:ext uri="{C183D7F6-B498-43B3-948B-1728B52AA6E4}">
+                  <adec:decorative xmlns:adec="http://schemas.microsoft.com/office/drawing/2017/decorative" val="1"/>
+                </a:ext>
+              </a:extLst>
+            </p:cNvPr>
+            <p:cNvCxnSpPr>
+              <a:cxnSpLocks/>
+            </p:cNvCxnSpPr>
+            <p:nvPr>
+              <p:extLst>
+                <p:ext uri="{386F3935-93C4-4BCD-93E2-E3B085C9AB24}">
+                  <p16:designElem xmlns:p16="http://schemas.microsoft.com/office/powerpoint/2015/main" val="1"/>
+                </p:ext>
+              </p:extLst>
+            </p:nvPr>
+          </p:nvCxnSpPr>
+          <p:spPr>
+            <a:xfrm>
+              <a:off x="0" y="4514764"/>
+              <a:ext cx="12192000" cy="0"/>
+            </a:xfrm>
+            <a:prstGeom prst="line">
+              <a:avLst/>
+            </a:prstGeom>
+            <a:ln w="12700">
+              <a:solidFill>
+                <a:srgbClr val="BCBCBC">
+                  <a:alpha val="29804"/>
+                </a:srgbClr>
+              </a:solidFill>
+              <a:prstDash val="sysDot"/>
+            </a:ln>
+          </p:spPr>
+          <p:style>
+            <a:lnRef idx="1">
+              <a:schemeClr val="accent1"/>
+            </a:lnRef>
+            <a:fillRef idx="0">
+              <a:schemeClr val="accent1"/>
+            </a:fillRef>
+            <a:effectRef idx="0">
+              <a:schemeClr val="accent1"/>
+            </a:effectRef>
+            <a:fontRef idx="minor">
+              <a:schemeClr val="tx1"/>
+            </a:fontRef>
+          </p:style>
+        </p:cxnSp>
+        <p:cxnSp>
+          <p:nvCxnSpPr>
+            <p:cNvPr id="37" name="Straight Connector 36">
+              <a:extLst>
+                <a:ext uri="{FF2B5EF4-FFF2-40B4-BE49-F238E27FC236}">
+                  <a16:creationId xmlns:a16="http://schemas.microsoft.com/office/drawing/2014/main" id="{2A29EB9E-ED9D-4C69-8A26-9A7A0A830569}"/>
+                </a:ext>
+                <a:ext uri="{C183D7F6-B498-43B3-948B-1728B52AA6E4}">
+                  <adec:decorative xmlns:adec="http://schemas.microsoft.com/office/drawing/2017/decorative" val="1"/>
+                </a:ext>
+              </a:extLst>
+            </p:cNvPr>
+            <p:cNvCxnSpPr>
+              <a:cxnSpLocks/>
+            </p:cNvCxnSpPr>
+            <p:nvPr>
+              <p:extLst>
+                <p:ext uri="{386F3935-93C4-4BCD-93E2-E3B085C9AB24}">
+                  <p16:designElem xmlns:p16="http://schemas.microsoft.com/office/powerpoint/2015/main" val="1"/>
+                </p:ext>
+              </p:extLst>
+            </p:nvPr>
+          </p:nvCxnSpPr>
+          <p:spPr>
+            <a:xfrm>
+              <a:off x="0" y="5057645"/>
+              <a:ext cx="12192000" cy="0"/>
+            </a:xfrm>
+            <a:prstGeom prst="line">
+              <a:avLst/>
+            </a:prstGeom>
+            <a:ln w="12700">
+              <a:solidFill>
+                <a:srgbClr val="BCBCBC">
+                  <a:alpha val="29804"/>
+                </a:srgbClr>
+              </a:solidFill>
+              <a:prstDash val="sysDot"/>
+            </a:ln>
+          </p:spPr>
+          <p:style>
+            <a:lnRef idx="1">
+              <a:schemeClr val="accent1"/>
+            </a:lnRef>
+            <a:fillRef idx="0">
+              <a:schemeClr val="accent1"/>
+            </a:fillRef>
+            <a:effectRef idx="0">
+              <a:schemeClr val="accent1"/>
+            </a:effectRef>
+            <a:fontRef idx="minor">
+              <a:schemeClr val="tx1"/>
+            </a:fontRef>
+          </p:style>
+        </p:cxnSp>
+        <p:cxnSp>
+          <p:nvCxnSpPr>
+            <p:cNvPr id="38" name="Straight Connector 37">
+              <a:extLst>
+                <a:ext uri="{FF2B5EF4-FFF2-40B4-BE49-F238E27FC236}">
+                  <a16:creationId xmlns:a16="http://schemas.microsoft.com/office/drawing/2014/main" id="{AA2899F9-1795-416F-8F3D-26EEB684DB6A}"/>
+                </a:ext>
+                <a:ext uri="{C183D7F6-B498-43B3-948B-1728B52AA6E4}">
+                  <adec:decorative xmlns:adec="http://schemas.microsoft.com/office/drawing/2017/decorative" val="1"/>
+                </a:ext>
+              </a:extLst>
+            </p:cNvPr>
+            <p:cNvCxnSpPr>
+              <a:cxnSpLocks/>
+            </p:cNvCxnSpPr>
+            <p:nvPr>
+              <p:extLst>
+                <p:ext uri="{386F3935-93C4-4BCD-93E2-E3B085C9AB24}">
+                  <p16:designElem xmlns:p16="http://schemas.microsoft.com/office/powerpoint/2015/main" val="1"/>
+                </p:ext>
+              </p:extLst>
+            </p:nvPr>
+          </p:nvCxnSpPr>
+          <p:spPr>
+            <a:xfrm>
+              <a:off x="0" y="5600526"/>
+              <a:ext cx="12192000" cy="0"/>
+            </a:xfrm>
+            <a:prstGeom prst="line">
+              <a:avLst/>
+            </a:prstGeom>
+            <a:ln w="12700">
+              <a:solidFill>
+                <a:srgbClr val="BCBCBC">
+                  <a:alpha val="29804"/>
+                </a:srgbClr>
+              </a:solidFill>
+              <a:prstDash val="sysDot"/>
+            </a:ln>
+          </p:spPr>
+          <p:style>
+            <a:lnRef idx="1">
+              <a:schemeClr val="accent1"/>
+            </a:lnRef>
+            <a:fillRef idx="0">
+              <a:schemeClr val="accent1"/>
+            </a:fillRef>
+            <a:effectRef idx="0">
+              <a:schemeClr val="accent1"/>
+            </a:effectRef>
+            <a:fontRef idx="minor">
+              <a:schemeClr val="tx1"/>
+            </a:fontRef>
+          </p:style>
+        </p:cxnSp>
+        <p:cxnSp>
+          <p:nvCxnSpPr>
+            <p:cNvPr id="39" name="Straight Connector 38">
+              <a:extLst>
+                <a:ext uri="{FF2B5EF4-FFF2-40B4-BE49-F238E27FC236}">
+                  <a16:creationId xmlns:a16="http://schemas.microsoft.com/office/drawing/2014/main" id="{E3043474-8625-495C-BD06-3627FD286C55}"/>
+                </a:ext>
+                <a:ext uri="{C183D7F6-B498-43B3-948B-1728B52AA6E4}">
+                  <adec:decorative xmlns:adec="http://schemas.microsoft.com/office/drawing/2017/decorative" val="1"/>
+                </a:ext>
+              </a:extLst>
+            </p:cNvPr>
+            <p:cNvCxnSpPr>
+              <a:cxnSpLocks/>
+            </p:cNvCxnSpPr>
+            <p:nvPr>
+              <p:extLst>
+                <p:ext uri="{386F3935-93C4-4BCD-93E2-E3B085C9AB24}">
+                  <p16:designElem xmlns:p16="http://schemas.microsoft.com/office/powerpoint/2015/main" val="1"/>
+                </p:ext>
+              </p:extLst>
+            </p:nvPr>
+          </p:nvCxnSpPr>
+          <p:spPr>
+            <a:xfrm>
+              <a:off x="0" y="6857999"/>
+              <a:ext cx="12192000" cy="0"/>
+            </a:xfrm>
+            <a:prstGeom prst="line">
+              <a:avLst/>
+            </a:prstGeom>
+            <a:ln w="12700">
+              <a:solidFill>
+                <a:srgbClr val="BCBCBC">
+                  <a:alpha val="29804"/>
+                </a:srgbClr>
+              </a:solidFill>
+              <a:prstDash val="sysDot"/>
+            </a:ln>
+          </p:spPr>
+          <p:style>
+            <a:lnRef idx="1">
+              <a:schemeClr val="accent1"/>
+            </a:lnRef>
+            <a:fillRef idx="0">
+              <a:schemeClr val="accent1"/>
+            </a:fillRef>
+            <a:effectRef idx="0">
+              <a:schemeClr val="accent1"/>
+            </a:effectRef>
+            <a:fontRef idx="minor">
+              <a:schemeClr val="tx1"/>
+            </a:fontRef>
+          </p:style>
+        </p:cxnSp>
+        <p:cxnSp>
+          <p:nvCxnSpPr>
+            <p:cNvPr id="40" name="Straight Connector 39">
+              <a:extLst>
+                <a:ext uri="{FF2B5EF4-FFF2-40B4-BE49-F238E27FC236}">
+                  <a16:creationId xmlns:a16="http://schemas.microsoft.com/office/drawing/2014/main" id="{D432CE47-7631-408E-8DDC-79EE378B707B}"/>
+                </a:ext>
+                <a:ext uri="{C183D7F6-B498-43B3-948B-1728B52AA6E4}">
+                  <adec:decorative xmlns:adec="http://schemas.microsoft.com/office/drawing/2017/decorative" val="1"/>
+                </a:ext>
+              </a:extLst>
+            </p:cNvPr>
+            <p:cNvCxnSpPr>
+              <a:cxnSpLocks/>
+            </p:cNvCxnSpPr>
+            <p:nvPr>
+              <p:extLst>
+                <p:ext uri="{386F3935-93C4-4BCD-93E2-E3B085C9AB24}">
+                  <p16:designElem xmlns:p16="http://schemas.microsoft.com/office/powerpoint/2015/main" val="1"/>
+                </p:ext>
+              </p:extLst>
+            </p:nvPr>
+          </p:nvCxnSpPr>
+          <p:spPr>
+            <a:xfrm>
+              <a:off x="16613" y="6143407"/>
+              <a:ext cx="12192000" cy="0"/>
+            </a:xfrm>
+            <a:prstGeom prst="line">
+              <a:avLst/>
+            </a:prstGeom>
+            <a:ln w="12700">
+              <a:solidFill>
+                <a:srgbClr val="BCBCBC">
+                  <a:alpha val="29804"/>
+                </a:srgbClr>
+              </a:solidFill>
+              <a:prstDash val="sysDot"/>
+            </a:ln>
+          </p:spPr>
+          <p:style>
+            <a:lnRef idx="1">
+              <a:schemeClr val="accent1"/>
+            </a:lnRef>
+            <a:fillRef idx="0">
+              <a:schemeClr val="accent1"/>
+            </a:fillRef>
+            <a:effectRef idx="0">
+              <a:schemeClr val="accent1"/>
+            </a:effectRef>
+            <a:fontRef idx="minor">
+              <a:schemeClr val="tx1"/>
+            </a:fontRef>
+          </p:style>
+        </p:cxnSp>
+        <p:cxnSp>
+          <p:nvCxnSpPr>
+            <p:cNvPr id="41" name="Straight Connector 40">
+              <a:extLst>
+                <a:ext uri="{FF2B5EF4-FFF2-40B4-BE49-F238E27FC236}">
+                  <a16:creationId xmlns:a16="http://schemas.microsoft.com/office/drawing/2014/main" id="{B2C8832D-8B8D-4036-B913-2D363143274B}"/>
+                </a:ext>
+                <a:ext uri="{C183D7F6-B498-43B3-948B-1728B52AA6E4}">
+                  <adec:decorative xmlns:adec="http://schemas.microsoft.com/office/drawing/2017/decorative" val="1"/>
+                </a:ext>
+              </a:extLst>
+            </p:cNvPr>
+            <p:cNvCxnSpPr>
+              <a:cxnSpLocks/>
+            </p:cNvCxnSpPr>
+            <p:nvPr>
+              <p:extLst>
+                <p:ext uri="{386F3935-93C4-4BCD-93E2-E3B085C9AB24}">
+                  <p16:designElem xmlns:p16="http://schemas.microsoft.com/office/powerpoint/2015/main" val="1"/>
+                </p:ext>
+              </p:extLst>
+            </p:nvPr>
+          </p:nvCxnSpPr>
+          <p:spPr>
+            <a:xfrm>
+              <a:off x="684225" y="171716"/>
+              <a:ext cx="0" cy="6511464"/>
+            </a:xfrm>
+            <a:prstGeom prst="line">
+              <a:avLst/>
+            </a:prstGeom>
+            <a:ln w="12700">
+              <a:solidFill>
+                <a:srgbClr val="BCBCBC">
+                  <a:alpha val="29804"/>
+                </a:srgbClr>
+              </a:solidFill>
+              <a:prstDash val="sysDot"/>
+            </a:ln>
+          </p:spPr>
+          <p:style>
+            <a:lnRef idx="1">
+              <a:schemeClr val="accent1"/>
+            </a:lnRef>
+            <a:fillRef idx="0">
+              <a:schemeClr val="accent1"/>
+            </a:fillRef>
+            <a:effectRef idx="0">
+              <a:schemeClr val="accent1"/>
+            </a:effectRef>
+            <a:fontRef idx="minor">
+              <a:schemeClr val="tx1"/>
+            </a:fontRef>
+          </p:style>
+        </p:cxnSp>
+        <p:cxnSp>
+          <p:nvCxnSpPr>
+            <p:cNvPr id="42" name="Straight Connector 41">
+              <a:extLst>
+                <a:ext uri="{FF2B5EF4-FFF2-40B4-BE49-F238E27FC236}">
+                  <a16:creationId xmlns:a16="http://schemas.microsoft.com/office/drawing/2014/main" id="{1CCEFEAF-E87B-4FF2-A947-94CABAA0610D}"/>
+                </a:ext>
+                <a:ext uri="{C183D7F6-B498-43B3-948B-1728B52AA6E4}">
+                  <adec:decorative xmlns:adec="http://schemas.microsoft.com/office/drawing/2017/decorative" val="1"/>
+                </a:ext>
+              </a:extLst>
+            </p:cNvPr>
+            <p:cNvCxnSpPr>
+              <a:cxnSpLocks/>
+            </p:cNvCxnSpPr>
+            <p:nvPr>
+              <p:extLst>
+                <p:ext uri="{386F3935-93C4-4BCD-93E2-E3B085C9AB24}">
+                  <p16:designElem xmlns:p16="http://schemas.microsoft.com/office/powerpoint/2015/main" val="1"/>
+                </p:ext>
+              </p:extLst>
+            </p:nvPr>
+          </p:nvCxnSpPr>
+          <p:spPr>
+            <a:xfrm>
+              <a:off x="11508412" y="173267"/>
+              <a:ext cx="0" cy="6511464"/>
+            </a:xfrm>
+            <a:prstGeom prst="line">
+              <a:avLst/>
+            </a:prstGeom>
+            <a:ln w="12700">
+              <a:solidFill>
+                <a:srgbClr val="BCBCBC">
+                  <a:alpha val="29804"/>
+                </a:srgbClr>
+              </a:solidFill>
+              <a:prstDash val="sysDot"/>
+            </a:ln>
+          </p:spPr>
+          <p:style>
+            <a:lnRef idx="1">
+              <a:schemeClr val="accent1"/>
+            </a:lnRef>
+            <a:fillRef idx="0">
+              <a:schemeClr val="accent1"/>
+            </a:fillRef>
+            <a:effectRef idx="0">
+              <a:schemeClr val="accent1"/>
+            </a:effectRef>
+            <a:fontRef idx="minor">
+              <a:schemeClr val="tx1"/>
+            </a:fontRef>
+          </p:style>
+        </p:cxnSp>
+      </p:grpSp>
+      <p:sp>
+        <p:nvSpPr>
+          <p:cNvPr id="44" name="Right Triangle 43">
+            <a:extLst>
+              <a:ext uri="{FF2B5EF4-FFF2-40B4-BE49-F238E27FC236}">
+                <a16:creationId xmlns:a16="http://schemas.microsoft.com/office/drawing/2014/main" id="{2437C4A8-8E3A-4ADA-93B9-64737CE1ABB1}"/>
+              </a:ext>
+              <a:ext uri="{C183D7F6-B498-43B3-948B-1728B52AA6E4}">
+                <adec:decorative xmlns:adec="http://schemas.microsoft.com/office/drawing/2017/decorative" val="1"/>
+              </a:ext>
+            </a:extLst>
+          </p:cNvPr>
+          <p:cNvSpPr>
+            <a:spLocks noGrp="1" noRot="1" noChangeAspect="1" noMove="1" noResize="1" noEditPoints="1" noAdjustHandles="1" noChangeArrowheads="1" noChangeShapeType="1" noTextEdit="1"/>
+          </p:cNvSpPr>
+          <p:nvPr>
+            <p:extLst>
+              <p:ext uri="{386F3935-93C4-4BCD-93E2-E3B085C9AB24}">
+                <p16:designElem xmlns:p16="http://schemas.microsoft.com/office/powerpoint/2015/main" val="1"/>
+              </p:ext>
+            </p:extLst>
+          </p:nvPr>
+        </p:nvSpPr>
+        <p:spPr>
+          <a:xfrm rot="13500000">
+            <a:off x="-281093" y="2607907"/>
+            <a:ext cx="568289" cy="568289"/>
+          </a:xfrm>
+          <a:prstGeom prst="rtTriangle">
+            <a:avLst/>
+          </a:prstGeom>
+          <a:solidFill>
+            <a:schemeClr val="accent1">
+              <a:alpha val="50000"/>
+            </a:schemeClr>
+          </a:solidFill>
+          <a:ln>
+            <a:noFill/>
+          </a:ln>
+        </p:spPr>
+        <p:style>
+          <a:lnRef idx="2">
+            <a:schemeClr val="accent1">
+              <a:shade val="50000"/>
+            </a:schemeClr>
+          </a:lnRef>
+          <a:fillRef idx="1">
+            <a:schemeClr val="accent1"/>
+          </a:fillRef>
+          <a:effectRef idx="0">
+            <a:schemeClr val="accent1"/>
+          </a:effectRef>
+          <a:fontRef idx="minor">
+            <a:schemeClr val="lt1"/>
+          </a:fontRef>
+        </p:style>
+        <p:txBody>
+          <a:bodyPr rtlCol="0" anchor="ctr"/>
+          <a:lstStyle/>
+          <a:p>
+            <a:pPr algn="ctr"/>
+            <a:endParaRPr lang="en-US">
+              <a:solidFill>
+                <a:schemeClr val="tx1"/>
+              </a:solidFill>
+            </a:endParaRPr>
+          </a:p>
+        </p:txBody>
+      </p:sp>
+      <p:sp useBgFill="1">
+        <p:nvSpPr>
+          <p:cNvPr id="46" name="Rectangle 45">
+            <a:extLst>
+              <a:ext uri="{FF2B5EF4-FFF2-40B4-BE49-F238E27FC236}">
+                <a16:creationId xmlns:a16="http://schemas.microsoft.com/office/drawing/2014/main" id="{13B6DAC6-0186-4D62-AD69-90B9C0411EA3}"/>
+              </a:ext>
+              <a:ext uri="{C183D7F6-B498-43B3-948B-1728B52AA6E4}">
+                <adec:decorative xmlns:adec="http://schemas.microsoft.com/office/drawing/2017/decorative" val="1"/>
+              </a:ext>
+            </a:extLst>
+          </p:cNvPr>
+          <p:cNvSpPr>
+            <a:spLocks noGrp="1" noRot="1" noChangeAspect="1" noMove="1" noResize="1" noEditPoints="1" noAdjustHandles="1" noChangeArrowheads="1" noChangeShapeType="1" noTextEdit="1"/>
+          </p:cNvSpPr>
+          <p:nvPr>
+            <p:extLst>
+              <p:ext uri="{386F3935-93C4-4BCD-93E2-E3B085C9AB24}">
+                <p16:designElem xmlns:p16="http://schemas.microsoft.com/office/powerpoint/2015/main" val="1"/>
+              </p:ext>
+            </p:extLst>
+          </p:nvPr>
+        </p:nvSpPr>
+        <p:spPr>
+          <a:xfrm>
+            <a:off x="0" y="0"/>
+            <a:ext cx="12188952" cy="6858000"/>
+          </a:xfrm>
+          <a:prstGeom prst="rect">
+            <a:avLst/>
+          </a:prstGeom>
+          <a:ln>
+            <a:noFill/>
+          </a:ln>
+        </p:spPr>
+        <p:style>
+          <a:lnRef idx="2">
+            <a:schemeClr val="accent1">
+              <a:shade val="50000"/>
+            </a:schemeClr>
+          </a:lnRef>
+          <a:fillRef idx="1">
+            <a:schemeClr val="accent1"/>
+          </a:fillRef>
+          <a:effectRef idx="0">
+            <a:schemeClr val="accent1"/>
+          </a:effectRef>
+          <a:fontRef idx="minor">
+            <a:schemeClr val="lt1"/>
+          </a:fontRef>
+        </p:style>
+        <p:txBody>
+          <a:bodyPr rtlCol="0" anchor="ctr"/>
+          <a:lstStyle/>
+          <a:p>
+            <a:pPr algn="ctr"/>
+            <a:endParaRPr lang="en-US">
+              <a:solidFill>
+                <a:schemeClr val="bg1"/>
+              </a:solidFill>
+            </a:endParaRPr>
+          </a:p>
+        </p:txBody>
+      </p:sp>
+      <p:grpSp>
+        <p:nvGrpSpPr>
+          <p:cNvPr id="48" name="Group 47">
+            <a:extLst>
+              <a:ext uri="{FF2B5EF4-FFF2-40B4-BE49-F238E27FC236}">
+                <a16:creationId xmlns:a16="http://schemas.microsoft.com/office/drawing/2014/main" id="{A0297160-077C-4B0C-9F1E-6519CEDB84C4}"/>
+              </a:ext>
+              <a:ext uri="{C183D7F6-B498-43B3-948B-1728B52AA6E4}">
+                <adec:decorative xmlns:adec="http://schemas.microsoft.com/office/drawing/2017/decorative" val="1"/>
+              </a:ext>
+            </a:extLst>
+          </p:cNvPr>
+          <p:cNvGrpSpPr>
+            <a:grpSpLocks noGrp="1" noUngrp="1" noRot="1" noChangeAspect="1" noMove="1" noResize="1"/>
+          </p:cNvGrpSpPr>
+          <p:nvPr>
+            <p:extLst>
+              <p:ext uri="{386F3935-93C4-4BCD-93E2-E3B085C9AB24}">
+                <p16:designElem xmlns:p16="http://schemas.microsoft.com/office/powerpoint/2015/main" val="1"/>
+              </p:ext>
+            </p:extLst>
+          </p:nvPr>
+        </p:nvGrpSpPr>
+        <p:grpSpPr>
+          <a:xfrm>
+            <a:off x="-6214" y="-1"/>
+            <a:ext cx="12214827" cy="6858000"/>
+            <a:chOff x="-6214" y="-1"/>
+            <a:chExt cx="12214827" cy="6858000"/>
+          </a:xfrm>
+        </p:grpSpPr>
+        <p:cxnSp>
+          <p:nvCxnSpPr>
+            <p:cNvPr id="49" name="Straight Connector 48">
+              <a:extLst>
+                <a:ext uri="{FF2B5EF4-FFF2-40B4-BE49-F238E27FC236}">
+                  <a16:creationId xmlns:a16="http://schemas.microsoft.com/office/drawing/2014/main" id="{31F77CDE-CC8E-40E6-8745-8D7CB6208F86}"/>
+                </a:ext>
+                <a:ext uri="{C183D7F6-B498-43B3-948B-1728B52AA6E4}">
+                  <adec:decorative xmlns:adec="http://schemas.microsoft.com/office/drawing/2017/decorative" val="1"/>
+                </a:ext>
+              </a:extLst>
+            </p:cNvPr>
+            <p:cNvCxnSpPr>
+              <a:cxnSpLocks/>
+            </p:cNvCxnSpPr>
+            <p:nvPr>
+              <p:extLst>
+                <p:ext uri="{386F3935-93C4-4BCD-93E2-E3B085C9AB24}">
+                  <p16:designElem xmlns:p16="http://schemas.microsoft.com/office/powerpoint/2015/main" val="1"/>
+                </p:ext>
+              </p:extLst>
+            </p:nvPr>
+          </p:nvCxnSpPr>
+          <p:spPr>
+            <a:xfrm>
+              <a:off x="-6214" y="6686283"/>
+              <a:ext cx="12192000" cy="0"/>
+            </a:xfrm>
+            <a:prstGeom prst="line">
+              <a:avLst/>
+            </a:prstGeom>
+            <a:ln w="12700">
+              <a:solidFill>
+                <a:srgbClr val="BCBCBC">
+                  <a:alpha val="29804"/>
+                </a:srgbClr>
+              </a:solidFill>
+              <a:prstDash val="sysDot"/>
+            </a:ln>
+          </p:spPr>
+          <p:style>
+            <a:lnRef idx="1">
+              <a:schemeClr val="accent1"/>
+            </a:lnRef>
+            <a:fillRef idx="0">
+              <a:schemeClr val="accent1"/>
+            </a:fillRef>
+            <a:effectRef idx="0">
+              <a:schemeClr val="accent1"/>
+            </a:effectRef>
+            <a:fontRef idx="minor">
+              <a:schemeClr val="tx1"/>
+            </a:fontRef>
+          </p:style>
+        </p:cxnSp>
+        <p:cxnSp>
+          <p:nvCxnSpPr>
+            <p:cNvPr id="50" name="Straight Connector 49">
+              <a:extLst>
+                <a:ext uri="{FF2B5EF4-FFF2-40B4-BE49-F238E27FC236}">
+                  <a16:creationId xmlns:a16="http://schemas.microsoft.com/office/drawing/2014/main" id="{83FCA172-142C-4352-A938-33B43EC3BEAE}"/>
+                </a:ext>
+                <a:ext uri="{C183D7F6-B498-43B3-948B-1728B52AA6E4}">
+                  <adec:decorative xmlns:adec="http://schemas.microsoft.com/office/drawing/2017/decorative" val="1"/>
+                </a:ext>
+              </a:extLst>
+            </p:cNvPr>
+            <p:cNvCxnSpPr>
+              <a:cxnSpLocks/>
+            </p:cNvCxnSpPr>
+            <p:nvPr>
+              <p:extLst>
+                <p:ext uri="{386F3935-93C4-4BCD-93E2-E3B085C9AB24}">
+                  <p16:designElem xmlns:p16="http://schemas.microsoft.com/office/powerpoint/2015/main" val="1"/>
+                </p:ext>
+              </p:extLst>
+            </p:nvPr>
+          </p:nvCxnSpPr>
+          <p:spPr>
+            <a:xfrm>
+              <a:off x="0" y="-1"/>
+              <a:ext cx="0" cy="6858000"/>
+            </a:xfrm>
+            <a:prstGeom prst="line">
+              <a:avLst/>
+            </a:prstGeom>
+            <a:ln w="12700">
+              <a:solidFill>
+                <a:srgbClr val="BCBCBC">
+                  <a:alpha val="29804"/>
+                </a:srgbClr>
+              </a:solidFill>
+              <a:prstDash val="sysDot"/>
+            </a:ln>
+          </p:spPr>
+          <p:style>
+            <a:lnRef idx="1">
+              <a:schemeClr val="accent1"/>
+            </a:lnRef>
+            <a:fillRef idx="0">
+              <a:schemeClr val="accent1"/>
+            </a:fillRef>
+            <a:effectRef idx="0">
+              <a:schemeClr val="accent1"/>
+            </a:effectRef>
+            <a:fontRef idx="minor">
+              <a:schemeClr val="tx1"/>
+            </a:fontRef>
+          </p:style>
+        </p:cxnSp>
+        <p:cxnSp>
+          <p:nvCxnSpPr>
+            <p:cNvPr id="51" name="Straight Connector 50">
+              <a:extLst>
+                <a:ext uri="{FF2B5EF4-FFF2-40B4-BE49-F238E27FC236}">
+                  <a16:creationId xmlns:a16="http://schemas.microsoft.com/office/drawing/2014/main" id="{253BB53B-6660-4F6B-8C3C-4EAA148CFFD4}"/>
+                </a:ext>
+                <a:ext uri="{C183D7F6-B498-43B3-948B-1728B52AA6E4}">
+                  <adec:decorative xmlns:adec="http://schemas.microsoft.com/office/drawing/2017/decorative" val="1"/>
+                </a:ext>
+              </a:extLst>
+            </p:cNvPr>
+            <p:cNvCxnSpPr>
+              <a:cxnSpLocks/>
+            </p:cNvCxnSpPr>
+            <p:nvPr>
+              <p:extLst>
+                <p:ext uri="{386F3935-93C4-4BCD-93E2-E3B085C9AB24}">
+                  <p16:designElem xmlns:p16="http://schemas.microsoft.com/office/powerpoint/2015/main" val="1"/>
+                </p:ext>
+              </p:extLst>
+            </p:nvPr>
+          </p:nvCxnSpPr>
+          <p:spPr>
+            <a:xfrm>
+              <a:off x="11993258" y="-1"/>
+              <a:ext cx="0" cy="6858000"/>
+            </a:xfrm>
+            <a:prstGeom prst="line">
+              <a:avLst/>
+            </a:prstGeom>
+            <a:ln w="12700">
+              <a:solidFill>
+                <a:srgbClr val="BCBCBC">
+                  <a:alpha val="29804"/>
+                </a:srgbClr>
+              </a:solidFill>
+              <a:prstDash val="sysDot"/>
+            </a:ln>
+          </p:spPr>
+          <p:style>
+            <a:lnRef idx="1">
+              <a:schemeClr val="accent1"/>
+            </a:lnRef>
+            <a:fillRef idx="0">
+              <a:schemeClr val="accent1"/>
+            </a:fillRef>
+            <a:effectRef idx="0">
+              <a:schemeClr val="accent1"/>
+            </a:effectRef>
+            <a:fontRef idx="minor">
+              <a:schemeClr val="tx1"/>
+            </a:fontRef>
+          </p:style>
+        </p:cxnSp>
+        <p:cxnSp>
+          <p:nvCxnSpPr>
+            <p:cNvPr id="52" name="Straight Connector 51">
+              <a:extLst>
+                <a:ext uri="{FF2B5EF4-FFF2-40B4-BE49-F238E27FC236}">
+                  <a16:creationId xmlns:a16="http://schemas.microsoft.com/office/drawing/2014/main" id="{921D1E67-3038-4399-8F14-244731FAE31C}"/>
+                </a:ext>
+                <a:ext uri="{C183D7F6-B498-43B3-948B-1728B52AA6E4}">
+                  <adec:decorative xmlns:adec="http://schemas.microsoft.com/office/drawing/2017/decorative" val="1"/>
+                </a:ext>
+              </a:extLst>
+            </p:cNvPr>
+            <p:cNvCxnSpPr>
+              <a:cxnSpLocks/>
+            </p:cNvCxnSpPr>
+            <p:nvPr>
+              <p:extLst>
+                <p:ext uri="{386F3935-93C4-4BCD-93E2-E3B085C9AB24}">
+                  <p16:designElem xmlns:p16="http://schemas.microsoft.com/office/powerpoint/2015/main" val="1"/>
+                </p:ext>
+              </p:extLst>
+            </p:nvPr>
+          </p:nvCxnSpPr>
+          <p:spPr>
+            <a:xfrm>
+              <a:off x="192528" y="-1"/>
+              <a:ext cx="0" cy="6858000"/>
+            </a:xfrm>
+            <a:prstGeom prst="line">
+              <a:avLst/>
+            </a:prstGeom>
+            <a:ln w="12700">
+              <a:solidFill>
+                <a:srgbClr val="BCBCBC">
+                  <a:alpha val="29804"/>
+                </a:srgbClr>
+              </a:solidFill>
+              <a:prstDash val="sysDot"/>
+            </a:ln>
+          </p:spPr>
+          <p:style>
+            <a:lnRef idx="1">
+              <a:schemeClr val="accent1"/>
+            </a:lnRef>
+            <a:fillRef idx="0">
+              <a:schemeClr val="accent1"/>
+            </a:fillRef>
+            <a:effectRef idx="0">
+              <a:schemeClr val="accent1"/>
+            </a:effectRef>
+            <a:fontRef idx="minor">
+              <a:schemeClr val="tx1"/>
+            </a:fontRef>
+          </p:style>
+        </p:cxnSp>
+        <p:cxnSp>
+          <p:nvCxnSpPr>
+            <p:cNvPr id="53" name="Straight Connector 52">
+              <a:extLst>
+                <a:ext uri="{FF2B5EF4-FFF2-40B4-BE49-F238E27FC236}">
+                  <a16:creationId xmlns:a16="http://schemas.microsoft.com/office/drawing/2014/main" id="{B9A17FB9-5481-4E6D-A157-C4A1D8F29741}"/>
+                </a:ext>
+                <a:ext uri="{C183D7F6-B498-43B3-948B-1728B52AA6E4}">
+                  <adec:decorative xmlns:adec="http://schemas.microsoft.com/office/drawing/2017/decorative" val="1"/>
+                </a:ext>
+              </a:extLst>
+            </p:cNvPr>
+            <p:cNvCxnSpPr>
+              <a:cxnSpLocks/>
+            </p:cNvCxnSpPr>
+            <p:nvPr>
+              <p:extLst>
+                <p:ext uri="{386F3935-93C4-4BCD-93E2-E3B085C9AB24}">
+                  <p16:designElem xmlns:p16="http://schemas.microsoft.com/office/powerpoint/2015/main" val="1"/>
+                </p:ext>
+              </p:extLst>
+            </p:nvPr>
+          </p:nvCxnSpPr>
+          <p:spPr>
+            <a:xfrm>
+              <a:off x="1175922" y="-1"/>
+              <a:ext cx="0" cy="6858000"/>
+            </a:xfrm>
+            <a:prstGeom prst="line">
+              <a:avLst/>
+            </a:prstGeom>
+            <a:ln w="12700">
+              <a:solidFill>
+                <a:srgbClr val="BCBCBC">
+                  <a:alpha val="29804"/>
+                </a:srgbClr>
+              </a:solidFill>
+              <a:prstDash val="sysDot"/>
+            </a:ln>
+          </p:spPr>
+          <p:style>
+            <a:lnRef idx="1">
+              <a:schemeClr val="accent1"/>
+            </a:lnRef>
+            <a:fillRef idx="0">
+              <a:schemeClr val="accent1"/>
+            </a:fillRef>
+            <a:effectRef idx="0">
+              <a:schemeClr val="accent1"/>
+            </a:effectRef>
+            <a:fontRef idx="minor">
+              <a:schemeClr val="tx1"/>
+            </a:fontRef>
+          </p:style>
+        </p:cxnSp>
+        <p:cxnSp>
+          <p:nvCxnSpPr>
+            <p:cNvPr id="54" name="Straight Connector 53">
+              <a:extLst>
+                <a:ext uri="{FF2B5EF4-FFF2-40B4-BE49-F238E27FC236}">
+                  <a16:creationId xmlns:a16="http://schemas.microsoft.com/office/drawing/2014/main" id="{9B5B4D4B-6074-48B5-B7D7-5B22BDC2AD86}"/>
+                </a:ext>
+                <a:ext uri="{C183D7F6-B498-43B3-948B-1728B52AA6E4}">
+                  <adec:decorative xmlns:adec="http://schemas.microsoft.com/office/drawing/2017/decorative" val="1"/>
+                </a:ext>
+              </a:extLst>
+            </p:cNvPr>
+            <p:cNvCxnSpPr>
+              <a:cxnSpLocks/>
+            </p:cNvCxnSpPr>
+            <p:nvPr>
+              <p:extLst>
+                <p:ext uri="{386F3935-93C4-4BCD-93E2-E3B085C9AB24}">
+                  <p16:designElem xmlns:p16="http://schemas.microsoft.com/office/powerpoint/2015/main" val="1"/>
+                </p:ext>
+              </p:extLst>
+            </p:nvPr>
+          </p:nvCxnSpPr>
+          <p:spPr>
+            <a:xfrm>
+              <a:off x="2159316" y="-1"/>
+              <a:ext cx="0" cy="6858000"/>
+            </a:xfrm>
+            <a:prstGeom prst="line">
+              <a:avLst/>
+            </a:prstGeom>
+            <a:ln w="12700">
+              <a:solidFill>
+                <a:srgbClr val="BCBCBC">
+                  <a:alpha val="29804"/>
+                </a:srgbClr>
+              </a:solidFill>
+              <a:prstDash val="sysDot"/>
+            </a:ln>
+          </p:spPr>
+          <p:style>
+            <a:lnRef idx="1">
+              <a:schemeClr val="accent1"/>
+            </a:lnRef>
+            <a:fillRef idx="0">
+              <a:schemeClr val="accent1"/>
+            </a:fillRef>
+            <a:effectRef idx="0">
+              <a:schemeClr val="accent1"/>
+            </a:effectRef>
+            <a:fontRef idx="minor">
+              <a:schemeClr val="tx1"/>
+            </a:fontRef>
+          </p:style>
+        </p:cxnSp>
+        <p:cxnSp>
+          <p:nvCxnSpPr>
+            <p:cNvPr id="55" name="Straight Connector 54">
+              <a:extLst>
+                <a:ext uri="{FF2B5EF4-FFF2-40B4-BE49-F238E27FC236}">
+                  <a16:creationId xmlns:a16="http://schemas.microsoft.com/office/drawing/2014/main" id="{DFE68CF5-4975-4F0E-98F8-E40F12E8FEA3}"/>
+                </a:ext>
+                <a:ext uri="{C183D7F6-B498-43B3-948B-1728B52AA6E4}">
+                  <adec:decorative xmlns:adec="http://schemas.microsoft.com/office/drawing/2017/decorative" val="1"/>
+                </a:ext>
+              </a:extLst>
+            </p:cNvPr>
+            <p:cNvCxnSpPr>
+              <a:cxnSpLocks/>
+            </p:cNvCxnSpPr>
+            <p:nvPr>
+              <p:extLst>
+                <p:ext uri="{386F3935-93C4-4BCD-93E2-E3B085C9AB24}">
+                  <p16:designElem xmlns:p16="http://schemas.microsoft.com/office/powerpoint/2015/main" val="1"/>
+                </p:ext>
+              </p:extLst>
+            </p:nvPr>
+          </p:nvCxnSpPr>
+          <p:spPr>
+            <a:xfrm>
+              <a:off x="3142710" y="-1"/>
+              <a:ext cx="0" cy="6858000"/>
+            </a:xfrm>
+            <a:prstGeom prst="line">
+              <a:avLst/>
+            </a:prstGeom>
+            <a:ln w="12700">
+              <a:solidFill>
+                <a:srgbClr val="BCBCBC">
+                  <a:alpha val="29804"/>
+                </a:srgbClr>
+              </a:solidFill>
+              <a:prstDash val="sysDot"/>
+            </a:ln>
+          </p:spPr>
+          <p:style>
+            <a:lnRef idx="1">
+              <a:schemeClr val="accent1"/>
+            </a:lnRef>
+            <a:fillRef idx="0">
+              <a:schemeClr val="accent1"/>
+            </a:fillRef>
+            <a:effectRef idx="0">
+              <a:schemeClr val="accent1"/>
+            </a:effectRef>
+            <a:fontRef idx="minor">
+              <a:schemeClr val="tx1"/>
+            </a:fontRef>
+          </p:style>
+        </p:cxnSp>
+        <p:cxnSp>
+          <p:nvCxnSpPr>
+            <p:cNvPr id="56" name="Straight Connector 55">
+              <a:extLst>
+                <a:ext uri="{FF2B5EF4-FFF2-40B4-BE49-F238E27FC236}">
+                  <a16:creationId xmlns:a16="http://schemas.microsoft.com/office/drawing/2014/main" id="{B63AD0D6-BFAB-41EE-A0DD-BFEB6844D11D}"/>
+                </a:ext>
+                <a:ext uri="{C183D7F6-B498-43B3-948B-1728B52AA6E4}">
+                  <adec:decorative xmlns:adec="http://schemas.microsoft.com/office/drawing/2017/decorative" val="1"/>
+                </a:ext>
+              </a:extLst>
+            </p:cNvPr>
+            <p:cNvCxnSpPr>
+              <a:cxnSpLocks/>
+            </p:cNvCxnSpPr>
+            <p:nvPr>
+              <p:extLst>
+                <p:ext uri="{386F3935-93C4-4BCD-93E2-E3B085C9AB24}">
+                  <p16:designElem xmlns:p16="http://schemas.microsoft.com/office/powerpoint/2015/main" val="1"/>
+                </p:ext>
+              </p:extLst>
+            </p:nvPr>
+          </p:nvCxnSpPr>
+          <p:spPr>
+            <a:xfrm>
+              <a:off x="4126104" y="-1"/>
+              <a:ext cx="0" cy="6858000"/>
+            </a:xfrm>
+            <a:prstGeom prst="line">
+              <a:avLst/>
+            </a:prstGeom>
+            <a:ln w="12700">
+              <a:solidFill>
+                <a:srgbClr val="BCBCBC">
+                  <a:alpha val="29804"/>
+                </a:srgbClr>
+              </a:solidFill>
+              <a:prstDash val="sysDot"/>
+            </a:ln>
+          </p:spPr>
+          <p:style>
+            <a:lnRef idx="1">
+              <a:schemeClr val="accent1"/>
+            </a:lnRef>
+            <a:fillRef idx="0">
+              <a:schemeClr val="accent1"/>
+            </a:fillRef>
+            <a:effectRef idx="0">
+              <a:schemeClr val="accent1"/>
+            </a:effectRef>
+            <a:fontRef idx="minor">
+              <a:schemeClr val="tx1"/>
+            </a:fontRef>
+          </p:style>
+        </p:cxnSp>
+        <p:cxnSp>
+          <p:nvCxnSpPr>
+            <p:cNvPr id="57" name="Straight Connector 56">
+              <a:extLst>
+                <a:ext uri="{FF2B5EF4-FFF2-40B4-BE49-F238E27FC236}">
+                  <a16:creationId xmlns:a16="http://schemas.microsoft.com/office/drawing/2014/main" id="{A7EA9615-8E94-4E0C-BAF0-C52132326CDE}"/>
+                </a:ext>
+                <a:ext uri="{C183D7F6-B498-43B3-948B-1728B52AA6E4}">
+                  <adec:decorative xmlns:adec="http://schemas.microsoft.com/office/drawing/2017/decorative" val="1"/>
+                </a:ext>
+              </a:extLst>
+            </p:cNvPr>
+            <p:cNvCxnSpPr>
+              <a:cxnSpLocks/>
+            </p:cNvCxnSpPr>
+            <p:nvPr>
+              <p:extLst>
+                <p:ext uri="{386F3935-93C4-4BCD-93E2-E3B085C9AB24}">
+                  <p16:designElem xmlns:p16="http://schemas.microsoft.com/office/powerpoint/2015/main" val="1"/>
+                </p:ext>
+              </p:extLst>
+            </p:nvPr>
+          </p:nvCxnSpPr>
+          <p:spPr>
+            <a:xfrm>
+              <a:off x="5109498" y="-1"/>
+              <a:ext cx="0" cy="6858000"/>
+            </a:xfrm>
+            <a:prstGeom prst="line">
+              <a:avLst/>
+            </a:prstGeom>
+            <a:ln w="12700">
+              <a:solidFill>
+                <a:srgbClr val="BCBCBC">
+                  <a:alpha val="29804"/>
+                </a:srgbClr>
+              </a:solidFill>
+              <a:prstDash val="sysDot"/>
+            </a:ln>
+          </p:spPr>
+          <p:style>
+            <a:lnRef idx="1">
+              <a:schemeClr val="accent1"/>
+            </a:lnRef>
+            <a:fillRef idx="0">
+              <a:schemeClr val="accent1"/>
+            </a:fillRef>
+            <a:effectRef idx="0">
+              <a:schemeClr val="accent1"/>
+            </a:effectRef>
+            <a:fontRef idx="minor">
+              <a:schemeClr val="tx1"/>
+            </a:fontRef>
+          </p:style>
+        </p:cxnSp>
+        <p:cxnSp>
+          <p:nvCxnSpPr>
+            <p:cNvPr id="58" name="Straight Connector 57">
+              <a:extLst>
+                <a:ext uri="{FF2B5EF4-FFF2-40B4-BE49-F238E27FC236}">
+                  <a16:creationId xmlns:a16="http://schemas.microsoft.com/office/drawing/2014/main" id="{96A76D71-0BE7-402F-BF24-CB0154E2A008}"/>
+                </a:ext>
+                <a:ext uri="{C183D7F6-B498-43B3-948B-1728B52AA6E4}">
+                  <adec:decorative xmlns:adec="http://schemas.microsoft.com/office/drawing/2017/decorative" val="1"/>
+                </a:ext>
+              </a:extLst>
+            </p:cNvPr>
+            <p:cNvCxnSpPr>
+              <a:cxnSpLocks/>
+            </p:cNvCxnSpPr>
+            <p:nvPr>
+              <p:extLst>
+                <p:ext uri="{386F3935-93C4-4BCD-93E2-E3B085C9AB24}">
+                  <p16:designElem xmlns:p16="http://schemas.microsoft.com/office/powerpoint/2015/main" val="1"/>
+                </p:ext>
+              </p:extLst>
+            </p:nvPr>
+          </p:nvCxnSpPr>
+          <p:spPr>
+            <a:xfrm>
+              <a:off x="6092892" y="-1"/>
+              <a:ext cx="0" cy="6858000"/>
+            </a:xfrm>
+            <a:prstGeom prst="line">
+              <a:avLst/>
+            </a:prstGeom>
+            <a:ln w="12700">
+              <a:solidFill>
+                <a:srgbClr val="BCBCBC">
+                  <a:alpha val="29804"/>
+                </a:srgbClr>
+              </a:solidFill>
+              <a:prstDash val="sysDot"/>
+            </a:ln>
+          </p:spPr>
+          <p:style>
+            <a:lnRef idx="1">
+              <a:schemeClr val="accent1"/>
+            </a:lnRef>
+            <a:fillRef idx="0">
+              <a:schemeClr val="accent1"/>
+            </a:fillRef>
+            <a:effectRef idx="0">
+              <a:schemeClr val="accent1"/>
+            </a:effectRef>
+            <a:fontRef idx="minor">
+              <a:schemeClr val="tx1"/>
+            </a:fontRef>
+          </p:style>
+        </p:cxnSp>
+        <p:cxnSp>
+          <p:nvCxnSpPr>
+            <p:cNvPr id="59" name="Straight Connector 58">
+              <a:extLst>
+                <a:ext uri="{FF2B5EF4-FFF2-40B4-BE49-F238E27FC236}">
+                  <a16:creationId xmlns:a16="http://schemas.microsoft.com/office/drawing/2014/main" id="{8B18C09B-8FB5-4D88-B4FF-2090E7818FE5}"/>
+                </a:ext>
+                <a:ext uri="{C183D7F6-B498-43B3-948B-1728B52AA6E4}">
+                  <adec:decorative xmlns:adec="http://schemas.microsoft.com/office/drawing/2017/decorative" val="1"/>
+                </a:ext>
+              </a:extLst>
+            </p:cNvPr>
+            <p:cNvCxnSpPr>
+              <a:cxnSpLocks/>
+            </p:cNvCxnSpPr>
+            <p:nvPr>
+              <p:extLst>
+                <p:ext uri="{386F3935-93C4-4BCD-93E2-E3B085C9AB24}">
+                  <p16:designElem xmlns:p16="http://schemas.microsoft.com/office/powerpoint/2015/main" val="1"/>
+                </p:ext>
+              </p:extLst>
+            </p:nvPr>
+          </p:nvCxnSpPr>
+          <p:spPr>
+            <a:xfrm>
+              <a:off x="7076286" y="-1"/>
+              <a:ext cx="0" cy="6858000"/>
+            </a:xfrm>
+            <a:prstGeom prst="line">
+              <a:avLst/>
+            </a:prstGeom>
+            <a:ln w="12700">
+              <a:solidFill>
+                <a:srgbClr val="BCBCBC">
+                  <a:alpha val="29804"/>
+                </a:srgbClr>
+              </a:solidFill>
+              <a:prstDash val="sysDot"/>
+            </a:ln>
+          </p:spPr>
+          <p:style>
+            <a:lnRef idx="1">
+              <a:schemeClr val="accent1"/>
+            </a:lnRef>
+            <a:fillRef idx="0">
+              <a:schemeClr val="accent1"/>
+            </a:fillRef>
+            <a:effectRef idx="0">
+              <a:schemeClr val="accent1"/>
+            </a:effectRef>
+            <a:fontRef idx="minor">
+              <a:schemeClr val="tx1"/>
+            </a:fontRef>
+          </p:style>
+        </p:cxnSp>
+        <p:cxnSp>
+          <p:nvCxnSpPr>
+            <p:cNvPr id="60" name="Straight Connector 59">
+              <a:extLst>
+                <a:ext uri="{FF2B5EF4-FFF2-40B4-BE49-F238E27FC236}">
+                  <a16:creationId xmlns:a16="http://schemas.microsoft.com/office/drawing/2014/main" id="{3A06FA18-2473-40B2-8AE0-DEDDC5E9A375}"/>
+                </a:ext>
+                <a:ext uri="{C183D7F6-B498-43B3-948B-1728B52AA6E4}">
+                  <adec:decorative xmlns:adec="http://schemas.microsoft.com/office/drawing/2017/decorative" val="1"/>
+                </a:ext>
+              </a:extLst>
+            </p:cNvPr>
+            <p:cNvCxnSpPr>
+              <a:cxnSpLocks/>
+            </p:cNvCxnSpPr>
+            <p:nvPr>
+              <p:extLst>
+                <p:ext uri="{386F3935-93C4-4BCD-93E2-E3B085C9AB24}">
+                  <p16:designElem xmlns:p16="http://schemas.microsoft.com/office/powerpoint/2015/main" val="1"/>
+                </p:ext>
+              </p:extLst>
+            </p:nvPr>
+          </p:nvCxnSpPr>
+          <p:spPr>
+            <a:xfrm>
+              <a:off x="8059680" y="-1"/>
+              <a:ext cx="0" cy="6858000"/>
+            </a:xfrm>
+            <a:prstGeom prst="line">
+              <a:avLst/>
+            </a:prstGeom>
+            <a:ln w="12700">
+              <a:solidFill>
+                <a:srgbClr val="BCBCBC">
+                  <a:alpha val="29804"/>
+                </a:srgbClr>
+              </a:solidFill>
+              <a:prstDash val="sysDot"/>
+            </a:ln>
+          </p:spPr>
+          <p:style>
+            <a:lnRef idx="1">
+              <a:schemeClr val="accent1"/>
+            </a:lnRef>
+            <a:fillRef idx="0">
+              <a:schemeClr val="accent1"/>
+            </a:fillRef>
+            <a:effectRef idx="0">
+              <a:schemeClr val="accent1"/>
+            </a:effectRef>
+            <a:fontRef idx="minor">
+              <a:schemeClr val="tx1"/>
+            </a:fontRef>
+          </p:style>
+        </p:cxnSp>
+        <p:cxnSp>
+          <p:nvCxnSpPr>
+            <p:cNvPr id="61" name="Straight Connector 60">
+              <a:extLst>
+                <a:ext uri="{FF2B5EF4-FFF2-40B4-BE49-F238E27FC236}">
+                  <a16:creationId xmlns:a16="http://schemas.microsoft.com/office/drawing/2014/main" id="{F187746C-FE57-4160-B924-6B283B3323DE}"/>
+                </a:ext>
+                <a:ext uri="{C183D7F6-B498-43B3-948B-1728B52AA6E4}">
+                  <adec:decorative xmlns:adec="http://schemas.microsoft.com/office/drawing/2017/decorative" val="1"/>
+                </a:ext>
+              </a:extLst>
+            </p:cNvPr>
+            <p:cNvCxnSpPr>
+              <a:cxnSpLocks/>
+            </p:cNvCxnSpPr>
+            <p:nvPr>
+              <p:extLst>
+                <p:ext uri="{386F3935-93C4-4BCD-93E2-E3B085C9AB24}">
+                  <p16:designElem xmlns:p16="http://schemas.microsoft.com/office/powerpoint/2015/main" val="1"/>
+                </p:ext>
+              </p:extLst>
+            </p:nvPr>
+          </p:nvCxnSpPr>
+          <p:spPr>
+            <a:xfrm>
+              <a:off x="9043074" y="-1"/>
+              <a:ext cx="0" cy="6858000"/>
+            </a:xfrm>
+            <a:prstGeom prst="line">
+              <a:avLst/>
+            </a:prstGeom>
+            <a:ln w="12700">
+              <a:solidFill>
+                <a:srgbClr val="BCBCBC">
+                  <a:alpha val="29804"/>
+                </a:srgbClr>
+              </a:solidFill>
+              <a:prstDash val="sysDot"/>
+            </a:ln>
+          </p:spPr>
+          <p:style>
+            <a:lnRef idx="1">
+              <a:schemeClr val="accent1"/>
+            </a:lnRef>
+            <a:fillRef idx="0">
+              <a:schemeClr val="accent1"/>
+            </a:fillRef>
+            <a:effectRef idx="0">
+              <a:schemeClr val="accent1"/>
+            </a:effectRef>
+            <a:fontRef idx="minor">
+              <a:schemeClr val="tx1"/>
+            </a:fontRef>
+          </p:style>
+        </p:cxnSp>
+        <p:cxnSp>
+          <p:nvCxnSpPr>
+            <p:cNvPr id="62" name="Straight Connector 61">
+              <a:extLst>
+                <a:ext uri="{FF2B5EF4-FFF2-40B4-BE49-F238E27FC236}">
+                  <a16:creationId xmlns:a16="http://schemas.microsoft.com/office/drawing/2014/main" id="{D7337AAE-EB93-4FBD-9904-036641260752}"/>
+                </a:ext>
+                <a:ext uri="{C183D7F6-B498-43B3-948B-1728B52AA6E4}">
+                  <adec:decorative xmlns:adec="http://schemas.microsoft.com/office/drawing/2017/decorative" val="1"/>
+                </a:ext>
+              </a:extLst>
+            </p:cNvPr>
+            <p:cNvCxnSpPr>
+              <a:cxnSpLocks/>
+            </p:cNvCxnSpPr>
+            <p:nvPr>
+              <p:extLst>
+                <p:ext uri="{386F3935-93C4-4BCD-93E2-E3B085C9AB24}">
+                  <p16:designElem xmlns:p16="http://schemas.microsoft.com/office/powerpoint/2015/main" val="1"/>
+                </p:ext>
+              </p:extLst>
+            </p:nvPr>
+          </p:nvCxnSpPr>
+          <p:spPr>
+            <a:xfrm>
+              <a:off x="10026468" y="-1"/>
+              <a:ext cx="0" cy="6858000"/>
+            </a:xfrm>
+            <a:prstGeom prst="line">
+              <a:avLst/>
+            </a:prstGeom>
+            <a:ln w="12700">
+              <a:solidFill>
+                <a:srgbClr val="BCBCBC">
+                  <a:alpha val="29804"/>
+                </a:srgbClr>
+              </a:solidFill>
+              <a:prstDash val="sysDot"/>
+            </a:ln>
+          </p:spPr>
+          <p:style>
+            <a:lnRef idx="1">
+              <a:schemeClr val="accent1"/>
+            </a:lnRef>
+            <a:fillRef idx="0">
+              <a:schemeClr val="accent1"/>
+            </a:fillRef>
+            <a:effectRef idx="0">
+              <a:schemeClr val="accent1"/>
+            </a:effectRef>
+            <a:fontRef idx="minor">
+              <a:schemeClr val="tx1"/>
+            </a:fontRef>
+          </p:style>
+        </p:cxnSp>
+        <p:cxnSp>
+          <p:nvCxnSpPr>
+            <p:cNvPr id="63" name="Straight Connector 62">
+              <a:extLst>
+                <a:ext uri="{FF2B5EF4-FFF2-40B4-BE49-F238E27FC236}">
+                  <a16:creationId xmlns:a16="http://schemas.microsoft.com/office/drawing/2014/main" id="{D6FA7169-C5DB-4F02-935F-AA39EDA4B742}"/>
+                </a:ext>
+                <a:ext uri="{C183D7F6-B498-43B3-948B-1728B52AA6E4}">
+                  <adec:decorative xmlns:adec="http://schemas.microsoft.com/office/drawing/2017/decorative" val="1"/>
+                </a:ext>
+              </a:extLst>
+            </p:cNvPr>
+            <p:cNvCxnSpPr>
+              <a:cxnSpLocks/>
+            </p:cNvCxnSpPr>
+            <p:nvPr>
+              <p:extLst>
+                <p:ext uri="{386F3935-93C4-4BCD-93E2-E3B085C9AB24}">
+                  <p16:designElem xmlns:p16="http://schemas.microsoft.com/office/powerpoint/2015/main" val="1"/>
+                </p:ext>
+              </p:extLst>
+            </p:nvPr>
+          </p:nvCxnSpPr>
+          <p:spPr>
+            <a:xfrm>
+              <a:off x="11009862" y="-1"/>
+              <a:ext cx="0" cy="6858000"/>
+            </a:xfrm>
+            <a:prstGeom prst="line">
+              <a:avLst/>
+            </a:prstGeom>
+            <a:ln w="12700">
+              <a:solidFill>
+                <a:srgbClr val="BCBCBC">
+                  <a:alpha val="29804"/>
+                </a:srgbClr>
+              </a:solidFill>
+              <a:prstDash val="sysDot"/>
+            </a:ln>
+          </p:spPr>
+          <p:style>
+            <a:lnRef idx="1">
+              <a:schemeClr val="accent1"/>
+            </a:lnRef>
+            <a:fillRef idx="0">
+              <a:schemeClr val="accent1"/>
+            </a:fillRef>
+            <a:effectRef idx="0">
+              <a:schemeClr val="accent1"/>
+            </a:effectRef>
+            <a:fontRef idx="minor">
+              <a:schemeClr val="tx1"/>
+            </a:fontRef>
+          </p:style>
+        </p:cxnSp>
+        <p:cxnSp>
+          <p:nvCxnSpPr>
+            <p:cNvPr id="64" name="Straight Connector 63">
+              <a:extLst>
+                <a:ext uri="{FF2B5EF4-FFF2-40B4-BE49-F238E27FC236}">
+                  <a16:creationId xmlns:a16="http://schemas.microsoft.com/office/drawing/2014/main" id="{A4195B93-DBB3-4197-8D91-A786D4753A98}"/>
+                </a:ext>
+                <a:ext uri="{C183D7F6-B498-43B3-948B-1728B52AA6E4}">
+                  <adec:decorative xmlns:adec="http://schemas.microsoft.com/office/drawing/2017/decorative" val="1"/>
+                </a:ext>
+              </a:extLst>
+            </p:cNvPr>
+            <p:cNvCxnSpPr>
+              <a:cxnSpLocks/>
+            </p:cNvCxnSpPr>
+            <p:nvPr>
+              <p:extLst>
+                <p:ext uri="{386F3935-93C4-4BCD-93E2-E3B085C9AB24}">
+                  <p16:designElem xmlns:p16="http://schemas.microsoft.com/office/powerpoint/2015/main" val="1"/>
+                </p:ext>
+              </p:extLst>
+            </p:nvPr>
+          </p:nvCxnSpPr>
+          <p:spPr>
+            <a:xfrm>
+              <a:off x="12185786" y="-1"/>
+              <a:ext cx="0" cy="6858000"/>
+            </a:xfrm>
+            <a:prstGeom prst="line">
+              <a:avLst/>
+            </a:prstGeom>
+            <a:ln w="12700">
+              <a:solidFill>
+                <a:srgbClr val="BCBCBC">
+                  <a:alpha val="29804"/>
+                </a:srgbClr>
+              </a:solidFill>
+              <a:prstDash val="sysDot"/>
+            </a:ln>
+          </p:spPr>
+          <p:style>
+            <a:lnRef idx="1">
+              <a:schemeClr val="accent1"/>
+            </a:lnRef>
+            <a:fillRef idx="0">
+              <a:schemeClr val="accent1"/>
+            </a:fillRef>
+            <a:effectRef idx="0">
+              <a:schemeClr val="accent1"/>
+            </a:effectRef>
+            <a:fontRef idx="minor">
+              <a:schemeClr val="tx1"/>
+            </a:fontRef>
+          </p:style>
+        </p:cxnSp>
+        <p:cxnSp>
+          <p:nvCxnSpPr>
+            <p:cNvPr id="65" name="Straight Connector 64">
+              <a:extLst>
+                <a:ext uri="{FF2B5EF4-FFF2-40B4-BE49-F238E27FC236}">
+                  <a16:creationId xmlns:a16="http://schemas.microsoft.com/office/drawing/2014/main" id="{3F2FF9EB-46CC-4A22-AF8A-9D11BC9666E5}"/>
+                </a:ext>
+                <a:ext uri="{C183D7F6-B498-43B3-948B-1728B52AA6E4}">
+                  <adec:decorative xmlns:adec="http://schemas.microsoft.com/office/drawing/2017/decorative" val="1"/>
+                </a:ext>
+              </a:extLst>
+            </p:cNvPr>
+            <p:cNvCxnSpPr>
+              <a:cxnSpLocks/>
+            </p:cNvCxnSpPr>
+            <p:nvPr>
+              <p:extLst>
+                <p:ext uri="{386F3935-93C4-4BCD-93E2-E3B085C9AB24}">
+                  <p16:designElem xmlns:p16="http://schemas.microsoft.com/office/powerpoint/2015/main" val="1"/>
+                </p:ext>
+              </p:extLst>
+            </p:nvPr>
+          </p:nvCxnSpPr>
+          <p:spPr>
+            <a:xfrm>
+              <a:off x="0" y="171716"/>
+              <a:ext cx="12192000" cy="0"/>
+            </a:xfrm>
+            <a:prstGeom prst="line">
+              <a:avLst/>
+            </a:prstGeom>
+            <a:ln w="12700">
+              <a:solidFill>
+                <a:srgbClr val="BCBCBC">
+                  <a:alpha val="29804"/>
+                </a:srgbClr>
+              </a:solidFill>
+              <a:prstDash val="sysDot"/>
+            </a:ln>
+          </p:spPr>
+          <p:style>
+            <a:lnRef idx="1">
+              <a:schemeClr val="accent1"/>
+            </a:lnRef>
+            <a:fillRef idx="0">
+              <a:schemeClr val="accent1"/>
+            </a:fillRef>
+            <a:effectRef idx="0">
+              <a:schemeClr val="accent1"/>
+            </a:effectRef>
+            <a:fontRef idx="minor">
+              <a:schemeClr val="tx1"/>
+            </a:fontRef>
+          </p:style>
+        </p:cxnSp>
+        <p:cxnSp>
+          <p:nvCxnSpPr>
+            <p:cNvPr id="66" name="Straight Connector 65">
+              <a:extLst>
+                <a:ext uri="{FF2B5EF4-FFF2-40B4-BE49-F238E27FC236}">
+                  <a16:creationId xmlns:a16="http://schemas.microsoft.com/office/drawing/2014/main" id="{2631DADE-538C-4EA4-9D90-3AED82E01BED}"/>
+                </a:ext>
+                <a:ext uri="{C183D7F6-B498-43B3-948B-1728B52AA6E4}">
+                  <adec:decorative xmlns:adec="http://schemas.microsoft.com/office/drawing/2017/decorative" val="1"/>
+                </a:ext>
+              </a:extLst>
+            </p:cNvPr>
+            <p:cNvCxnSpPr>
+              <a:cxnSpLocks/>
+            </p:cNvCxnSpPr>
+            <p:nvPr>
+              <p:extLst>
+                <p:ext uri="{386F3935-93C4-4BCD-93E2-E3B085C9AB24}">
+                  <p16:designElem xmlns:p16="http://schemas.microsoft.com/office/powerpoint/2015/main" val="1"/>
+                </p:ext>
+              </p:extLst>
+            </p:nvPr>
+          </p:nvCxnSpPr>
+          <p:spPr>
+            <a:xfrm>
+              <a:off x="0" y="714597"/>
+              <a:ext cx="12192000" cy="0"/>
+            </a:xfrm>
+            <a:prstGeom prst="line">
+              <a:avLst/>
+            </a:prstGeom>
+            <a:ln w="12700">
+              <a:solidFill>
+                <a:srgbClr val="BCBCBC">
+                  <a:alpha val="29804"/>
+                </a:srgbClr>
+              </a:solidFill>
+              <a:prstDash val="sysDot"/>
+            </a:ln>
+          </p:spPr>
+          <p:style>
+            <a:lnRef idx="1">
+              <a:schemeClr val="accent1"/>
+            </a:lnRef>
+            <a:fillRef idx="0">
+              <a:schemeClr val="accent1"/>
+            </a:fillRef>
+            <a:effectRef idx="0">
+              <a:schemeClr val="accent1"/>
+            </a:effectRef>
+            <a:fontRef idx="minor">
+              <a:schemeClr val="tx1"/>
+            </a:fontRef>
+          </p:style>
+        </p:cxnSp>
+        <p:cxnSp>
+          <p:nvCxnSpPr>
+            <p:cNvPr id="67" name="Straight Connector 66">
+              <a:extLst>
+                <a:ext uri="{FF2B5EF4-FFF2-40B4-BE49-F238E27FC236}">
+                  <a16:creationId xmlns:a16="http://schemas.microsoft.com/office/drawing/2014/main" id="{035A7E2F-77A0-48A1-A881-1A12940D8F00}"/>
+                </a:ext>
+                <a:ext uri="{C183D7F6-B498-43B3-948B-1728B52AA6E4}">
+                  <adec:decorative xmlns:adec="http://schemas.microsoft.com/office/drawing/2017/decorative" val="1"/>
+                </a:ext>
+              </a:extLst>
+            </p:cNvPr>
+            <p:cNvCxnSpPr>
+              <a:cxnSpLocks/>
+            </p:cNvCxnSpPr>
+            <p:nvPr>
+              <p:extLst>
+                <p:ext uri="{386F3935-93C4-4BCD-93E2-E3B085C9AB24}">
+                  <p16:designElem xmlns:p16="http://schemas.microsoft.com/office/powerpoint/2015/main" val="1"/>
+                </p:ext>
+              </p:extLst>
+            </p:nvPr>
+          </p:nvCxnSpPr>
+          <p:spPr>
+            <a:xfrm>
+              <a:off x="0" y="1257478"/>
+              <a:ext cx="12192000" cy="0"/>
+            </a:xfrm>
+            <a:prstGeom prst="line">
+              <a:avLst/>
+            </a:prstGeom>
+            <a:ln w="12700">
+              <a:solidFill>
+                <a:srgbClr val="BCBCBC">
+                  <a:alpha val="29804"/>
+                </a:srgbClr>
+              </a:solidFill>
+              <a:prstDash val="sysDot"/>
+            </a:ln>
+          </p:spPr>
+          <p:style>
+            <a:lnRef idx="1">
+              <a:schemeClr val="accent1"/>
+            </a:lnRef>
+            <a:fillRef idx="0">
+              <a:schemeClr val="accent1"/>
+            </a:fillRef>
+            <a:effectRef idx="0">
+              <a:schemeClr val="accent1"/>
+            </a:effectRef>
+            <a:fontRef idx="minor">
+              <a:schemeClr val="tx1"/>
+            </a:fontRef>
+          </p:style>
+        </p:cxnSp>
+        <p:cxnSp>
+          <p:nvCxnSpPr>
+            <p:cNvPr id="68" name="Straight Connector 67">
+              <a:extLst>
+                <a:ext uri="{FF2B5EF4-FFF2-40B4-BE49-F238E27FC236}">
+                  <a16:creationId xmlns:a16="http://schemas.microsoft.com/office/drawing/2014/main" id="{5AC39BAD-DB08-4260-BCE5-4E1FB09A4426}"/>
+                </a:ext>
+                <a:ext uri="{C183D7F6-B498-43B3-948B-1728B52AA6E4}">
+                  <adec:decorative xmlns:adec="http://schemas.microsoft.com/office/drawing/2017/decorative" val="1"/>
+                </a:ext>
+              </a:extLst>
+            </p:cNvPr>
+            <p:cNvCxnSpPr>
+              <a:cxnSpLocks/>
+            </p:cNvCxnSpPr>
+            <p:nvPr>
+              <p:extLst>
+                <p:ext uri="{386F3935-93C4-4BCD-93E2-E3B085C9AB24}">
+                  <p16:designElem xmlns:p16="http://schemas.microsoft.com/office/powerpoint/2015/main" val="1"/>
+                </p:ext>
+              </p:extLst>
+            </p:nvPr>
+          </p:nvCxnSpPr>
+          <p:spPr>
+            <a:xfrm>
+              <a:off x="0" y="1800359"/>
+              <a:ext cx="12192000" cy="0"/>
+            </a:xfrm>
+            <a:prstGeom prst="line">
+              <a:avLst/>
+            </a:prstGeom>
+            <a:ln w="12700">
+              <a:solidFill>
+                <a:srgbClr val="BCBCBC">
+                  <a:alpha val="29804"/>
+                </a:srgbClr>
+              </a:solidFill>
+              <a:prstDash val="sysDot"/>
+            </a:ln>
+          </p:spPr>
+          <p:style>
+            <a:lnRef idx="1">
+              <a:schemeClr val="accent1"/>
+            </a:lnRef>
+            <a:fillRef idx="0">
+              <a:schemeClr val="accent1"/>
+            </a:fillRef>
+            <a:effectRef idx="0">
+              <a:schemeClr val="accent1"/>
+            </a:effectRef>
+            <a:fontRef idx="minor">
+              <a:schemeClr val="tx1"/>
+            </a:fontRef>
+          </p:style>
+        </p:cxnSp>
+        <p:cxnSp>
+          <p:nvCxnSpPr>
+            <p:cNvPr id="69" name="Straight Connector 68">
+              <a:extLst>
+                <a:ext uri="{FF2B5EF4-FFF2-40B4-BE49-F238E27FC236}">
+                  <a16:creationId xmlns:a16="http://schemas.microsoft.com/office/drawing/2014/main" id="{468F31ED-A97B-4A9A-9F56-221FFB7A317E}"/>
+                </a:ext>
+                <a:ext uri="{C183D7F6-B498-43B3-948B-1728B52AA6E4}">
+                  <adec:decorative xmlns:adec="http://schemas.microsoft.com/office/drawing/2017/decorative" val="1"/>
+                </a:ext>
+              </a:extLst>
+            </p:cNvPr>
+            <p:cNvCxnSpPr>
+              <a:cxnSpLocks/>
+            </p:cNvCxnSpPr>
+            <p:nvPr>
+              <p:extLst>
+                <p:ext uri="{386F3935-93C4-4BCD-93E2-E3B085C9AB24}">
+                  <p16:designElem xmlns:p16="http://schemas.microsoft.com/office/powerpoint/2015/main" val="1"/>
+                </p:ext>
+              </p:extLst>
+            </p:nvPr>
+          </p:nvCxnSpPr>
+          <p:spPr>
+            <a:xfrm>
+              <a:off x="0" y="2343240"/>
+              <a:ext cx="12192000" cy="0"/>
+            </a:xfrm>
+            <a:prstGeom prst="line">
+              <a:avLst/>
+            </a:prstGeom>
+            <a:ln w="12700">
+              <a:solidFill>
+                <a:srgbClr val="BCBCBC">
+                  <a:alpha val="29804"/>
+                </a:srgbClr>
+              </a:solidFill>
+              <a:prstDash val="sysDot"/>
+            </a:ln>
+          </p:spPr>
+          <p:style>
+            <a:lnRef idx="1">
+              <a:schemeClr val="accent1"/>
+            </a:lnRef>
+            <a:fillRef idx="0">
+              <a:schemeClr val="accent1"/>
+            </a:fillRef>
+            <a:effectRef idx="0">
+              <a:schemeClr val="accent1"/>
+            </a:effectRef>
+            <a:fontRef idx="minor">
+              <a:schemeClr val="tx1"/>
+            </a:fontRef>
+          </p:style>
+        </p:cxnSp>
+        <p:cxnSp>
+          <p:nvCxnSpPr>
+            <p:cNvPr id="70" name="Straight Connector 69">
+              <a:extLst>
+                <a:ext uri="{FF2B5EF4-FFF2-40B4-BE49-F238E27FC236}">
+                  <a16:creationId xmlns:a16="http://schemas.microsoft.com/office/drawing/2014/main" id="{F362574E-3A61-4C31-915F-F541B7BE0844}"/>
+                </a:ext>
+                <a:ext uri="{C183D7F6-B498-43B3-948B-1728B52AA6E4}">
+                  <adec:decorative xmlns:adec="http://schemas.microsoft.com/office/drawing/2017/decorative" val="1"/>
+                </a:ext>
+              </a:extLst>
+            </p:cNvPr>
+            <p:cNvCxnSpPr>
+              <a:cxnSpLocks/>
+            </p:cNvCxnSpPr>
+            <p:nvPr>
+              <p:extLst>
+                <p:ext uri="{386F3935-93C4-4BCD-93E2-E3B085C9AB24}">
+                  <p16:designElem xmlns:p16="http://schemas.microsoft.com/office/powerpoint/2015/main" val="1"/>
+                </p:ext>
+              </p:extLst>
+            </p:nvPr>
+          </p:nvCxnSpPr>
+          <p:spPr>
+            <a:xfrm>
+              <a:off x="0" y="2886121"/>
+              <a:ext cx="12192000" cy="0"/>
+            </a:xfrm>
+            <a:prstGeom prst="line">
+              <a:avLst/>
+            </a:prstGeom>
+            <a:ln w="12700">
+              <a:solidFill>
+                <a:srgbClr val="BCBCBC">
+                  <a:alpha val="29804"/>
+                </a:srgbClr>
+              </a:solidFill>
+              <a:prstDash val="sysDot"/>
+            </a:ln>
+          </p:spPr>
+          <p:style>
+            <a:lnRef idx="1">
+              <a:schemeClr val="accent1"/>
+            </a:lnRef>
+            <a:fillRef idx="0">
+              <a:schemeClr val="accent1"/>
+            </a:fillRef>
+            <a:effectRef idx="0">
+              <a:schemeClr val="accent1"/>
+            </a:effectRef>
+            <a:fontRef idx="minor">
+              <a:schemeClr val="tx1"/>
+            </a:fontRef>
+          </p:style>
+        </p:cxnSp>
+        <p:cxnSp>
+          <p:nvCxnSpPr>
+            <p:cNvPr id="71" name="Straight Connector 70">
+              <a:extLst>
+                <a:ext uri="{FF2B5EF4-FFF2-40B4-BE49-F238E27FC236}">
+                  <a16:creationId xmlns:a16="http://schemas.microsoft.com/office/drawing/2014/main" id="{132BD431-3E1E-4528-AC59-5A23CE4CBA34}"/>
+                </a:ext>
+                <a:ext uri="{C183D7F6-B498-43B3-948B-1728B52AA6E4}">
+                  <adec:decorative xmlns:adec="http://schemas.microsoft.com/office/drawing/2017/decorative" val="1"/>
+                </a:ext>
+              </a:extLst>
+            </p:cNvPr>
+            <p:cNvCxnSpPr>
+              <a:cxnSpLocks/>
+            </p:cNvCxnSpPr>
+            <p:nvPr>
+              <p:extLst>
+                <p:ext uri="{386F3935-93C4-4BCD-93E2-E3B085C9AB24}">
+                  <p16:designElem xmlns:p16="http://schemas.microsoft.com/office/powerpoint/2015/main" val="1"/>
+                </p:ext>
+              </p:extLst>
+            </p:nvPr>
+          </p:nvCxnSpPr>
+          <p:spPr>
+            <a:xfrm>
+              <a:off x="0" y="3429002"/>
+              <a:ext cx="12192000" cy="0"/>
+            </a:xfrm>
+            <a:prstGeom prst="line">
+              <a:avLst/>
+            </a:prstGeom>
+            <a:ln w="12700">
+              <a:solidFill>
+                <a:srgbClr val="BCBCBC">
+                  <a:alpha val="29804"/>
+                </a:srgbClr>
+              </a:solidFill>
+              <a:prstDash val="sysDot"/>
+            </a:ln>
+          </p:spPr>
+          <p:style>
+            <a:lnRef idx="1">
+              <a:schemeClr val="accent1"/>
+            </a:lnRef>
+            <a:fillRef idx="0">
+              <a:schemeClr val="accent1"/>
+            </a:fillRef>
+            <a:effectRef idx="0">
+              <a:schemeClr val="accent1"/>
+            </a:effectRef>
+            <a:fontRef idx="minor">
+              <a:schemeClr val="tx1"/>
+            </a:fontRef>
+          </p:style>
+        </p:cxnSp>
+        <p:cxnSp>
+          <p:nvCxnSpPr>
+            <p:cNvPr id="72" name="Straight Connector 71">
+              <a:extLst>
+                <a:ext uri="{FF2B5EF4-FFF2-40B4-BE49-F238E27FC236}">
+                  <a16:creationId xmlns:a16="http://schemas.microsoft.com/office/drawing/2014/main" id="{7DE7131F-209C-4427-96DA-26E0E973EE4B}"/>
+                </a:ext>
+                <a:ext uri="{C183D7F6-B498-43B3-948B-1728B52AA6E4}">
+                  <adec:decorative xmlns:adec="http://schemas.microsoft.com/office/drawing/2017/decorative" val="1"/>
+                </a:ext>
+              </a:extLst>
+            </p:cNvPr>
+            <p:cNvCxnSpPr>
+              <a:cxnSpLocks/>
+            </p:cNvCxnSpPr>
+            <p:nvPr>
+              <p:extLst>
+                <p:ext uri="{386F3935-93C4-4BCD-93E2-E3B085C9AB24}">
+                  <p16:designElem xmlns:p16="http://schemas.microsoft.com/office/powerpoint/2015/main" val="1"/>
+                </p:ext>
+              </p:extLst>
+            </p:nvPr>
+          </p:nvCxnSpPr>
+          <p:spPr>
+            <a:xfrm>
+              <a:off x="0" y="3971883"/>
+              <a:ext cx="12192000" cy="0"/>
+            </a:xfrm>
+            <a:prstGeom prst="line">
+              <a:avLst/>
+            </a:prstGeom>
+            <a:ln w="12700">
+              <a:solidFill>
+                <a:srgbClr val="BCBCBC">
+                  <a:alpha val="29804"/>
+                </a:srgbClr>
+              </a:solidFill>
+              <a:prstDash val="sysDot"/>
+            </a:ln>
+          </p:spPr>
+          <p:style>
+            <a:lnRef idx="1">
+              <a:schemeClr val="accent1"/>
+            </a:lnRef>
+            <a:fillRef idx="0">
+              <a:schemeClr val="accent1"/>
+            </a:fillRef>
+            <a:effectRef idx="0">
+              <a:schemeClr val="accent1"/>
+            </a:effectRef>
+            <a:fontRef idx="minor">
+              <a:schemeClr val="tx1"/>
+            </a:fontRef>
+          </p:style>
+        </p:cxnSp>
+        <p:cxnSp>
+          <p:nvCxnSpPr>
+            <p:cNvPr id="73" name="Straight Connector 72">
+              <a:extLst>
+                <a:ext uri="{FF2B5EF4-FFF2-40B4-BE49-F238E27FC236}">
+                  <a16:creationId xmlns:a16="http://schemas.microsoft.com/office/drawing/2014/main" id="{3283DFDB-6A1C-41B8-B590-9660646991E4}"/>
+                </a:ext>
+                <a:ext uri="{C183D7F6-B498-43B3-948B-1728B52AA6E4}">
+                  <adec:decorative xmlns:adec="http://schemas.microsoft.com/office/drawing/2017/decorative" val="1"/>
+                </a:ext>
+              </a:extLst>
+            </p:cNvPr>
+            <p:cNvCxnSpPr>
+              <a:cxnSpLocks/>
+            </p:cNvCxnSpPr>
+            <p:nvPr>
+              <p:extLst>
+                <p:ext uri="{386F3935-93C4-4BCD-93E2-E3B085C9AB24}">
+                  <p16:designElem xmlns:p16="http://schemas.microsoft.com/office/powerpoint/2015/main" val="1"/>
+                </p:ext>
+              </p:extLst>
+            </p:nvPr>
+          </p:nvCxnSpPr>
+          <p:spPr>
+            <a:xfrm>
+              <a:off x="0" y="4514764"/>
+              <a:ext cx="12192000" cy="0"/>
+            </a:xfrm>
+            <a:prstGeom prst="line">
+              <a:avLst/>
+            </a:prstGeom>
+            <a:ln w="12700">
+              <a:solidFill>
+                <a:srgbClr val="BCBCBC">
+                  <a:alpha val="29804"/>
+                </a:srgbClr>
+              </a:solidFill>
+              <a:prstDash val="sysDot"/>
+            </a:ln>
+          </p:spPr>
+          <p:style>
+            <a:lnRef idx="1">
+              <a:schemeClr val="accent1"/>
+            </a:lnRef>
+            <a:fillRef idx="0">
+              <a:schemeClr val="accent1"/>
+            </a:fillRef>
+            <a:effectRef idx="0">
+              <a:schemeClr val="accent1"/>
+            </a:effectRef>
+            <a:fontRef idx="minor">
+              <a:schemeClr val="tx1"/>
+            </a:fontRef>
+          </p:style>
+        </p:cxnSp>
+        <p:cxnSp>
+          <p:nvCxnSpPr>
+            <p:cNvPr id="74" name="Straight Connector 73">
+              <a:extLst>
+                <a:ext uri="{FF2B5EF4-FFF2-40B4-BE49-F238E27FC236}">
+                  <a16:creationId xmlns:a16="http://schemas.microsoft.com/office/drawing/2014/main" id="{1DA3D6B3-30E3-4C45-A709-4F775DB84678}"/>
+                </a:ext>
+                <a:ext uri="{C183D7F6-B498-43B3-948B-1728B52AA6E4}">
+                  <adec:decorative xmlns:adec="http://schemas.microsoft.com/office/drawing/2017/decorative" val="1"/>
+                </a:ext>
+              </a:extLst>
+            </p:cNvPr>
+            <p:cNvCxnSpPr>
+              <a:cxnSpLocks/>
+            </p:cNvCxnSpPr>
+            <p:nvPr>
+              <p:extLst>
+                <p:ext uri="{386F3935-93C4-4BCD-93E2-E3B085C9AB24}">
+                  <p16:designElem xmlns:p16="http://schemas.microsoft.com/office/powerpoint/2015/main" val="1"/>
+                </p:ext>
+              </p:extLst>
+            </p:nvPr>
+          </p:nvCxnSpPr>
+          <p:spPr>
+            <a:xfrm>
+              <a:off x="0" y="5057645"/>
+              <a:ext cx="12192000" cy="0"/>
+            </a:xfrm>
+            <a:prstGeom prst="line">
+              <a:avLst/>
+            </a:prstGeom>
+            <a:ln w="12700">
+              <a:solidFill>
+                <a:srgbClr val="BCBCBC">
+                  <a:alpha val="29804"/>
+                </a:srgbClr>
+              </a:solidFill>
+              <a:prstDash val="sysDot"/>
+            </a:ln>
+          </p:spPr>
+          <p:style>
+            <a:lnRef idx="1">
+              <a:schemeClr val="accent1"/>
+            </a:lnRef>
+            <a:fillRef idx="0">
+              <a:schemeClr val="accent1"/>
+            </a:fillRef>
+            <a:effectRef idx="0">
+              <a:schemeClr val="accent1"/>
+            </a:effectRef>
+            <a:fontRef idx="minor">
+              <a:schemeClr val="tx1"/>
+            </a:fontRef>
+          </p:style>
+        </p:cxnSp>
+        <p:cxnSp>
+          <p:nvCxnSpPr>
+            <p:cNvPr id="75" name="Straight Connector 74">
+              <a:extLst>
+                <a:ext uri="{FF2B5EF4-FFF2-40B4-BE49-F238E27FC236}">
+                  <a16:creationId xmlns:a16="http://schemas.microsoft.com/office/drawing/2014/main" id="{8F481924-9C4A-4A91-8AB4-D796F33D7365}"/>
+                </a:ext>
+                <a:ext uri="{C183D7F6-B498-43B3-948B-1728B52AA6E4}">
+                  <adec:decorative xmlns:adec="http://schemas.microsoft.com/office/drawing/2017/decorative" val="1"/>
+                </a:ext>
+              </a:extLst>
+            </p:cNvPr>
+            <p:cNvCxnSpPr>
+              <a:cxnSpLocks/>
+            </p:cNvCxnSpPr>
+            <p:nvPr>
+              <p:extLst>
+                <p:ext uri="{386F3935-93C4-4BCD-93E2-E3B085C9AB24}">
+                  <p16:designElem xmlns:p16="http://schemas.microsoft.com/office/powerpoint/2015/main" val="1"/>
+                </p:ext>
+              </p:extLst>
+            </p:nvPr>
+          </p:nvCxnSpPr>
+          <p:spPr>
+            <a:xfrm>
+              <a:off x="0" y="5600526"/>
+              <a:ext cx="12192000" cy="0"/>
+            </a:xfrm>
+            <a:prstGeom prst="line">
+              <a:avLst/>
+            </a:prstGeom>
+            <a:ln w="12700">
+              <a:solidFill>
+                <a:srgbClr val="BCBCBC">
+                  <a:alpha val="29804"/>
+                </a:srgbClr>
+              </a:solidFill>
+              <a:prstDash val="sysDot"/>
+            </a:ln>
+          </p:spPr>
+          <p:style>
+            <a:lnRef idx="1">
+              <a:schemeClr val="accent1"/>
+            </a:lnRef>
+            <a:fillRef idx="0">
+              <a:schemeClr val="accent1"/>
+            </a:fillRef>
+            <a:effectRef idx="0">
+              <a:schemeClr val="accent1"/>
+            </a:effectRef>
+            <a:fontRef idx="minor">
+              <a:schemeClr val="tx1"/>
+            </a:fontRef>
+          </p:style>
+        </p:cxnSp>
+        <p:cxnSp>
+          <p:nvCxnSpPr>
+            <p:cNvPr id="76" name="Straight Connector 75">
+              <a:extLst>
+                <a:ext uri="{FF2B5EF4-FFF2-40B4-BE49-F238E27FC236}">
+                  <a16:creationId xmlns:a16="http://schemas.microsoft.com/office/drawing/2014/main" id="{53787DCF-DA69-4379-94AB-C361DF32605E}"/>
+                </a:ext>
+                <a:ext uri="{C183D7F6-B498-43B3-948B-1728B52AA6E4}">
+                  <adec:decorative xmlns:adec="http://schemas.microsoft.com/office/drawing/2017/decorative" val="1"/>
+                </a:ext>
+              </a:extLst>
+            </p:cNvPr>
+            <p:cNvCxnSpPr>
+              <a:cxnSpLocks/>
+            </p:cNvCxnSpPr>
+            <p:nvPr>
+              <p:extLst>
+                <p:ext uri="{386F3935-93C4-4BCD-93E2-E3B085C9AB24}">
+                  <p16:designElem xmlns:p16="http://schemas.microsoft.com/office/powerpoint/2015/main" val="1"/>
+                </p:ext>
+              </p:extLst>
+            </p:nvPr>
+          </p:nvCxnSpPr>
+          <p:spPr>
+            <a:xfrm>
+              <a:off x="0" y="6857999"/>
+              <a:ext cx="12192000" cy="0"/>
+            </a:xfrm>
+            <a:prstGeom prst="line">
+              <a:avLst/>
+            </a:prstGeom>
+            <a:ln w="12700">
+              <a:solidFill>
+                <a:srgbClr val="BCBCBC">
+                  <a:alpha val="29804"/>
+                </a:srgbClr>
+              </a:solidFill>
+              <a:prstDash val="sysDot"/>
+            </a:ln>
+          </p:spPr>
+          <p:style>
+            <a:lnRef idx="1">
+              <a:schemeClr val="accent1"/>
+            </a:lnRef>
+            <a:fillRef idx="0">
+              <a:schemeClr val="accent1"/>
+            </a:fillRef>
+            <a:effectRef idx="0">
+              <a:schemeClr val="accent1"/>
+            </a:effectRef>
+            <a:fontRef idx="minor">
+              <a:schemeClr val="tx1"/>
+            </a:fontRef>
+          </p:style>
+        </p:cxnSp>
+        <p:cxnSp>
+          <p:nvCxnSpPr>
+            <p:cNvPr id="77" name="Straight Connector 76">
+              <a:extLst>
+                <a:ext uri="{FF2B5EF4-FFF2-40B4-BE49-F238E27FC236}">
+                  <a16:creationId xmlns:a16="http://schemas.microsoft.com/office/drawing/2014/main" id="{753DC9D9-196D-4C02-982F-935945BD57C8}"/>
+                </a:ext>
+                <a:ext uri="{C183D7F6-B498-43B3-948B-1728B52AA6E4}">
+                  <adec:decorative xmlns:adec="http://schemas.microsoft.com/office/drawing/2017/decorative" val="1"/>
+                </a:ext>
+              </a:extLst>
+            </p:cNvPr>
+            <p:cNvCxnSpPr>
+              <a:cxnSpLocks/>
+            </p:cNvCxnSpPr>
+            <p:nvPr>
+              <p:extLst>
+                <p:ext uri="{386F3935-93C4-4BCD-93E2-E3B085C9AB24}">
+                  <p16:designElem xmlns:p16="http://schemas.microsoft.com/office/powerpoint/2015/main" val="1"/>
+                </p:ext>
+              </p:extLst>
+            </p:nvPr>
+          </p:nvCxnSpPr>
+          <p:spPr>
+            <a:xfrm>
+              <a:off x="16613" y="6143407"/>
+              <a:ext cx="12192000" cy="0"/>
+            </a:xfrm>
+            <a:prstGeom prst="line">
+              <a:avLst/>
+            </a:prstGeom>
+            <a:ln w="12700">
+              <a:solidFill>
+                <a:srgbClr val="BCBCBC">
+                  <a:alpha val="29804"/>
+                </a:srgbClr>
+              </a:solidFill>
+              <a:prstDash val="sysDot"/>
+            </a:ln>
+          </p:spPr>
+          <p:style>
+            <a:lnRef idx="1">
+              <a:schemeClr val="accent1"/>
+            </a:lnRef>
+            <a:fillRef idx="0">
+              <a:schemeClr val="accent1"/>
+            </a:fillRef>
+            <a:effectRef idx="0">
+              <a:schemeClr val="accent1"/>
+            </a:effectRef>
+            <a:fontRef idx="minor">
+              <a:schemeClr val="tx1"/>
+            </a:fontRef>
+          </p:style>
+        </p:cxnSp>
+        <p:cxnSp>
+          <p:nvCxnSpPr>
+            <p:cNvPr id="78" name="Straight Connector 77">
+              <a:extLst>
+                <a:ext uri="{FF2B5EF4-FFF2-40B4-BE49-F238E27FC236}">
+                  <a16:creationId xmlns:a16="http://schemas.microsoft.com/office/drawing/2014/main" id="{E2AF9976-A85B-4FAC-ACA0-7B4F06D180B2}"/>
+                </a:ext>
+                <a:ext uri="{C183D7F6-B498-43B3-948B-1728B52AA6E4}">
+                  <adec:decorative xmlns:adec="http://schemas.microsoft.com/office/drawing/2017/decorative" val="1"/>
+                </a:ext>
+              </a:extLst>
+            </p:cNvPr>
+            <p:cNvCxnSpPr>
+              <a:cxnSpLocks/>
+            </p:cNvCxnSpPr>
+            <p:nvPr>
+              <p:extLst>
+                <p:ext uri="{386F3935-93C4-4BCD-93E2-E3B085C9AB24}">
+                  <p16:designElem xmlns:p16="http://schemas.microsoft.com/office/powerpoint/2015/main" val="1"/>
+                </p:ext>
+              </p:extLst>
+            </p:nvPr>
+          </p:nvCxnSpPr>
+          <p:spPr>
+            <a:xfrm>
+              <a:off x="684225" y="171716"/>
+              <a:ext cx="0" cy="6511464"/>
+            </a:xfrm>
+            <a:prstGeom prst="line">
+              <a:avLst/>
+            </a:prstGeom>
+            <a:ln w="12700">
+              <a:solidFill>
+                <a:srgbClr val="BCBCBC">
+                  <a:alpha val="29804"/>
+                </a:srgbClr>
+              </a:solidFill>
+              <a:prstDash val="sysDot"/>
+            </a:ln>
+          </p:spPr>
+          <p:style>
+            <a:lnRef idx="1">
+              <a:schemeClr val="accent1"/>
+            </a:lnRef>
+            <a:fillRef idx="0">
+              <a:schemeClr val="accent1"/>
+            </a:fillRef>
+            <a:effectRef idx="0">
+              <a:schemeClr val="accent1"/>
+            </a:effectRef>
+            <a:fontRef idx="minor">
+              <a:schemeClr val="tx1"/>
+            </a:fontRef>
+          </p:style>
+        </p:cxnSp>
+        <p:cxnSp>
+          <p:nvCxnSpPr>
+            <p:cNvPr id="79" name="Straight Connector 78">
+              <a:extLst>
+                <a:ext uri="{FF2B5EF4-FFF2-40B4-BE49-F238E27FC236}">
+                  <a16:creationId xmlns:a16="http://schemas.microsoft.com/office/drawing/2014/main" id="{BFD38ACD-F4A1-4970-BE99-87B0A04829F7}"/>
+                </a:ext>
+                <a:ext uri="{C183D7F6-B498-43B3-948B-1728B52AA6E4}">
+                  <adec:decorative xmlns:adec="http://schemas.microsoft.com/office/drawing/2017/decorative" val="1"/>
+                </a:ext>
+              </a:extLst>
+            </p:cNvPr>
+            <p:cNvCxnSpPr>
+              <a:cxnSpLocks/>
+            </p:cNvCxnSpPr>
+            <p:nvPr>
+              <p:extLst>
+                <p:ext uri="{386F3935-93C4-4BCD-93E2-E3B085C9AB24}">
+                  <p16:designElem xmlns:p16="http://schemas.microsoft.com/office/powerpoint/2015/main" val="1"/>
+                </p:ext>
+              </p:extLst>
+            </p:nvPr>
+          </p:nvCxnSpPr>
+          <p:spPr>
+            <a:xfrm>
+              <a:off x="11508412" y="173267"/>
+              <a:ext cx="0" cy="6511464"/>
+            </a:xfrm>
+            <a:prstGeom prst="line">
+              <a:avLst/>
+            </a:prstGeom>
+            <a:ln w="12700">
+              <a:solidFill>
+                <a:srgbClr val="BCBCBC">
+                  <a:alpha val="29804"/>
+                </a:srgbClr>
+              </a:solidFill>
+              <a:prstDash val="sysDot"/>
+            </a:ln>
+          </p:spPr>
+          <p:style>
+            <a:lnRef idx="1">
+              <a:schemeClr val="accent1"/>
+            </a:lnRef>
+            <a:fillRef idx="0">
+              <a:schemeClr val="accent1"/>
+            </a:fillRef>
+            <a:effectRef idx="0">
+              <a:schemeClr val="accent1"/>
+            </a:effectRef>
+            <a:fontRef idx="minor">
+              <a:schemeClr val="tx1"/>
+            </a:fontRef>
+          </p:style>
+        </p:cxnSp>
+      </p:grpSp>
+      <p:sp>
+        <p:nvSpPr>
+          <p:cNvPr id="81" name="Right Triangle 80">
+            <a:extLst>
+              <a:ext uri="{FF2B5EF4-FFF2-40B4-BE49-F238E27FC236}">
+                <a16:creationId xmlns:a16="http://schemas.microsoft.com/office/drawing/2014/main" id="{429C64BC-8915-422E-9361-EE04C48FFD40}"/>
+              </a:ext>
+              <a:ext uri="{C183D7F6-B498-43B3-948B-1728B52AA6E4}">
+                <adec:decorative xmlns:adec="http://schemas.microsoft.com/office/drawing/2017/decorative" val="1"/>
+              </a:ext>
+            </a:extLst>
+          </p:cNvPr>
+          <p:cNvSpPr>
+            <a:spLocks noGrp="1" noRot="1" noChangeAspect="1" noMove="1" noResize="1" noEditPoints="1" noAdjustHandles="1" noChangeArrowheads="1" noChangeShapeType="1" noTextEdit="1"/>
+          </p:cNvSpPr>
+          <p:nvPr>
+            <p:extLst>
+              <p:ext uri="{386F3935-93C4-4BCD-93E2-E3B085C9AB24}">
+                <p16:designElem xmlns:p16="http://schemas.microsoft.com/office/powerpoint/2015/main" val="1"/>
+              </p:ext>
+            </p:extLst>
+          </p:nvPr>
+        </p:nvSpPr>
+        <p:spPr>
+          <a:xfrm rot="13500000">
+            <a:off x="-281094" y="2610287"/>
+            <a:ext cx="568289" cy="568289"/>
+          </a:xfrm>
+          <a:prstGeom prst="rtTriangle">
+            <a:avLst/>
+          </a:prstGeom>
+          <a:solidFill>
+            <a:schemeClr val="accent1">
+              <a:alpha val="50000"/>
+            </a:schemeClr>
+          </a:solidFill>
+          <a:ln>
+            <a:noFill/>
+          </a:ln>
+        </p:spPr>
+        <p:style>
+          <a:lnRef idx="2">
+            <a:schemeClr val="accent1">
+              <a:shade val="50000"/>
+            </a:schemeClr>
+          </a:lnRef>
+          <a:fillRef idx="1">
+            <a:schemeClr val="accent1"/>
+          </a:fillRef>
+          <a:effectRef idx="0">
+            <a:schemeClr val="accent1"/>
+          </a:effectRef>
+          <a:fontRef idx="minor">
+            <a:schemeClr val="lt1"/>
+          </a:fontRef>
+        </p:style>
+        <p:txBody>
+          <a:bodyPr rtlCol="0" anchor="ctr"/>
+          <a:lstStyle/>
+          <a:p>
+            <a:pPr algn="ctr"/>
+            <a:endParaRPr lang="en-US">
+              <a:solidFill>
+                <a:schemeClr val="tx1"/>
+              </a:solidFill>
+            </a:endParaRPr>
+          </a:p>
+        </p:txBody>
+      </p:sp>
+      <p:sp>
+        <p:nvSpPr>
+          <p:cNvPr id="2" name="Titel 1">
+            <a:extLst>
+              <a:ext uri="{FF2B5EF4-FFF2-40B4-BE49-F238E27FC236}">
+                <a16:creationId xmlns:a16="http://schemas.microsoft.com/office/drawing/2014/main" id="{3313D2A2-6DB2-21CE-9DEC-8AE5D41E74AE}"/>
+              </a:ext>
+            </a:extLst>
+          </p:cNvPr>
+          <p:cNvSpPr>
+            <a:spLocks noGrp="1"/>
+          </p:cNvSpPr>
+          <p:nvPr>
+            <p:ph type="title"/>
+          </p:nvPr>
+        </p:nvSpPr>
+        <p:spPr>
+          <a:xfrm>
+            <a:off x="802965" y="1570239"/>
+            <a:ext cx="5798932" cy="2534369"/>
+          </a:xfrm>
+        </p:spPr>
+        <p:txBody>
+          <a:bodyPr vert="horz" lIns="91440" tIns="45720" rIns="91440" bIns="45720" rtlCol="0" anchor="b">
+            <a:normAutofit/>
+          </a:bodyPr>
+          <a:lstStyle/>
+          <a:p>
+            <a:r>
+              <a:rPr lang="en-US" sz="9600" dirty="0"/>
+              <a:t>Q &amp; A </a:t>
+            </a:r>
+          </a:p>
+        </p:txBody>
+      </p:sp>
+      <p:pic>
+        <p:nvPicPr>
+          <p:cNvPr id="6" name="Grafik 5" descr="Fragen mit einfarbiger Füllung">
+            <a:extLst>
+              <a:ext uri="{FF2B5EF4-FFF2-40B4-BE49-F238E27FC236}">
+                <a16:creationId xmlns:a16="http://schemas.microsoft.com/office/drawing/2014/main" id="{776CC626-84E1-D2B3-D53E-60C4866B7401}"/>
+              </a:ext>
+            </a:extLst>
+          </p:cNvPr>
+          <p:cNvPicPr>
+            <a:picLocks noChangeAspect="1"/>
+          </p:cNvPicPr>
+          <p:nvPr/>
+        </p:nvPicPr>
+        <p:blipFill>
+          <a:blip r:embed="rId2">
+            <a:extLst>
+              <a:ext uri="{28A0092B-C50C-407E-A947-70E740481C1C}">
+                <a14:useLocalDpi xmlns:a14="http://schemas.microsoft.com/office/drawing/2010/main" val="0"/>
+              </a:ext>
+              <a:ext uri="{96DAC541-7B7A-43D3-8B79-37D633B846F1}">
+                <asvg:svgBlip xmlns:asvg="http://schemas.microsoft.com/office/drawing/2016/SVG/main" r:embed="rId3"/>
+              </a:ext>
+            </a:extLst>
+          </a:blip>
+          <a:stretch>
+            <a:fillRect/>
+          </a:stretch>
+        </p:blipFill>
+        <p:spPr>
+          <a:xfrm>
+            <a:off x="7076284" y="1209097"/>
+            <a:ext cx="4431492" cy="4431492"/>
+          </a:xfrm>
+          <a:prstGeom prst="rect">
+            <a:avLst/>
+          </a:prstGeom>
+        </p:spPr>
+      </p:pic>
+      <p:sp>
+        <p:nvSpPr>
+          <p:cNvPr id="4" name="Foliennummernplatzhalter 3">
+            <a:extLst>
+              <a:ext uri="{FF2B5EF4-FFF2-40B4-BE49-F238E27FC236}">
+                <a16:creationId xmlns:a16="http://schemas.microsoft.com/office/drawing/2014/main" id="{B76D3243-AC80-E25F-8FE3-BADDF856E6FB}"/>
+              </a:ext>
+            </a:extLst>
+          </p:cNvPr>
+          <p:cNvSpPr>
+            <a:spLocks noGrp="1"/>
+          </p:cNvSpPr>
+          <p:nvPr>
+            <p:ph type="sldNum" sz="quarter" idx="12"/>
+          </p:nvPr>
+        </p:nvSpPr>
+        <p:spPr>
+          <a:xfrm>
+            <a:off x="11003649" y="6215870"/>
+            <a:ext cx="979151" cy="417126"/>
+          </a:xfrm>
+        </p:spPr>
+        <p:txBody>
+          <a:bodyPr vert="horz" lIns="91440" tIns="45720" rIns="91440" bIns="45720" rtlCol="0" anchor="ctr">
+            <a:normAutofit/>
+          </a:bodyPr>
+          <a:lstStyle/>
+          <a:p>
+            <a:pPr>
+              <a:spcAft>
+                <a:spcPts val="600"/>
+              </a:spcAft>
+            </a:pPr>
+            <a:fld id="{BE15108C-154A-4A5A-9C05-91A49A422BA7}" type="slidenum">
+              <a:rPr lang="en-US" smtClean="0"/>
+              <a:pPr>
+                <a:spcAft>
+                  <a:spcPts val="600"/>
+                </a:spcAft>
+              </a:pPr>
+              <a:t>9</a:t>
             </a:fld>
             <a:endParaRPr lang="en-US"/>
           </a:p>
@@ -16906,7 +24293,7 @@
     </p:spTree>
     <p:extLst>
       <p:ext uri="{BB962C8B-B14F-4D97-AF65-F5344CB8AC3E}">
-        <p14:creationId xmlns:p14="http://schemas.microsoft.com/office/powerpoint/2010/main" val="2886148129"/>
+        <p14:creationId xmlns:p14="http://schemas.microsoft.com/office/powerpoint/2010/main" val="326785379"/>
       </p:ext>
     </p:extLst>
   </p:cSld>

--- a/Gruppenarbeit_01/prr_gruppenarbeit_01.pptx
+++ b/Gruppenarbeit_01/prr_gruppenarbeit_01.pptx
@@ -798,6 +798,14 @@
           <a:bodyPr/>
           <a:lstStyle/>
           <a:p>
+            <a:r>
+              <a:rPr lang="de-CH" dirty="0"/>
+              <a:t>Das ist </a:t>
+            </a:r>
+            <a:r>
+              <a:rPr lang="de-CH"/>
+              <a:t>der Datensatz von</a:t>
+            </a:r>
             <a:endParaRPr lang="de-CH" dirty="0"/>
           </a:p>
         </p:txBody>
@@ -19323,8 +19331,8 @@
           </a:prstGeom>
         </p:spPr>
       </p:pic>
-      <mc:AlternateContent xmlns:mc="http://schemas.openxmlformats.org/markup-compatibility/2006">
-        <mc:Choice xmlns:p14="http://schemas.microsoft.com/office/powerpoint/2010/main" Requires="p14">
+      <mc:AlternateContent xmlns:mc="http://schemas.openxmlformats.org/markup-compatibility/2006" xmlns:p14="http://schemas.microsoft.com/office/powerpoint/2010/main">
+        <mc:Choice Requires="p14">
           <p:contentPart p14:bwMode="auto" r:id="rId3">
             <p14:nvContentPartPr>
               <p14:cNvPr id="9" name="Freihand 8">
@@ -19343,7 +19351,7 @@
             </p14:xfrm>
           </p:contentPart>
         </mc:Choice>
-        <mc:Fallback>
+        <mc:Fallback xmlns="">
           <p:pic>
             <p:nvPicPr>
               <p:cNvPr id="9" name="Freihand 8">
@@ -19374,8 +19382,8 @@
           </p:pic>
         </mc:Fallback>
       </mc:AlternateContent>
-      <mc:AlternateContent xmlns:mc="http://schemas.openxmlformats.org/markup-compatibility/2006">
-        <mc:Choice xmlns:p14="http://schemas.microsoft.com/office/powerpoint/2010/main" Requires="p14">
+      <mc:AlternateContent xmlns:mc="http://schemas.openxmlformats.org/markup-compatibility/2006" xmlns:p14="http://schemas.microsoft.com/office/powerpoint/2010/main">
+        <mc:Choice Requires="p14">
           <p:contentPart p14:bwMode="auto" r:id="rId5">
             <p14:nvContentPartPr>
               <p14:cNvPr id="10" name="Freihand 9">
@@ -19394,7 +19402,7 @@
             </p14:xfrm>
           </p:contentPart>
         </mc:Choice>
-        <mc:Fallback>
+        <mc:Fallback xmlns="">
           <p:pic>
             <p:nvPicPr>
               <p:cNvPr id="10" name="Freihand 9">
@@ -19445,8 +19453,8 @@
             <a:chExt cx="360" cy="360"/>
           </a:xfrm>
         </p:grpSpPr>
-        <mc:AlternateContent xmlns:mc="http://schemas.openxmlformats.org/markup-compatibility/2006">
-          <mc:Choice xmlns:p14="http://schemas.microsoft.com/office/powerpoint/2010/main" Requires="p14">
+        <mc:AlternateContent xmlns:mc="http://schemas.openxmlformats.org/markup-compatibility/2006" xmlns:p14="http://schemas.microsoft.com/office/powerpoint/2010/main">
+          <mc:Choice Requires="p14">
             <p:contentPart p14:bwMode="auto" r:id="rId6">
               <p14:nvContentPartPr>
                 <p14:cNvPr id="42" name="Freihand 41">
@@ -19465,7 +19473,7 @@
               </p14:xfrm>
             </p:contentPart>
           </mc:Choice>
-          <mc:Fallback>
+          <mc:Fallback xmlns="">
             <p:pic>
               <p:nvPicPr>
                 <p:cNvPr id="42" name="Freihand 41">
@@ -19496,8 +19504,8 @@
             </p:pic>
           </mc:Fallback>
         </mc:AlternateContent>
-        <mc:AlternateContent xmlns:mc="http://schemas.openxmlformats.org/markup-compatibility/2006">
-          <mc:Choice xmlns:p14="http://schemas.microsoft.com/office/powerpoint/2010/main" Requires="p14">
+        <mc:AlternateContent xmlns:mc="http://schemas.openxmlformats.org/markup-compatibility/2006" xmlns:p14="http://schemas.microsoft.com/office/powerpoint/2010/main">
+          <mc:Choice Requires="p14">
             <p:contentPart p14:bwMode="auto" r:id="rId7">
               <p14:nvContentPartPr>
                 <p14:cNvPr id="43" name="Freihand 42">
@@ -19516,7 +19524,7 @@
               </p14:xfrm>
             </p:contentPart>
           </mc:Choice>
-          <mc:Fallback>
+          <mc:Fallback xmlns="">
             <p:pic>
               <p:nvPicPr>
                 <p:cNvPr id="43" name="Freihand 42">
@@ -19568,8 +19576,8 @@
             <a:chExt cx="360" cy="360"/>
           </a:xfrm>
         </p:grpSpPr>
-        <mc:AlternateContent xmlns:mc="http://schemas.openxmlformats.org/markup-compatibility/2006">
-          <mc:Choice xmlns:p14="http://schemas.microsoft.com/office/powerpoint/2010/main" Requires="p14">
+        <mc:AlternateContent xmlns:mc="http://schemas.openxmlformats.org/markup-compatibility/2006" xmlns:p14="http://schemas.microsoft.com/office/powerpoint/2010/main">
+          <mc:Choice Requires="p14">
             <p:contentPart p14:bwMode="auto" r:id="rId9">
               <p14:nvContentPartPr>
                 <p14:cNvPr id="45" name="Freihand 44">
@@ -19588,7 +19596,7 @@
               </p14:xfrm>
             </p:contentPart>
           </mc:Choice>
-          <mc:Fallback>
+          <mc:Fallback xmlns="">
             <p:pic>
               <p:nvPicPr>
                 <p:cNvPr id="45" name="Freihand 44">
@@ -19619,8 +19627,8 @@
             </p:pic>
           </mc:Fallback>
         </mc:AlternateContent>
-        <mc:AlternateContent xmlns:mc="http://schemas.openxmlformats.org/markup-compatibility/2006">
-          <mc:Choice xmlns:p14="http://schemas.microsoft.com/office/powerpoint/2010/main" Requires="p14">
+        <mc:AlternateContent xmlns:mc="http://schemas.openxmlformats.org/markup-compatibility/2006" xmlns:p14="http://schemas.microsoft.com/office/powerpoint/2010/main">
+          <mc:Choice Requires="p14">
             <p:contentPart p14:bwMode="auto" r:id="rId10">
               <p14:nvContentPartPr>
                 <p14:cNvPr id="46" name="Freihand 45">
@@ -19639,7 +19647,7 @@
               </p14:xfrm>
             </p:contentPart>
           </mc:Choice>
-          <mc:Fallback>
+          <mc:Fallback xmlns="">
             <p:pic>
               <p:nvPicPr>
                 <p:cNvPr id="46" name="Freihand 45">
@@ -19671,8 +19679,8 @@
           </mc:Fallback>
         </mc:AlternateContent>
       </p:grpSp>
-      <mc:AlternateContent xmlns:mc="http://schemas.openxmlformats.org/markup-compatibility/2006">
-        <mc:Choice xmlns:p14="http://schemas.microsoft.com/office/powerpoint/2010/main" Requires="p14">
+      <mc:AlternateContent xmlns:mc="http://schemas.openxmlformats.org/markup-compatibility/2006" xmlns:p14="http://schemas.microsoft.com/office/powerpoint/2010/main">
+        <mc:Choice Requires="p14">
           <p:contentPart p14:bwMode="auto" r:id="rId11">
             <p14:nvContentPartPr>
               <p14:cNvPr id="47" name="Freihand 46">
@@ -19691,7 +19699,7 @@
             </p14:xfrm>
           </p:contentPart>
         </mc:Choice>
-        <mc:Fallback>
+        <mc:Fallback xmlns="">
           <p:pic>
             <p:nvPicPr>
               <p:cNvPr id="47" name="Freihand 46">

--- a/Gruppenarbeit_01/prr_gruppenarbeit_01.pptx
+++ b/Gruppenarbeit_01/prr_gruppenarbeit_01.pptx
@@ -5,7 +5,7 @@
     <p:sldMasterId id="2147483712" r:id="rId1"/>
   </p:sldMasterIdLst>
   <p:notesMasterIdLst>
-    <p:notesMasterId r:id="rId11"/>
+    <p:notesMasterId r:id="rId12"/>
   </p:notesMasterIdLst>
   <p:sldIdLst>
     <p:sldId id="256" r:id="rId2"/>
@@ -16,7 +16,8 @@
     <p:sldId id="261" r:id="rId7"/>
     <p:sldId id="262" r:id="rId8"/>
     <p:sldId id="263" r:id="rId9"/>
-    <p:sldId id="264" r:id="rId10"/>
+    <p:sldId id="265" r:id="rId10"/>
+    <p:sldId id="264" r:id="rId11"/>
   </p:sldIdLst>
   <p:sldSz cx="12192000" cy="6858000"/>
   <p:notesSz cx="6858000" cy="9144000"/>
@@ -798,14 +799,6 @@
           <a:bodyPr/>
           <a:lstStyle/>
           <a:p>
-            <a:r>
-              <a:rPr lang="de-CH" dirty="0"/>
-              <a:t>Das ist </a:t>
-            </a:r>
-            <a:r>
-              <a:rPr lang="de-CH"/>
-              <a:t>der Datensatz von</a:t>
-            </a:r>
             <a:endParaRPr lang="de-CH" dirty="0"/>
           </a:p>
         </p:txBody>
@@ -921,6 +914,797 @@
     <p:extLst>
       <p:ext uri="{BB962C8B-B14F-4D97-AF65-F5344CB8AC3E}">
         <p14:creationId xmlns:p14="http://schemas.microsoft.com/office/powerpoint/2010/main" val="204872387"/>
+      </p:ext>
+    </p:extLst>
+  </p:cSld>
+  <p:clrMapOvr>
+    <a:masterClrMapping/>
+  </p:clrMapOvr>
+</p:notes>
+</file>
+
+<file path=ppt/notesSlides/notesSlide4.xml><?xml version="1.0" encoding="utf-8"?>
+<p:notes xmlns:a="http://schemas.openxmlformats.org/drawingml/2006/main" xmlns:r="http://schemas.openxmlformats.org/officeDocument/2006/relationships" xmlns:p="http://schemas.openxmlformats.org/presentationml/2006/main">
+  <p:cSld>
+    <p:spTree>
+      <p:nvGrpSpPr>
+        <p:cNvPr id="1" name=""/>
+        <p:cNvGrpSpPr/>
+        <p:nvPr/>
+      </p:nvGrpSpPr>
+      <p:grpSpPr>
+        <a:xfrm>
+          <a:off x="0" y="0"/>
+          <a:ext cx="0" cy="0"/>
+          <a:chOff x="0" y="0"/>
+          <a:chExt cx="0" cy="0"/>
+        </a:xfrm>
+      </p:grpSpPr>
+      <p:sp>
+        <p:nvSpPr>
+          <p:cNvPr id="2" name="Folienbildplatzhalter 1"/>
+          <p:cNvSpPr>
+            <a:spLocks noGrp="1" noRot="1" noChangeAspect="1"/>
+          </p:cNvSpPr>
+          <p:nvPr>
+            <p:ph type="sldImg"/>
+          </p:nvPr>
+        </p:nvSpPr>
+        <p:spPr/>
+      </p:sp>
+      <p:sp>
+        <p:nvSpPr>
+          <p:cNvPr id="3" name="Notizenplatzhalter 2"/>
+          <p:cNvSpPr>
+            <a:spLocks noGrp="1"/>
+          </p:cNvSpPr>
+          <p:nvPr>
+            <p:ph type="body" idx="1"/>
+          </p:nvPr>
+        </p:nvSpPr>
+        <p:spPr/>
+        <p:txBody>
+          <a:bodyPr/>
+          <a:lstStyle/>
+          <a:p>
+            <a:endParaRPr lang="de-CH" dirty="0"/>
+          </a:p>
+        </p:txBody>
+      </p:sp>
+      <p:sp>
+        <p:nvSpPr>
+          <p:cNvPr id="4" name="Foliennummernplatzhalter 3"/>
+          <p:cNvSpPr>
+            <a:spLocks noGrp="1"/>
+          </p:cNvSpPr>
+          <p:nvPr>
+            <p:ph type="sldNum" sz="quarter" idx="5"/>
+          </p:nvPr>
+        </p:nvSpPr>
+        <p:spPr/>
+        <p:txBody>
+          <a:bodyPr/>
+          <a:lstStyle/>
+          <a:p>
+            <a:fld id="{97920913-15AF-4DD2-9906-F569B6C1DCD9}" type="slidenum">
+              <a:rPr lang="de-CH" smtClean="0"/>
+              <a:t>4</a:t>
+            </a:fld>
+            <a:endParaRPr lang="de-CH"/>
+          </a:p>
+        </p:txBody>
+      </p:sp>
+    </p:spTree>
+    <p:extLst>
+      <p:ext uri="{BB962C8B-B14F-4D97-AF65-F5344CB8AC3E}">
+        <p14:creationId xmlns:p14="http://schemas.microsoft.com/office/powerpoint/2010/main" val="183134563"/>
+      </p:ext>
+    </p:extLst>
+  </p:cSld>
+  <p:clrMapOvr>
+    <a:masterClrMapping/>
+  </p:clrMapOvr>
+</p:notes>
+</file>
+
+<file path=ppt/notesSlides/notesSlide5.xml><?xml version="1.0" encoding="utf-8"?>
+<p:notes xmlns:a="http://schemas.openxmlformats.org/drawingml/2006/main" xmlns:r="http://schemas.openxmlformats.org/officeDocument/2006/relationships" xmlns:p="http://schemas.openxmlformats.org/presentationml/2006/main">
+  <p:cSld>
+    <p:spTree>
+      <p:nvGrpSpPr>
+        <p:cNvPr id="1" name=""/>
+        <p:cNvGrpSpPr/>
+        <p:nvPr/>
+      </p:nvGrpSpPr>
+      <p:grpSpPr>
+        <a:xfrm>
+          <a:off x="0" y="0"/>
+          <a:ext cx="0" cy="0"/>
+          <a:chOff x="0" y="0"/>
+          <a:chExt cx="0" cy="0"/>
+        </a:xfrm>
+      </p:grpSpPr>
+      <p:sp>
+        <p:nvSpPr>
+          <p:cNvPr id="2" name="Folienbildplatzhalter 1"/>
+          <p:cNvSpPr>
+            <a:spLocks noGrp="1" noRot="1" noChangeAspect="1"/>
+          </p:cNvSpPr>
+          <p:nvPr>
+            <p:ph type="sldImg"/>
+          </p:nvPr>
+        </p:nvSpPr>
+        <p:spPr/>
+      </p:sp>
+      <p:sp>
+        <p:nvSpPr>
+          <p:cNvPr id="3" name="Notizenplatzhalter 2"/>
+          <p:cNvSpPr>
+            <a:spLocks noGrp="1"/>
+          </p:cNvSpPr>
+          <p:nvPr>
+            <p:ph type="body" idx="1"/>
+          </p:nvPr>
+        </p:nvSpPr>
+        <p:spPr/>
+        <p:txBody>
+          <a:bodyPr/>
+          <a:lstStyle/>
+          <a:p>
+            <a:endParaRPr lang="de-CH" dirty="0"/>
+          </a:p>
+        </p:txBody>
+      </p:sp>
+      <p:sp>
+        <p:nvSpPr>
+          <p:cNvPr id="4" name="Foliennummernplatzhalter 3"/>
+          <p:cNvSpPr>
+            <a:spLocks noGrp="1"/>
+          </p:cNvSpPr>
+          <p:nvPr>
+            <p:ph type="sldNum" sz="quarter" idx="5"/>
+          </p:nvPr>
+        </p:nvSpPr>
+        <p:spPr/>
+        <p:txBody>
+          <a:bodyPr/>
+          <a:lstStyle/>
+          <a:p>
+            <a:fld id="{97920913-15AF-4DD2-9906-F569B6C1DCD9}" type="slidenum">
+              <a:rPr lang="de-CH" smtClean="0"/>
+              <a:t>6</a:t>
+            </a:fld>
+            <a:endParaRPr lang="de-CH"/>
+          </a:p>
+        </p:txBody>
+      </p:sp>
+    </p:spTree>
+    <p:extLst>
+      <p:ext uri="{BB962C8B-B14F-4D97-AF65-F5344CB8AC3E}">
+        <p14:creationId xmlns:p14="http://schemas.microsoft.com/office/powerpoint/2010/main" val="4277672629"/>
+      </p:ext>
+    </p:extLst>
+  </p:cSld>
+  <p:clrMapOvr>
+    <a:masterClrMapping/>
+  </p:clrMapOvr>
+</p:notes>
+</file>
+
+<file path=ppt/notesSlides/notesSlide6.xml><?xml version="1.0" encoding="utf-8"?>
+<p:notes xmlns:a="http://schemas.openxmlformats.org/drawingml/2006/main" xmlns:r="http://schemas.openxmlformats.org/officeDocument/2006/relationships" xmlns:p="http://schemas.openxmlformats.org/presentationml/2006/main">
+  <p:cSld>
+    <p:spTree>
+      <p:nvGrpSpPr>
+        <p:cNvPr id="1" name=""/>
+        <p:cNvGrpSpPr/>
+        <p:nvPr/>
+      </p:nvGrpSpPr>
+      <p:grpSpPr>
+        <a:xfrm>
+          <a:off x="0" y="0"/>
+          <a:ext cx="0" cy="0"/>
+          <a:chOff x="0" y="0"/>
+          <a:chExt cx="0" cy="0"/>
+        </a:xfrm>
+      </p:grpSpPr>
+      <p:sp>
+        <p:nvSpPr>
+          <p:cNvPr id="2" name="Folienbildplatzhalter 1"/>
+          <p:cNvSpPr>
+            <a:spLocks noGrp="1" noRot="1" noChangeAspect="1"/>
+          </p:cNvSpPr>
+          <p:nvPr>
+            <p:ph type="sldImg"/>
+          </p:nvPr>
+        </p:nvSpPr>
+        <p:spPr/>
+      </p:sp>
+      <p:sp>
+        <p:nvSpPr>
+          <p:cNvPr id="3" name="Notizenplatzhalter 2"/>
+          <p:cNvSpPr>
+            <a:spLocks noGrp="1"/>
+          </p:cNvSpPr>
+          <p:nvPr>
+            <p:ph type="body" idx="1"/>
+          </p:nvPr>
+        </p:nvSpPr>
+        <p:spPr/>
+        <p:txBody>
+          <a:bodyPr/>
+          <a:lstStyle/>
+          <a:p>
+            <a:r>
+              <a:rPr lang="en-US" dirty="0" err="1"/>
+              <a:t>Aus</a:t>
+            </a:r>
+            <a:r>
+              <a:rPr lang="en-US" dirty="0"/>
+              <a:t> </a:t>
+            </a:r>
+            <a:r>
+              <a:rPr lang="en-US" dirty="0" err="1"/>
+              <a:t>Zeitgründen</a:t>
+            </a:r>
+            <a:r>
+              <a:rPr lang="en-US" dirty="0"/>
+              <a:t> </a:t>
+            </a:r>
+            <a:r>
+              <a:rPr lang="en-US" dirty="0" err="1"/>
+              <a:t>überspringen</a:t>
+            </a:r>
+            <a:r>
+              <a:rPr lang="en-US" dirty="0"/>
+              <a:t> </a:t>
+            </a:r>
+            <a:r>
+              <a:rPr lang="en-US" dirty="0" err="1"/>
+              <a:t>wir</a:t>
+            </a:r>
+            <a:r>
+              <a:rPr lang="en-US" dirty="0"/>
+              <a:t> die </a:t>
+            </a:r>
+            <a:r>
+              <a:rPr lang="en-US" dirty="0" err="1"/>
+              <a:t>Hypothese</a:t>
+            </a:r>
+            <a:r>
+              <a:rPr lang="en-US" dirty="0"/>
+              <a:t> 2 und </a:t>
+            </a:r>
+            <a:r>
+              <a:rPr lang="en-US" dirty="0" err="1"/>
+              <a:t>springen</a:t>
+            </a:r>
+            <a:r>
+              <a:rPr lang="en-US" dirty="0"/>
+              <a:t> </a:t>
+            </a:r>
+            <a:r>
+              <a:rPr lang="en-US" dirty="0" err="1"/>
+              <a:t>direkt</a:t>
+            </a:r>
+            <a:r>
+              <a:rPr lang="en-US" dirty="0"/>
+              <a:t> in die Multiple </a:t>
+            </a:r>
+            <a:r>
+              <a:rPr lang="en-US" dirty="0" err="1"/>
+              <a:t>Lineare</a:t>
+            </a:r>
+            <a:r>
+              <a:rPr lang="en-US" dirty="0"/>
+              <a:t> Regression. </a:t>
+            </a:r>
+            <a:br>
+              <a:rPr lang="en-US" dirty="0"/>
+            </a:br>
+            <a:r>
+              <a:rPr lang="en-US" dirty="0"/>
+              <a:t>Da die </a:t>
+            </a:r>
+            <a:r>
+              <a:rPr lang="en-US" dirty="0" err="1"/>
+              <a:t>erste</a:t>
+            </a:r>
+            <a:r>
+              <a:rPr lang="en-US" dirty="0"/>
+              <a:t> </a:t>
+            </a:r>
+            <a:r>
+              <a:rPr lang="en-US" dirty="0" err="1"/>
+              <a:t>Hypothese</a:t>
+            </a:r>
+            <a:r>
+              <a:rPr lang="en-US" dirty="0"/>
+              <a:t> </a:t>
+            </a:r>
+            <a:r>
+              <a:rPr lang="en-US" dirty="0" err="1"/>
+              <a:t>falsifiziert</a:t>
+            </a:r>
+            <a:r>
+              <a:rPr lang="en-US" dirty="0"/>
+              <a:t> </a:t>
+            </a:r>
+            <a:r>
+              <a:rPr lang="en-US" dirty="0" err="1"/>
+              <a:t>wurde</a:t>
+            </a:r>
+            <a:r>
+              <a:rPr lang="en-US" dirty="0"/>
+              <a:t>, </a:t>
+            </a:r>
+            <a:r>
+              <a:rPr lang="en-US" dirty="0" err="1"/>
+              <a:t>hatten</a:t>
+            </a:r>
+            <a:r>
+              <a:rPr lang="en-US" dirty="0"/>
+              <a:t> </a:t>
+            </a:r>
+            <a:r>
+              <a:rPr lang="en-US" dirty="0" err="1"/>
+              <a:t>wir</a:t>
+            </a:r>
+            <a:r>
+              <a:rPr lang="en-US" dirty="0"/>
+              <a:t> den </a:t>
+            </a:r>
+            <a:r>
+              <a:rPr lang="en-US" dirty="0" err="1"/>
+              <a:t>Gedanken</a:t>
+            </a:r>
+            <a:r>
+              <a:rPr lang="en-US" dirty="0"/>
+              <a:t>, </a:t>
+            </a:r>
+            <a:r>
+              <a:rPr lang="en-US" dirty="0" err="1"/>
+              <a:t>dass</a:t>
+            </a:r>
+            <a:r>
+              <a:rPr lang="en-US" dirty="0"/>
+              <a:t> Sales </a:t>
+            </a:r>
+            <a:r>
+              <a:rPr lang="en-US" dirty="0" err="1"/>
+              <a:t>sich</a:t>
+            </a:r>
+            <a:r>
+              <a:rPr lang="en-US" dirty="0"/>
+              <a:t> </a:t>
+            </a:r>
+            <a:r>
+              <a:rPr lang="en-US" dirty="0" err="1"/>
+              <a:t>durch</a:t>
+            </a:r>
+            <a:r>
+              <a:rPr lang="en-US" dirty="0"/>
+              <a:t> </a:t>
+            </a:r>
+            <a:r>
+              <a:rPr lang="en-US" dirty="0" err="1"/>
+              <a:t>mehrere</a:t>
+            </a:r>
+            <a:r>
+              <a:rPr lang="en-US" dirty="0"/>
+              <a:t> Features, </a:t>
+            </a:r>
+            <a:r>
+              <a:rPr lang="en-US" dirty="0" err="1"/>
+              <a:t>bzw</a:t>
+            </a:r>
+            <a:r>
+              <a:rPr lang="en-US" dirty="0"/>
+              <a:t> </a:t>
+            </a:r>
+            <a:r>
+              <a:rPr lang="en-US" dirty="0" err="1"/>
+              <a:t>Variabeln</a:t>
+            </a:r>
+            <a:r>
+              <a:rPr lang="en-US" dirty="0"/>
+              <a:t> </a:t>
+            </a:r>
+            <a:r>
+              <a:rPr lang="en-US" dirty="0" err="1"/>
+              <a:t>sich</a:t>
+            </a:r>
+            <a:r>
+              <a:rPr lang="en-US" dirty="0"/>
+              <a:t> </a:t>
+            </a:r>
+            <a:r>
+              <a:rPr lang="en-US" dirty="0" err="1"/>
+              <a:t>erklaeren</a:t>
+            </a:r>
+            <a:r>
+              <a:rPr lang="en-US" dirty="0"/>
+              <a:t> </a:t>
+            </a:r>
+            <a:r>
+              <a:rPr lang="en-US" dirty="0" err="1"/>
+              <a:t>laesst</a:t>
+            </a:r>
+            <a:r>
+              <a:rPr lang="en-US" dirty="0"/>
+              <a:t>. </a:t>
+            </a:r>
+          </a:p>
+          <a:p>
+            <a:endParaRPr lang="de-CH" dirty="0"/>
+          </a:p>
+        </p:txBody>
+      </p:sp>
+      <p:sp>
+        <p:nvSpPr>
+          <p:cNvPr id="4" name="Foliennummernplatzhalter 3"/>
+          <p:cNvSpPr>
+            <a:spLocks noGrp="1"/>
+          </p:cNvSpPr>
+          <p:nvPr>
+            <p:ph type="sldNum" sz="quarter" idx="5"/>
+          </p:nvPr>
+        </p:nvSpPr>
+        <p:spPr/>
+        <p:txBody>
+          <a:bodyPr/>
+          <a:lstStyle/>
+          <a:p>
+            <a:fld id="{97920913-15AF-4DD2-9906-F569B6C1DCD9}" type="slidenum">
+              <a:rPr lang="de-CH" smtClean="0"/>
+              <a:t>7</a:t>
+            </a:fld>
+            <a:endParaRPr lang="de-CH"/>
+          </a:p>
+        </p:txBody>
+      </p:sp>
+    </p:spTree>
+    <p:extLst>
+      <p:ext uri="{BB962C8B-B14F-4D97-AF65-F5344CB8AC3E}">
+        <p14:creationId xmlns:p14="http://schemas.microsoft.com/office/powerpoint/2010/main" val="488150108"/>
+      </p:ext>
+    </p:extLst>
+  </p:cSld>
+  <p:clrMapOvr>
+    <a:masterClrMapping/>
+  </p:clrMapOvr>
+</p:notes>
+</file>
+
+<file path=ppt/notesSlides/notesSlide7.xml><?xml version="1.0" encoding="utf-8"?>
+<p:notes xmlns:a="http://schemas.openxmlformats.org/drawingml/2006/main" xmlns:r="http://schemas.openxmlformats.org/officeDocument/2006/relationships" xmlns:p="http://schemas.openxmlformats.org/presentationml/2006/main">
+  <p:cSld>
+    <p:spTree>
+      <p:nvGrpSpPr>
+        <p:cNvPr id="1" name=""/>
+        <p:cNvGrpSpPr/>
+        <p:nvPr/>
+      </p:nvGrpSpPr>
+      <p:grpSpPr>
+        <a:xfrm>
+          <a:off x="0" y="0"/>
+          <a:ext cx="0" cy="0"/>
+          <a:chOff x="0" y="0"/>
+          <a:chExt cx="0" cy="0"/>
+        </a:xfrm>
+      </p:grpSpPr>
+      <p:sp>
+        <p:nvSpPr>
+          <p:cNvPr id="2" name="Folienbildplatzhalter 1"/>
+          <p:cNvSpPr>
+            <a:spLocks noGrp="1" noRot="1" noChangeAspect="1"/>
+          </p:cNvSpPr>
+          <p:nvPr>
+            <p:ph type="sldImg"/>
+          </p:nvPr>
+        </p:nvSpPr>
+        <p:spPr/>
+      </p:sp>
+      <p:sp>
+        <p:nvSpPr>
+          <p:cNvPr id="3" name="Notizenplatzhalter 2"/>
+          <p:cNvSpPr>
+            <a:spLocks noGrp="1"/>
+          </p:cNvSpPr>
+          <p:nvPr>
+            <p:ph type="body" idx="1"/>
+          </p:nvPr>
+        </p:nvSpPr>
+        <p:spPr/>
+        <p:txBody>
+          <a:bodyPr/>
+          <a:lstStyle/>
+          <a:p>
+            <a:r>
+              <a:rPr lang="de-DE" dirty="0"/>
+              <a:t>Sales ist durchaus abhängig von mehreren Variablen bzw. Features wie Income, Advertising, </a:t>
+            </a:r>
+            <a:r>
+              <a:rPr lang="de-DE" dirty="0" err="1"/>
+              <a:t>Shelveloc</a:t>
+            </a:r>
+            <a:r>
+              <a:rPr lang="de-DE" dirty="0"/>
+              <a:t>, Age und </a:t>
+            </a:r>
+            <a:r>
+              <a:rPr lang="de-DE" dirty="0" err="1"/>
+              <a:t>Diffprice</a:t>
+            </a:r>
+            <a:r>
+              <a:rPr lang="de-DE" dirty="0"/>
+              <a:t>. </a:t>
+            </a:r>
+          </a:p>
+          <a:p>
+            <a:r>
+              <a:rPr lang="de-DE" dirty="0"/>
+              <a:t>Dies erkennt man sehr gut am </a:t>
+            </a:r>
+            <a:r>
+              <a:rPr lang="de-DE" dirty="0" err="1"/>
+              <a:t>adjustet</a:t>
+            </a:r>
+            <a:r>
+              <a:rPr lang="de-DE" dirty="0"/>
+              <a:t> </a:t>
+            </a:r>
+            <a:r>
+              <a:rPr lang="de-DE" dirty="0" err="1"/>
+              <a:t>Bestimmtheitsmass</a:t>
+            </a:r>
+            <a:r>
+              <a:rPr lang="de-DE" dirty="0"/>
+              <a:t> von 0.8698.  Auch erfüllen die Residuen </a:t>
+            </a:r>
+            <a:endParaRPr lang="de-CH" dirty="0"/>
+          </a:p>
+        </p:txBody>
+      </p:sp>
+      <p:sp>
+        <p:nvSpPr>
+          <p:cNvPr id="4" name="Foliennummernplatzhalter 3"/>
+          <p:cNvSpPr>
+            <a:spLocks noGrp="1"/>
+          </p:cNvSpPr>
+          <p:nvPr>
+            <p:ph type="sldNum" sz="quarter" idx="5"/>
+          </p:nvPr>
+        </p:nvSpPr>
+        <p:spPr/>
+        <p:txBody>
+          <a:bodyPr/>
+          <a:lstStyle/>
+          <a:p>
+            <a:fld id="{97920913-15AF-4DD2-9906-F569B6C1DCD9}" type="slidenum">
+              <a:rPr lang="de-CH" smtClean="0"/>
+              <a:t>8</a:t>
+            </a:fld>
+            <a:endParaRPr lang="de-CH"/>
+          </a:p>
+        </p:txBody>
+      </p:sp>
+    </p:spTree>
+    <p:extLst>
+      <p:ext uri="{BB962C8B-B14F-4D97-AF65-F5344CB8AC3E}">
+        <p14:creationId xmlns:p14="http://schemas.microsoft.com/office/powerpoint/2010/main" val="2004207887"/>
+      </p:ext>
+    </p:extLst>
+  </p:cSld>
+  <p:clrMapOvr>
+    <a:masterClrMapping/>
+  </p:clrMapOvr>
+</p:notes>
+</file>
+
+<file path=ppt/notesSlides/notesSlide8.xml><?xml version="1.0" encoding="utf-8"?>
+<p:notes xmlns:a="http://schemas.openxmlformats.org/drawingml/2006/main" xmlns:r="http://schemas.openxmlformats.org/officeDocument/2006/relationships" xmlns:p="http://schemas.openxmlformats.org/presentationml/2006/main">
+  <p:cSld>
+    <p:spTree>
+      <p:nvGrpSpPr>
+        <p:cNvPr id="1" name=""/>
+        <p:cNvGrpSpPr/>
+        <p:nvPr/>
+      </p:nvGrpSpPr>
+      <p:grpSpPr>
+        <a:xfrm>
+          <a:off x="0" y="0"/>
+          <a:ext cx="0" cy="0"/>
+          <a:chOff x="0" y="0"/>
+          <a:chExt cx="0" cy="0"/>
+        </a:xfrm>
+      </p:grpSpPr>
+      <p:sp>
+        <p:nvSpPr>
+          <p:cNvPr id="2" name="Folienbildplatzhalter 1"/>
+          <p:cNvSpPr>
+            <a:spLocks noGrp="1" noRot="1" noChangeAspect="1"/>
+          </p:cNvSpPr>
+          <p:nvPr>
+            <p:ph type="sldImg"/>
+          </p:nvPr>
+        </p:nvSpPr>
+        <p:spPr/>
+      </p:sp>
+      <p:sp>
+        <p:nvSpPr>
+          <p:cNvPr id="3" name="Notizenplatzhalter 2"/>
+          <p:cNvSpPr>
+            <a:spLocks noGrp="1"/>
+          </p:cNvSpPr>
+          <p:nvPr>
+            <p:ph type="body" idx="1"/>
+          </p:nvPr>
+        </p:nvSpPr>
+        <p:spPr/>
+        <p:txBody>
+          <a:bodyPr/>
+          <a:lstStyle/>
+          <a:p>
+            <a:r>
+              <a:rPr lang="de-DE" dirty="0"/>
+              <a:t>Wir konnten aus der Gruppenarbeit unser Wissen in der linearen und multiplen linearen sowie logistische Regression in R erweitern.</a:t>
+            </a:r>
+          </a:p>
+          <a:p>
+            <a:r>
+              <a:rPr lang="de-DE" dirty="0"/>
+              <a:t>Auch haben wir Automatische </a:t>
+            </a:r>
+            <a:r>
+              <a:rPr lang="de-DE" dirty="0" err="1"/>
+              <a:t>Residuenanalyse</a:t>
+            </a:r>
+            <a:r>
+              <a:rPr lang="de-DE" dirty="0"/>
+              <a:t> durch R durchgeführt und konnten und konnten den Nebel in der </a:t>
+            </a:r>
+            <a:r>
+              <a:rPr lang="de-DE" dirty="0" err="1"/>
+              <a:t>Confusion</a:t>
+            </a:r>
+            <a:r>
+              <a:rPr lang="de-DE" dirty="0"/>
+              <a:t> Matrix</a:t>
+            </a:r>
+          </a:p>
+          <a:p>
+            <a:r>
+              <a:rPr lang="de-DE" dirty="0"/>
+              <a:t>Aufheben. Ebenfalls das </a:t>
+            </a:r>
+            <a:r>
+              <a:rPr lang="de-DE" dirty="0" err="1"/>
+              <a:t>Predicten</a:t>
+            </a:r>
+            <a:r>
+              <a:rPr lang="de-DE" dirty="0"/>
+              <a:t> von Target Werten mittels trainierten Modelle.</a:t>
+            </a:r>
+            <a:endParaRPr lang="de-CH" dirty="0"/>
+          </a:p>
+        </p:txBody>
+      </p:sp>
+      <p:sp>
+        <p:nvSpPr>
+          <p:cNvPr id="4" name="Foliennummernplatzhalter 3"/>
+          <p:cNvSpPr>
+            <a:spLocks noGrp="1"/>
+          </p:cNvSpPr>
+          <p:nvPr>
+            <p:ph type="sldNum" sz="quarter" idx="5"/>
+          </p:nvPr>
+        </p:nvSpPr>
+        <p:spPr/>
+        <p:txBody>
+          <a:bodyPr/>
+          <a:lstStyle/>
+          <a:p>
+            <a:fld id="{97920913-15AF-4DD2-9906-F569B6C1DCD9}" type="slidenum">
+              <a:rPr lang="de-CH" smtClean="0"/>
+              <a:t>9</a:t>
+            </a:fld>
+            <a:endParaRPr lang="de-CH"/>
+          </a:p>
+        </p:txBody>
+      </p:sp>
+    </p:spTree>
+    <p:extLst>
+      <p:ext uri="{BB962C8B-B14F-4D97-AF65-F5344CB8AC3E}">
+        <p14:creationId xmlns:p14="http://schemas.microsoft.com/office/powerpoint/2010/main" val="1487110917"/>
+      </p:ext>
+    </p:extLst>
+  </p:cSld>
+  <p:clrMapOvr>
+    <a:masterClrMapping/>
+  </p:clrMapOvr>
+</p:notes>
+</file>
+
+<file path=ppt/notesSlides/notesSlide9.xml><?xml version="1.0" encoding="utf-8"?>
+<p:notes xmlns:a="http://schemas.openxmlformats.org/drawingml/2006/main" xmlns:r="http://schemas.openxmlformats.org/officeDocument/2006/relationships" xmlns:p="http://schemas.openxmlformats.org/presentationml/2006/main">
+  <p:cSld>
+    <p:spTree>
+      <p:nvGrpSpPr>
+        <p:cNvPr id="1" name=""/>
+        <p:cNvGrpSpPr/>
+        <p:nvPr/>
+      </p:nvGrpSpPr>
+      <p:grpSpPr>
+        <a:xfrm>
+          <a:off x="0" y="0"/>
+          <a:ext cx="0" cy="0"/>
+          <a:chOff x="0" y="0"/>
+          <a:chExt cx="0" cy="0"/>
+        </a:xfrm>
+      </p:grpSpPr>
+      <p:sp>
+        <p:nvSpPr>
+          <p:cNvPr id="2" name="Folienbildplatzhalter 1"/>
+          <p:cNvSpPr>
+            <a:spLocks noGrp="1" noRot="1" noChangeAspect="1"/>
+          </p:cNvSpPr>
+          <p:nvPr>
+            <p:ph type="sldImg"/>
+          </p:nvPr>
+        </p:nvSpPr>
+        <p:spPr/>
+      </p:sp>
+      <p:sp>
+        <p:nvSpPr>
+          <p:cNvPr id="3" name="Notizenplatzhalter 2"/>
+          <p:cNvSpPr>
+            <a:spLocks noGrp="1"/>
+          </p:cNvSpPr>
+          <p:nvPr>
+            <p:ph type="body" idx="1"/>
+          </p:nvPr>
+        </p:nvSpPr>
+        <p:spPr/>
+        <p:txBody>
+          <a:bodyPr/>
+          <a:lstStyle/>
+          <a:p>
+            <a:r>
+              <a:rPr lang="de-DE" dirty="0"/>
+              <a:t>Vielen Dank für eure Aufmerksamkeit, gibt es Fragen von eurer Seite?</a:t>
+            </a:r>
+            <a:endParaRPr lang="de-CH" dirty="0"/>
+          </a:p>
+        </p:txBody>
+      </p:sp>
+      <p:sp>
+        <p:nvSpPr>
+          <p:cNvPr id="4" name="Foliennummernplatzhalter 3"/>
+          <p:cNvSpPr>
+            <a:spLocks noGrp="1"/>
+          </p:cNvSpPr>
+          <p:nvPr>
+            <p:ph type="sldNum" sz="quarter" idx="5"/>
+          </p:nvPr>
+        </p:nvSpPr>
+        <p:spPr/>
+        <p:txBody>
+          <a:bodyPr/>
+          <a:lstStyle/>
+          <a:p>
+            <a:fld id="{97920913-15AF-4DD2-9906-F569B6C1DCD9}" type="slidenum">
+              <a:rPr lang="de-CH" smtClean="0"/>
+              <a:t>10</a:t>
+            </a:fld>
+            <a:endParaRPr lang="de-CH"/>
+          </a:p>
+        </p:txBody>
+      </p:sp>
+    </p:spTree>
+    <p:extLst>
+      <p:ext uri="{BB962C8B-B14F-4D97-AF65-F5344CB8AC3E}">
+        <p14:creationId xmlns:p14="http://schemas.microsoft.com/office/powerpoint/2010/main" val="38465278"/>
       </p:ext>
     </p:extLst>
   </p:cSld>
@@ -16906,6 +17690,3840 @@
 </p:sld>
 </file>
 
+<file path=ppt/slides/slide10.xml><?xml version="1.0" encoding="utf-8"?>
+<p:sld xmlns:a="http://schemas.openxmlformats.org/drawingml/2006/main" xmlns:r="http://schemas.openxmlformats.org/officeDocument/2006/relationships" xmlns:p="http://schemas.openxmlformats.org/presentationml/2006/main">
+  <p:cSld>
+    <p:bg>
+      <p:bgPr>
+        <a:solidFill>
+          <a:schemeClr val="bg1"/>
+        </a:solidFill>
+        <a:effectLst/>
+      </p:bgPr>
+    </p:bg>
+    <p:spTree>
+      <p:nvGrpSpPr>
+        <p:cNvPr id="1" name=""/>
+        <p:cNvGrpSpPr/>
+        <p:nvPr/>
+      </p:nvGrpSpPr>
+      <p:grpSpPr>
+        <a:xfrm>
+          <a:off x="0" y="0"/>
+          <a:ext cx="0" cy="0"/>
+          <a:chOff x="0" y="0"/>
+          <a:chExt cx="0" cy="0"/>
+        </a:xfrm>
+      </p:grpSpPr>
+      <p:grpSp>
+        <p:nvGrpSpPr>
+          <p:cNvPr id="11" name="Group 10">
+            <a:extLst>
+              <a:ext uri="{FF2B5EF4-FFF2-40B4-BE49-F238E27FC236}">
+                <a16:creationId xmlns:a16="http://schemas.microsoft.com/office/drawing/2014/main" id="{748618E9-EE2D-4864-9EEE-58939BD4FBBA}"/>
+              </a:ext>
+              <a:ext uri="{C183D7F6-B498-43B3-948B-1728B52AA6E4}">
+                <adec:decorative xmlns:adec="http://schemas.microsoft.com/office/drawing/2017/decorative" val="1"/>
+              </a:ext>
+            </a:extLst>
+          </p:cNvPr>
+          <p:cNvGrpSpPr>
+            <a:grpSpLocks noGrp="1" noUngrp="1" noRot="1" noChangeAspect="1" noMove="1" noResize="1"/>
+          </p:cNvGrpSpPr>
+          <p:nvPr>
+            <p:extLst>
+              <p:ext uri="{386F3935-93C4-4BCD-93E2-E3B085C9AB24}">
+                <p16:designElem xmlns:p16="http://schemas.microsoft.com/office/powerpoint/2015/main" val="1"/>
+              </p:ext>
+            </p:extLst>
+          </p:nvPr>
+        </p:nvGrpSpPr>
+        <p:grpSpPr>
+          <a:xfrm>
+            <a:off x="-6214" y="-1"/>
+            <a:ext cx="12214827" cy="6858000"/>
+            <a:chOff x="-6214" y="-1"/>
+            <a:chExt cx="12214827" cy="6858000"/>
+          </a:xfrm>
+        </p:grpSpPr>
+        <p:cxnSp>
+          <p:nvCxnSpPr>
+            <p:cNvPr id="12" name="Straight Connector 11">
+              <a:extLst>
+                <a:ext uri="{FF2B5EF4-FFF2-40B4-BE49-F238E27FC236}">
+                  <a16:creationId xmlns:a16="http://schemas.microsoft.com/office/drawing/2014/main" id="{317D1EC0-23FF-4FC8-B22D-E34878EAA4CC}"/>
+                </a:ext>
+                <a:ext uri="{C183D7F6-B498-43B3-948B-1728B52AA6E4}">
+                  <adec:decorative xmlns:adec="http://schemas.microsoft.com/office/drawing/2017/decorative" val="1"/>
+                </a:ext>
+              </a:extLst>
+            </p:cNvPr>
+            <p:cNvCxnSpPr>
+              <a:cxnSpLocks/>
+            </p:cNvCxnSpPr>
+            <p:nvPr>
+              <p:extLst>
+                <p:ext uri="{386F3935-93C4-4BCD-93E2-E3B085C9AB24}">
+                  <p16:designElem xmlns:p16="http://schemas.microsoft.com/office/powerpoint/2015/main" val="1"/>
+                </p:ext>
+              </p:extLst>
+            </p:nvPr>
+          </p:nvCxnSpPr>
+          <p:spPr>
+            <a:xfrm>
+              <a:off x="-6214" y="6686283"/>
+              <a:ext cx="12192000" cy="0"/>
+            </a:xfrm>
+            <a:prstGeom prst="line">
+              <a:avLst/>
+            </a:prstGeom>
+            <a:ln w="12700">
+              <a:solidFill>
+                <a:srgbClr val="BCBCBC">
+                  <a:alpha val="29804"/>
+                </a:srgbClr>
+              </a:solidFill>
+              <a:prstDash val="sysDot"/>
+            </a:ln>
+          </p:spPr>
+          <p:style>
+            <a:lnRef idx="1">
+              <a:schemeClr val="accent1"/>
+            </a:lnRef>
+            <a:fillRef idx="0">
+              <a:schemeClr val="accent1"/>
+            </a:fillRef>
+            <a:effectRef idx="0">
+              <a:schemeClr val="accent1"/>
+            </a:effectRef>
+            <a:fontRef idx="minor">
+              <a:schemeClr val="tx1"/>
+            </a:fontRef>
+          </p:style>
+        </p:cxnSp>
+        <p:cxnSp>
+          <p:nvCxnSpPr>
+            <p:cNvPr id="13" name="Straight Connector 12">
+              <a:extLst>
+                <a:ext uri="{FF2B5EF4-FFF2-40B4-BE49-F238E27FC236}">
+                  <a16:creationId xmlns:a16="http://schemas.microsoft.com/office/drawing/2014/main" id="{5AB929A7-258C-4469-AAB4-A67D713F7A80}"/>
+                </a:ext>
+                <a:ext uri="{C183D7F6-B498-43B3-948B-1728B52AA6E4}">
+                  <adec:decorative xmlns:adec="http://schemas.microsoft.com/office/drawing/2017/decorative" val="1"/>
+                </a:ext>
+              </a:extLst>
+            </p:cNvPr>
+            <p:cNvCxnSpPr>
+              <a:cxnSpLocks/>
+            </p:cNvCxnSpPr>
+            <p:nvPr>
+              <p:extLst>
+                <p:ext uri="{386F3935-93C4-4BCD-93E2-E3B085C9AB24}">
+                  <p16:designElem xmlns:p16="http://schemas.microsoft.com/office/powerpoint/2015/main" val="1"/>
+                </p:ext>
+              </p:extLst>
+            </p:nvPr>
+          </p:nvCxnSpPr>
+          <p:spPr>
+            <a:xfrm>
+              <a:off x="0" y="-1"/>
+              <a:ext cx="0" cy="6858000"/>
+            </a:xfrm>
+            <a:prstGeom prst="line">
+              <a:avLst/>
+            </a:prstGeom>
+            <a:ln w="12700">
+              <a:solidFill>
+                <a:srgbClr val="BCBCBC">
+                  <a:alpha val="29804"/>
+                </a:srgbClr>
+              </a:solidFill>
+              <a:prstDash val="sysDot"/>
+            </a:ln>
+          </p:spPr>
+          <p:style>
+            <a:lnRef idx="1">
+              <a:schemeClr val="accent1"/>
+            </a:lnRef>
+            <a:fillRef idx="0">
+              <a:schemeClr val="accent1"/>
+            </a:fillRef>
+            <a:effectRef idx="0">
+              <a:schemeClr val="accent1"/>
+            </a:effectRef>
+            <a:fontRef idx="minor">
+              <a:schemeClr val="tx1"/>
+            </a:fontRef>
+          </p:style>
+        </p:cxnSp>
+        <p:cxnSp>
+          <p:nvCxnSpPr>
+            <p:cNvPr id="14" name="Straight Connector 13">
+              <a:extLst>
+                <a:ext uri="{FF2B5EF4-FFF2-40B4-BE49-F238E27FC236}">
+                  <a16:creationId xmlns:a16="http://schemas.microsoft.com/office/drawing/2014/main" id="{DA635CDB-2D00-49D5-B26E-0694A25000C7}"/>
+                </a:ext>
+                <a:ext uri="{C183D7F6-B498-43B3-948B-1728B52AA6E4}">
+                  <adec:decorative xmlns:adec="http://schemas.microsoft.com/office/drawing/2017/decorative" val="1"/>
+                </a:ext>
+              </a:extLst>
+            </p:cNvPr>
+            <p:cNvCxnSpPr>
+              <a:cxnSpLocks/>
+            </p:cNvCxnSpPr>
+            <p:nvPr>
+              <p:extLst>
+                <p:ext uri="{386F3935-93C4-4BCD-93E2-E3B085C9AB24}">
+                  <p16:designElem xmlns:p16="http://schemas.microsoft.com/office/powerpoint/2015/main" val="1"/>
+                </p:ext>
+              </p:extLst>
+            </p:nvPr>
+          </p:nvCxnSpPr>
+          <p:spPr>
+            <a:xfrm>
+              <a:off x="11993258" y="-1"/>
+              <a:ext cx="0" cy="6858000"/>
+            </a:xfrm>
+            <a:prstGeom prst="line">
+              <a:avLst/>
+            </a:prstGeom>
+            <a:ln w="12700">
+              <a:solidFill>
+                <a:srgbClr val="BCBCBC">
+                  <a:alpha val="29804"/>
+                </a:srgbClr>
+              </a:solidFill>
+              <a:prstDash val="sysDot"/>
+            </a:ln>
+          </p:spPr>
+          <p:style>
+            <a:lnRef idx="1">
+              <a:schemeClr val="accent1"/>
+            </a:lnRef>
+            <a:fillRef idx="0">
+              <a:schemeClr val="accent1"/>
+            </a:fillRef>
+            <a:effectRef idx="0">
+              <a:schemeClr val="accent1"/>
+            </a:effectRef>
+            <a:fontRef idx="minor">
+              <a:schemeClr val="tx1"/>
+            </a:fontRef>
+          </p:style>
+        </p:cxnSp>
+        <p:cxnSp>
+          <p:nvCxnSpPr>
+            <p:cNvPr id="15" name="Straight Connector 14">
+              <a:extLst>
+                <a:ext uri="{FF2B5EF4-FFF2-40B4-BE49-F238E27FC236}">
+                  <a16:creationId xmlns:a16="http://schemas.microsoft.com/office/drawing/2014/main" id="{B4288D7A-F857-418D-92F2-368E841B9F27}"/>
+                </a:ext>
+                <a:ext uri="{C183D7F6-B498-43B3-948B-1728B52AA6E4}">
+                  <adec:decorative xmlns:adec="http://schemas.microsoft.com/office/drawing/2017/decorative" val="1"/>
+                </a:ext>
+              </a:extLst>
+            </p:cNvPr>
+            <p:cNvCxnSpPr>
+              <a:cxnSpLocks/>
+            </p:cNvCxnSpPr>
+            <p:nvPr>
+              <p:extLst>
+                <p:ext uri="{386F3935-93C4-4BCD-93E2-E3B085C9AB24}">
+                  <p16:designElem xmlns:p16="http://schemas.microsoft.com/office/powerpoint/2015/main" val="1"/>
+                </p:ext>
+              </p:extLst>
+            </p:nvPr>
+          </p:nvCxnSpPr>
+          <p:spPr>
+            <a:xfrm>
+              <a:off x="192528" y="-1"/>
+              <a:ext cx="0" cy="6858000"/>
+            </a:xfrm>
+            <a:prstGeom prst="line">
+              <a:avLst/>
+            </a:prstGeom>
+            <a:ln w="12700">
+              <a:solidFill>
+                <a:srgbClr val="BCBCBC">
+                  <a:alpha val="29804"/>
+                </a:srgbClr>
+              </a:solidFill>
+              <a:prstDash val="sysDot"/>
+            </a:ln>
+          </p:spPr>
+          <p:style>
+            <a:lnRef idx="1">
+              <a:schemeClr val="accent1"/>
+            </a:lnRef>
+            <a:fillRef idx="0">
+              <a:schemeClr val="accent1"/>
+            </a:fillRef>
+            <a:effectRef idx="0">
+              <a:schemeClr val="accent1"/>
+            </a:effectRef>
+            <a:fontRef idx="minor">
+              <a:schemeClr val="tx1"/>
+            </a:fontRef>
+          </p:style>
+        </p:cxnSp>
+        <p:cxnSp>
+          <p:nvCxnSpPr>
+            <p:cNvPr id="16" name="Straight Connector 15">
+              <a:extLst>
+                <a:ext uri="{FF2B5EF4-FFF2-40B4-BE49-F238E27FC236}">
+                  <a16:creationId xmlns:a16="http://schemas.microsoft.com/office/drawing/2014/main" id="{F1084F50-7F3C-4A4A-877E-FFD9EC7CD88B}"/>
+                </a:ext>
+                <a:ext uri="{C183D7F6-B498-43B3-948B-1728B52AA6E4}">
+                  <adec:decorative xmlns:adec="http://schemas.microsoft.com/office/drawing/2017/decorative" val="1"/>
+                </a:ext>
+              </a:extLst>
+            </p:cNvPr>
+            <p:cNvCxnSpPr>
+              <a:cxnSpLocks/>
+            </p:cNvCxnSpPr>
+            <p:nvPr>
+              <p:extLst>
+                <p:ext uri="{386F3935-93C4-4BCD-93E2-E3B085C9AB24}">
+                  <p16:designElem xmlns:p16="http://schemas.microsoft.com/office/powerpoint/2015/main" val="1"/>
+                </p:ext>
+              </p:extLst>
+            </p:nvPr>
+          </p:nvCxnSpPr>
+          <p:spPr>
+            <a:xfrm>
+              <a:off x="1175922" y="-1"/>
+              <a:ext cx="0" cy="6858000"/>
+            </a:xfrm>
+            <a:prstGeom prst="line">
+              <a:avLst/>
+            </a:prstGeom>
+            <a:ln w="12700">
+              <a:solidFill>
+                <a:srgbClr val="BCBCBC">
+                  <a:alpha val="29804"/>
+                </a:srgbClr>
+              </a:solidFill>
+              <a:prstDash val="sysDot"/>
+            </a:ln>
+          </p:spPr>
+          <p:style>
+            <a:lnRef idx="1">
+              <a:schemeClr val="accent1"/>
+            </a:lnRef>
+            <a:fillRef idx="0">
+              <a:schemeClr val="accent1"/>
+            </a:fillRef>
+            <a:effectRef idx="0">
+              <a:schemeClr val="accent1"/>
+            </a:effectRef>
+            <a:fontRef idx="minor">
+              <a:schemeClr val="tx1"/>
+            </a:fontRef>
+          </p:style>
+        </p:cxnSp>
+        <p:cxnSp>
+          <p:nvCxnSpPr>
+            <p:cNvPr id="17" name="Straight Connector 16">
+              <a:extLst>
+                <a:ext uri="{FF2B5EF4-FFF2-40B4-BE49-F238E27FC236}">
+                  <a16:creationId xmlns:a16="http://schemas.microsoft.com/office/drawing/2014/main" id="{331E64C1-F4C0-4A94-B319-BB1A0A2450B5}"/>
+                </a:ext>
+                <a:ext uri="{C183D7F6-B498-43B3-948B-1728B52AA6E4}">
+                  <adec:decorative xmlns:adec="http://schemas.microsoft.com/office/drawing/2017/decorative" val="1"/>
+                </a:ext>
+              </a:extLst>
+            </p:cNvPr>
+            <p:cNvCxnSpPr>
+              <a:cxnSpLocks/>
+            </p:cNvCxnSpPr>
+            <p:nvPr>
+              <p:extLst>
+                <p:ext uri="{386F3935-93C4-4BCD-93E2-E3B085C9AB24}">
+                  <p16:designElem xmlns:p16="http://schemas.microsoft.com/office/powerpoint/2015/main" val="1"/>
+                </p:ext>
+              </p:extLst>
+            </p:nvPr>
+          </p:nvCxnSpPr>
+          <p:spPr>
+            <a:xfrm>
+              <a:off x="2159316" y="-1"/>
+              <a:ext cx="0" cy="6858000"/>
+            </a:xfrm>
+            <a:prstGeom prst="line">
+              <a:avLst/>
+            </a:prstGeom>
+            <a:ln w="12700">
+              <a:solidFill>
+                <a:srgbClr val="BCBCBC">
+                  <a:alpha val="29804"/>
+                </a:srgbClr>
+              </a:solidFill>
+              <a:prstDash val="sysDot"/>
+            </a:ln>
+          </p:spPr>
+          <p:style>
+            <a:lnRef idx="1">
+              <a:schemeClr val="accent1"/>
+            </a:lnRef>
+            <a:fillRef idx="0">
+              <a:schemeClr val="accent1"/>
+            </a:fillRef>
+            <a:effectRef idx="0">
+              <a:schemeClr val="accent1"/>
+            </a:effectRef>
+            <a:fontRef idx="minor">
+              <a:schemeClr val="tx1"/>
+            </a:fontRef>
+          </p:style>
+        </p:cxnSp>
+        <p:cxnSp>
+          <p:nvCxnSpPr>
+            <p:cNvPr id="18" name="Straight Connector 17">
+              <a:extLst>
+                <a:ext uri="{FF2B5EF4-FFF2-40B4-BE49-F238E27FC236}">
+                  <a16:creationId xmlns:a16="http://schemas.microsoft.com/office/drawing/2014/main" id="{363D8374-8052-417F-AB69-B97EAC43D513}"/>
+                </a:ext>
+                <a:ext uri="{C183D7F6-B498-43B3-948B-1728B52AA6E4}">
+                  <adec:decorative xmlns:adec="http://schemas.microsoft.com/office/drawing/2017/decorative" val="1"/>
+                </a:ext>
+              </a:extLst>
+            </p:cNvPr>
+            <p:cNvCxnSpPr>
+              <a:cxnSpLocks/>
+            </p:cNvCxnSpPr>
+            <p:nvPr>
+              <p:extLst>
+                <p:ext uri="{386F3935-93C4-4BCD-93E2-E3B085C9AB24}">
+                  <p16:designElem xmlns:p16="http://schemas.microsoft.com/office/powerpoint/2015/main" val="1"/>
+                </p:ext>
+              </p:extLst>
+            </p:nvPr>
+          </p:nvCxnSpPr>
+          <p:spPr>
+            <a:xfrm>
+              <a:off x="3142710" y="-1"/>
+              <a:ext cx="0" cy="6858000"/>
+            </a:xfrm>
+            <a:prstGeom prst="line">
+              <a:avLst/>
+            </a:prstGeom>
+            <a:ln w="12700">
+              <a:solidFill>
+                <a:srgbClr val="BCBCBC">
+                  <a:alpha val="29804"/>
+                </a:srgbClr>
+              </a:solidFill>
+              <a:prstDash val="sysDot"/>
+            </a:ln>
+          </p:spPr>
+          <p:style>
+            <a:lnRef idx="1">
+              <a:schemeClr val="accent1"/>
+            </a:lnRef>
+            <a:fillRef idx="0">
+              <a:schemeClr val="accent1"/>
+            </a:fillRef>
+            <a:effectRef idx="0">
+              <a:schemeClr val="accent1"/>
+            </a:effectRef>
+            <a:fontRef idx="minor">
+              <a:schemeClr val="tx1"/>
+            </a:fontRef>
+          </p:style>
+        </p:cxnSp>
+        <p:cxnSp>
+          <p:nvCxnSpPr>
+            <p:cNvPr id="19" name="Straight Connector 18">
+              <a:extLst>
+                <a:ext uri="{FF2B5EF4-FFF2-40B4-BE49-F238E27FC236}">
+                  <a16:creationId xmlns:a16="http://schemas.microsoft.com/office/drawing/2014/main" id="{C7750734-4D51-4019-A003-38A3DE49B434}"/>
+                </a:ext>
+                <a:ext uri="{C183D7F6-B498-43B3-948B-1728B52AA6E4}">
+                  <adec:decorative xmlns:adec="http://schemas.microsoft.com/office/drawing/2017/decorative" val="1"/>
+                </a:ext>
+              </a:extLst>
+            </p:cNvPr>
+            <p:cNvCxnSpPr>
+              <a:cxnSpLocks/>
+            </p:cNvCxnSpPr>
+            <p:nvPr>
+              <p:extLst>
+                <p:ext uri="{386F3935-93C4-4BCD-93E2-E3B085C9AB24}">
+                  <p16:designElem xmlns:p16="http://schemas.microsoft.com/office/powerpoint/2015/main" val="1"/>
+                </p:ext>
+              </p:extLst>
+            </p:nvPr>
+          </p:nvCxnSpPr>
+          <p:spPr>
+            <a:xfrm>
+              <a:off x="4126104" y="-1"/>
+              <a:ext cx="0" cy="6858000"/>
+            </a:xfrm>
+            <a:prstGeom prst="line">
+              <a:avLst/>
+            </a:prstGeom>
+            <a:ln w="12700">
+              <a:solidFill>
+                <a:srgbClr val="BCBCBC">
+                  <a:alpha val="29804"/>
+                </a:srgbClr>
+              </a:solidFill>
+              <a:prstDash val="sysDot"/>
+            </a:ln>
+          </p:spPr>
+          <p:style>
+            <a:lnRef idx="1">
+              <a:schemeClr val="accent1"/>
+            </a:lnRef>
+            <a:fillRef idx="0">
+              <a:schemeClr val="accent1"/>
+            </a:fillRef>
+            <a:effectRef idx="0">
+              <a:schemeClr val="accent1"/>
+            </a:effectRef>
+            <a:fontRef idx="minor">
+              <a:schemeClr val="tx1"/>
+            </a:fontRef>
+          </p:style>
+        </p:cxnSp>
+        <p:cxnSp>
+          <p:nvCxnSpPr>
+            <p:cNvPr id="20" name="Straight Connector 19">
+              <a:extLst>
+                <a:ext uri="{FF2B5EF4-FFF2-40B4-BE49-F238E27FC236}">
+                  <a16:creationId xmlns:a16="http://schemas.microsoft.com/office/drawing/2014/main" id="{71B693D1-DBA2-4D3B-9B37-D9EE8C4112F4}"/>
+                </a:ext>
+                <a:ext uri="{C183D7F6-B498-43B3-948B-1728B52AA6E4}">
+                  <adec:decorative xmlns:adec="http://schemas.microsoft.com/office/drawing/2017/decorative" val="1"/>
+                </a:ext>
+              </a:extLst>
+            </p:cNvPr>
+            <p:cNvCxnSpPr>
+              <a:cxnSpLocks/>
+            </p:cNvCxnSpPr>
+            <p:nvPr>
+              <p:extLst>
+                <p:ext uri="{386F3935-93C4-4BCD-93E2-E3B085C9AB24}">
+                  <p16:designElem xmlns:p16="http://schemas.microsoft.com/office/powerpoint/2015/main" val="1"/>
+                </p:ext>
+              </p:extLst>
+            </p:nvPr>
+          </p:nvCxnSpPr>
+          <p:spPr>
+            <a:xfrm>
+              <a:off x="5109498" y="-1"/>
+              <a:ext cx="0" cy="6858000"/>
+            </a:xfrm>
+            <a:prstGeom prst="line">
+              <a:avLst/>
+            </a:prstGeom>
+            <a:ln w="12700">
+              <a:solidFill>
+                <a:srgbClr val="BCBCBC">
+                  <a:alpha val="29804"/>
+                </a:srgbClr>
+              </a:solidFill>
+              <a:prstDash val="sysDot"/>
+            </a:ln>
+          </p:spPr>
+          <p:style>
+            <a:lnRef idx="1">
+              <a:schemeClr val="accent1"/>
+            </a:lnRef>
+            <a:fillRef idx="0">
+              <a:schemeClr val="accent1"/>
+            </a:fillRef>
+            <a:effectRef idx="0">
+              <a:schemeClr val="accent1"/>
+            </a:effectRef>
+            <a:fontRef idx="minor">
+              <a:schemeClr val="tx1"/>
+            </a:fontRef>
+          </p:style>
+        </p:cxnSp>
+        <p:cxnSp>
+          <p:nvCxnSpPr>
+            <p:cNvPr id="21" name="Straight Connector 20">
+              <a:extLst>
+                <a:ext uri="{FF2B5EF4-FFF2-40B4-BE49-F238E27FC236}">
+                  <a16:creationId xmlns:a16="http://schemas.microsoft.com/office/drawing/2014/main" id="{1BCD3EA8-E4C0-4AF6-817F-F9F29157A499}"/>
+                </a:ext>
+                <a:ext uri="{C183D7F6-B498-43B3-948B-1728B52AA6E4}">
+                  <adec:decorative xmlns:adec="http://schemas.microsoft.com/office/drawing/2017/decorative" val="1"/>
+                </a:ext>
+              </a:extLst>
+            </p:cNvPr>
+            <p:cNvCxnSpPr>
+              <a:cxnSpLocks/>
+            </p:cNvCxnSpPr>
+            <p:nvPr>
+              <p:extLst>
+                <p:ext uri="{386F3935-93C4-4BCD-93E2-E3B085C9AB24}">
+                  <p16:designElem xmlns:p16="http://schemas.microsoft.com/office/powerpoint/2015/main" val="1"/>
+                </p:ext>
+              </p:extLst>
+            </p:nvPr>
+          </p:nvCxnSpPr>
+          <p:spPr>
+            <a:xfrm>
+              <a:off x="6092892" y="-1"/>
+              <a:ext cx="0" cy="6858000"/>
+            </a:xfrm>
+            <a:prstGeom prst="line">
+              <a:avLst/>
+            </a:prstGeom>
+            <a:ln w="12700">
+              <a:solidFill>
+                <a:srgbClr val="BCBCBC">
+                  <a:alpha val="29804"/>
+                </a:srgbClr>
+              </a:solidFill>
+              <a:prstDash val="sysDot"/>
+            </a:ln>
+          </p:spPr>
+          <p:style>
+            <a:lnRef idx="1">
+              <a:schemeClr val="accent1"/>
+            </a:lnRef>
+            <a:fillRef idx="0">
+              <a:schemeClr val="accent1"/>
+            </a:fillRef>
+            <a:effectRef idx="0">
+              <a:schemeClr val="accent1"/>
+            </a:effectRef>
+            <a:fontRef idx="minor">
+              <a:schemeClr val="tx1"/>
+            </a:fontRef>
+          </p:style>
+        </p:cxnSp>
+        <p:cxnSp>
+          <p:nvCxnSpPr>
+            <p:cNvPr id="22" name="Straight Connector 21">
+              <a:extLst>
+                <a:ext uri="{FF2B5EF4-FFF2-40B4-BE49-F238E27FC236}">
+                  <a16:creationId xmlns:a16="http://schemas.microsoft.com/office/drawing/2014/main" id="{7A170FB3-B397-4AC9-85FD-65388F26D90A}"/>
+                </a:ext>
+                <a:ext uri="{C183D7F6-B498-43B3-948B-1728B52AA6E4}">
+                  <adec:decorative xmlns:adec="http://schemas.microsoft.com/office/drawing/2017/decorative" val="1"/>
+                </a:ext>
+              </a:extLst>
+            </p:cNvPr>
+            <p:cNvCxnSpPr>
+              <a:cxnSpLocks/>
+            </p:cNvCxnSpPr>
+            <p:nvPr>
+              <p:extLst>
+                <p:ext uri="{386F3935-93C4-4BCD-93E2-E3B085C9AB24}">
+                  <p16:designElem xmlns:p16="http://schemas.microsoft.com/office/powerpoint/2015/main" val="1"/>
+                </p:ext>
+              </p:extLst>
+            </p:nvPr>
+          </p:nvCxnSpPr>
+          <p:spPr>
+            <a:xfrm>
+              <a:off x="7076286" y="-1"/>
+              <a:ext cx="0" cy="6858000"/>
+            </a:xfrm>
+            <a:prstGeom prst="line">
+              <a:avLst/>
+            </a:prstGeom>
+            <a:ln w="12700">
+              <a:solidFill>
+                <a:srgbClr val="BCBCBC">
+                  <a:alpha val="29804"/>
+                </a:srgbClr>
+              </a:solidFill>
+              <a:prstDash val="sysDot"/>
+            </a:ln>
+          </p:spPr>
+          <p:style>
+            <a:lnRef idx="1">
+              <a:schemeClr val="accent1"/>
+            </a:lnRef>
+            <a:fillRef idx="0">
+              <a:schemeClr val="accent1"/>
+            </a:fillRef>
+            <a:effectRef idx="0">
+              <a:schemeClr val="accent1"/>
+            </a:effectRef>
+            <a:fontRef idx="minor">
+              <a:schemeClr val="tx1"/>
+            </a:fontRef>
+          </p:style>
+        </p:cxnSp>
+        <p:cxnSp>
+          <p:nvCxnSpPr>
+            <p:cNvPr id="23" name="Straight Connector 22">
+              <a:extLst>
+                <a:ext uri="{FF2B5EF4-FFF2-40B4-BE49-F238E27FC236}">
+                  <a16:creationId xmlns:a16="http://schemas.microsoft.com/office/drawing/2014/main" id="{BE5EC0B9-49C7-4777-AEC5-B5EF8DE40498}"/>
+                </a:ext>
+                <a:ext uri="{C183D7F6-B498-43B3-948B-1728B52AA6E4}">
+                  <adec:decorative xmlns:adec="http://schemas.microsoft.com/office/drawing/2017/decorative" val="1"/>
+                </a:ext>
+              </a:extLst>
+            </p:cNvPr>
+            <p:cNvCxnSpPr>
+              <a:cxnSpLocks/>
+            </p:cNvCxnSpPr>
+            <p:nvPr>
+              <p:extLst>
+                <p:ext uri="{386F3935-93C4-4BCD-93E2-E3B085C9AB24}">
+                  <p16:designElem xmlns:p16="http://schemas.microsoft.com/office/powerpoint/2015/main" val="1"/>
+                </p:ext>
+              </p:extLst>
+            </p:nvPr>
+          </p:nvCxnSpPr>
+          <p:spPr>
+            <a:xfrm>
+              <a:off x="8059680" y="-1"/>
+              <a:ext cx="0" cy="6858000"/>
+            </a:xfrm>
+            <a:prstGeom prst="line">
+              <a:avLst/>
+            </a:prstGeom>
+            <a:ln w="12700">
+              <a:solidFill>
+                <a:srgbClr val="BCBCBC">
+                  <a:alpha val="29804"/>
+                </a:srgbClr>
+              </a:solidFill>
+              <a:prstDash val="sysDot"/>
+            </a:ln>
+          </p:spPr>
+          <p:style>
+            <a:lnRef idx="1">
+              <a:schemeClr val="accent1"/>
+            </a:lnRef>
+            <a:fillRef idx="0">
+              <a:schemeClr val="accent1"/>
+            </a:fillRef>
+            <a:effectRef idx="0">
+              <a:schemeClr val="accent1"/>
+            </a:effectRef>
+            <a:fontRef idx="minor">
+              <a:schemeClr val="tx1"/>
+            </a:fontRef>
+          </p:style>
+        </p:cxnSp>
+        <p:cxnSp>
+          <p:nvCxnSpPr>
+            <p:cNvPr id="24" name="Straight Connector 23">
+              <a:extLst>
+                <a:ext uri="{FF2B5EF4-FFF2-40B4-BE49-F238E27FC236}">
+                  <a16:creationId xmlns:a16="http://schemas.microsoft.com/office/drawing/2014/main" id="{7902048B-30F7-4434-87A5-140F9BB4BEB1}"/>
+                </a:ext>
+                <a:ext uri="{C183D7F6-B498-43B3-948B-1728B52AA6E4}">
+                  <adec:decorative xmlns:adec="http://schemas.microsoft.com/office/drawing/2017/decorative" val="1"/>
+                </a:ext>
+              </a:extLst>
+            </p:cNvPr>
+            <p:cNvCxnSpPr>
+              <a:cxnSpLocks/>
+            </p:cNvCxnSpPr>
+            <p:nvPr>
+              <p:extLst>
+                <p:ext uri="{386F3935-93C4-4BCD-93E2-E3B085C9AB24}">
+                  <p16:designElem xmlns:p16="http://schemas.microsoft.com/office/powerpoint/2015/main" val="1"/>
+                </p:ext>
+              </p:extLst>
+            </p:nvPr>
+          </p:nvCxnSpPr>
+          <p:spPr>
+            <a:xfrm>
+              <a:off x="9043074" y="-1"/>
+              <a:ext cx="0" cy="6858000"/>
+            </a:xfrm>
+            <a:prstGeom prst="line">
+              <a:avLst/>
+            </a:prstGeom>
+            <a:ln w="12700">
+              <a:solidFill>
+                <a:srgbClr val="BCBCBC">
+                  <a:alpha val="29804"/>
+                </a:srgbClr>
+              </a:solidFill>
+              <a:prstDash val="sysDot"/>
+            </a:ln>
+          </p:spPr>
+          <p:style>
+            <a:lnRef idx="1">
+              <a:schemeClr val="accent1"/>
+            </a:lnRef>
+            <a:fillRef idx="0">
+              <a:schemeClr val="accent1"/>
+            </a:fillRef>
+            <a:effectRef idx="0">
+              <a:schemeClr val="accent1"/>
+            </a:effectRef>
+            <a:fontRef idx="minor">
+              <a:schemeClr val="tx1"/>
+            </a:fontRef>
+          </p:style>
+        </p:cxnSp>
+        <p:cxnSp>
+          <p:nvCxnSpPr>
+            <p:cNvPr id="25" name="Straight Connector 24">
+              <a:extLst>
+                <a:ext uri="{FF2B5EF4-FFF2-40B4-BE49-F238E27FC236}">
+                  <a16:creationId xmlns:a16="http://schemas.microsoft.com/office/drawing/2014/main" id="{0500A6E2-A41C-4751-8A4E-9A0C5718D930}"/>
+                </a:ext>
+                <a:ext uri="{C183D7F6-B498-43B3-948B-1728B52AA6E4}">
+                  <adec:decorative xmlns:adec="http://schemas.microsoft.com/office/drawing/2017/decorative" val="1"/>
+                </a:ext>
+              </a:extLst>
+            </p:cNvPr>
+            <p:cNvCxnSpPr>
+              <a:cxnSpLocks/>
+            </p:cNvCxnSpPr>
+            <p:nvPr>
+              <p:extLst>
+                <p:ext uri="{386F3935-93C4-4BCD-93E2-E3B085C9AB24}">
+                  <p16:designElem xmlns:p16="http://schemas.microsoft.com/office/powerpoint/2015/main" val="1"/>
+                </p:ext>
+              </p:extLst>
+            </p:nvPr>
+          </p:nvCxnSpPr>
+          <p:spPr>
+            <a:xfrm>
+              <a:off x="10026468" y="-1"/>
+              <a:ext cx="0" cy="6858000"/>
+            </a:xfrm>
+            <a:prstGeom prst="line">
+              <a:avLst/>
+            </a:prstGeom>
+            <a:ln w="12700">
+              <a:solidFill>
+                <a:srgbClr val="BCBCBC">
+                  <a:alpha val="29804"/>
+                </a:srgbClr>
+              </a:solidFill>
+              <a:prstDash val="sysDot"/>
+            </a:ln>
+          </p:spPr>
+          <p:style>
+            <a:lnRef idx="1">
+              <a:schemeClr val="accent1"/>
+            </a:lnRef>
+            <a:fillRef idx="0">
+              <a:schemeClr val="accent1"/>
+            </a:fillRef>
+            <a:effectRef idx="0">
+              <a:schemeClr val="accent1"/>
+            </a:effectRef>
+            <a:fontRef idx="minor">
+              <a:schemeClr val="tx1"/>
+            </a:fontRef>
+          </p:style>
+        </p:cxnSp>
+        <p:cxnSp>
+          <p:nvCxnSpPr>
+            <p:cNvPr id="26" name="Straight Connector 25">
+              <a:extLst>
+                <a:ext uri="{FF2B5EF4-FFF2-40B4-BE49-F238E27FC236}">
+                  <a16:creationId xmlns:a16="http://schemas.microsoft.com/office/drawing/2014/main" id="{FC259517-7BE7-45F9-81C0-3A6362BF143C}"/>
+                </a:ext>
+                <a:ext uri="{C183D7F6-B498-43B3-948B-1728B52AA6E4}">
+                  <adec:decorative xmlns:adec="http://schemas.microsoft.com/office/drawing/2017/decorative" val="1"/>
+                </a:ext>
+              </a:extLst>
+            </p:cNvPr>
+            <p:cNvCxnSpPr>
+              <a:cxnSpLocks/>
+            </p:cNvCxnSpPr>
+            <p:nvPr>
+              <p:extLst>
+                <p:ext uri="{386F3935-93C4-4BCD-93E2-E3B085C9AB24}">
+                  <p16:designElem xmlns:p16="http://schemas.microsoft.com/office/powerpoint/2015/main" val="1"/>
+                </p:ext>
+              </p:extLst>
+            </p:nvPr>
+          </p:nvCxnSpPr>
+          <p:spPr>
+            <a:xfrm>
+              <a:off x="11009862" y="-1"/>
+              <a:ext cx="0" cy="6858000"/>
+            </a:xfrm>
+            <a:prstGeom prst="line">
+              <a:avLst/>
+            </a:prstGeom>
+            <a:ln w="12700">
+              <a:solidFill>
+                <a:srgbClr val="BCBCBC">
+                  <a:alpha val="29804"/>
+                </a:srgbClr>
+              </a:solidFill>
+              <a:prstDash val="sysDot"/>
+            </a:ln>
+          </p:spPr>
+          <p:style>
+            <a:lnRef idx="1">
+              <a:schemeClr val="accent1"/>
+            </a:lnRef>
+            <a:fillRef idx="0">
+              <a:schemeClr val="accent1"/>
+            </a:fillRef>
+            <a:effectRef idx="0">
+              <a:schemeClr val="accent1"/>
+            </a:effectRef>
+            <a:fontRef idx="minor">
+              <a:schemeClr val="tx1"/>
+            </a:fontRef>
+          </p:style>
+        </p:cxnSp>
+        <p:cxnSp>
+          <p:nvCxnSpPr>
+            <p:cNvPr id="27" name="Straight Connector 26">
+              <a:extLst>
+                <a:ext uri="{FF2B5EF4-FFF2-40B4-BE49-F238E27FC236}">
+                  <a16:creationId xmlns:a16="http://schemas.microsoft.com/office/drawing/2014/main" id="{90652F56-7B71-42B2-AB68-22204A6DF177}"/>
+                </a:ext>
+                <a:ext uri="{C183D7F6-B498-43B3-948B-1728B52AA6E4}">
+                  <adec:decorative xmlns:adec="http://schemas.microsoft.com/office/drawing/2017/decorative" val="1"/>
+                </a:ext>
+              </a:extLst>
+            </p:cNvPr>
+            <p:cNvCxnSpPr>
+              <a:cxnSpLocks/>
+            </p:cNvCxnSpPr>
+            <p:nvPr>
+              <p:extLst>
+                <p:ext uri="{386F3935-93C4-4BCD-93E2-E3B085C9AB24}">
+                  <p16:designElem xmlns:p16="http://schemas.microsoft.com/office/powerpoint/2015/main" val="1"/>
+                </p:ext>
+              </p:extLst>
+            </p:nvPr>
+          </p:nvCxnSpPr>
+          <p:spPr>
+            <a:xfrm>
+              <a:off x="12185786" y="-1"/>
+              <a:ext cx="0" cy="6858000"/>
+            </a:xfrm>
+            <a:prstGeom prst="line">
+              <a:avLst/>
+            </a:prstGeom>
+            <a:ln w="12700">
+              <a:solidFill>
+                <a:srgbClr val="BCBCBC">
+                  <a:alpha val="29804"/>
+                </a:srgbClr>
+              </a:solidFill>
+              <a:prstDash val="sysDot"/>
+            </a:ln>
+          </p:spPr>
+          <p:style>
+            <a:lnRef idx="1">
+              <a:schemeClr val="accent1"/>
+            </a:lnRef>
+            <a:fillRef idx="0">
+              <a:schemeClr val="accent1"/>
+            </a:fillRef>
+            <a:effectRef idx="0">
+              <a:schemeClr val="accent1"/>
+            </a:effectRef>
+            <a:fontRef idx="minor">
+              <a:schemeClr val="tx1"/>
+            </a:fontRef>
+          </p:style>
+        </p:cxnSp>
+        <p:cxnSp>
+          <p:nvCxnSpPr>
+            <p:cNvPr id="28" name="Straight Connector 27">
+              <a:extLst>
+                <a:ext uri="{FF2B5EF4-FFF2-40B4-BE49-F238E27FC236}">
+                  <a16:creationId xmlns:a16="http://schemas.microsoft.com/office/drawing/2014/main" id="{1059830E-1C3D-4D42-8789-524971CB4657}"/>
+                </a:ext>
+                <a:ext uri="{C183D7F6-B498-43B3-948B-1728B52AA6E4}">
+                  <adec:decorative xmlns:adec="http://schemas.microsoft.com/office/drawing/2017/decorative" val="1"/>
+                </a:ext>
+              </a:extLst>
+            </p:cNvPr>
+            <p:cNvCxnSpPr>
+              <a:cxnSpLocks/>
+            </p:cNvCxnSpPr>
+            <p:nvPr>
+              <p:extLst>
+                <p:ext uri="{386F3935-93C4-4BCD-93E2-E3B085C9AB24}">
+                  <p16:designElem xmlns:p16="http://schemas.microsoft.com/office/powerpoint/2015/main" val="1"/>
+                </p:ext>
+              </p:extLst>
+            </p:nvPr>
+          </p:nvCxnSpPr>
+          <p:spPr>
+            <a:xfrm>
+              <a:off x="0" y="171716"/>
+              <a:ext cx="12192000" cy="0"/>
+            </a:xfrm>
+            <a:prstGeom prst="line">
+              <a:avLst/>
+            </a:prstGeom>
+            <a:ln w="12700">
+              <a:solidFill>
+                <a:srgbClr val="BCBCBC">
+                  <a:alpha val="29804"/>
+                </a:srgbClr>
+              </a:solidFill>
+              <a:prstDash val="sysDot"/>
+            </a:ln>
+          </p:spPr>
+          <p:style>
+            <a:lnRef idx="1">
+              <a:schemeClr val="accent1"/>
+            </a:lnRef>
+            <a:fillRef idx="0">
+              <a:schemeClr val="accent1"/>
+            </a:fillRef>
+            <a:effectRef idx="0">
+              <a:schemeClr val="accent1"/>
+            </a:effectRef>
+            <a:fontRef idx="minor">
+              <a:schemeClr val="tx1"/>
+            </a:fontRef>
+          </p:style>
+        </p:cxnSp>
+        <p:cxnSp>
+          <p:nvCxnSpPr>
+            <p:cNvPr id="29" name="Straight Connector 28">
+              <a:extLst>
+                <a:ext uri="{FF2B5EF4-FFF2-40B4-BE49-F238E27FC236}">
+                  <a16:creationId xmlns:a16="http://schemas.microsoft.com/office/drawing/2014/main" id="{B53325A7-86D3-4B52-A7E3-ADDF408B4067}"/>
+                </a:ext>
+                <a:ext uri="{C183D7F6-B498-43B3-948B-1728B52AA6E4}">
+                  <adec:decorative xmlns:adec="http://schemas.microsoft.com/office/drawing/2017/decorative" val="1"/>
+                </a:ext>
+              </a:extLst>
+            </p:cNvPr>
+            <p:cNvCxnSpPr>
+              <a:cxnSpLocks/>
+            </p:cNvCxnSpPr>
+            <p:nvPr>
+              <p:extLst>
+                <p:ext uri="{386F3935-93C4-4BCD-93E2-E3B085C9AB24}">
+                  <p16:designElem xmlns:p16="http://schemas.microsoft.com/office/powerpoint/2015/main" val="1"/>
+                </p:ext>
+              </p:extLst>
+            </p:nvPr>
+          </p:nvCxnSpPr>
+          <p:spPr>
+            <a:xfrm>
+              <a:off x="0" y="714597"/>
+              <a:ext cx="12192000" cy="0"/>
+            </a:xfrm>
+            <a:prstGeom prst="line">
+              <a:avLst/>
+            </a:prstGeom>
+            <a:ln w="12700">
+              <a:solidFill>
+                <a:srgbClr val="BCBCBC">
+                  <a:alpha val="29804"/>
+                </a:srgbClr>
+              </a:solidFill>
+              <a:prstDash val="sysDot"/>
+            </a:ln>
+          </p:spPr>
+          <p:style>
+            <a:lnRef idx="1">
+              <a:schemeClr val="accent1"/>
+            </a:lnRef>
+            <a:fillRef idx="0">
+              <a:schemeClr val="accent1"/>
+            </a:fillRef>
+            <a:effectRef idx="0">
+              <a:schemeClr val="accent1"/>
+            </a:effectRef>
+            <a:fontRef idx="minor">
+              <a:schemeClr val="tx1"/>
+            </a:fontRef>
+          </p:style>
+        </p:cxnSp>
+        <p:cxnSp>
+          <p:nvCxnSpPr>
+            <p:cNvPr id="30" name="Straight Connector 29">
+              <a:extLst>
+                <a:ext uri="{FF2B5EF4-FFF2-40B4-BE49-F238E27FC236}">
+                  <a16:creationId xmlns:a16="http://schemas.microsoft.com/office/drawing/2014/main" id="{6D53F46F-EC12-484C-A4E7-791E57687AC1}"/>
+                </a:ext>
+                <a:ext uri="{C183D7F6-B498-43B3-948B-1728B52AA6E4}">
+                  <adec:decorative xmlns:adec="http://schemas.microsoft.com/office/drawing/2017/decorative" val="1"/>
+                </a:ext>
+              </a:extLst>
+            </p:cNvPr>
+            <p:cNvCxnSpPr>
+              <a:cxnSpLocks/>
+            </p:cNvCxnSpPr>
+            <p:nvPr>
+              <p:extLst>
+                <p:ext uri="{386F3935-93C4-4BCD-93E2-E3B085C9AB24}">
+                  <p16:designElem xmlns:p16="http://schemas.microsoft.com/office/powerpoint/2015/main" val="1"/>
+                </p:ext>
+              </p:extLst>
+            </p:nvPr>
+          </p:nvCxnSpPr>
+          <p:spPr>
+            <a:xfrm>
+              <a:off x="0" y="1257478"/>
+              <a:ext cx="12192000" cy="0"/>
+            </a:xfrm>
+            <a:prstGeom prst="line">
+              <a:avLst/>
+            </a:prstGeom>
+            <a:ln w="12700">
+              <a:solidFill>
+                <a:srgbClr val="BCBCBC">
+                  <a:alpha val="29804"/>
+                </a:srgbClr>
+              </a:solidFill>
+              <a:prstDash val="sysDot"/>
+            </a:ln>
+          </p:spPr>
+          <p:style>
+            <a:lnRef idx="1">
+              <a:schemeClr val="accent1"/>
+            </a:lnRef>
+            <a:fillRef idx="0">
+              <a:schemeClr val="accent1"/>
+            </a:fillRef>
+            <a:effectRef idx="0">
+              <a:schemeClr val="accent1"/>
+            </a:effectRef>
+            <a:fontRef idx="minor">
+              <a:schemeClr val="tx1"/>
+            </a:fontRef>
+          </p:style>
+        </p:cxnSp>
+        <p:cxnSp>
+          <p:nvCxnSpPr>
+            <p:cNvPr id="31" name="Straight Connector 30">
+              <a:extLst>
+                <a:ext uri="{FF2B5EF4-FFF2-40B4-BE49-F238E27FC236}">
+                  <a16:creationId xmlns:a16="http://schemas.microsoft.com/office/drawing/2014/main" id="{464ED9CA-8950-47B8-A9ED-22B45CE15FBC}"/>
+                </a:ext>
+                <a:ext uri="{C183D7F6-B498-43B3-948B-1728B52AA6E4}">
+                  <adec:decorative xmlns:adec="http://schemas.microsoft.com/office/drawing/2017/decorative" val="1"/>
+                </a:ext>
+              </a:extLst>
+            </p:cNvPr>
+            <p:cNvCxnSpPr>
+              <a:cxnSpLocks/>
+            </p:cNvCxnSpPr>
+            <p:nvPr>
+              <p:extLst>
+                <p:ext uri="{386F3935-93C4-4BCD-93E2-E3B085C9AB24}">
+                  <p16:designElem xmlns:p16="http://schemas.microsoft.com/office/powerpoint/2015/main" val="1"/>
+                </p:ext>
+              </p:extLst>
+            </p:nvPr>
+          </p:nvCxnSpPr>
+          <p:spPr>
+            <a:xfrm>
+              <a:off x="0" y="1800359"/>
+              <a:ext cx="12192000" cy="0"/>
+            </a:xfrm>
+            <a:prstGeom prst="line">
+              <a:avLst/>
+            </a:prstGeom>
+            <a:ln w="12700">
+              <a:solidFill>
+                <a:srgbClr val="BCBCBC">
+                  <a:alpha val="29804"/>
+                </a:srgbClr>
+              </a:solidFill>
+              <a:prstDash val="sysDot"/>
+            </a:ln>
+          </p:spPr>
+          <p:style>
+            <a:lnRef idx="1">
+              <a:schemeClr val="accent1"/>
+            </a:lnRef>
+            <a:fillRef idx="0">
+              <a:schemeClr val="accent1"/>
+            </a:fillRef>
+            <a:effectRef idx="0">
+              <a:schemeClr val="accent1"/>
+            </a:effectRef>
+            <a:fontRef idx="minor">
+              <a:schemeClr val="tx1"/>
+            </a:fontRef>
+          </p:style>
+        </p:cxnSp>
+        <p:cxnSp>
+          <p:nvCxnSpPr>
+            <p:cNvPr id="32" name="Straight Connector 31">
+              <a:extLst>
+                <a:ext uri="{FF2B5EF4-FFF2-40B4-BE49-F238E27FC236}">
+                  <a16:creationId xmlns:a16="http://schemas.microsoft.com/office/drawing/2014/main" id="{E4429F7B-9FD7-438F-8ECA-3FCAD0061805}"/>
+                </a:ext>
+                <a:ext uri="{C183D7F6-B498-43B3-948B-1728B52AA6E4}">
+                  <adec:decorative xmlns:adec="http://schemas.microsoft.com/office/drawing/2017/decorative" val="1"/>
+                </a:ext>
+              </a:extLst>
+            </p:cNvPr>
+            <p:cNvCxnSpPr>
+              <a:cxnSpLocks/>
+            </p:cNvCxnSpPr>
+            <p:nvPr>
+              <p:extLst>
+                <p:ext uri="{386F3935-93C4-4BCD-93E2-E3B085C9AB24}">
+                  <p16:designElem xmlns:p16="http://schemas.microsoft.com/office/powerpoint/2015/main" val="1"/>
+                </p:ext>
+              </p:extLst>
+            </p:nvPr>
+          </p:nvCxnSpPr>
+          <p:spPr>
+            <a:xfrm>
+              <a:off x="0" y="2343240"/>
+              <a:ext cx="12192000" cy="0"/>
+            </a:xfrm>
+            <a:prstGeom prst="line">
+              <a:avLst/>
+            </a:prstGeom>
+            <a:ln w="12700">
+              <a:solidFill>
+                <a:srgbClr val="BCBCBC">
+                  <a:alpha val="29804"/>
+                </a:srgbClr>
+              </a:solidFill>
+              <a:prstDash val="sysDot"/>
+            </a:ln>
+          </p:spPr>
+          <p:style>
+            <a:lnRef idx="1">
+              <a:schemeClr val="accent1"/>
+            </a:lnRef>
+            <a:fillRef idx="0">
+              <a:schemeClr val="accent1"/>
+            </a:fillRef>
+            <a:effectRef idx="0">
+              <a:schemeClr val="accent1"/>
+            </a:effectRef>
+            <a:fontRef idx="minor">
+              <a:schemeClr val="tx1"/>
+            </a:fontRef>
+          </p:style>
+        </p:cxnSp>
+        <p:cxnSp>
+          <p:nvCxnSpPr>
+            <p:cNvPr id="33" name="Straight Connector 32">
+              <a:extLst>
+                <a:ext uri="{FF2B5EF4-FFF2-40B4-BE49-F238E27FC236}">
+                  <a16:creationId xmlns:a16="http://schemas.microsoft.com/office/drawing/2014/main" id="{0C558100-D455-4B41-890C-BCC898B2D165}"/>
+                </a:ext>
+                <a:ext uri="{C183D7F6-B498-43B3-948B-1728B52AA6E4}">
+                  <adec:decorative xmlns:adec="http://schemas.microsoft.com/office/drawing/2017/decorative" val="1"/>
+                </a:ext>
+              </a:extLst>
+            </p:cNvPr>
+            <p:cNvCxnSpPr>
+              <a:cxnSpLocks/>
+            </p:cNvCxnSpPr>
+            <p:nvPr>
+              <p:extLst>
+                <p:ext uri="{386F3935-93C4-4BCD-93E2-E3B085C9AB24}">
+                  <p16:designElem xmlns:p16="http://schemas.microsoft.com/office/powerpoint/2015/main" val="1"/>
+                </p:ext>
+              </p:extLst>
+            </p:nvPr>
+          </p:nvCxnSpPr>
+          <p:spPr>
+            <a:xfrm>
+              <a:off x="0" y="2886121"/>
+              <a:ext cx="12192000" cy="0"/>
+            </a:xfrm>
+            <a:prstGeom prst="line">
+              <a:avLst/>
+            </a:prstGeom>
+            <a:ln w="12700">
+              <a:solidFill>
+                <a:srgbClr val="BCBCBC">
+                  <a:alpha val="29804"/>
+                </a:srgbClr>
+              </a:solidFill>
+              <a:prstDash val="sysDot"/>
+            </a:ln>
+          </p:spPr>
+          <p:style>
+            <a:lnRef idx="1">
+              <a:schemeClr val="accent1"/>
+            </a:lnRef>
+            <a:fillRef idx="0">
+              <a:schemeClr val="accent1"/>
+            </a:fillRef>
+            <a:effectRef idx="0">
+              <a:schemeClr val="accent1"/>
+            </a:effectRef>
+            <a:fontRef idx="minor">
+              <a:schemeClr val="tx1"/>
+            </a:fontRef>
+          </p:style>
+        </p:cxnSp>
+        <p:cxnSp>
+          <p:nvCxnSpPr>
+            <p:cNvPr id="34" name="Straight Connector 33">
+              <a:extLst>
+                <a:ext uri="{FF2B5EF4-FFF2-40B4-BE49-F238E27FC236}">
+                  <a16:creationId xmlns:a16="http://schemas.microsoft.com/office/drawing/2014/main" id="{F2886397-398A-4318-BE16-2CBAC1902F9E}"/>
+                </a:ext>
+                <a:ext uri="{C183D7F6-B498-43B3-948B-1728B52AA6E4}">
+                  <adec:decorative xmlns:adec="http://schemas.microsoft.com/office/drawing/2017/decorative" val="1"/>
+                </a:ext>
+              </a:extLst>
+            </p:cNvPr>
+            <p:cNvCxnSpPr>
+              <a:cxnSpLocks/>
+            </p:cNvCxnSpPr>
+            <p:nvPr>
+              <p:extLst>
+                <p:ext uri="{386F3935-93C4-4BCD-93E2-E3B085C9AB24}">
+                  <p16:designElem xmlns:p16="http://schemas.microsoft.com/office/powerpoint/2015/main" val="1"/>
+                </p:ext>
+              </p:extLst>
+            </p:nvPr>
+          </p:nvCxnSpPr>
+          <p:spPr>
+            <a:xfrm>
+              <a:off x="0" y="3429002"/>
+              <a:ext cx="12192000" cy="0"/>
+            </a:xfrm>
+            <a:prstGeom prst="line">
+              <a:avLst/>
+            </a:prstGeom>
+            <a:ln w="12700">
+              <a:solidFill>
+                <a:srgbClr val="BCBCBC">
+                  <a:alpha val="29804"/>
+                </a:srgbClr>
+              </a:solidFill>
+              <a:prstDash val="sysDot"/>
+            </a:ln>
+          </p:spPr>
+          <p:style>
+            <a:lnRef idx="1">
+              <a:schemeClr val="accent1"/>
+            </a:lnRef>
+            <a:fillRef idx="0">
+              <a:schemeClr val="accent1"/>
+            </a:fillRef>
+            <a:effectRef idx="0">
+              <a:schemeClr val="accent1"/>
+            </a:effectRef>
+            <a:fontRef idx="minor">
+              <a:schemeClr val="tx1"/>
+            </a:fontRef>
+          </p:style>
+        </p:cxnSp>
+        <p:cxnSp>
+          <p:nvCxnSpPr>
+            <p:cNvPr id="35" name="Straight Connector 34">
+              <a:extLst>
+                <a:ext uri="{FF2B5EF4-FFF2-40B4-BE49-F238E27FC236}">
+                  <a16:creationId xmlns:a16="http://schemas.microsoft.com/office/drawing/2014/main" id="{7D32A3A6-CE6E-4ABD-8522-2C8DC88C070E}"/>
+                </a:ext>
+                <a:ext uri="{C183D7F6-B498-43B3-948B-1728B52AA6E4}">
+                  <adec:decorative xmlns:adec="http://schemas.microsoft.com/office/drawing/2017/decorative" val="1"/>
+                </a:ext>
+              </a:extLst>
+            </p:cNvPr>
+            <p:cNvCxnSpPr>
+              <a:cxnSpLocks/>
+            </p:cNvCxnSpPr>
+            <p:nvPr>
+              <p:extLst>
+                <p:ext uri="{386F3935-93C4-4BCD-93E2-E3B085C9AB24}">
+                  <p16:designElem xmlns:p16="http://schemas.microsoft.com/office/powerpoint/2015/main" val="1"/>
+                </p:ext>
+              </p:extLst>
+            </p:nvPr>
+          </p:nvCxnSpPr>
+          <p:spPr>
+            <a:xfrm>
+              <a:off x="0" y="3971883"/>
+              <a:ext cx="12192000" cy="0"/>
+            </a:xfrm>
+            <a:prstGeom prst="line">
+              <a:avLst/>
+            </a:prstGeom>
+            <a:ln w="12700">
+              <a:solidFill>
+                <a:srgbClr val="BCBCBC">
+                  <a:alpha val="29804"/>
+                </a:srgbClr>
+              </a:solidFill>
+              <a:prstDash val="sysDot"/>
+            </a:ln>
+          </p:spPr>
+          <p:style>
+            <a:lnRef idx="1">
+              <a:schemeClr val="accent1"/>
+            </a:lnRef>
+            <a:fillRef idx="0">
+              <a:schemeClr val="accent1"/>
+            </a:fillRef>
+            <a:effectRef idx="0">
+              <a:schemeClr val="accent1"/>
+            </a:effectRef>
+            <a:fontRef idx="minor">
+              <a:schemeClr val="tx1"/>
+            </a:fontRef>
+          </p:style>
+        </p:cxnSp>
+        <p:cxnSp>
+          <p:nvCxnSpPr>
+            <p:cNvPr id="36" name="Straight Connector 35">
+              <a:extLst>
+                <a:ext uri="{FF2B5EF4-FFF2-40B4-BE49-F238E27FC236}">
+                  <a16:creationId xmlns:a16="http://schemas.microsoft.com/office/drawing/2014/main" id="{F9014C09-5B84-4798-8BDE-C80D76E67B8E}"/>
+                </a:ext>
+                <a:ext uri="{C183D7F6-B498-43B3-948B-1728B52AA6E4}">
+                  <adec:decorative xmlns:adec="http://schemas.microsoft.com/office/drawing/2017/decorative" val="1"/>
+                </a:ext>
+              </a:extLst>
+            </p:cNvPr>
+            <p:cNvCxnSpPr>
+              <a:cxnSpLocks/>
+            </p:cNvCxnSpPr>
+            <p:nvPr>
+              <p:extLst>
+                <p:ext uri="{386F3935-93C4-4BCD-93E2-E3B085C9AB24}">
+                  <p16:designElem xmlns:p16="http://schemas.microsoft.com/office/powerpoint/2015/main" val="1"/>
+                </p:ext>
+              </p:extLst>
+            </p:nvPr>
+          </p:nvCxnSpPr>
+          <p:spPr>
+            <a:xfrm>
+              <a:off x="0" y="4514764"/>
+              <a:ext cx="12192000" cy="0"/>
+            </a:xfrm>
+            <a:prstGeom prst="line">
+              <a:avLst/>
+            </a:prstGeom>
+            <a:ln w="12700">
+              <a:solidFill>
+                <a:srgbClr val="BCBCBC">
+                  <a:alpha val="29804"/>
+                </a:srgbClr>
+              </a:solidFill>
+              <a:prstDash val="sysDot"/>
+            </a:ln>
+          </p:spPr>
+          <p:style>
+            <a:lnRef idx="1">
+              <a:schemeClr val="accent1"/>
+            </a:lnRef>
+            <a:fillRef idx="0">
+              <a:schemeClr val="accent1"/>
+            </a:fillRef>
+            <a:effectRef idx="0">
+              <a:schemeClr val="accent1"/>
+            </a:effectRef>
+            <a:fontRef idx="minor">
+              <a:schemeClr val="tx1"/>
+            </a:fontRef>
+          </p:style>
+        </p:cxnSp>
+        <p:cxnSp>
+          <p:nvCxnSpPr>
+            <p:cNvPr id="37" name="Straight Connector 36">
+              <a:extLst>
+                <a:ext uri="{FF2B5EF4-FFF2-40B4-BE49-F238E27FC236}">
+                  <a16:creationId xmlns:a16="http://schemas.microsoft.com/office/drawing/2014/main" id="{2A29EB9E-ED9D-4C69-8A26-9A7A0A830569}"/>
+                </a:ext>
+                <a:ext uri="{C183D7F6-B498-43B3-948B-1728B52AA6E4}">
+                  <adec:decorative xmlns:adec="http://schemas.microsoft.com/office/drawing/2017/decorative" val="1"/>
+                </a:ext>
+              </a:extLst>
+            </p:cNvPr>
+            <p:cNvCxnSpPr>
+              <a:cxnSpLocks/>
+            </p:cNvCxnSpPr>
+            <p:nvPr>
+              <p:extLst>
+                <p:ext uri="{386F3935-93C4-4BCD-93E2-E3B085C9AB24}">
+                  <p16:designElem xmlns:p16="http://schemas.microsoft.com/office/powerpoint/2015/main" val="1"/>
+                </p:ext>
+              </p:extLst>
+            </p:nvPr>
+          </p:nvCxnSpPr>
+          <p:spPr>
+            <a:xfrm>
+              <a:off x="0" y="5057645"/>
+              <a:ext cx="12192000" cy="0"/>
+            </a:xfrm>
+            <a:prstGeom prst="line">
+              <a:avLst/>
+            </a:prstGeom>
+            <a:ln w="12700">
+              <a:solidFill>
+                <a:srgbClr val="BCBCBC">
+                  <a:alpha val="29804"/>
+                </a:srgbClr>
+              </a:solidFill>
+              <a:prstDash val="sysDot"/>
+            </a:ln>
+          </p:spPr>
+          <p:style>
+            <a:lnRef idx="1">
+              <a:schemeClr val="accent1"/>
+            </a:lnRef>
+            <a:fillRef idx="0">
+              <a:schemeClr val="accent1"/>
+            </a:fillRef>
+            <a:effectRef idx="0">
+              <a:schemeClr val="accent1"/>
+            </a:effectRef>
+            <a:fontRef idx="minor">
+              <a:schemeClr val="tx1"/>
+            </a:fontRef>
+          </p:style>
+        </p:cxnSp>
+        <p:cxnSp>
+          <p:nvCxnSpPr>
+            <p:cNvPr id="38" name="Straight Connector 37">
+              <a:extLst>
+                <a:ext uri="{FF2B5EF4-FFF2-40B4-BE49-F238E27FC236}">
+                  <a16:creationId xmlns:a16="http://schemas.microsoft.com/office/drawing/2014/main" id="{AA2899F9-1795-416F-8F3D-26EEB684DB6A}"/>
+                </a:ext>
+                <a:ext uri="{C183D7F6-B498-43B3-948B-1728B52AA6E4}">
+                  <adec:decorative xmlns:adec="http://schemas.microsoft.com/office/drawing/2017/decorative" val="1"/>
+                </a:ext>
+              </a:extLst>
+            </p:cNvPr>
+            <p:cNvCxnSpPr>
+              <a:cxnSpLocks/>
+            </p:cNvCxnSpPr>
+            <p:nvPr>
+              <p:extLst>
+                <p:ext uri="{386F3935-93C4-4BCD-93E2-E3B085C9AB24}">
+                  <p16:designElem xmlns:p16="http://schemas.microsoft.com/office/powerpoint/2015/main" val="1"/>
+                </p:ext>
+              </p:extLst>
+            </p:nvPr>
+          </p:nvCxnSpPr>
+          <p:spPr>
+            <a:xfrm>
+              <a:off x="0" y="5600526"/>
+              <a:ext cx="12192000" cy="0"/>
+            </a:xfrm>
+            <a:prstGeom prst="line">
+              <a:avLst/>
+            </a:prstGeom>
+            <a:ln w="12700">
+              <a:solidFill>
+                <a:srgbClr val="BCBCBC">
+                  <a:alpha val="29804"/>
+                </a:srgbClr>
+              </a:solidFill>
+              <a:prstDash val="sysDot"/>
+            </a:ln>
+          </p:spPr>
+          <p:style>
+            <a:lnRef idx="1">
+              <a:schemeClr val="accent1"/>
+            </a:lnRef>
+            <a:fillRef idx="0">
+              <a:schemeClr val="accent1"/>
+            </a:fillRef>
+            <a:effectRef idx="0">
+              <a:schemeClr val="accent1"/>
+            </a:effectRef>
+            <a:fontRef idx="minor">
+              <a:schemeClr val="tx1"/>
+            </a:fontRef>
+          </p:style>
+        </p:cxnSp>
+        <p:cxnSp>
+          <p:nvCxnSpPr>
+            <p:cNvPr id="39" name="Straight Connector 38">
+              <a:extLst>
+                <a:ext uri="{FF2B5EF4-FFF2-40B4-BE49-F238E27FC236}">
+                  <a16:creationId xmlns:a16="http://schemas.microsoft.com/office/drawing/2014/main" id="{E3043474-8625-495C-BD06-3627FD286C55}"/>
+                </a:ext>
+                <a:ext uri="{C183D7F6-B498-43B3-948B-1728B52AA6E4}">
+                  <adec:decorative xmlns:adec="http://schemas.microsoft.com/office/drawing/2017/decorative" val="1"/>
+                </a:ext>
+              </a:extLst>
+            </p:cNvPr>
+            <p:cNvCxnSpPr>
+              <a:cxnSpLocks/>
+            </p:cNvCxnSpPr>
+            <p:nvPr>
+              <p:extLst>
+                <p:ext uri="{386F3935-93C4-4BCD-93E2-E3B085C9AB24}">
+                  <p16:designElem xmlns:p16="http://schemas.microsoft.com/office/powerpoint/2015/main" val="1"/>
+                </p:ext>
+              </p:extLst>
+            </p:nvPr>
+          </p:nvCxnSpPr>
+          <p:spPr>
+            <a:xfrm>
+              <a:off x="0" y="6857999"/>
+              <a:ext cx="12192000" cy="0"/>
+            </a:xfrm>
+            <a:prstGeom prst="line">
+              <a:avLst/>
+            </a:prstGeom>
+            <a:ln w="12700">
+              <a:solidFill>
+                <a:srgbClr val="BCBCBC">
+                  <a:alpha val="29804"/>
+                </a:srgbClr>
+              </a:solidFill>
+              <a:prstDash val="sysDot"/>
+            </a:ln>
+          </p:spPr>
+          <p:style>
+            <a:lnRef idx="1">
+              <a:schemeClr val="accent1"/>
+            </a:lnRef>
+            <a:fillRef idx="0">
+              <a:schemeClr val="accent1"/>
+            </a:fillRef>
+            <a:effectRef idx="0">
+              <a:schemeClr val="accent1"/>
+            </a:effectRef>
+            <a:fontRef idx="minor">
+              <a:schemeClr val="tx1"/>
+            </a:fontRef>
+          </p:style>
+        </p:cxnSp>
+        <p:cxnSp>
+          <p:nvCxnSpPr>
+            <p:cNvPr id="40" name="Straight Connector 39">
+              <a:extLst>
+                <a:ext uri="{FF2B5EF4-FFF2-40B4-BE49-F238E27FC236}">
+                  <a16:creationId xmlns:a16="http://schemas.microsoft.com/office/drawing/2014/main" id="{D432CE47-7631-408E-8DDC-79EE378B707B}"/>
+                </a:ext>
+                <a:ext uri="{C183D7F6-B498-43B3-948B-1728B52AA6E4}">
+                  <adec:decorative xmlns:adec="http://schemas.microsoft.com/office/drawing/2017/decorative" val="1"/>
+                </a:ext>
+              </a:extLst>
+            </p:cNvPr>
+            <p:cNvCxnSpPr>
+              <a:cxnSpLocks/>
+            </p:cNvCxnSpPr>
+            <p:nvPr>
+              <p:extLst>
+                <p:ext uri="{386F3935-93C4-4BCD-93E2-E3B085C9AB24}">
+                  <p16:designElem xmlns:p16="http://schemas.microsoft.com/office/powerpoint/2015/main" val="1"/>
+                </p:ext>
+              </p:extLst>
+            </p:nvPr>
+          </p:nvCxnSpPr>
+          <p:spPr>
+            <a:xfrm>
+              <a:off x="16613" y="6143407"/>
+              <a:ext cx="12192000" cy="0"/>
+            </a:xfrm>
+            <a:prstGeom prst="line">
+              <a:avLst/>
+            </a:prstGeom>
+            <a:ln w="12700">
+              <a:solidFill>
+                <a:srgbClr val="BCBCBC">
+                  <a:alpha val="29804"/>
+                </a:srgbClr>
+              </a:solidFill>
+              <a:prstDash val="sysDot"/>
+            </a:ln>
+          </p:spPr>
+          <p:style>
+            <a:lnRef idx="1">
+              <a:schemeClr val="accent1"/>
+            </a:lnRef>
+            <a:fillRef idx="0">
+              <a:schemeClr val="accent1"/>
+            </a:fillRef>
+            <a:effectRef idx="0">
+              <a:schemeClr val="accent1"/>
+            </a:effectRef>
+            <a:fontRef idx="minor">
+              <a:schemeClr val="tx1"/>
+            </a:fontRef>
+          </p:style>
+        </p:cxnSp>
+        <p:cxnSp>
+          <p:nvCxnSpPr>
+            <p:cNvPr id="41" name="Straight Connector 40">
+              <a:extLst>
+                <a:ext uri="{FF2B5EF4-FFF2-40B4-BE49-F238E27FC236}">
+                  <a16:creationId xmlns:a16="http://schemas.microsoft.com/office/drawing/2014/main" id="{B2C8832D-8B8D-4036-B913-2D363143274B}"/>
+                </a:ext>
+                <a:ext uri="{C183D7F6-B498-43B3-948B-1728B52AA6E4}">
+                  <adec:decorative xmlns:adec="http://schemas.microsoft.com/office/drawing/2017/decorative" val="1"/>
+                </a:ext>
+              </a:extLst>
+            </p:cNvPr>
+            <p:cNvCxnSpPr>
+              <a:cxnSpLocks/>
+            </p:cNvCxnSpPr>
+            <p:nvPr>
+              <p:extLst>
+                <p:ext uri="{386F3935-93C4-4BCD-93E2-E3B085C9AB24}">
+                  <p16:designElem xmlns:p16="http://schemas.microsoft.com/office/powerpoint/2015/main" val="1"/>
+                </p:ext>
+              </p:extLst>
+            </p:nvPr>
+          </p:nvCxnSpPr>
+          <p:spPr>
+            <a:xfrm>
+              <a:off x="684225" y="171716"/>
+              <a:ext cx="0" cy="6511464"/>
+            </a:xfrm>
+            <a:prstGeom prst="line">
+              <a:avLst/>
+            </a:prstGeom>
+            <a:ln w="12700">
+              <a:solidFill>
+                <a:srgbClr val="BCBCBC">
+                  <a:alpha val="29804"/>
+                </a:srgbClr>
+              </a:solidFill>
+              <a:prstDash val="sysDot"/>
+            </a:ln>
+          </p:spPr>
+          <p:style>
+            <a:lnRef idx="1">
+              <a:schemeClr val="accent1"/>
+            </a:lnRef>
+            <a:fillRef idx="0">
+              <a:schemeClr val="accent1"/>
+            </a:fillRef>
+            <a:effectRef idx="0">
+              <a:schemeClr val="accent1"/>
+            </a:effectRef>
+            <a:fontRef idx="minor">
+              <a:schemeClr val="tx1"/>
+            </a:fontRef>
+          </p:style>
+        </p:cxnSp>
+        <p:cxnSp>
+          <p:nvCxnSpPr>
+            <p:cNvPr id="42" name="Straight Connector 41">
+              <a:extLst>
+                <a:ext uri="{FF2B5EF4-FFF2-40B4-BE49-F238E27FC236}">
+                  <a16:creationId xmlns:a16="http://schemas.microsoft.com/office/drawing/2014/main" id="{1CCEFEAF-E87B-4FF2-A947-94CABAA0610D}"/>
+                </a:ext>
+                <a:ext uri="{C183D7F6-B498-43B3-948B-1728B52AA6E4}">
+                  <adec:decorative xmlns:adec="http://schemas.microsoft.com/office/drawing/2017/decorative" val="1"/>
+                </a:ext>
+              </a:extLst>
+            </p:cNvPr>
+            <p:cNvCxnSpPr>
+              <a:cxnSpLocks/>
+            </p:cNvCxnSpPr>
+            <p:nvPr>
+              <p:extLst>
+                <p:ext uri="{386F3935-93C4-4BCD-93E2-E3B085C9AB24}">
+                  <p16:designElem xmlns:p16="http://schemas.microsoft.com/office/powerpoint/2015/main" val="1"/>
+                </p:ext>
+              </p:extLst>
+            </p:nvPr>
+          </p:nvCxnSpPr>
+          <p:spPr>
+            <a:xfrm>
+              <a:off x="11508412" y="173267"/>
+              <a:ext cx="0" cy="6511464"/>
+            </a:xfrm>
+            <a:prstGeom prst="line">
+              <a:avLst/>
+            </a:prstGeom>
+            <a:ln w="12700">
+              <a:solidFill>
+                <a:srgbClr val="BCBCBC">
+                  <a:alpha val="29804"/>
+                </a:srgbClr>
+              </a:solidFill>
+              <a:prstDash val="sysDot"/>
+            </a:ln>
+          </p:spPr>
+          <p:style>
+            <a:lnRef idx="1">
+              <a:schemeClr val="accent1"/>
+            </a:lnRef>
+            <a:fillRef idx="0">
+              <a:schemeClr val="accent1"/>
+            </a:fillRef>
+            <a:effectRef idx="0">
+              <a:schemeClr val="accent1"/>
+            </a:effectRef>
+            <a:fontRef idx="minor">
+              <a:schemeClr val="tx1"/>
+            </a:fontRef>
+          </p:style>
+        </p:cxnSp>
+      </p:grpSp>
+      <p:sp>
+        <p:nvSpPr>
+          <p:cNvPr id="44" name="Right Triangle 43">
+            <a:extLst>
+              <a:ext uri="{FF2B5EF4-FFF2-40B4-BE49-F238E27FC236}">
+                <a16:creationId xmlns:a16="http://schemas.microsoft.com/office/drawing/2014/main" id="{2437C4A8-8E3A-4ADA-93B9-64737CE1ABB1}"/>
+              </a:ext>
+              <a:ext uri="{C183D7F6-B498-43B3-948B-1728B52AA6E4}">
+                <adec:decorative xmlns:adec="http://schemas.microsoft.com/office/drawing/2017/decorative" val="1"/>
+              </a:ext>
+            </a:extLst>
+          </p:cNvPr>
+          <p:cNvSpPr>
+            <a:spLocks noGrp="1" noRot="1" noChangeAspect="1" noMove="1" noResize="1" noEditPoints="1" noAdjustHandles="1" noChangeArrowheads="1" noChangeShapeType="1" noTextEdit="1"/>
+          </p:cNvSpPr>
+          <p:nvPr>
+            <p:extLst>
+              <p:ext uri="{386F3935-93C4-4BCD-93E2-E3B085C9AB24}">
+                <p16:designElem xmlns:p16="http://schemas.microsoft.com/office/powerpoint/2015/main" val="1"/>
+              </p:ext>
+            </p:extLst>
+          </p:nvPr>
+        </p:nvSpPr>
+        <p:spPr>
+          <a:xfrm rot="13500000">
+            <a:off x="-281093" y="2607907"/>
+            <a:ext cx="568289" cy="568289"/>
+          </a:xfrm>
+          <a:prstGeom prst="rtTriangle">
+            <a:avLst/>
+          </a:prstGeom>
+          <a:solidFill>
+            <a:schemeClr val="accent1">
+              <a:alpha val="50000"/>
+            </a:schemeClr>
+          </a:solidFill>
+          <a:ln>
+            <a:noFill/>
+          </a:ln>
+        </p:spPr>
+        <p:style>
+          <a:lnRef idx="2">
+            <a:schemeClr val="accent1">
+              <a:shade val="50000"/>
+            </a:schemeClr>
+          </a:lnRef>
+          <a:fillRef idx="1">
+            <a:schemeClr val="accent1"/>
+          </a:fillRef>
+          <a:effectRef idx="0">
+            <a:schemeClr val="accent1"/>
+          </a:effectRef>
+          <a:fontRef idx="minor">
+            <a:schemeClr val="lt1"/>
+          </a:fontRef>
+        </p:style>
+        <p:txBody>
+          <a:bodyPr rtlCol="0" anchor="ctr"/>
+          <a:lstStyle/>
+          <a:p>
+            <a:pPr algn="ctr"/>
+            <a:endParaRPr lang="en-US">
+              <a:solidFill>
+                <a:schemeClr val="tx1"/>
+              </a:solidFill>
+            </a:endParaRPr>
+          </a:p>
+        </p:txBody>
+      </p:sp>
+      <p:sp useBgFill="1">
+        <p:nvSpPr>
+          <p:cNvPr id="46" name="Rectangle 45">
+            <a:extLst>
+              <a:ext uri="{FF2B5EF4-FFF2-40B4-BE49-F238E27FC236}">
+                <a16:creationId xmlns:a16="http://schemas.microsoft.com/office/drawing/2014/main" id="{13B6DAC6-0186-4D62-AD69-90B9C0411EA3}"/>
+              </a:ext>
+              <a:ext uri="{C183D7F6-B498-43B3-948B-1728B52AA6E4}">
+                <adec:decorative xmlns:adec="http://schemas.microsoft.com/office/drawing/2017/decorative" val="1"/>
+              </a:ext>
+            </a:extLst>
+          </p:cNvPr>
+          <p:cNvSpPr>
+            <a:spLocks noGrp="1" noRot="1" noChangeAspect="1" noMove="1" noResize="1" noEditPoints="1" noAdjustHandles="1" noChangeArrowheads="1" noChangeShapeType="1" noTextEdit="1"/>
+          </p:cNvSpPr>
+          <p:nvPr>
+            <p:extLst>
+              <p:ext uri="{386F3935-93C4-4BCD-93E2-E3B085C9AB24}">
+                <p16:designElem xmlns:p16="http://schemas.microsoft.com/office/powerpoint/2015/main" val="1"/>
+              </p:ext>
+            </p:extLst>
+          </p:nvPr>
+        </p:nvSpPr>
+        <p:spPr>
+          <a:xfrm>
+            <a:off x="0" y="0"/>
+            <a:ext cx="12188952" cy="6858000"/>
+          </a:xfrm>
+          <a:prstGeom prst="rect">
+            <a:avLst/>
+          </a:prstGeom>
+          <a:ln>
+            <a:noFill/>
+          </a:ln>
+        </p:spPr>
+        <p:style>
+          <a:lnRef idx="2">
+            <a:schemeClr val="accent1">
+              <a:shade val="50000"/>
+            </a:schemeClr>
+          </a:lnRef>
+          <a:fillRef idx="1">
+            <a:schemeClr val="accent1"/>
+          </a:fillRef>
+          <a:effectRef idx="0">
+            <a:schemeClr val="accent1"/>
+          </a:effectRef>
+          <a:fontRef idx="minor">
+            <a:schemeClr val="lt1"/>
+          </a:fontRef>
+        </p:style>
+        <p:txBody>
+          <a:bodyPr rtlCol="0" anchor="ctr"/>
+          <a:lstStyle/>
+          <a:p>
+            <a:pPr algn="ctr"/>
+            <a:endParaRPr lang="en-US">
+              <a:solidFill>
+                <a:schemeClr val="bg1"/>
+              </a:solidFill>
+            </a:endParaRPr>
+          </a:p>
+        </p:txBody>
+      </p:sp>
+      <p:grpSp>
+        <p:nvGrpSpPr>
+          <p:cNvPr id="48" name="Group 47">
+            <a:extLst>
+              <a:ext uri="{FF2B5EF4-FFF2-40B4-BE49-F238E27FC236}">
+                <a16:creationId xmlns:a16="http://schemas.microsoft.com/office/drawing/2014/main" id="{A0297160-077C-4B0C-9F1E-6519CEDB84C4}"/>
+              </a:ext>
+              <a:ext uri="{C183D7F6-B498-43B3-948B-1728B52AA6E4}">
+                <adec:decorative xmlns:adec="http://schemas.microsoft.com/office/drawing/2017/decorative" val="1"/>
+              </a:ext>
+            </a:extLst>
+          </p:cNvPr>
+          <p:cNvGrpSpPr>
+            <a:grpSpLocks noGrp="1" noUngrp="1" noRot="1" noChangeAspect="1" noMove="1" noResize="1"/>
+          </p:cNvGrpSpPr>
+          <p:nvPr>
+            <p:extLst>
+              <p:ext uri="{386F3935-93C4-4BCD-93E2-E3B085C9AB24}">
+                <p16:designElem xmlns:p16="http://schemas.microsoft.com/office/powerpoint/2015/main" val="1"/>
+              </p:ext>
+            </p:extLst>
+          </p:nvPr>
+        </p:nvGrpSpPr>
+        <p:grpSpPr>
+          <a:xfrm>
+            <a:off x="-6214" y="-1"/>
+            <a:ext cx="12214827" cy="6858000"/>
+            <a:chOff x="-6214" y="-1"/>
+            <a:chExt cx="12214827" cy="6858000"/>
+          </a:xfrm>
+        </p:grpSpPr>
+        <p:cxnSp>
+          <p:nvCxnSpPr>
+            <p:cNvPr id="49" name="Straight Connector 48">
+              <a:extLst>
+                <a:ext uri="{FF2B5EF4-FFF2-40B4-BE49-F238E27FC236}">
+                  <a16:creationId xmlns:a16="http://schemas.microsoft.com/office/drawing/2014/main" id="{31F77CDE-CC8E-40E6-8745-8D7CB6208F86}"/>
+                </a:ext>
+                <a:ext uri="{C183D7F6-B498-43B3-948B-1728B52AA6E4}">
+                  <adec:decorative xmlns:adec="http://schemas.microsoft.com/office/drawing/2017/decorative" val="1"/>
+                </a:ext>
+              </a:extLst>
+            </p:cNvPr>
+            <p:cNvCxnSpPr>
+              <a:cxnSpLocks/>
+            </p:cNvCxnSpPr>
+            <p:nvPr>
+              <p:extLst>
+                <p:ext uri="{386F3935-93C4-4BCD-93E2-E3B085C9AB24}">
+                  <p16:designElem xmlns:p16="http://schemas.microsoft.com/office/powerpoint/2015/main" val="1"/>
+                </p:ext>
+              </p:extLst>
+            </p:nvPr>
+          </p:nvCxnSpPr>
+          <p:spPr>
+            <a:xfrm>
+              <a:off x="-6214" y="6686283"/>
+              <a:ext cx="12192000" cy="0"/>
+            </a:xfrm>
+            <a:prstGeom prst="line">
+              <a:avLst/>
+            </a:prstGeom>
+            <a:ln w="12700">
+              <a:solidFill>
+                <a:srgbClr val="BCBCBC">
+                  <a:alpha val="29804"/>
+                </a:srgbClr>
+              </a:solidFill>
+              <a:prstDash val="sysDot"/>
+            </a:ln>
+          </p:spPr>
+          <p:style>
+            <a:lnRef idx="1">
+              <a:schemeClr val="accent1"/>
+            </a:lnRef>
+            <a:fillRef idx="0">
+              <a:schemeClr val="accent1"/>
+            </a:fillRef>
+            <a:effectRef idx="0">
+              <a:schemeClr val="accent1"/>
+            </a:effectRef>
+            <a:fontRef idx="minor">
+              <a:schemeClr val="tx1"/>
+            </a:fontRef>
+          </p:style>
+        </p:cxnSp>
+        <p:cxnSp>
+          <p:nvCxnSpPr>
+            <p:cNvPr id="50" name="Straight Connector 49">
+              <a:extLst>
+                <a:ext uri="{FF2B5EF4-FFF2-40B4-BE49-F238E27FC236}">
+                  <a16:creationId xmlns:a16="http://schemas.microsoft.com/office/drawing/2014/main" id="{83FCA172-142C-4352-A938-33B43EC3BEAE}"/>
+                </a:ext>
+                <a:ext uri="{C183D7F6-B498-43B3-948B-1728B52AA6E4}">
+                  <adec:decorative xmlns:adec="http://schemas.microsoft.com/office/drawing/2017/decorative" val="1"/>
+                </a:ext>
+              </a:extLst>
+            </p:cNvPr>
+            <p:cNvCxnSpPr>
+              <a:cxnSpLocks/>
+            </p:cNvCxnSpPr>
+            <p:nvPr>
+              <p:extLst>
+                <p:ext uri="{386F3935-93C4-4BCD-93E2-E3B085C9AB24}">
+                  <p16:designElem xmlns:p16="http://schemas.microsoft.com/office/powerpoint/2015/main" val="1"/>
+                </p:ext>
+              </p:extLst>
+            </p:nvPr>
+          </p:nvCxnSpPr>
+          <p:spPr>
+            <a:xfrm>
+              <a:off x="0" y="-1"/>
+              <a:ext cx="0" cy="6858000"/>
+            </a:xfrm>
+            <a:prstGeom prst="line">
+              <a:avLst/>
+            </a:prstGeom>
+            <a:ln w="12700">
+              <a:solidFill>
+                <a:srgbClr val="BCBCBC">
+                  <a:alpha val="29804"/>
+                </a:srgbClr>
+              </a:solidFill>
+              <a:prstDash val="sysDot"/>
+            </a:ln>
+          </p:spPr>
+          <p:style>
+            <a:lnRef idx="1">
+              <a:schemeClr val="accent1"/>
+            </a:lnRef>
+            <a:fillRef idx="0">
+              <a:schemeClr val="accent1"/>
+            </a:fillRef>
+            <a:effectRef idx="0">
+              <a:schemeClr val="accent1"/>
+            </a:effectRef>
+            <a:fontRef idx="minor">
+              <a:schemeClr val="tx1"/>
+            </a:fontRef>
+          </p:style>
+        </p:cxnSp>
+        <p:cxnSp>
+          <p:nvCxnSpPr>
+            <p:cNvPr id="51" name="Straight Connector 50">
+              <a:extLst>
+                <a:ext uri="{FF2B5EF4-FFF2-40B4-BE49-F238E27FC236}">
+                  <a16:creationId xmlns:a16="http://schemas.microsoft.com/office/drawing/2014/main" id="{253BB53B-6660-4F6B-8C3C-4EAA148CFFD4}"/>
+                </a:ext>
+                <a:ext uri="{C183D7F6-B498-43B3-948B-1728B52AA6E4}">
+                  <adec:decorative xmlns:adec="http://schemas.microsoft.com/office/drawing/2017/decorative" val="1"/>
+                </a:ext>
+              </a:extLst>
+            </p:cNvPr>
+            <p:cNvCxnSpPr>
+              <a:cxnSpLocks/>
+            </p:cNvCxnSpPr>
+            <p:nvPr>
+              <p:extLst>
+                <p:ext uri="{386F3935-93C4-4BCD-93E2-E3B085C9AB24}">
+                  <p16:designElem xmlns:p16="http://schemas.microsoft.com/office/powerpoint/2015/main" val="1"/>
+                </p:ext>
+              </p:extLst>
+            </p:nvPr>
+          </p:nvCxnSpPr>
+          <p:spPr>
+            <a:xfrm>
+              <a:off x="11993258" y="-1"/>
+              <a:ext cx="0" cy="6858000"/>
+            </a:xfrm>
+            <a:prstGeom prst="line">
+              <a:avLst/>
+            </a:prstGeom>
+            <a:ln w="12700">
+              <a:solidFill>
+                <a:srgbClr val="BCBCBC">
+                  <a:alpha val="29804"/>
+                </a:srgbClr>
+              </a:solidFill>
+              <a:prstDash val="sysDot"/>
+            </a:ln>
+          </p:spPr>
+          <p:style>
+            <a:lnRef idx="1">
+              <a:schemeClr val="accent1"/>
+            </a:lnRef>
+            <a:fillRef idx="0">
+              <a:schemeClr val="accent1"/>
+            </a:fillRef>
+            <a:effectRef idx="0">
+              <a:schemeClr val="accent1"/>
+            </a:effectRef>
+            <a:fontRef idx="minor">
+              <a:schemeClr val="tx1"/>
+            </a:fontRef>
+          </p:style>
+        </p:cxnSp>
+        <p:cxnSp>
+          <p:nvCxnSpPr>
+            <p:cNvPr id="52" name="Straight Connector 51">
+              <a:extLst>
+                <a:ext uri="{FF2B5EF4-FFF2-40B4-BE49-F238E27FC236}">
+                  <a16:creationId xmlns:a16="http://schemas.microsoft.com/office/drawing/2014/main" id="{921D1E67-3038-4399-8F14-244731FAE31C}"/>
+                </a:ext>
+                <a:ext uri="{C183D7F6-B498-43B3-948B-1728B52AA6E4}">
+                  <adec:decorative xmlns:adec="http://schemas.microsoft.com/office/drawing/2017/decorative" val="1"/>
+                </a:ext>
+              </a:extLst>
+            </p:cNvPr>
+            <p:cNvCxnSpPr>
+              <a:cxnSpLocks/>
+            </p:cNvCxnSpPr>
+            <p:nvPr>
+              <p:extLst>
+                <p:ext uri="{386F3935-93C4-4BCD-93E2-E3B085C9AB24}">
+                  <p16:designElem xmlns:p16="http://schemas.microsoft.com/office/powerpoint/2015/main" val="1"/>
+                </p:ext>
+              </p:extLst>
+            </p:nvPr>
+          </p:nvCxnSpPr>
+          <p:spPr>
+            <a:xfrm>
+              <a:off x="192528" y="-1"/>
+              <a:ext cx="0" cy="6858000"/>
+            </a:xfrm>
+            <a:prstGeom prst="line">
+              <a:avLst/>
+            </a:prstGeom>
+            <a:ln w="12700">
+              <a:solidFill>
+                <a:srgbClr val="BCBCBC">
+                  <a:alpha val="29804"/>
+                </a:srgbClr>
+              </a:solidFill>
+              <a:prstDash val="sysDot"/>
+            </a:ln>
+          </p:spPr>
+          <p:style>
+            <a:lnRef idx="1">
+              <a:schemeClr val="accent1"/>
+            </a:lnRef>
+            <a:fillRef idx="0">
+              <a:schemeClr val="accent1"/>
+            </a:fillRef>
+            <a:effectRef idx="0">
+              <a:schemeClr val="accent1"/>
+            </a:effectRef>
+            <a:fontRef idx="minor">
+              <a:schemeClr val="tx1"/>
+            </a:fontRef>
+          </p:style>
+        </p:cxnSp>
+        <p:cxnSp>
+          <p:nvCxnSpPr>
+            <p:cNvPr id="53" name="Straight Connector 52">
+              <a:extLst>
+                <a:ext uri="{FF2B5EF4-FFF2-40B4-BE49-F238E27FC236}">
+                  <a16:creationId xmlns:a16="http://schemas.microsoft.com/office/drawing/2014/main" id="{B9A17FB9-5481-4E6D-A157-C4A1D8F29741}"/>
+                </a:ext>
+                <a:ext uri="{C183D7F6-B498-43B3-948B-1728B52AA6E4}">
+                  <adec:decorative xmlns:adec="http://schemas.microsoft.com/office/drawing/2017/decorative" val="1"/>
+                </a:ext>
+              </a:extLst>
+            </p:cNvPr>
+            <p:cNvCxnSpPr>
+              <a:cxnSpLocks/>
+            </p:cNvCxnSpPr>
+            <p:nvPr>
+              <p:extLst>
+                <p:ext uri="{386F3935-93C4-4BCD-93E2-E3B085C9AB24}">
+                  <p16:designElem xmlns:p16="http://schemas.microsoft.com/office/powerpoint/2015/main" val="1"/>
+                </p:ext>
+              </p:extLst>
+            </p:nvPr>
+          </p:nvCxnSpPr>
+          <p:spPr>
+            <a:xfrm>
+              <a:off x="1175922" y="-1"/>
+              <a:ext cx="0" cy="6858000"/>
+            </a:xfrm>
+            <a:prstGeom prst="line">
+              <a:avLst/>
+            </a:prstGeom>
+            <a:ln w="12700">
+              <a:solidFill>
+                <a:srgbClr val="BCBCBC">
+                  <a:alpha val="29804"/>
+                </a:srgbClr>
+              </a:solidFill>
+              <a:prstDash val="sysDot"/>
+            </a:ln>
+          </p:spPr>
+          <p:style>
+            <a:lnRef idx="1">
+              <a:schemeClr val="accent1"/>
+            </a:lnRef>
+            <a:fillRef idx="0">
+              <a:schemeClr val="accent1"/>
+            </a:fillRef>
+            <a:effectRef idx="0">
+              <a:schemeClr val="accent1"/>
+            </a:effectRef>
+            <a:fontRef idx="minor">
+              <a:schemeClr val="tx1"/>
+            </a:fontRef>
+          </p:style>
+        </p:cxnSp>
+        <p:cxnSp>
+          <p:nvCxnSpPr>
+            <p:cNvPr id="54" name="Straight Connector 53">
+              <a:extLst>
+                <a:ext uri="{FF2B5EF4-FFF2-40B4-BE49-F238E27FC236}">
+                  <a16:creationId xmlns:a16="http://schemas.microsoft.com/office/drawing/2014/main" id="{9B5B4D4B-6074-48B5-B7D7-5B22BDC2AD86}"/>
+                </a:ext>
+                <a:ext uri="{C183D7F6-B498-43B3-948B-1728B52AA6E4}">
+                  <adec:decorative xmlns:adec="http://schemas.microsoft.com/office/drawing/2017/decorative" val="1"/>
+                </a:ext>
+              </a:extLst>
+            </p:cNvPr>
+            <p:cNvCxnSpPr>
+              <a:cxnSpLocks/>
+            </p:cNvCxnSpPr>
+            <p:nvPr>
+              <p:extLst>
+                <p:ext uri="{386F3935-93C4-4BCD-93E2-E3B085C9AB24}">
+                  <p16:designElem xmlns:p16="http://schemas.microsoft.com/office/powerpoint/2015/main" val="1"/>
+                </p:ext>
+              </p:extLst>
+            </p:nvPr>
+          </p:nvCxnSpPr>
+          <p:spPr>
+            <a:xfrm>
+              <a:off x="2159316" y="-1"/>
+              <a:ext cx="0" cy="6858000"/>
+            </a:xfrm>
+            <a:prstGeom prst="line">
+              <a:avLst/>
+            </a:prstGeom>
+            <a:ln w="12700">
+              <a:solidFill>
+                <a:srgbClr val="BCBCBC">
+                  <a:alpha val="29804"/>
+                </a:srgbClr>
+              </a:solidFill>
+              <a:prstDash val="sysDot"/>
+            </a:ln>
+          </p:spPr>
+          <p:style>
+            <a:lnRef idx="1">
+              <a:schemeClr val="accent1"/>
+            </a:lnRef>
+            <a:fillRef idx="0">
+              <a:schemeClr val="accent1"/>
+            </a:fillRef>
+            <a:effectRef idx="0">
+              <a:schemeClr val="accent1"/>
+            </a:effectRef>
+            <a:fontRef idx="minor">
+              <a:schemeClr val="tx1"/>
+            </a:fontRef>
+          </p:style>
+        </p:cxnSp>
+        <p:cxnSp>
+          <p:nvCxnSpPr>
+            <p:cNvPr id="55" name="Straight Connector 54">
+              <a:extLst>
+                <a:ext uri="{FF2B5EF4-FFF2-40B4-BE49-F238E27FC236}">
+                  <a16:creationId xmlns:a16="http://schemas.microsoft.com/office/drawing/2014/main" id="{DFE68CF5-4975-4F0E-98F8-E40F12E8FEA3}"/>
+                </a:ext>
+                <a:ext uri="{C183D7F6-B498-43B3-948B-1728B52AA6E4}">
+                  <adec:decorative xmlns:adec="http://schemas.microsoft.com/office/drawing/2017/decorative" val="1"/>
+                </a:ext>
+              </a:extLst>
+            </p:cNvPr>
+            <p:cNvCxnSpPr>
+              <a:cxnSpLocks/>
+            </p:cNvCxnSpPr>
+            <p:nvPr>
+              <p:extLst>
+                <p:ext uri="{386F3935-93C4-4BCD-93E2-E3B085C9AB24}">
+                  <p16:designElem xmlns:p16="http://schemas.microsoft.com/office/powerpoint/2015/main" val="1"/>
+                </p:ext>
+              </p:extLst>
+            </p:nvPr>
+          </p:nvCxnSpPr>
+          <p:spPr>
+            <a:xfrm>
+              <a:off x="3142710" y="-1"/>
+              <a:ext cx="0" cy="6858000"/>
+            </a:xfrm>
+            <a:prstGeom prst="line">
+              <a:avLst/>
+            </a:prstGeom>
+            <a:ln w="12700">
+              <a:solidFill>
+                <a:srgbClr val="BCBCBC">
+                  <a:alpha val="29804"/>
+                </a:srgbClr>
+              </a:solidFill>
+              <a:prstDash val="sysDot"/>
+            </a:ln>
+          </p:spPr>
+          <p:style>
+            <a:lnRef idx="1">
+              <a:schemeClr val="accent1"/>
+            </a:lnRef>
+            <a:fillRef idx="0">
+              <a:schemeClr val="accent1"/>
+            </a:fillRef>
+            <a:effectRef idx="0">
+              <a:schemeClr val="accent1"/>
+            </a:effectRef>
+            <a:fontRef idx="minor">
+              <a:schemeClr val="tx1"/>
+            </a:fontRef>
+          </p:style>
+        </p:cxnSp>
+        <p:cxnSp>
+          <p:nvCxnSpPr>
+            <p:cNvPr id="56" name="Straight Connector 55">
+              <a:extLst>
+                <a:ext uri="{FF2B5EF4-FFF2-40B4-BE49-F238E27FC236}">
+                  <a16:creationId xmlns:a16="http://schemas.microsoft.com/office/drawing/2014/main" id="{B63AD0D6-BFAB-41EE-A0DD-BFEB6844D11D}"/>
+                </a:ext>
+                <a:ext uri="{C183D7F6-B498-43B3-948B-1728B52AA6E4}">
+                  <adec:decorative xmlns:adec="http://schemas.microsoft.com/office/drawing/2017/decorative" val="1"/>
+                </a:ext>
+              </a:extLst>
+            </p:cNvPr>
+            <p:cNvCxnSpPr>
+              <a:cxnSpLocks/>
+            </p:cNvCxnSpPr>
+            <p:nvPr>
+              <p:extLst>
+                <p:ext uri="{386F3935-93C4-4BCD-93E2-E3B085C9AB24}">
+                  <p16:designElem xmlns:p16="http://schemas.microsoft.com/office/powerpoint/2015/main" val="1"/>
+                </p:ext>
+              </p:extLst>
+            </p:nvPr>
+          </p:nvCxnSpPr>
+          <p:spPr>
+            <a:xfrm>
+              <a:off x="4126104" y="-1"/>
+              <a:ext cx="0" cy="6858000"/>
+            </a:xfrm>
+            <a:prstGeom prst="line">
+              <a:avLst/>
+            </a:prstGeom>
+            <a:ln w="12700">
+              <a:solidFill>
+                <a:srgbClr val="BCBCBC">
+                  <a:alpha val="29804"/>
+                </a:srgbClr>
+              </a:solidFill>
+              <a:prstDash val="sysDot"/>
+            </a:ln>
+          </p:spPr>
+          <p:style>
+            <a:lnRef idx="1">
+              <a:schemeClr val="accent1"/>
+            </a:lnRef>
+            <a:fillRef idx="0">
+              <a:schemeClr val="accent1"/>
+            </a:fillRef>
+            <a:effectRef idx="0">
+              <a:schemeClr val="accent1"/>
+            </a:effectRef>
+            <a:fontRef idx="minor">
+              <a:schemeClr val="tx1"/>
+            </a:fontRef>
+          </p:style>
+        </p:cxnSp>
+        <p:cxnSp>
+          <p:nvCxnSpPr>
+            <p:cNvPr id="57" name="Straight Connector 56">
+              <a:extLst>
+                <a:ext uri="{FF2B5EF4-FFF2-40B4-BE49-F238E27FC236}">
+                  <a16:creationId xmlns:a16="http://schemas.microsoft.com/office/drawing/2014/main" id="{A7EA9615-8E94-4E0C-BAF0-C52132326CDE}"/>
+                </a:ext>
+                <a:ext uri="{C183D7F6-B498-43B3-948B-1728B52AA6E4}">
+                  <adec:decorative xmlns:adec="http://schemas.microsoft.com/office/drawing/2017/decorative" val="1"/>
+                </a:ext>
+              </a:extLst>
+            </p:cNvPr>
+            <p:cNvCxnSpPr>
+              <a:cxnSpLocks/>
+            </p:cNvCxnSpPr>
+            <p:nvPr>
+              <p:extLst>
+                <p:ext uri="{386F3935-93C4-4BCD-93E2-E3B085C9AB24}">
+                  <p16:designElem xmlns:p16="http://schemas.microsoft.com/office/powerpoint/2015/main" val="1"/>
+                </p:ext>
+              </p:extLst>
+            </p:nvPr>
+          </p:nvCxnSpPr>
+          <p:spPr>
+            <a:xfrm>
+              <a:off x="5109498" y="-1"/>
+              <a:ext cx="0" cy="6858000"/>
+            </a:xfrm>
+            <a:prstGeom prst="line">
+              <a:avLst/>
+            </a:prstGeom>
+            <a:ln w="12700">
+              <a:solidFill>
+                <a:srgbClr val="BCBCBC">
+                  <a:alpha val="29804"/>
+                </a:srgbClr>
+              </a:solidFill>
+              <a:prstDash val="sysDot"/>
+            </a:ln>
+          </p:spPr>
+          <p:style>
+            <a:lnRef idx="1">
+              <a:schemeClr val="accent1"/>
+            </a:lnRef>
+            <a:fillRef idx="0">
+              <a:schemeClr val="accent1"/>
+            </a:fillRef>
+            <a:effectRef idx="0">
+              <a:schemeClr val="accent1"/>
+            </a:effectRef>
+            <a:fontRef idx="minor">
+              <a:schemeClr val="tx1"/>
+            </a:fontRef>
+          </p:style>
+        </p:cxnSp>
+        <p:cxnSp>
+          <p:nvCxnSpPr>
+            <p:cNvPr id="58" name="Straight Connector 57">
+              <a:extLst>
+                <a:ext uri="{FF2B5EF4-FFF2-40B4-BE49-F238E27FC236}">
+                  <a16:creationId xmlns:a16="http://schemas.microsoft.com/office/drawing/2014/main" id="{96A76D71-0BE7-402F-BF24-CB0154E2A008}"/>
+                </a:ext>
+                <a:ext uri="{C183D7F6-B498-43B3-948B-1728B52AA6E4}">
+                  <adec:decorative xmlns:adec="http://schemas.microsoft.com/office/drawing/2017/decorative" val="1"/>
+                </a:ext>
+              </a:extLst>
+            </p:cNvPr>
+            <p:cNvCxnSpPr>
+              <a:cxnSpLocks/>
+            </p:cNvCxnSpPr>
+            <p:nvPr>
+              <p:extLst>
+                <p:ext uri="{386F3935-93C4-4BCD-93E2-E3B085C9AB24}">
+                  <p16:designElem xmlns:p16="http://schemas.microsoft.com/office/powerpoint/2015/main" val="1"/>
+                </p:ext>
+              </p:extLst>
+            </p:nvPr>
+          </p:nvCxnSpPr>
+          <p:spPr>
+            <a:xfrm>
+              <a:off x="6092892" y="-1"/>
+              <a:ext cx="0" cy="6858000"/>
+            </a:xfrm>
+            <a:prstGeom prst="line">
+              <a:avLst/>
+            </a:prstGeom>
+            <a:ln w="12700">
+              <a:solidFill>
+                <a:srgbClr val="BCBCBC">
+                  <a:alpha val="29804"/>
+                </a:srgbClr>
+              </a:solidFill>
+              <a:prstDash val="sysDot"/>
+            </a:ln>
+          </p:spPr>
+          <p:style>
+            <a:lnRef idx="1">
+              <a:schemeClr val="accent1"/>
+            </a:lnRef>
+            <a:fillRef idx="0">
+              <a:schemeClr val="accent1"/>
+            </a:fillRef>
+            <a:effectRef idx="0">
+              <a:schemeClr val="accent1"/>
+            </a:effectRef>
+            <a:fontRef idx="minor">
+              <a:schemeClr val="tx1"/>
+            </a:fontRef>
+          </p:style>
+        </p:cxnSp>
+        <p:cxnSp>
+          <p:nvCxnSpPr>
+            <p:cNvPr id="59" name="Straight Connector 58">
+              <a:extLst>
+                <a:ext uri="{FF2B5EF4-FFF2-40B4-BE49-F238E27FC236}">
+                  <a16:creationId xmlns:a16="http://schemas.microsoft.com/office/drawing/2014/main" id="{8B18C09B-8FB5-4D88-B4FF-2090E7818FE5}"/>
+                </a:ext>
+                <a:ext uri="{C183D7F6-B498-43B3-948B-1728B52AA6E4}">
+                  <adec:decorative xmlns:adec="http://schemas.microsoft.com/office/drawing/2017/decorative" val="1"/>
+                </a:ext>
+              </a:extLst>
+            </p:cNvPr>
+            <p:cNvCxnSpPr>
+              <a:cxnSpLocks/>
+            </p:cNvCxnSpPr>
+            <p:nvPr>
+              <p:extLst>
+                <p:ext uri="{386F3935-93C4-4BCD-93E2-E3B085C9AB24}">
+                  <p16:designElem xmlns:p16="http://schemas.microsoft.com/office/powerpoint/2015/main" val="1"/>
+                </p:ext>
+              </p:extLst>
+            </p:nvPr>
+          </p:nvCxnSpPr>
+          <p:spPr>
+            <a:xfrm>
+              <a:off x="7076286" y="-1"/>
+              <a:ext cx="0" cy="6858000"/>
+            </a:xfrm>
+            <a:prstGeom prst="line">
+              <a:avLst/>
+            </a:prstGeom>
+            <a:ln w="12700">
+              <a:solidFill>
+                <a:srgbClr val="BCBCBC">
+                  <a:alpha val="29804"/>
+                </a:srgbClr>
+              </a:solidFill>
+              <a:prstDash val="sysDot"/>
+            </a:ln>
+          </p:spPr>
+          <p:style>
+            <a:lnRef idx="1">
+              <a:schemeClr val="accent1"/>
+            </a:lnRef>
+            <a:fillRef idx="0">
+              <a:schemeClr val="accent1"/>
+            </a:fillRef>
+            <a:effectRef idx="0">
+              <a:schemeClr val="accent1"/>
+            </a:effectRef>
+            <a:fontRef idx="minor">
+              <a:schemeClr val="tx1"/>
+            </a:fontRef>
+          </p:style>
+        </p:cxnSp>
+        <p:cxnSp>
+          <p:nvCxnSpPr>
+            <p:cNvPr id="60" name="Straight Connector 59">
+              <a:extLst>
+                <a:ext uri="{FF2B5EF4-FFF2-40B4-BE49-F238E27FC236}">
+                  <a16:creationId xmlns:a16="http://schemas.microsoft.com/office/drawing/2014/main" id="{3A06FA18-2473-40B2-8AE0-DEDDC5E9A375}"/>
+                </a:ext>
+                <a:ext uri="{C183D7F6-B498-43B3-948B-1728B52AA6E4}">
+                  <adec:decorative xmlns:adec="http://schemas.microsoft.com/office/drawing/2017/decorative" val="1"/>
+                </a:ext>
+              </a:extLst>
+            </p:cNvPr>
+            <p:cNvCxnSpPr>
+              <a:cxnSpLocks/>
+            </p:cNvCxnSpPr>
+            <p:nvPr>
+              <p:extLst>
+                <p:ext uri="{386F3935-93C4-4BCD-93E2-E3B085C9AB24}">
+                  <p16:designElem xmlns:p16="http://schemas.microsoft.com/office/powerpoint/2015/main" val="1"/>
+                </p:ext>
+              </p:extLst>
+            </p:nvPr>
+          </p:nvCxnSpPr>
+          <p:spPr>
+            <a:xfrm>
+              <a:off x="8059680" y="-1"/>
+              <a:ext cx="0" cy="6858000"/>
+            </a:xfrm>
+            <a:prstGeom prst="line">
+              <a:avLst/>
+            </a:prstGeom>
+            <a:ln w="12700">
+              <a:solidFill>
+                <a:srgbClr val="BCBCBC">
+                  <a:alpha val="29804"/>
+                </a:srgbClr>
+              </a:solidFill>
+              <a:prstDash val="sysDot"/>
+            </a:ln>
+          </p:spPr>
+          <p:style>
+            <a:lnRef idx="1">
+              <a:schemeClr val="accent1"/>
+            </a:lnRef>
+            <a:fillRef idx="0">
+              <a:schemeClr val="accent1"/>
+            </a:fillRef>
+            <a:effectRef idx="0">
+              <a:schemeClr val="accent1"/>
+            </a:effectRef>
+            <a:fontRef idx="minor">
+              <a:schemeClr val="tx1"/>
+            </a:fontRef>
+          </p:style>
+        </p:cxnSp>
+        <p:cxnSp>
+          <p:nvCxnSpPr>
+            <p:cNvPr id="61" name="Straight Connector 60">
+              <a:extLst>
+                <a:ext uri="{FF2B5EF4-FFF2-40B4-BE49-F238E27FC236}">
+                  <a16:creationId xmlns:a16="http://schemas.microsoft.com/office/drawing/2014/main" id="{F187746C-FE57-4160-B924-6B283B3323DE}"/>
+                </a:ext>
+                <a:ext uri="{C183D7F6-B498-43B3-948B-1728B52AA6E4}">
+                  <adec:decorative xmlns:adec="http://schemas.microsoft.com/office/drawing/2017/decorative" val="1"/>
+                </a:ext>
+              </a:extLst>
+            </p:cNvPr>
+            <p:cNvCxnSpPr>
+              <a:cxnSpLocks/>
+            </p:cNvCxnSpPr>
+            <p:nvPr>
+              <p:extLst>
+                <p:ext uri="{386F3935-93C4-4BCD-93E2-E3B085C9AB24}">
+                  <p16:designElem xmlns:p16="http://schemas.microsoft.com/office/powerpoint/2015/main" val="1"/>
+                </p:ext>
+              </p:extLst>
+            </p:nvPr>
+          </p:nvCxnSpPr>
+          <p:spPr>
+            <a:xfrm>
+              <a:off x="9043074" y="-1"/>
+              <a:ext cx="0" cy="6858000"/>
+            </a:xfrm>
+            <a:prstGeom prst="line">
+              <a:avLst/>
+            </a:prstGeom>
+            <a:ln w="12700">
+              <a:solidFill>
+                <a:srgbClr val="BCBCBC">
+                  <a:alpha val="29804"/>
+                </a:srgbClr>
+              </a:solidFill>
+              <a:prstDash val="sysDot"/>
+            </a:ln>
+          </p:spPr>
+          <p:style>
+            <a:lnRef idx="1">
+              <a:schemeClr val="accent1"/>
+            </a:lnRef>
+            <a:fillRef idx="0">
+              <a:schemeClr val="accent1"/>
+            </a:fillRef>
+            <a:effectRef idx="0">
+              <a:schemeClr val="accent1"/>
+            </a:effectRef>
+            <a:fontRef idx="minor">
+              <a:schemeClr val="tx1"/>
+            </a:fontRef>
+          </p:style>
+        </p:cxnSp>
+        <p:cxnSp>
+          <p:nvCxnSpPr>
+            <p:cNvPr id="62" name="Straight Connector 61">
+              <a:extLst>
+                <a:ext uri="{FF2B5EF4-FFF2-40B4-BE49-F238E27FC236}">
+                  <a16:creationId xmlns:a16="http://schemas.microsoft.com/office/drawing/2014/main" id="{D7337AAE-EB93-4FBD-9904-036641260752}"/>
+                </a:ext>
+                <a:ext uri="{C183D7F6-B498-43B3-948B-1728B52AA6E4}">
+                  <adec:decorative xmlns:adec="http://schemas.microsoft.com/office/drawing/2017/decorative" val="1"/>
+                </a:ext>
+              </a:extLst>
+            </p:cNvPr>
+            <p:cNvCxnSpPr>
+              <a:cxnSpLocks/>
+            </p:cNvCxnSpPr>
+            <p:nvPr>
+              <p:extLst>
+                <p:ext uri="{386F3935-93C4-4BCD-93E2-E3B085C9AB24}">
+                  <p16:designElem xmlns:p16="http://schemas.microsoft.com/office/powerpoint/2015/main" val="1"/>
+                </p:ext>
+              </p:extLst>
+            </p:nvPr>
+          </p:nvCxnSpPr>
+          <p:spPr>
+            <a:xfrm>
+              <a:off x="10026468" y="-1"/>
+              <a:ext cx="0" cy="6858000"/>
+            </a:xfrm>
+            <a:prstGeom prst="line">
+              <a:avLst/>
+            </a:prstGeom>
+            <a:ln w="12700">
+              <a:solidFill>
+                <a:srgbClr val="BCBCBC">
+                  <a:alpha val="29804"/>
+                </a:srgbClr>
+              </a:solidFill>
+              <a:prstDash val="sysDot"/>
+            </a:ln>
+          </p:spPr>
+          <p:style>
+            <a:lnRef idx="1">
+              <a:schemeClr val="accent1"/>
+            </a:lnRef>
+            <a:fillRef idx="0">
+              <a:schemeClr val="accent1"/>
+            </a:fillRef>
+            <a:effectRef idx="0">
+              <a:schemeClr val="accent1"/>
+            </a:effectRef>
+            <a:fontRef idx="minor">
+              <a:schemeClr val="tx1"/>
+            </a:fontRef>
+          </p:style>
+        </p:cxnSp>
+        <p:cxnSp>
+          <p:nvCxnSpPr>
+            <p:cNvPr id="63" name="Straight Connector 62">
+              <a:extLst>
+                <a:ext uri="{FF2B5EF4-FFF2-40B4-BE49-F238E27FC236}">
+                  <a16:creationId xmlns:a16="http://schemas.microsoft.com/office/drawing/2014/main" id="{D6FA7169-C5DB-4F02-935F-AA39EDA4B742}"/>
+                </a:ext>
+                <a:ext uri="{C183D7F6-B498-43B3-948B-1728B52AA6E4}">
+                  <adec:decorative xmlns:adec="http://schemas.microsoft.com/office/drawing/2017/decorative" val="1"/>
+                </a:ext>
+              </a:extLst>
+            </p:cNvPr>
+            <p:cNvCxnSpPr>
+              <a:cxnSpLocks/>
+            </p:cNvCxnSpPr>
+            <p:nvPr>
+              <p:extLst>
+                <p:ext uri="{386F3935-93C4-4BCD-93E2-E3B085C9AB24}">
+                  <p16:designElem xmlns:p16="http://schemas.microsoft.com/office/powerpoint/2015/main" val="1"/>
+                </p:ext>
+              </p:extLst>
+            </p:nvPr>
+          </p:nvCxnSpPr>
+          <p:spPr>
+            <a:xfrm>
+              <a:off x="11009862" y="-1"/>
+              <a:ext cx="0" cy="6858000"/>
+            </a:xfrm>
+            <a:prstGeom prst="line">
+              <a:avLst/>
+            </a:prstGeom>
+            <a:ln w="12700">
+              <a:solidFill>
+                <a:srgbClr val="BCBCBC">
+                  <a:alpha val="29804"/>
+                </a:srgbClr>
+              </a:solidFill>
+              <a:prstDash val="sysDot"/>
+            </a:ln>
+          </p:spPr>
+          <p:style>
+            <a:lnRef idx="1">
+              <a:schemeClr val="accent1"/>
+            </a:lnRef>
+            <a:fillRef idx="0">
+              <a:schemeClr val="accent1"/>
+            </a:fillRef>
+            <a:effectRef idx="0">
+              <a:schemeClr val="accent1"/>
+            </a:effectRef>
+            <a:fontRef idx="minor">
+              <a:schemeClr val="tx1"/>
+            </a:fontRef>
+          </p:style>
+        </p:cxnSp>
+        <p:cxnSp>
+          <p:nvCxnSpPr>
+            <p:cNvPr id="64" name="Straight Connector 63">
+              <a:extLst>
+                <a:ext uri="{FF2B5EF4-FFF2-40B4-BE49-F238E27FC236}">
+                  <a16:creationId xmlns:a16="http://schemas.microsoft.com/office/drawing/2014/main" id="{A4195B93-DBB3-4197-8D91-A786D4753A98}"/>
+                </a:ext>
+                <a:ext uri="{C183D7F6-B498-43B3-948B-1728B52AA6E4}">
+                  <adec:decorative xmlns:adec="http://schemas.microsoft.com/office/drawing/2017/decorative" val="1"/>
+                </a:ext>
+              </a:extLst>
+            </p:cNvPr>
+            <p:cNvCxnSpPr>
+              <a:cxnSpLocks/>
+            </p:cNvCxnSpPr>
+            <p:nvPr>
+              <p:extLst>
+                <p:ext uri="{386F3935-93C4-4BCD-93E2-E3B085C9AB24}">
+                  <p16:designElem xmlns:p16="http://schemas.microsoft.com/office/powerpoint/2015/main" val="1"/>
+                </p:ext>
+              </p:extLst>
+            </p:nvPr>
+          </p:nvCxnSpPr>
+          <p:spPr>
+            <a:xfrm>
+              <a:off x="12185786" y="-1"/>
+              <a:ext cx="0" cy="6858000"/>
+            </a:xfrm>
+            <a:prstGeom prst="line">
+              <a:avLst/>
+            </a:prstGeom>
+            <a:ln w="12700">
+              <a:solidFill>
+                <a:srgbClr val="BCBCBC">
+                  <a:alpha val="29804"/>
+                </a:srgbClr>
+              </a:solidFill>
+              <a:prstDash val="sysDot"/>
+            </a:ln>
+          </p:spPr>
+          <p:style>
+            <a:lnRef idx="1">
+              <a:schemeClr val="accent1"/>
+            </a:lnRef>
+            <a:fillRef idx="0">
+              <a:schemeClr val="accent1"/>
+            </a:fillRef>
+            <a:effectRef idx="0">
+              <a:schemeClr val="accent1"/>
+            </a:effectRef>
+            <a:fontRef idx="minor">
+              <a:schemeClr val="tx1"/>
+            </a:fontRef>
+          </p:style>
+        </p:cxnSp>
+        <p:cxnSp>
+          <p:nvCxnSpPr>
+            <p:cNvPr id="65" name="Straight Connector 64">
+              <a:extLst>
+                <a:ext uri="{FF2B5EF4-FFF2-40B4-BE49-F238E27FC236}">
+                  <a16:creationId xmlns:a16="http://schemas.microsoft.com/office/drawing/2014/main" id="{3F2FF9EB-46CC-4A22-AF8A-9D11BC9666E5}"/>
+                </a:ext>
+                <a:ext uri="{C183D7F6-B498-43B3-948B-1728B52AA6E4}">
+                  <adec:decorative xmlns:adec="http://schemas.microsoft.com/office/drawing/2017/decorative" val="1"/>
+                </a:ext>
+              </a:extLst>
+            </p:cNvPr>
+            <p:cNvCxnSpPr>
+              <a:cxnSpLocks/>
+            </p:cNvCxnSpPr>
+            <p:nvPr>
+              <p:extLst>
+                <p:ext uri="{386F3935-93C4-4BCD-93E2-E3B085C9AB24}">
+                  <p16:designElem xmlns:p16="http://schemas.microsoft.com/office/powerpoint/2015/main" val="1"/>
+                </p:ext>
+              </p:extLst>
+            </p:nvPr>
+          </p:nvCxnSpPr>
+          <p:spPr>
+            <a:xfrm>
+              <a:off x="0" y="171716"/>
+              <a:ext cx="12192000" cy="0"/>
+            </a:xfrm>
+            <a:prstGeom prst="line">
+              <a:avLst/>
+            </a:prstGeom>
+            <a:ln w="12700">
+              <a:solidFill>
+                <a:srgbClr val="BCBCBC">
+                  <a:alpha val="29804"/>
+                </a:srgbClr>
+              </a:solidFill>
+              <a:prstDash val="sysDot"/>
+            </a:ln>
+          </p:spPr>
+          <p:style>
+            <a:lnRef idx="1">
+              <a:schemeClr val="accent1"/>
+            </a:lnRef>
+            <a:fillRef idx="0">
+              <a:schemeClr val="accent1"/>
+            </a:fillRef>
+            <a:effectRef idx="0">
+              <a:schemeClr val="accent1"/>
+            </a:effectRef>
+            <a:fontRef idx="minor">
+              <a:schemeClr val="tx1"/>
+            </a:fontRef>
+          </p:style>
+        </p:cxnSp>
+        <p:cxnSp>
+          <p:nvCxnSpPr>
+            <p:cNvPr id="66" name="Straight Connector 65">
+              <a:extLst>
+                <a:ext uri="{FF2B5EF4-FFF2-40B4-BE49-F238E27FC236}">
+                  <a16:creationId xmlns:a16="http://schemas.microsoft.com/office/drawing/2014/main" id="{2631DADE-538C-4EA4-9D90-3AED82E01BED}"/>
+                </a:ext>
+                <a:ext uri="{C183D7F6-B498-43B3-948B-1728B52AA6E4}">
+                  <adec:decorative xmlns:adec="http://schemas.microsoft.com/office/drawing/2017/decorative" val="1"/>
+                </a:ext>
+              </a:extLst>
+            </p:cNvPr>
+            <p:cNvCxnSpPr>
+              <a:cxnSpLocks/>
+            </p:cNvCxnSpPr>
+            <p:nvPr>
+              <p:extLst>
+                <p:ext uri="{386F3935-93C4-4BCD-93E2-E3B085C9AB24}">
+                  <p16:designElem xmlns:p16="http://schemas.microsoft.com/office/powerpoint/2015/main" val="1"/>
+                </p:ext>
+              </p:extLst>
+            </p:nvPr>
+          </p:nvCxnSpPr>
+          <p:spPr>
+            <a:xfrm>
+              <a:off x="0" y="714597"/>
+              <a:ext cx="12192000" cy="0"/>
+            </a:xfrm>
+            <a:prstGeom prst="line">
+              <a:avLst/>
+            </a:prstGeom>
+            <a:ln w="12700">
+              <a:solidFill>
+                <a:srgbClr val="BCBCBC">
+                  <a:alpha val="29804"/>
+                </a:srgbClr>
+              </a:solidFill>
+              <a:prstDash val="sysDot"/>
+            </a:ln>
+          </p:spPr>
+          <p:style>
+            <a:lnRef idx="1">
+              <a:schemeClr val="accent1"/>
+            </a:lnRef>
+            <a:fillRef idx="0">
+              <a:schemeClr val="accent1"/>
+            </a:fillRef>
+            <a:effectRef idx="0">
+              <a:schemeClr val="accent1"/>
+            </a:effectRef>
+            <a:fontRef idx="minor">
+              <a:schemeClr val="tx1"/>
+            </a:fontRef>
+          </p:style>
+        </p:cxnSp>
+        <p:cxnSp>
+          <p:nvCxnSpPr>
+            <p:cNvPr id="67" name="Straight Connector 66">
+              <a:extLst>
+                <a:ext uri="{FF2B5EF4-FFF2-40B4-BE49-F238E27FC236}">
+                  <a16:creationId xmlns:a16="http://schemas.microsoft.com/office/drawing/2014/main" id="{035A7E2F-77A0-48A1-A881-1A12940D8F00}"/>
+                </a:ext>
+                <a:ext uri="{C183D7F6-B498-43B3-948B-1728B52AA6E4}">
+                  <adec:decorative xmlns:adec="http://schemas.microsoft.com/office/drawing/2017/decorative" val="1"/>
+                </a:ext>
+              </a:extLst>
+            </p:cNvPr>
+            <p:cNvCxnSpPr>
+              <a:cxnSpLocks/>
+            </p:cNvCxnSpPr>
+            <p:nvPr>
+              <p:extLst>
+                <p:ext uri="{386F3935-93C4-4BCD-93E2-E3B085C9AB24}">
+                  <p16:designElem xmlns:p16="http://schemas.microsoft.com/office/powerpoint/2015/main" val="1"/>
+                </p:ext>
+              </p:extLst>
+            </p:nvPr>
+          </p:nvCxnSpPr>
+          <p:spPr>
+            <a:xfrm>
+              <a:off x="0" y="1257478"/>
+              <a:ext cx="12192000" cy="0"/>
+            </a:xfrm>
+            <a:prstGeom prst="line">
+              <a:avLst/>
+            </a:prstGeom>
+            <a:ln w="12700">
+              <a:solidFill>
+                <a:srgbClr val="BCBCBC">
+                  <a:alpha val="29804"/>
+                </a:srgbClr>
+              </a:solidFill>
+              <a:prstDash val="sysDot"/>
+            </a:ln>
+          </p:spPr>
+          <p:style>
+            <a:lnRef idx="1">
+              <a:schemeClr val="accent1"/>
+            </a:lnRef>
+            <a:fillRef idx="0">
+              <a:schemeClr val="accent1"/>
+            </a:fillRef>
+            <a:effectRef idx="0">
+              <a:schemeClr val="accent1"/>
+            </a:effectRef>
+            <a:fontRef idx="minor">
+              <a:schemeClr val="tx1"/>
+            </a:fontRef>
+          </p:style>
+        </p:cxnSp>
+        <p:cxnSp>
+          <p:nvCxnSpPr>
+            <p:cNvPr id="68" name="Straight Connector 67">
+              <a:extLst>
+                <a:ext uri="{FF2B5EF4-FFF2-40B4-BE49-F238E27FC236}">
+                  <a16:creationId xmlns:a16="http://schemas.microsoft.com/office/drawing/2014/main" id="{5AC39BAD-DB08-4260-BCE5-4E1FB09A4426}"/>
+                </a:ext>
+                <a:ext uri="{C183D7F6-B498-43B3-948B-1728B52AA6E4}">
+                  <adec:decorative xmlns:adec="http://schemas.microsoft.com/office/drawing/2017/decorative" val="1"/>
+                </a:ext>
+              </a:extLst>
+            </p:cNvPr>
+            <p:cNvCxnSpPr>
+              <a:cxnSpLocks/>
+            </p:cNvCxnSpPr>
+            <p:nvPr>
+              <p:extLst>
+                <p:ext uri="{386F3935-93C4-4BCD-93E2-E3B085C9AB24}">
+                  <p16:designElem xmlns:p16="http://schemas.microsoft.com/office/powerpoint/2015/main" val="1"/>
+                </p:ext>
+              </p:extLst>
+            </p:nvPr>
+          </p:nvCxnSpPr>
+          <p:spPr>
+            <a:xfrm>
+              <a:off x="0" y="1800359"/>
+              <a:ext cx="12192000" cy="0"/>
+            </a:xfrm>
+            <a:prstGeom prst="line">
+              <a:avLst/>
+            </a:prstGeom>
+            <a:ln w="12700">
+              <a:solidFill>
+                <a:srgbClr val="BCBCBC">
+                  <a:alpha val="29804"/>
+                </a:srgbClr>
+              </a:solidFill>
+              <a:prstDash val="sysDot"/>
+            </a:ln>
+          </p:spPr>
+          <p:style>
+            <a:lnRef idx="1">
+              <a:schemeClr val="accent1"/>
+            </a:lnRef>
+            <a:fillRef idx="0">
+              <a:schemeClr val="accent1"/>
+            </a:fillRef>
+            <a:effectRef idx="0">
+              <a:schemeClr val="accent1"/>
+            </a:effectRef>
+            <a:fontRef idx="minor">
+              <a:schemeClr val="tx1"/>
+            </a:fontRef>
+          </p:style>
+        </p:cxnSp>
+        <p:cxnSp>
+          <p:nvCxnSpPr>
+            <p:cNvPr id="69" name="Straight Connector 68">
+              <a:extLst>
+                <a:ext uri="{FF2B5EF4-FFF2-40B4-BE49-F238E27FC236}">
+                  <a16:creationId xmlns:a16="http://schemas.microsoft.com/office/drawing/2014/main" id="{468F31ED-A97B-4A9A-9F56-221FFB7A317E}"/>
+                </a:ext>
+                <a:ext uri="{C183D7F6-B498-43B3-948B-1728B52AA6E4}">
+                  <adec:decorative xmlns:adec="http://schemas.microsoft.com/office/drawing/2017/decorative" val="1"/>
+                </a:ext>
+              </a:extLst>
+            </p:cNvPr>
+            <p:cNvCxnSpPr>
+              <a:cxnSpLocks/>
+            </p:cNvCxnSpPr>
+            <p:nvPr>
+              <p:extLst>
+                <p:ext uri="{386F3935-93C4-4BCD-93E2-E3B085C9AB24}">
+                  <p16:designElem xmlns:p16="http://schemas.microsoft.com/office/powerpoint/2015/main" val="1"/>
+                </p:ext>
+              </p:extLst>
+            </p:nvPr>
+          </p:nvCxnSpPr>
+          <p:spPr>
+            <a:xfrm>
+              <a:off x="0" y="2343240"/>
+              <a:ext cx="12192000" cy="0"/>
+            </a:xfrm>
+            <a:prstGeom prst="line">
+              <a:avLst/>
+            </a:prstGeom>
+            <a:ln w="12700">
+              <a:solidFill>
+                <a:srgbClr val="BCBCBC">
+                  <a:alpha val="29804"/>
+                </a:srgbClr>
+              </a:solidFill>
+              <a:prstDash val="sysDot"/>
+            </a:ln>
+          </p:spPr>
+          <p:style>
+            <a:lnRef idx="1">
+              <a:schemeClr val="accent1"/>
+            </a:lnRef>
+            <a:fillRef idx="0">
+              <a:schemeClr val="accent1"/>
+            </a:fillRef>
+            <a:effectRef idx="0">
+              <a:schemeClr val="accent1"/>
+            </a:effectRef>
+            <a:fontRef idx="minor">
+              <a:schemeClr val="tx1"/>
+            </a:fontRef>
+          </p:style>
+        </p:cxnSp>
+        <p:cxnSp>
+          <p:nvCxnSpPr>
+            <p:cNvPr id="70" name="Straight Connector 69">
+              <a:extLst>
+                <a:ext uri="{FF2B5EF4-FFF2-40B4-BE49-F238E27FC236}">
+                  <a16:creationId xmlns:a16="http://schemas.microsoft.com/office/drawing/2014/main" id="{F362574E-3A61-4C31-915F-F541B7BE0844}"/>
+                </a:ext>
+                <a:ext uri="{C183D7F6-B498-43B3-948B-1728B52AA6E4}">
+                  <adec:decorative xmlns:adec="http://schemas.microsoft.com/office/drawing/2017/decorative" val="1"/>
+                </a:ext>
+              </a:extLst>
+            </p:cNvPr>
+            <p:cNvCxnSpPr>
+              <a:cxnSpLocks/>
+            </p:cNvCxnSpPr>
+            <p:nvPr>
+              <p:extLst>
+                <p:ext uri="{386F3935-93C4-4BCD-93E2-E3B085C9AB24}">
+                  <p16:designElem xmlns:p16="http://schemas.microsoft.com/office/powerpoint/2015/main" val="1"/>
+                </p:ext>
+              </p:extLst>
+            </p:nvPr>
+          </p:nvCxnSpPr>
+          <p:spPr>
+            <a:xfrm>
+              <a:off x="0" y="2886121"/>
+              <a:ext cx="12192000" cy="0"/>
+            </a:xfrm>
+            <a:prstGeom prst="line">
+              <a:avLst/>
+            </a:prstGeom>
+            <a:ln w="12700">
+              <a:solidFill>
+                <a:srgbClr val="BCBCBC">
+                  <a:alpha val="29804"/>
+                </a:srgbClr>
+              </a:solidFill>
+              <a:prstDash val="sysDot"/>
+            </a:ln>
+          </p:spPr>
+          <p:style>
+            <a:lnRef idx="1">
+              <a:schemeClr val="accent1"/>
+            </a:lnRef>
+            <a:fillRef idx="0">
+              <a:schemeClr val="accent1"/>
+            </a:fillRef>
+            <a:effectRef idx="0">
+              <a:schemeClr val="accent1"/>
+            </a:effectRef>
+            <a:fontRef idx="minor">
+              <a:schemeClr val="tx1"/>
+            </a:fontRef>
+          </p:style>
+        </p:cxnSp>
+        <p:cxnSp>
+          <p:nvCxnSpPr>
+            <p:cNvPr id="71" name="Straight Connector 70">
+              <a:extLst>
+                <a:ext uri="{FF2B5EF4-FFF2-40B4-BE49-F238E27FC236}">
+                  <a16:creationId xmlns:a16="http://schemas.microsoft.com/office/drawing/2014/main" id="{132BD431-3E1E-4528-AC59-5A23CE4CBA34}"/>
+                </a:ext>
+                <a:ext uri="{C183D7F6-B498-43B3-948B-1728B52AA6E4}">
+                  <adec:decorative xmlns:adec="http://schemas.microsoft.com/office/drawing/2017/decorative" val="1"/>
+                </a:ext>
+              </a:extLst>
+            </p:cNvPr>
+            <p:cNvCxnSpPr>
+              <a:cxnSpLocks/>
+            </p:cNvCxnSpPr>
+            <p:nvPr>
+              <p:extLst>
+                <p:ext uri="{386F3935-93C4-4BCD-93E2-E3B085C9AB24}">
+                  <p16:designElem xmlns:p16="http://schemas.microsoft.com/office/powerpoint/2015/main" val="1"/>
+                </p:ext>
+              </p:extLst>
+            </p:nvPr>
+          </p:nvCxnSpPr>
+          <p:spPr>
+            <a:xfrm>
+              <a:off x="0" y="3429002"/>
+              <a:ext cx="12192000" cy="0"/>
+            </a:xfrm>
+            <a:prstGeom prst="line">
+              <a:avLst/>
+            </a:prstGeom>
+            <a:ln w="12700">
+              <a:solidFill>
+                <a:srgbClr val="BCBCBC">
+                  <a:alpha val="29804"/>
+                </a:srgbClr>
+              </a:solidFill>
+              <a:prstDash val="sysDot"/>
+            </a:ln>
+          </p:spPr>
+          <p:style>
+            <a:lnRef idx="1">
+              <a:schemeClr val="accent1"/>
+            </a:lnRef>
+            <a:fillRef idx="0">
+              <a:schemeClr val="accent1"/>
+            </a:fillRef>
+            <a:effectRef idx="0">
+              <a:schemeClr val="accent1"/>
+            </a:effectRef>
+            <a:fontRef idx="minor">
+              <a:schemeClr val="tx1"/>
+            </a:fontRef>
+          </p:style>
+        </p:cxnSp>
+        <p:cxnSp>
+          <p:nvCxnSpPr>
+            <p:cNvPr id="72" name="Straight Connector 71">
+              <a:extLst>
+                <a:ext uri="{FF2B5EF4-FFF2-40B4-BE49-F238E27FC236}">
+                  <a16:creationId xmlns:a16="http://schemas.microsoft.com/office/drawing/2014/main" id="{7DE7131F-209C-4427-96DA-26E0E973EE4B}"/>
+                </a:ext>
+                <a:ext uri="{C183D7F6-B498-43B3-948B-1728B52AA6E4}">
+                  <adec:decorative xmlns:adec="http://schemas.microsoft.com/office/drawing/2017/decorative" val="1"/>
+                </a:ext>
+              </a:extLst>
+            </p:cNvPr>
+            <p:cNvCxnSpPr>
+              <a:cxnSpLocks/>
+            </p:cNvCxnSpPr>
+            <p:nvPr>
+              <p:extLst>
+                <p:ext uri="{386F3935-93C4-4BCD-93E2-E3B085C9AB24}">
+                  <p16:designElem xmlns:p16="http://schemas.microsoft.com/office/powerpoint/2015/main" val="1"/>
+                </p:ext>
+              </p:extLst>
+            </p:nvPr>
+          </p:nvCxnSpPr>
+          <p:spPr>
+            <a:xfrm>
+              <a:off x="0" y="3971883"/>
+              <a:ext cx="12192000" cy="0"/>
+            </a:xfrm>
+            <a:prstGeom prst="line">
+              <a:avLst/>
+            </a:prstGeom>
+            <a:ln w="12700">
+              <a:solidFill>
+                <a:srgbClr val="BCBCBC">
+                  <a:alpha val="29804"/>
+                </a:srgbClr>
+              </a:solidFill>
+              <a:prstDash val="sysDot"/>
+            </a:ln>
+          </p:spPr>
+          <p:style>
+            <a:lnRef idx="1">
+              <a:schemeClr val="accent1"/>
+            </a:lnRef>
+            <a:fillRef idx="0">
+              <a:schemeClr val="accent1"/>
+            </a:fillRef>
+            <a:effectRef idx="0">
+              <a:schemeClr val="accent1"/>
+            </a:effectRef>
+            <a:fontRef idx="minor">
+              <a:schemeClr val="tx1"/>
+            </a:fontRef>
+          </p:style>
+        </p:cxnSp>
+        <p:cxnSp>
+          <p:nvCxnSpPr>
+            <p:cNvPr id="73" name="Straight Connector 72">
+              <a:extLst>
+                <a:ext uri="{FF2B5EF4-FFF2-40B4-BE49-F238E27FC236}">
+                  <a16:creationId xmlns:a16="http://schemas.microsoft.com/office/drawing/2014/main" id="{3283DFDB-6A1C-41B8-B590-9660646991E4}"/>
+                </a:ext>
+                <a:ext uri="{C183D7F6-B498-43B3-948B-1728B52AA6E4}">
+                  <adec:decorative xmlns:adec="http://schemas.microsoft.com/office/drawing/2017/decorative" val="1"/>
+                </a:ext>
+              </a:extLst>
+            </p:cNvPr>
+            <p:cNvCxnSpPr>
+              <a:cxnSpLocks/>
+            </p:cNvCxnSpPr>
+            <p:nvPr>
+              <p:extLst>
+                <p:ext uri="{386F3935-93C4-4BCD-93E2-E3B085C9AB24}">
+                  <p16:designElem xmlns:p16="http://schemas.microsoft.com/office/powerpoint/2015/main" val="1"/>
+                </p:ext>
+              </p:extLst>
+            </p:nvPr>
+          </p:nvCxnSpPr>
+          <p:spPr>
+            <a:xfrm>
+              <a:off x="0" y="4514764"/>
+              <a:ext cx="12192000" cy="0"/>
+            </a:xfrm>
+            <a:prstGeom prst="line">
+              <a:avLst/>
+            </a:prstGeom>
+            <a:ln w="12700">
+              <a:solidFill>
+                <a:srgbClr val="BCBCBC">
+                  <a:alpha val="29804"/>
+                </a:srgbClr>
+              </a:solidFill>
+              <a:prstDash val="sysDot"/>
+            </a:ln>
+          </p:spPr>
+          <p:style>
+            <a:lnRef idx="1">
+              <a:schemeClr val="accent1"/>
+            </a:lnRef>
+            <a:fillRef idx="0">
+              <a:schemeClr val="accent1"/>
+            </a:fillRef>
+            <a:effectRef idx="0">
+              <a:schemeClr val="accent1"/>
+            </a:effectRef>
+            <a:fontRef idx="minor">
+              <a:schemeClr val="tx1"/>
+            </a:fontRef>
+          </p:style>
+        </p:cxnSp>
+        <p:cxnSp>
+          <p:nvCxnSpPr>
+            <p:cNvPr id="74" name="Straight Connector 73">
+              <a:extLst>
+                <a:ext uri="{FF2B5EF4-FFF2-40B4-BE49-F238E27FC236}">
+                  <a16:creationId xmlns:a16="http://schemas.microsoft.com/office/drawing/2014/main" id="{1DA3D6B3-30E3-4C45-A709-4F775DB84678}"/>
+                </a:ext>
+                <a:ext uri="{C183D7F6-B498-43B3-948B-1728B52AA6E4}">
+                  <adec:decorative xmlns:adec="http://schemas.microsoft.com/office/drawing/2017/decorative" val="1"/>
+                </a:ext>
+              </a:extLst>
+            </p:cNvPr>
+            <p:cNvCxnSpPr>
+              <a:cxnSpLocks/>
+            </p:cNvCxnSpPr>
+            <p:nvPr>
+              <p:extLst>
+                <p:ext uri="{386F3935-93C4-4BCD-93E2-E3B085C9AB24}">
+                  <p16:designElem xmlns:p16="http://schemas.microsoft.com/office/powerpoint/2015/main" val="1"/>
+                </p:ext>
+              </p:extLst>
+            </p:nvPr>
+          </p:nvCxnSpPr>
+          <p:spPr>
+            <a:xfrm>
+              <a:off x="0" y="5057645"/>
+              <a:ext cx="12192000" cy="0"/>
+            </a:xfrm>
+            <a:prstGeom prst="line">
+              <a:avLst/>
+            </a:prstGeom>
+            <a:ln w="12700">
+              <a:solidFill>
+                <a:srgbClr val="BCBCBC">
+                  <a:alpha val="29804"/>
+                </a:srgbClr>
+              </a:solidFill>
+              <a:prstDash val="sysDot"/>
+            </a:ln>
+          </p:spPr>
+          <p:style>
+            <a:lnRef idx="1">
+              <a:schemeClr val="accent1"/>
+            </a:lnRef>
+            <a:fillRef idx="0">
+              <a:schemeClr val="accent1"/>
+            </a:fillRef>
+            <a:effectRef idx="0">
+              <a:schemeClr val="accent1"/>
+            </a:effectRef>
+            <a:fontRef idx="minor">
+              <a:schemeClr val="tx1"/>
+            </a:fontRef>
+          </p:style>
+        </p:cxnSp>
+        <p:cxnSp>
+          <p:nvCxnSpPr>
+            <p:cNvPr id="75" name="Straight Connector 74">
+              <a:extLst>
+                <a:ext uri="{FF2B5EF4-FFF2-40B4-BE49-F238E27FC236}">
+                  <a16:creationId xmlns:a16="http://schemas.microsoft.com/office/drawing/2014/main" id="{8F481924-9C4A-4A91-8AB4-D796F33D7365}"/>
+                </a:ext>
+                <a:ext uri="{C183D7F6-B498-43B3-948B-1728B52AA6E4}">
+                  <adec:decorative xmlns:adec="http://schemas.microsoft.com/office/drawing/2017/decorative" val="1"/>
+                </a:ext>
+              </a:extLst>
+            </p:cNvPr>
+            <p:cNvCxnSpPr>
+              <a:cxnSpLocks/>
+            </p:cNvCxnSpPr>
+            <p:nvPr>
+              <p:extLst>
+                <p:ext uri="{386F3935-93C4-4BCD-93E2-E3B085C9AB24}">
+                  <p16:designElem xmlns:p16="http://schemas.microsoft.com/office/powerpoint/2015/main" val="1"/>
+                </p:ext>
+              </p:extLst>
+            </p:nvPr>
+          </p:nvCxnSpPr>
+          <p:spPr>
+            <a:xfrm>
+              <a:off x="0" y="5600526"/>
+              <a:ext cx="12192000" cy="0"/>
+            </a:xfrm>
+            <a:prstGeom prst="line">
+              <a:avLst/>
+            </a:prstGeom>
+            <a:ln w="12700">
+              <a:solidFill>
+                <a:srgbClr val="BCBCBC">
+                  <a:alpha val="29804"/>
+                </a:srgbClr>
+              </a:solidFill>
+              <a:prstDash val="sysDot"/>
+            </a:ln>
+          </p:spPr>
+          <p:style>
+            <a:lnRef idx="1">
+              <a:schemeClr val="accent1"/>
+            </a:lnRef>
+            <a:fillRef idx="0">
+              <a:schemeClr val="accent1"/>
+            </a:fillRef>
+            <a:effectRef idx="0">
+              <a:schemeClr val="accent1"/>
+            </a:effectRef>
+            <a:fontRef idx="minor">
+              <a:schemeClr val="tx1"/>
+            </a:fontRef>
+          </p:style>
+        </p:cxnSp>
+        <p:cxnSp>
+          <p:nvCxnSpPr>
+            <p:cNvPr id="76" name="Straight Connector 75">
+              <a:extLst>
+                <a:ext uri="{FF2B5EF4-FFF2-40B4-BE49-F238E27FC236}">
+                  <a16:creationId xmlns:a16="http://schemas.microsoft.com/office/drawing/2014/main" id="{53787DCF-DA69-4379-94AB-C361DF32605E}"/>
+                </a:ext>
+                <a:ext uri="{C183D7F6-B498-43B3-948B-1728B52AA6E4}">
+                  <adec:decorative xmlns:adec="http://schemas.microsoft.com/office/drawing/2017/decorative" val="1"/>
+                </a:ext>
+              </a:extLst>
+            </p:cNvPr>
+            <p:cNvCxnSpPr>
+              <a:cxnSpLocks/>
+            </p:cNvCxnSpPr>
+            <p:nvPr>
+              <p:extLst>
+                <p:ext uri="{386F3935-93C4-4BCD-93E2-E3B085C9AB24}">
+                  <p16:designElem xmlns:p16="http://schemas.microsoft.com/office/powerpoint/2015/main" val="1"/>
+                </p:ext>
+              </p:extLst>
+            </p:nvPr>
+          </p:nvCxnSpPr>
+          <p:spPr>
+            <a:xfrm>
+              <a:off x="0" y="6857999"/>
+              <a:ext cx="12192000" cy="0"/>
+            </a:xfrm>
+            <a:prstGeom prst="line">
+              <a:avLst/>
+            </a:prstGeom>
+            <a:ln w="12700">
+              <a:solidFill>
+                <a:srgbClr val="BCBCBC">
+                  <a:alpha val="29804"/>
+                </a:srgbClr>
+              </a:solidFill>
+              <a:prstDash val="sysDot"/>
+            </a:ln>
+          </p:spPr>
+          <p:style>
+            <a:lnRef idx="1">
+              <a:schemeClr val="accent1"/>
+            </a:lnRef>
+            <a:fillRef idx="0">
+              <a:schemeClr val="accent1"/>
+            </a:fillRef>
+            <a:effectRef idx="0">
+              <a:schemeClr val="accent1"/>
+            </a:effectRef>
+            <a:fontRef idx="minor">
+              <a:schemeClr val="tx1"/>
+            </a:fontRef>
+          </p:style>
+        </p:cxnSp>
+        <p:cxnSp>
+          <p:nvCxnSpPr>
+            <p:cNvPr id="77" name="Straight Connector 76">
+              <a:extLst>
+                <a:ext uri="{FF2B5EF4-FFF2-40B4-BE49-F238E27FC236}">
+                  <a16:creationId xmlns:a16="http://schemas.microsoft.com/office/drawing/2014/main" id="{753DC9D9-196D-4C02-982F-935945BD57C8}"/>
+                </a:ext>
+                <a:ext uri="{C183D7F6-B498-43B3-948B-1728B52AA6E4}">
+                  <adec:decorative xmlns:adec="http://schemas.microsoft.com/office/drawing/2017/decorative" val="1"/>
+                </a:ext>
+              </a:extLst>
+            </p:cNvPr>
+            <p:cNvCxnSpPr>
+              <a:cxnSpLocks/>
+            </p:cNvCxnSpPr>
+            <p:nvPr>
+              <p:extLst>
+                <p:ext uri="{386F3935-93C4-4BCD-93E2-E3B085C9AB24}">
+                  <p16:designElem xmlns:p16="http://schemas.microsoft.com/office/powerpoint/2015/main" val="1"/>
+                </p:ext>
+              </p:extLst>
+            </p:nvPr>
+          </p:nvCxnSpPr>
+          <p:spPr>
+            <a:xfrm>
+              <a:off x="16613" y="6143407"/>
+              <a:ext cx="12192000" cy="0"/>
+            </a:xfrm>
+            <a:prstGeom prst="line">
+              <a:avLst/>
+            </a:prstGeom>
+            <a:ln w="12700">
+              <a:solidFill>
+                <a:srgbClr val="BCBCBC">
+                  <a:alpha val="29804"/>
+                </a:srgbClr>
+              </a:solidFill>
+              <a:prstDash val="sysDot"/>
+            </a:ln>
+          </p:spPr>
+          <p:style>
+            <a:lnRef idx="1">
+              <a:schemeClr val="accent1"/>
+            </a:lnRef>
+            <a:fillRef idx="0">
+              <a:schemeClr val="accent1"/>
+            </a:fillRef>
+            <a:effectRef idx="0">
+              <a:schemeClr val="accent1"/>
+            </a:effectRef>
+            <a:fontRef idx="minor">
+              <a:schemeClr val="tx1"/>
+            </a:fontRef>
+          </p:style>
+        </p:cxnSp>
+        <p:cxnSp>
+          <p:nvCxnSpPr>
+            <p:cNvPr id="78" name="Straight Connector 77">
+              <a:extLst>
+                <a:ext uri="{FF2B5EF4-FFF2-40B4-BE49-F238E27FC236}">
+                  <a16:creationId xmlns:a16="http://schemas.microsoft.com/office/drawing/2014/main" id="{E2AF9976-A85B-4FAC-ACA0-7B4F06D180B2}"/>
+                </a:ext>
+                <a:ext uri="{C183D7F6-B498-43B3-948B-1728B52AA6E4}">
+                  <adec:decorative xmlns:adec="http://schemas.microsoft.com/office/drawing/2017/decorative" val="1"/>
+                </a:ext>
+              </a:extLst>
+            </p:cNvPr>
+            <p:cNvCxnSpPr>
+              <a:cxnSpLocks/>
+            </p:cNvCxnSpPr>
+            <p:nvPr>
+              <p:extLst>
+                <p:ext uri="{386F3935-93C4-4BCD-93E2-E3B085C9AB24}">
+                  <p16:designElem xmlns:p16="http://schemas.microsoft.com/office/powerpoint/2015/main" val="1"/>
+                </p:ext>
+              </p:extLst>
+            </p:nvPr>
+          </p:nvCxnSpPr>
+          <p:spPr>
+            <a:xfrm>
+              <a:off x="684225" y="171716"/>
+              <a:ext cx="0" cy="6511464"/>
+            </a:xfrm>
+            <a:prstGeom prst="line">
+              <a:avLst/>
+            </a:prstGeom>
+            <a:ln w="12700">
+              <a:solidFill>
+                <a:srgbClr val="BCBCBC">
+                  <a:alpha val="29804"/>
+                </a:srgbClr>
+              </a:solidFill>
+              <a:prstDash val="sysDot"/>
+            </a:ln>
+          </p:spPr>
+          <p:style>
+            <a:lnRef idx="1">
+              <a:schemeClr val="accent1"/>
+            </a:lnRef>
+            <a:fillRef idx="0">
+              <a:schemeClr val="accent1"/>
+            </a:fillRef>
+            <a:effectRef idx="0">
+              <a:schemeClr val="accent1"/>
+            </a:effectRef>
+            <a:fontRef idx="minor">
+              <a:schemeClr val="tx1"/>
+            </a:fontRef>
+          </p:style>
+        </p:cxnSp>
+        <p:cxnSp>
+          <p:nvCxnSpPr>
+            <p:cNvPr id="79" name="Straight Connector 78">
+              <a:extLst>
+                <a:ext uri="{FF2B5EF4-FFF2-40B4-BE49-F238E27FC236}">
+                  <a16:creationId xmlns:a16="http://schemas.microsoft.com/office/drawing/2014/main" id="{BFD38ACD-F4A1-4970-BE99-87B0A04829F7}"/>
+                </a:ext>
+                <a:ext uri="{C183D7F6-B498-43B3-948B-1728B52AA6E4}">
+                  <adec:decorative xmlns:adec="http://schemas.microsoft.com/office/drawing/2017/decorative" val="1"/>
+                </a:ext>
+              </a:extLst>
+            </p:cNvPr>
+            <p:cNvCxnSpPr>
+              <a:cxnSpLocks/>
+            </p:cNvCxnSpPr>
+            <p:nvPr>
+              <p:extLst>
+                <p:ext uri="{386F3935-93C4-4BCD-93E2-E3B085C9AB24}">
+                  <p16:designElem xmlns:p16="http://schemas.microsoft.com/office/powerpoint/2015/main" val="1"/>
+                </p:ext>
+              </p:extLst>
+            </p:nvPr>
+          </p:nvCxnSpPr>
+          <p:spPr>
+            <a:xfrm>
+              <a:off x="11508412" y="173267"/>
+              <a:ext cx="0" cy="6511464"/>
+            </a:xfrm>
+            <a:prstGeom prst="line">
+              <a:avLst/>
+            </a:prstGeom>
+            <a:ln w="12700">
+              <a:solidFill>
+                <a:srgbClr val="BCBCBC">
+                  <a:alpha val="29804"/>
+                </a:srgbClr>
+              </a:solidFill>
+              <a:prstDash val="sysDot"/>
+            </a:ln>
+          </p:spPr>
+          <p:style>
+            <a:lnRef idx="1">
+              <a:schemeClr val="accent1"/>
+            </a:lnRef>
+            <a:fillRef idx="0">
+              <a:schemeClr val="accent1"/>
+            </a:fillRef>
+            <a:effectRef idx="0">
+              <a:schemeClr val="accent1"/>
+            </a:effectRef>
+            <a:fontRef idx="minor">
+              <a:schemeClr val="tx1"/>
+            </a:fontRef>
+          </p:style>
+        </p:cxnSp>
+      </p:grpSp>
+      <p:sp>
+        <p:nvSpPr>
+          <p:cNvPr id="81" name="Right Triangle 80">
+            <a:extLst>
+              <a:ext uri="{FF2B5EF4-FFF2-40B4-BE49-F238E27FC236}">
+                <a16:creationId xmlns:a16="http://schemas.microsoft.com/office/drawing/2014/main" id="{429C64BC-8915-422E-9361-EE04C48FFD40}"/>
+              </a:ext>
+              <a:ext uri="{C183D7F6-B498-43B3-948B-1728B52AA6E4}">
+                <adec:decorative xmlns:adec="http://schemas.microsoft.com/office/drawing/2017/decorative" val="1"/>
+              </a:ext>
+            </a:extLst>
+          </p:cNvPr>
+          <p:cNvSpPr>
+            <a:spLocks noGrp="1" noRot="1" noChangeAspect="1" noMove="1" noResize="1" noEditPoints="1" noAdjustHandles="1" noChangeArrowheads="1" noChangeShapeType="1" noTextEdit="1"/>
+          </p:cNvSpPr>
+          <p:nvPr>
+            <p:extLst>
+              <p:ext uri="{386F3935-93C4-4BCD-93E2-E3B085C9AB24}">
+                <p16:designElem xmlns:p16="http://schemas.microsoft.com/office/powerpoint/2015/main" val="1"/>
+              </p:ext>
+            </p:extLst>
+          </p:nvPr>
+        </p:nvSpPr>
+        <p:spPr>
+          <a:xfrm rot="13500000">
+            <a:off x="-281094" y="2610287"/>
+            <a:ext cx="568289" cy="568289"/>
+          </a:xfrm>
+          <a:prstGeom prst="rtTriangle">
+            <a:avLst/>
+          </a:prstGeom>
+          <a:solidFill>
+            <a:schemeClr val="accent1">
+              <a:alpha val="50000"/>
+            </a:schemeClr>
+          </a:solidFill>
+          <a:ln>
+            <a:noFill/>
+          </a:ln>
+        </p:spPr>
+        <p:style>
+          <a:lnRef idx="2">
+            <a:schemeClr val="accent1">
+              <a:shade val="50000"/>
+            </a:schemeClr>
+          </a:lnRef>
+          <a:fillRef idx="1">
+            <a:schemeClr val="accent1"/>
+          </a:fillRef>
+          <a:effectRef idx="0">
+            <a:schemeClr val="accent1"/>
+          </a:effectRef>
+          <a:fontRef idx="minor">
+            <a:schemeClr val="lt1"/>
+          </a:fontRef>
+        </p:style>
+        <p:txBody>
+          <a:bodyPr rtlCol="0" anchor="ctr"/>
+          <a:lstStyle/>
+          <a:p>
+            <a:pPr algn="ctr"/>
+            <a:endParaRPr lang="en-US">
+              <a:solidFill>
+                <a:schemeClr val="tx1"/>
+              </a:solidFill>
+            </a:endParaRPr>
+          </a:p>
+        </p:txBody>
+      </p:sp>
+      <p:sp>
+        <p:nvSpPr>
+          <p:cNvPr id="2" name="Titel 1">
+            <a:extLst>
+              <a:ext uri="{FF2B5EF4-FFF2-40B4-BE49-F238E27FC236}">
+                <a16:creationId xmlns:a16="http://schemas.microsoft.com/office/drawing/2014/main" id="{3313D2A2-6DB2-21CE-9DEC-8AE5D41E74AE}"/>
+              </a:ext>
+            </a:extLst>
+          </p:cNvPr>
+          <p:cNvSpPr>
+            <a:spLocks noGrp="1"/>
+          </p:cNvSpPr>
+          <p:nvPr>
+            <p:ph type="title"/>
+          </p:nvPr>
+        </p:nvSpPr>
+        <p:spPr>
+          <a:xfrm>
+            <a:off x="802965" y="1570239"/>
+            <a:ext cx="5798932" cy="2534369"/>
+          </a:xfrm>
+        </p:spPr>
+        <p:txBody>
+          <a:bodyPr vert="horz" lIns="91440" tIns="45720" rIns="91440" bIns="45720" rtlCol="0" anchor="b">
+            <a:normAutofit/>
+          </a:bodyPr>
+          <a:lstStyle/>
+          <a:p>
+            <a:r>
+              <a:rPr lang="en-US" sz="9600" dirty="0"/>
+              <a:t>Q &amp; A </a:t>
+            </a:r>
+          </a:p>
+        </p:txBody>
+      </p:sp>
+      <p:pic>
+        <p:nvPicPr>
+          <p:cNvPr id="6" name="Grafik 5" descr="Fragen mit einfarbiger Füllung">
+            <a:extLst>
+              <a:ext uri="{FF2B5EF4-FFF2-40B4-BE49-F238E27FC236}">
+                <a16:creationId xmlns:a16="http://schemas.microsoft.com/office/drawing/2014/main" id="{776CC626-84E1-D2B3-D53E-60C4866B7401}"/>
+              </a:ext>
+            </a:extLst>
+          </p:cNvPr>
+          <p:cNvPicPr>
+            <a:picLocks noChangeAspect="1"/>
+          </p:cNvPicPr>
+          <p:nvPr/>
+        </p:nvPicPr>
+        <p:blipFill>
+          <a:blip r:embed="rId3">
+            <a:extLst>
+              <a:ext uri="{28A0092B-C50C-407E-A947-70E740481C1C}">
+                <a14:useLocalDpi xmlns:a14="http://schemas.microsoft.com/office/drawing/2010/main" val="0"/>
+              </a:ext>
+              <a:ext uri="{96DAC541-7B7A-43D3-8B79-37D633B846F1}">
+                <asvg:svgBlip xmlns:asvg="http://schemas.microsoft.com/office/drawing/2016/SVG/main" r:embed="rId4"/>
+              </a:ext>
+            </a:extLst>
+          </a:blip>
+          <a:stretch>
+            <a:fillRect/>
+          </a:stretch>
+        </p:blipFill>
+        <p:spPr>
+          <a:xfrm>
+            <a:off x="7076284" y="1209097"/>
+            <a:ext cx="4431492" cy="4431492"/>
+          </a:xfrm>
+          <a:prstGeom prst="rect">
+            <a:avLst/>
+          </a:prstGeom>
+        </p:spPr>
+      </p:pic>
+      <p:sp>
+        <p:nvSpPr>
+          <p:cNvPr id="4" name="Foliennummernplatzhalter 3">
+            <a:extLst>
+              <a:ext uri="{FF2B5EF4-FFF2-40B4-BE49-F238E27FC236}">
+                <a16:creationId xmlns:a16="http://schemas.microsoft.com/office/drawing/2014/main" id="{B76D3243-AC80-E25F-8FE3-BADDF856E6FB}"/>
+              </a:ext>
+            </a:extLst>
+          </p:cNvPr>
+          <p:cNvSpPr>
+            <a:spLocks noGrp="1"/>
+          </p:cNvSpPr>
+          <p:nvPr>
+            <p:ph type="sldNum" sz="quarter" idx="12"/>
+          </p:nvPr>
+        </p:nvSpPr>
+        <p:spPr>
+          <a:xfrm>
+            <a:off x="11003649" y="6215870"/>
+            <a:ext cx="979151" cy="417126"/>
+          </a:xfrm>
+        </p:spPr>
+        <p:txBody>
+          <a:bodyPr vert="horz" lIns="91440" tIns="45720" rIns="91440" bIns="45720" rtlCol="0" anchor="ctr">
+            <a:normAutofit/>
+          </a:bodyPr>
+          <a:lstStyle/>
+          <a:p>
+            <a:pPr>
+              <a:spcAft>
+                <a:spcPts val="600"/>
+              </a:spcAft>
+            </a:pPr>
+            <a:fld id="{BE15108C-154A-4A5A-9C05-91A49A422BA7}" type="slidenum">
+              <a:rPr lang="en-US" smtClean="0"/>
+              <a:pPr>
+                <a:spcAft>
+                  <a:spcPts val="600"/>
+                </a:spcAft>
+              </a:pPr>
+              <a:t>10</a:t>
+            </a:fld>
+            <a:endParaRPr lang="en-US"/>
+          </a:p>
+        </p:txBody>
+      </p:sp>
+    </p:spTree>
+    <p:extLst>
+      <p:ext uri="{BB962C8B-B14F-4D97-AF65-F5344CB8AC3E}">
+        <p14:creationId xmlns:p14="http://schemas.microsoft.com/office/powerpoint/2010/main" val="326785379"/>
+      </p:ext>
+    </p:extLst>
+  </p:cSld>
+  <p:clrMapOvr>
+    <a:masterClrMapping/>
+  </p:clrMapOvr>
+</p:sld>
+</file>
+
 <file path=ppt/slides/slide2.xml><?xml version="1.0" encoding="utf-8"?>
 <p:sld xmlns:a="http://schemas.openxmlformats.org/drawingml/2006/main" xmlns:r="http://schemas.openxmlformats.org/officeDocument/2006/relationships" xmlns:p="http://schemas.openxmlformats.org/presentationml/2006/main">
   <p:cSld>
@@ -19317,7 +23935,7 @@
           <p:nvPr/>
         </p:nvPicPr>
         <p:blipFill rotWithShape="1">
-          <a:blip r:embed="rId2"/>
+          <a:blip r:embed="rId3"/>
           <a:srcRect t="-22555" r="-1373"/>
           <a:stretch/>
         </p:blipFill>
@@ -19333,7 +23951,7 @@
       </p:pic>
       <mc:AlternateContent xmlns:mc="http://schemas.openxmlformats.org/markup-compatibility/2006" xmlns:p14="http://schemas.microsoft.com/office/powerpoint/2010/main">
         <mc:Choice Requires="p14">
-          <p:contentPart p14:bwMode="auto" r:id="rId3">
+          <p:contentPart p14:bwMode="auto" r:id="rId4">
             <p14:nvContentPartPr>
               <p14:cNvPr id="9" name="Freihand 8">
                 <a:extLst>
@@ -19365,7 +23983,7 @@
               <p:nvPr/>
             </p:nvPicPr>
             <p:blipFill>
-              <a:blip r:embed="rId4"/>
+              <a:blip r:embed="rId5"/>
               <a:stretch>
                 <a:fillRect/>
               </a:stretch>
@@ -19384,7 +24002,7 @@
       </mc:AlternateContent>
       <mc:AlternateContent xmlns:mc="http://schemas.openxmlformats.org/markup-compatibility/2006" xmlns:p14="http://schemas.microsoft.com/office/powerpoint/2010/main">
         <mc:Choice Requires="p14">
-          <p:contentPart p14:bwMode="auto" r:id="rId5">
+          <p:contentPart p14:bwMode="auto" r:id="rId6">
             <p14:nvContentPartPr>
               <p14:cNvPr id="10" name="Freihand 9">
                 <a:extLst>
@@ -19416,7 +24034,7 @@
               <p:nvPr/>
             </p:nvPicPr>
             <p:blipFill>
-              <a:blip r:embed="rId4"/>
+              <a:blip r:embed="rId5"/>
               <a:stretch>
                 <a:fillRect/>
               </a:stretch>
@@ -19455,7 +24073,7 @@
         </p:grpSpPr>
         <mc:AlternateContent xmlns:mc="http://schemas.openxmlformats.org/markup-compatibility/2006" xmlns:p14="http://schemas.microsoft.com/office/powerpoint/2010/main">
           <mc:Choice Requires="p14">
-            <p:contentPart p14:bwMode="auto" r:id="rId6">
+            <p:contentPart p14:bwMode="auto" r:id="rId7">
               <p14:nvContentPartPr>
                 <p14:cNvPr id="42" name="Freihand 41">
                   <a:extLst>
@@ -19487,7 +24105,7 @@
                 <p:nvPr/>
               </p:nvPicPr>
               <p:blipFill>
-                <a:blip r:embed="rId4"/>
+                <a:blip r:embed="rId5"/>
                 <a:stretch>
                   <a:fillRect/>
                 </a:stretch>
@@ -19506,7 +24124,7 @@
         </mc:AlternateContent>
         <mc:AlternateContent xmlns:mc="http://schemas.openxmlformats.org/markup-compatibility/2006" xmlns:p14="http://schemas.microsoft.com/office/powerpoint/2010/main">
           <mc:Choice Requires="p14">
-            <p:contentPart p14:bwMode="auto" r:id="rId7">
+            <p:contentPart p14:bwMode="auto" r:id="rId8">
               <p14:nvContentPartPr>
                 <p14:cNvPr id="43" name="Freihand 42">
                   <a:extLst>
@@ -19538,7 +24156,7 @@
                 <p:nvPr/>
               </p:nvPicPr>
               <p:blipFill>
-                <a:blip r:embed="rId8"/>
+                <a:blip r:embed="rId9"/>
                 <a:stretch>
                   <a:fillRect/>
                 </a:stretch>
@@ -19578,7 +24196,7 @@
         </p:grpSpPr>
         <mc:AlternateContent xmlns:mc="http://schemas.openxmlformats.org/markup-compatibility/2006" xmlns:p14="http://schemas.microsoft.com/office/powerpoint/2010/main">
           <mc:Choice Requires="p14">
-            <p:contentPart p14:bwMode="auto" r:id="rId9">
+            <p:contentPart p14:bwMode="auto" r:id="rId10">
               <p14:nvContentPartPr>
                 <p14:cNvPr id="45" name="Freihand 44">
                   <a:extLst>
@@ -19610,7 +24228,7 @@
                 <p:nvPr/>
               </p:nvPicPr>
               <p:blipFill>
-                <a:blip r:embed="rId4"/>
+                <a:blip r:embed="rId5"/>
                 <a:stretch>
                   <a:fillRect/>
                 </a:stretch>
@@ -19629,7 +24247,7 @@
         </mc:AlternateContent>
         <mc:AlternateContent xmlns:mc="http://schemas.openxmlformats.org/markup-compatibility/2006" xmlns:p14="http://schemas.microsoft.com/office/powerpoint/2010/main">
           <mc:Choice Requires="p14">
-            <p:contentPart p14:bwMode="auto" r:id="rId10">
+            <p:contentPart p14:bwMode="auto" r:id="rId11">
               <p14:nvContentPartPr>
                 <p14:cNvPr id="46" name="Freihand 45">
                   <a:extLst>
@@ -19661,7 +24279,7 @@
                 <p:nvPr/>
               </p:nvPicPr>
               <p:blipFill>
-                <a:blip r:embed="rId4"/>
+                <a:blip r:embed="rId5"/>
                 <a:stretch>
                   <a:fillRect/>
                 </a:stretch>
@@ -19681,7 +24299,7 @@
       </p:grpSp>
       <mc:AlternateContent xmlns:mc="http://schemas.openxmlformats.org/markup-compatibility/2006" xmlns:p14="http://schemas.microsoft.com/office/powerpoint/2010/main">
         <mc:Choice Requires="p14">
-          <p:contentPart p14:bwMode="auto" r:id="rId11">
+          <p:contentPart p14:bwMode="auto" r:id="rId12">
             <p14:nvContentPartPr>
               <p14:cNvPr id="47" name="Freihand 46">
                 <a:extLst>
@@ -19713,7 +24331,7 @@
               <p:nvPr/>
             </p:nvPicPr>
             <p:blipFill>
-              <a:blip r:embed="rId4"/>
+              <a:blip r:embed="rId5"/>
               <a:stretch>
                 <a:fillRect/>
               </a:stretch>
@@ -19745,7 +24363,7 @@
           <p:nvPr/>
         </p:nvPicPr>
         <p:blipFill>
-          <a:blip r:embed="rId12"/>
+          <a:blip r:embed="rId13"/>
           <a:stretch>
             <a:fillRect/>
           </a:stretch>
@@ -20052,7 +24670,7 @@
           <p:nvPr/>
         </p:nvPicPr>
         <p:blipFill>
-          <a:blip r:embed="rId2"/>
+          <a:blip r:embed="rId3"/>
           <a:stretch>
             <a:fillRect/>
           </a:stretch>
@@ -20082,7 +24700,7 @@
           <p:nvPr/>
         </p:nvPicPr>
         <p:blipFill>
-          <a:blip r:embed="rId3"/>
+          <a:blip r:embed="rId4"/>
           <a:stretch>
             <a:fillRect/>
           </a:stretch>
@@ -20145,7 +24763,7 @@
         </p:nvSpPr>
         <p:spPr>
           <a:xfrm>
-            <a:off x="691079" y="725952"/>
+            <a:off x="678649" y="725952"/>
             <a:ext cx="10325000" cy="672560"/>
           </a:xfrm>
         </p:spPr>
@@ -20389,7 +25007,7 @@
           <p:nvPr/>
         </p:nvPicPr>
         <p:blipFill>
-          <a:blip r:embed="rId2"/>
+          <a:blip r:embed="rId3"/>
           <a:stretch>
             <a:fillRect/>
           </a:stretch>
@@ -20419,7 +25037,7 @@
           <p:nvPr/>
         </p:nvPicPr>
         <p:blipFill>
-          <a:blip r:embed="rId3"/>
+          <a:blip r:embed="rId4"/>
           <a:stretch>
             <a:fillRect/>
           </a:stretch>
@@ -20449,7 +25067,7 @@
           <p:nvPr/>
         </p:nvPicPr>
         <p:blipFill>
-          <a:blip r:embed="rId4"/>
+          <a:blip r:embed="rId5"/>
           <a:stretch>
             <a:fillRect/>
           </a:stretch>
@@ -20480,14 +25098,6 @@
 <file path=ppt/slides/slide9.xml><?xml version="1.0" encoding="utf-8"?>
 <p:sld xmlns:a="http://schemas.openxmlformats.org/drawingml/2006/main" xmlns:r="http://schemas.openxmlformats.org/officeDocument/2006/relationships" xmlns:p="http://schemas.openxmlformats.org/presentationml/2006/main">
   <p:cSld>
-    <p:bg>
-      <p:bgPr>
-        <a:solidFill>
-          <a:schemeClr val="bg1"/>
-        </a:solidFill>
-        <a:effectLst/>
-      </p:bgPr>
-    </p:bg>
     <p:spTree>
       <p:nvGrpSpPr>
         <p:cNvPr id="1" name=""/>
@@ -20502,3762 +25112,12 @@
           <a:chExt cx="0" cy="0"/>
         </a:xfrm>
       </p:grpSpPr>
-      <p:grpSp>
-        <p:nvGrpSpPr>
-          <p:cNvPr id="11" name="Group 10">
-            <a:extLst>
-              <a:ext uri="{FF2B5EF4-FFF2-40B4-BE49-F238E27FC236}">
-                <a16:creationId xmlns:a16="http://schemas.microsoft.com/office/drawing/2014/main" id="{748618E9-EE2D-4864-9EEE-58939BD4FBBA}"/>
-              </a:ext>
-              <a:ext uri="{C183D7F6-B498-43B3-948B-1728B52AA6E4}">
-                <adec:decorative xmlns:adec="http://schemas.microsoft.com/office/drawing/2017/decorative" val="1"/>
-              </a:ext>
-            </a:extLst>
-          </p:cNvPr>
-          <p:cNvGrpSpPr>
-            <a:grpSpLocks noGrp="1" noUngrp="1" noRot="1" noChangeAspect="1" noMove="1" noResize="1"/>
-          </p:cNvGrpSpPr>
-          <p:nvPr>
-            <p:extLst>
-              <p:ext uri="{386F3935-93C4-4BCD-93E2-E3B085C9AB24}">
-                <p16:designElem xmlns:p16="http://schemas.microsoft.com/office/powerpoint/2015/main" val="1"/>
-              </p:ext>
-            </p:extLst>
-          </p:nvPr>
-        </p:nvGrpSpPr>
-        <p:grpSpPr>
-          <a:xfrm>
-            <a:off x="-6214" y="-1"/>
-            <a:ext cx="12214827" cy="6858000"/>
-            <a:chOff x="-6214" y="-1"/>
-            <a:chExt cx="12214827" cy="6858000"/>
-          </a:xfrm>
-        </p:grpSpPr>
-        <p:cxnSp>
-          <p:nvCxnSpPr>
-            <p:cNvPr id="12" name="Straight Connector 11">
-              <a:extLst>
-                <a:ext uri="{FF2B5EF4-FFF2-40B4-BE49-F238E27FC236}">
-                  <a16:creationId xmlns:a16="http://schemas.microsoft.com/office/drawing/2014/main" id="{317D1EC0-23FF-4FC8-B22D-E34878EAA4CC}"/>
-                </a:ext>
-                <a:ext uri="{C183D7F6-B498-43B3-948B-1728B52AA6E4}">
-                  <adec:decorative xmlns:adec="http://schemas.microsoft.com/office/drawing/2017/decorative" val="1"/>
-                </a:ext>
-              </a:extLst>
-            </p:cNvPr>
-            <p:cNvCxnSpPr>
-              <a:cxnSpLocks/>
-            </p:cNvCxnSpPr>
-            <p:nvPr>
-              <p:extLst>
-                <p:ext uri="{386F3935-93C4-4BCD-93E2-E3B085C9AB24}">
-                  <p16:designElem xmlns:p16="http://schemas.microsoft.com/office/powerpoint/2015/main" val="1"/>
-                </p:ext>
-              </p:extLst>
-            </p:nvPr>
-          </p:nvCxnSpPr>
-          <p:spPr>
-            <a:xfrm>
-              <a:off x="-6214" y="6686283"/>
-              <a:ext cx="12192000" cy="0"/>
-            </a:xfrm>
-            <a:prstGeom prst="line">
-              <a:avLst/>
-            </a:prstGeom>
-            <a:ln w="12700">
-              <a:solidFill>
-                <a:srgbClr val="BCBCBC">
-                  <a:alpha val="29804"/>
-                </a:srgbClr>
-              </a:solidFill>
-              <a:prstDash val="sysDot"/>
-            </a:ln>
-          </p:spPr>
-          <p:style>
-            <a:lnRef idx="1">
-              <a:schemeClr val="accent1"/>
-            </a:lnRef>
-            <a:fillRef idx="0">
-              <a:schemeClr val="accent1"/>
-            </a:fillRef>
-            <a:effectRef idx="0">
-              <a:schemeClr val="accent1"/>
-            </a:effectRef>
-            <a:fontRef idx="minor">
-              <a:schemeClr val="tx1"/>
-            </a:fontRef>
-          </p:style>
-        </p:cxnSp>
-        <p:cxnSp>
-          <p:nvCxnSpPr>
-            <p:cNvPr id="13" name="Straight Connector 12">
-              <a:extLst>
-                <a:ext uri="{FF2B5EF4-FFF2-40B4-BE49-F238E27FC236}">
-                  <a16:creationId xmlns:a16="http://schemas.microsoft.com/office/drawing/2014/main" id="{5AB929A7-258C-4469-AAB4-A67D713F7A80}"/>
-                </a:ext>
-                <a:ext uri="{C183D7F6-B498-43B3-948B-1728B52AA6E4}">
-                  <adec:decorative xmlns:adec="http://schemas.microsoft.com/office/drawing/2017/decorative" val="1"/>
-                </a:ext>
-              </a:extLst>
-            </p:cNvPr>
-            <p:cNvCxnSpPr>
-              <a:cxnSpLocks/>
-            </p:cNvCxnSpPr>
-            <p:nvPr>
-              <p:extLst>
-                <p:ext uri="{386F3935-93C4-4BCD-93E2-E3B085C9AB24}">
-                  <p16:designElem xmlns:p16="http://schemas.microsoft.com/office/powerpoint/2015/main" val="1"/>
-                </p:ext>
-              </p:extLst>
-            </p:nvPr>
-          </p:nvCxnSpPr>
-          <p:spPr>
-            <a:xfrm>
-              <a:off x="0" y="-1"/>
-              <a:ext cx="0" cy="6858000"/>
-            </a:xfrm>
-            <a:prstGeom prst="line">
-              <a:avLst/>
-            </a:prstGeom>
-            <a:ln w="12700">
-              <a:solidFill>
-                <a:srgbClr val="BCBCBC">
-                  <a:alpha val="29804"/>
-                </a:srgbClr>
-              </a:solidFill>
-              <a:prstDash val="sysDot"/>
-            </a:ln>
-          </p:spPr>
-          <p:style>
-            <a:lnRef idx="1">
-              <a:schemeClr val="accent1"/>
-            </a:lnRef>
-            <a:fillRef idx="0">
-              <a:schemeClr val="accent1"/>
-            </a:fillRef>
-            <a:effectRef idx="0">
-              <a:schemeClr val="accent1"/>
-            </a:effectRef>
-            <a:fontRef idx="minor">
-              <a:schemeClr val="tx1"/>
-            </a:fontRef>
-          </p:style>
-        </p:cxnSp>
-        <p:cxnSp>
-          <p:nvCxnSpPr>
-            <p:cNvPr id="14" name="Straight Connector 13">
-              <a:extLst>
-                <a:ext uri="{FF2B5EF4-FFF2-40B4-BE49-F238E27FC236}">
-                  <a16:creationId xmlns:a16="http://schemas.microsoft.com/office/drawing/2014/main" id="{DA635CDB-2D00-49D5-B26E-0694A25000C7}"/>
-                </a:ext>
-                <a:ext uri="{C183D7F6-B498-43B3-948B-1728B52AA6E4}">
-                  <adec:decorative xmlns:adec="http://schemas.microsoft.com/office/drawing/2017/decorative" val="1"/>
-                </a:ext>
-              </a:extLst>
-            </p:cNvPr>
-            <p:cNvCxnSpPr>
-              <a:cxnSpLocks/>
-            </p:cNvCxnSpPr>
-            <p:nvPr>
-              <p:extLst>
-                <p:ext uri="{386F3935-93C4-4BCD-93E2-E3B085C9AB24}">
-                  <p16:designElem xmlns:p16="http://schemas.microsoft.com/office/powerpoint/2015/main" val="1"/>
-                </p:ext>
-              </p:extLst>
-            </p:nvPr>
-          </p:nvCxnSpPr>
-          <p:spPr>
-            <a:xfrm>
-              <a:off x="11993258" y="-1"/>
-              <a:ext cx="0" cy="6858000"/>
-            </a:xfrm>
-            <a:prstGeom prst="line">
-              <a:avLst/>
-            </a:prstGeom>
-            <a:ln w="12700">
-              <a:solidFill>
-                <a:srgbClr val="BCBCBC">
-                  <a:alpha val="29804"/>
-                </a:srgbClr>
-              </a:solidFill>
-              <a:prstDash val="sysDot"/>
-            </a:ln>
-          </p:spPr>
-          <p:style>
-            <a:lnRef idx="1">
-              <a:schemeClr val="accent1"/>
-            </a:lnRef>
-            <a:fillRef idx="0">
-              <a:schemeClr val="accent1"/>
-            </a:fillRef>
-            <a:effectRef idx="0">
-              <a:schemeClr val="accent1"/>
-            </a:effectRef>
-            <a:fontRef idx="minor">
-              <a:schemeClr val="tx1"/>
-            </a:fontRef>
-          </p:style>
-        </p:cxnSp>
-        <p:cxnSp>
-          <p:nvCxnSpPr>
-            <p:cNvPr id="15" name="Straight Connector 14">
-              <a:extLst>
-                <a:ext uri="{FF2B5EF4-FFF2-40B4-BE49-F238E27FC236}">
-                  <a16:creationId xmlns:a16="http://schemas.microsoft.com/office/drawing/2014/main" id="{B4288D7A-F857-418D-92F2-368E841B9F27}"/>
-                </a:ext>
-                <a:ext uri="{C183D7F6-B498-43B3-948B-1728B52AA6E4}">
-                  <adec:decorative xmlns:adec="http://schemas.microsoft.com/office/drawing/2017/decorative" val="1"/>
-                </a:ext>
-              </a:extLst>
-            </p:cNvPr>
-            <p:cNvCxnSpPr>
-              <a:cxnSpLocks/>
-            </p:cNvCxnSpPr>
-            <p:nvPr>
-              <p:extLst>
-                <p:ext uri="{386F3935-93C4-4BCD-93E2-E3B085C9AB24}">
-                  <p16:designElem xmlns:p16="http://schemas.microsoft.com/office/powerpoint/2015/main" val="1"/>
-                </p:ext>
-              </p:extLst>
-            </p:nvPr>
-          </p:nvCxnSpPr>
-          <p:spPr>
-            <a:xfrm>
-              <a:off x="192528" y="-1"/>
-              <a:ext cx="0" cy="6858000"/>
-            </a:xfrm>
-            <a:prstGeom prst="line">
-              <a:avLst/>
-            </a:prstGeom>
-            <a:ln w="12700">
-              <a:solidFill>
-                <a:srgbClr val="BCBCBC">
-                  <a:alpha val="29804"/>
-                </a:srgbClr>
-              </a:solidFill>
-              <a:prstDash val="sysDot"/>
-            </a:ln>
-          </p:spPr>
-          <p:style>
-            <a:lnRef idx="1">
-              <a:schemeClr val="accent1"/>
-            </a:lnRef>
-            <a:fillRef idx="0">
-              <a:schemeClr val="accent1"/>
-            </a:fillRef>
-            <a:effectRef idx="0">
-              <a:schemeClr val="accent1"/>
-            </a:effectRef>
-            <a:fontRef idx="minor">
-              <a:schemeClr val="tx1"/>
-            </a:fontRef>
-          </p:style>
-        </p:cxnSp>
-        <p:cxnSp>
-          <p:nvCxnSpPr>
-            <p:cNvPr id="16" name="Straight Connector 15">
-              <a:extLst>
-                <a:ext uri="{FF2B5EF4-FFF2-40B4-BE49-F238E27FC236}">
-                  <a16:creationId xmlns:a16="http://schemas.microsoft.com/office/drawing/2014/main" id="{F1084F50-7F3C-4A4A-877E-FFD9EC7CD88B}"/>
-                </a:ext>
-                <a:ext uri="{C183D7F6-B498-43B3-948B-1728B52AA6E4}">
-                  <adec:decorative xmlns:adec="http://schemas.microsoft.com/office/drawing/2017/decorative" val="1"/>
-                </a:ext>
-              </a:extLst>
-            </p:cNvPr>
-            <p:cNvCxnSpPr>
-              <a:cxnSpLocks/>
-            </p:cNvCxnSpPr>
-            <p:nvPr>
-              <p:extLst>
-                <p:ext uri="{386F3935-93C4-4BCD-93E2-E3B085C9AB24}">
-                  <p16:designElem xmlns:p16="http://schemas.microsoft.com/office/powerpoint/2015/main" val="1"/>
-                </p:ext>
-              </p:extLst>
-            </p:nvPr>
-          </p:nvCxnSpPr>
-          <p:spPr>
-            <a:xfrm>
-              <a:off x="1175922" y="-1"/>
-              <a:ext cx="0" cy="6858000"/>
-            </a:xfrm>
-            <a:prstGeom prst="line">
-              <a:avLst/>
-            </a:prstGeom>
-            <a:ln w="12700">
-              <a:solidFill>
-                <a:srgbClr val="BCBCBC">
-                  <a:alpha val="29804"/>
-                </a:srgbClr>
-              </a:solidFill>
-              <a:prstDash val="sysDot"/>
-            </a:ln>
-          </p:spPr>
-          <p:style>
-            <a:lnRef idx="1">
-              <a:schemeClr val="accent1"/>
-            </a:lnRef>
-            <a:fillRef idx="0">
-              <a:schemeClr val="accent1"/>
-            </a:fillRef>
-            <a:effectRef idx="0">
-              <a:schemeClr val="accent1"/>
-            </a:effectRef>
-            <a:fontRef idx="minor">
-              <a:schemeClr val="tx1"/>
-            </a:fontRef>
-          </p:style>
-        </p:cxnSp>
-        <p:cxnSp>
-          <p:nvCxnSpPr>
-            <p:cNvPr id="17" name="Straight Connector 16">
-              <a:extLst>
-                <a:ext uri="{FF2B5EF4-FFF2-40B4-BE49-F238E27FC236}">
-                  <a16:creationId xmlns:a16="http://schemas.microsoft.com/office/drawing/2014/main" id="{331E64C1-F4C0-4A94-B319-BB1A0A2450B5}"/>
-                </a:ext>
-                <a:ext uri="{C183D7F6-B498-43B3-948B-1728B52AA6E4}">
-                  <adec:decorative xmlns:adec="http://schemas.microsoft.com/office/drawing/2017/decorative" val="1"/>
-                </a:ext>
-              </a:extLst>
-            </p:cNvPr>
-            <p:cNvCxnSpPr>
-              <a:cxnSpLocks/>
-            </p:cNvCxnSpPr>
-            <p:nvPr>
-              <p:extLst>
-                <p:ext uri="{386F3935-93C4-4BCD-93E2-E3B085C9AB24}">
-                  <p16:designElem xmlns:p16="http://schemas.microsoft.com/office/powerpoint/2015/main" val="1"/>
-                </p:ext>
-              </p:extLst>
-            </p:nvPr>
-          </p:nvCxnSpPr>
-          <p:spPr>
-            <a:xfrm>
-              <a:off x="2159316" y="-1"/>
-              <a:ext cx="0" cy="6858000"/>
-            </a:xfrm>
-            <a:prstGeom prst="line">
-              <a:avLst/>
-            </a:prstGeom>
-            <a:ln w="12700">
-              <a:solidFill>
-                <a:srgbClr val="BCBCBC">
-                  <a:alpha val="29804"/>
-                </a:srgbClr>
-              </a:solidFill>
-              <a:prstDash val="sysDot"/>
-            </a:ln>
-          </p:spPr>
-          <p:style>
-            <a:lnRef idx="1">
-              <a:schemeClr val="accent1"/>
-            </a:lnRef>
-            <a:fillRef idx="0">
-              <a:schemeClr val="accent1"/>
-            </a:fillRef>
-            <a:effectRef idx="0">
-              <a:schemeClr val="accent1"/>
-            </a:effectRef>
-            <a:fontRef idx="minor">
-              <a:schemeClr val="tx1"/>
-            </a:fontRef>
-          </p:style>
-        </p:cxnSp>
-        <p:cxnSp>
-          <p:nvCxnSpPr>
-            <p:cNvPr id="18" name="Straight Connector 17">
-              <a:extLst>
-                <a:ext uri="{FF2B5EF4-FFF2-40B4-BE49-F238E27FC236}">
-                  <a16:creationId xmlns:a16="http://schemas.microsoft.com/office/drawing/2014/main" id="{363D8374-8052-417F-AB69-B97EAC43D513}"/>
-                </a:ext>
-                <a:ext uri="{C183D7F6-B498-43B3-948B-1728B52AA6E4}">
-                  <adec:decorative xmlns:adec="http://schemas.microsoft.com/office/drawing/2017/decorative" val="1"/>
-                </a:ext>
-              </a:extLst>
-            </p:cNvPr>
-            <p:cNvCxnSpPr>
-              <a:cxnSpLocks/>
-            </p:cNvCxnSpPr>
-            <p:nvPr>
-              <p:extLst>
-                <p:ext uri="{386F3935-93C4-4BCD-93E2-E3B085C9AB24}">
-                  <p16:designElem xmlns:p16="http://schemas.microsoft.com/office/powerpoint/2015/main" val="1"/>
-                </p:ext>
-              </p:extLst>
-            </p:nvPr>
-          </p:nvCxnSpPr>
-          <p:spPr>
-            <a:xfrm>
-              <a:off x="3142710" y="-1"/>
-              <a:ext cx="0" cy="6858000"/>
-            </a:xfrm>
-            <a:prstGeom prst="line">
-              <a:avLst/>
-            </a:prstGeom>
-            <a:ln w="12700">
-              <a:solidFill>
-                <a:srgbClr val="BCBCBC">
-                  <a:alpha val="29804"/>
-                </a:srgbClr>
-              </a:solidFill>
-              <a:prstDash val="sysDot"/>
-            </a:ln>
-          </p:spPr>
-          <p:style>
-            <a:lnRef idx="1">
-              <a:schemeClr val="accent1"/>
-            </a:lnRef>
-            <a:fillRef idx="0">
-              <a:schemeClr val="accent1"/>
-            </a:fillRef>
-            <a:effectRef idx="0">
-              <a:schemeClr val="accent1"/>
-            </a:effectRef>
-            <a:fontRef idx="minor">
-              <a:schemeClr val="tx1"/>
-            </a:fontRef>
-          </p:style>
-        </p:cxnSp>
-        <p:cxnSp>
-          <p:nvCxnSpPr>
-            <p:cNvPr id="19" name="Straight Connector 18">
-              <a:extLst>
-                <a:ext uri="{FF2B5EF4-FFF2-40B4-BE49-F238E27FC236}">
-                  <a16:creationId xmlns:a16="http://schemas.microsoft.com/office/drawing/2014/main" id="{C7750734-4D51-4019-A003-38A3DE49B434}"/>
-                </a:ext>
-                <a:ext uri="{C183D7F6-B498-43B3-948B-1728B52AA6E4}">
-                  <adec:decorative xmlns:adec="http://schemas.microsoft.com/office/drawing/2017/decorative" val="1"/>
-                </a:ext>
-              </a:extLst>
-            </p:cNvPr>
-            <p:cNvCxnSpPr>
-              <a:cxnSpLocks/>
-            </p:cNvCxnSpPr>
-            <p:nvPr>
-              <p:extLst>
-                <p:ext uri="{386F3935-93C4-4BCD-93E2-E3B085C9AB24}">
-                  <p16:designElem xmlns:p16="http://schemas.microsoft.com/office/powerpoint/2015/main" val="1"/>
-                </p:ext>
-              </p:extLst>
-            </p:nvPr>
-          </p:nvCxnSpPr>
-          <p:spPr>
-            <a:xfrm>
-              <a:off x="4126104" y="-1"/>
-              <a:ext cx="0" cy="6858000"/>
-            </a:xfrm>
-            <a:prstGeom prst="line">
-              <a:avLst/>
-            </a:prstGeom>
-            <a:ln w="12700">
-              <a:solidFill>
-                <a:srgbClr val="BCBCBC">
-                  <a:alpha val="29804"/>
-                </a:srgbClr>
-              </a:solidFill>
-              <a:prstDash val="sysDot"/>
-            </a:ln>
-          </p:spPr>
-          <p:style>
-            <a:lnRef idx="1">
-              <a:schemeClr val="accent1"/>
-            </a:lnRef>
-            <a:fillRef idx="0">
-              <a:schemeClr val="accent1"/>
-            </a:fillRef>
-            <a:effectRef idx="0">
-              <a:schemeClr val="accent1"/>
-            </a:effectRef>
-            <a:fontRef idx="minor">
-              <a:schemeClr val="tx1"/>
-            </a:fontRef>
-          </p:style>
-        </p:cxnSp>
-        <p:cxnSp>
-          <p:nvCxnSpPr>
-            <p:cNvPr id="20" name="Straight Connector 19">
-              <a:extLst>
-                <a:ext uri="{FF2B5EF4-FFF2-40B4-BE49-F238E27FC236}">
-                  <a16:creationId xmlns:a16="http://schemas.microsoft.com/office/drawing/2014/main" id="{71B693D1-DBA2-4D3B-9B37-D9EE8C4112F4}"/>
-                </a:ext>
-                <a:ext uri="{C183D7F6-B498-43B3-948B-1728B52AA6E4}">
-                  <adec:decorative xmlns:adec="http://schemas.microsoft.com/office/drawing/2017/decorative" val="1"/>
-                </a:ext>
-              </a:extLst>
-            </p:cNvPr>
-            <p:cNvCxnSpPr>
-              <a:cxnSpLocks/>
-            </p:cNvCxnSpPr>
-            <p:nvPr>
-              <p:extLst>
-                <p:ext uri="{386F3935-93C4-4BCD-93E2-E3B085C9AB24}">
-                  <p16:designElem xmlns:p16="http://schemas.microsoft.com/office/powerpoint/2015/main" val="1"/>
-                </p:ext>
-              </p:extLst>
-            </p:nvPr>
-          </p:nvCxnSpPr>
-          <p:spPr>
-            <a:xfrm>
-              <a:off x="5109498" y="-1"/>
-              <a:ext cx="0" cy="6858000"/>
-            </a:xfrm>
-            <a:prstGeom prst="line">
-              <a:avLst/>
-            </a:prstGeom>
-            <a:ln w="12700">
-              <a:solidFill>
-                <a:srgbClr val="BCBCBC">
-                  <a:alpha val="29804"/>
-                </a:srgbClr>
-              </a:solidFill>
-              <a:prstDash val="sysDot"/>
-            </a:ln>
-          </p:spPr>
-          <p:style>
-            <a:lnRef idx="1">
-              <a:schemeClr val="accent1"/>
-            </a:lnRef>
-            <a:fillRef idx="0">
-              <a:schemeClr val="accent1"/>
-            </a:fillRef>
-            <a:effectRef idx="0">
-              <a:schemeClr val="accent1"/>
-            </a:effectRef>
-            <a:fontRef idx="minor">
-              <a:schemeClr val="tx1"/>
-            </a:fontRef>
-          </p:style>
-        </p:cxnSp>
-        <p:cxnSp>
-          <p:nvCxnSpPr>
-            <p:cNvPr id="21" name="Straight Connector 20">
-              <a:extLst>
-                <a:ext uri="{FF2B5EF4-FFF2-40B4-BE49-F238E27FC236}">
-                  <a16:creationId xmlns:a16="http://schemas.microsoft.com/office/drawing/2014/main" id="{1BCD3EA8-E4C0-4AF6-817F-F9F29157A499}"/>
-                </a:ext>
-                <a:ext uri="{C183D7F6-B498-43B3-948B-1728B52AA6E4}">
-                  <adec:decorative xmlns:adec="http://schemas.microsoft.com/office/drawing/2017/decorative" val="1"/>
-                </a:ext>
-              </a:extLst>
-            </p:cNvPr>
-            <p:cNvCxnSpPr>
-              <a:cxnSpLocks/>
-            </p:cNvCxnSpPr>
-            <p:nvPr>
-              <p:extLst>
-                <p:ext uri="{386F3935-93C4-4BCD-93E2-E3B085C9AB24}">
-                  <p16:designElem xmlns:p16="http://schemas.microsoft.com/office/powerpoint/2015/main" val="1"/>
-                </p:ext>
-              </p:extLst>
-            </p:nvPr>
-          </p:nvCxnSpPr>
-          <p:spPr>
-            <a:xfrm>
-              <a:off x="6092892" y="-1"/>
-              <a:ext cx="0" cy="6858000"/>
-            </a:xfrm>
-            <a:prstGeom prst="line">
-              <a:avLst/>
-            </a:prstGeom>
-            <a:ln w="12700">
-              <a:solidFill>
-                <a:srgbClr val="BCBCBC">
-                  <a:alpha val="29804"/>
-                </a:srgbClr>
-              </a:solidFill>
-              <a:prstDash val="sysDot"/>
-            </a:ln>
-          </p:spPr>
-          <p:style>
-            <a:lnRef idx="1">
-              <a:schemeClr val="accent1"/>
-            </a:lnRef>
-            <a:fillRef idx="0">
-              <a:schemeClr val="accent1"/>
-            </a:fillRef>
-            <a:effectRef idx="0">
-              <a:schemeClr val="accent1"/>
-            </a:effectRef>
-            <a:fontRef idx="minor">
-              <a:schemeClr val="tx1"/>
-            </a:fontRef>
-          </p:style>
-        </p:cxnSp>
-        <p:cxnSp>
-          <p:nvCxnSpPr>
-            <p:cNvPr id="22" name="Straight Connector 21">
-              <a:extLst>
-                <a:ext uri="{FF2B5EF4-FFF2-40B4-BE49-F238E27FC236}">
-                  <a16:creationId xmlns:a16="http://schemas.microsoft.com/office/drawing/2014/main" id="{7A170FB3-B397-4AC9-85FD-65388F26D90A}"/>
-                </a:ext>
-                <a:ext uri="{C183D7F6-B498-43B3-948B-1728B52AA6E4}">
-                  <adec:decorative xmlns:adec="http://schemas.microsoft.com/office/drawing/2017/decorative" val="1"/>
-                </a:ext>
-              </a:extLst>
-            </p:cNvPr>
-            <p:cNvCxnSpPr>
-              <a:cxnSpLocks/>
-            </p:cNvCxnSpPr>
-            <p:nvPr>
-              <p:extLst>
-                <p:ext uri="{386F3935-93C4-4BCD-93E2-E3B085C9AB24}">
-                  <p16:designElem xmlns:p16="http://schemas.microsoft.com/office/powerpoint/2015/main" val="1"/>
-                </p:ext>
-              </p:extLst>
-            </p:nvPr>
-          </p:nvCxnSpPr>
-          <p:spPr>
-            <a:xfrm>
-              <a:off x="7076286" y="-1"/>
-              <a:ext cx="0" cy="6858000"/>
-            </a:xfrm>
-            <a:prstGeom prst="line">
-              <a:avLst/>
-            </a:prstGeom>
-            <a:ln w="12700">
-              <a:solidFill>
-                <a:srgbClr val="BCBCBC">
-                  <a:alpha val="29804"/>
-                </a:srgbClr>
-              </a:solidFill>
-              <a:prstDash val="sysDot"/>
-            </a:ln>
-          </p:spPr>
-          <p:style>
-            <a:lnRef idx="1">
-              <a:schemeClr val="accent1"/>
-            </a:lnRef>
-            <a:fillRef idx="0">
-              <a:schemeClr val="accent1"/>
-            </a:fillRef>
-            <a:effectRef idx="0">
-              <a:schemeClr val="accent1"/>
-            </a:effectRef>
-            <a:fontRef idx="minor">
-              <a:schemeClr val="tx1"/>
-            </a:fontRef>
-          </p:style>
-        </p:cxnSp>
-        <p:cxnSp>
-          <p:nvCxnSpPr>
-            <p:cNvPr id="23" name="Straight Connector 22">
-              <a:extLst>
-                <a:ext uri="{FF2B5EF4-FFF2-40B4-BE49-F238E27FC236}">
-                  <a16:creationId xmlns:a16="http://schemas.microsoft.com/office/drawing/2014/main" id="{BE5EC0B9-49C7-4777-AEC5-B5EF8DE40498}"/>
-                </a:ext>
-                <a:ext uri="{C183D7F6-B498-43B3-948B-1728B52AA6E4}">
-                  <adec:decorative xmlns:adec="http://schemas.microsoft.com/office/drawing/2017/decorative" val="1"/>
-                </a:ext>
-              </a:extLst>
-            </p:cNvPr>
-            <p:cNvCxnSpPr>
-              <a:cxnSpLocks/>
-            </p:cNvCxnSpPr>
-            <p:nvPr>
-              <p:extLst>
-                <p:ext uri="{386F3935-93C4-4BCD-93E2-E3B085C9AB24}">
-                  <p16:designElem xmlns:p16="http://schemas.microsoft.com/office/powerpoint/2015/main" val="1"/>
-                </p:ext>
-              </p:extLst>
-            </p:nvPr>
-          </p:nvCxnSpPr>
-          <p:spPr>
-            <a:xfrm>
-              <a:off x="8059680" y="-1"/>
-              <a:ext cx="0" cy="6858000"/>
-            </a:xfrm>
-            <a:prstGeom prst="line">
-              <a:avLst/>
-            </a:prstGeom>
-            <a:ln w="12700">
-              <a:solidFill>
-                <a:srgbClr val="BCBCBC">
-                  <a:alpha val="29804"/>
-                </a:srgbClr>
-              </a:solidFill>
-              <a:prstDash val="sysDot"/>
-            </a:ln>
-          </p:spPr>
-          <p:style>
-            <a:lnRef idx="1">
-              <a:schemeClr val="accent1"/>
-            </a:lnRef>
-            <a:fillRef idx="0">
-              <a:schemeClr val="accent1"/>
-            </a:fillRef>
-            <a:effectRef idx="0">
-              <a:schemeClr val="accent1"/>
-            </a:effectRef>
-            <a:fontRef idx="minor">
-              <a:schemeClr val="tx1"/>
-            </a:fontRef>
-          </p:style>
-        </p:cxnSp>
-        <p:cxnSp>
-          <p:nvCxnSpPr>
-            <p:cNvPr id="24" name="Straight Connector 23">
-              <a:extLst>
-                <a:ext uri="{FF2B5EF4-FFF2-40B4-BE49-F238E27FC236}">
-                  <a16:creationId xmlns:a16="http://schemas.microsoft.com/office/drawing/2014/main" id="{7902048B-30F7-4434-87A5-140F9BB4BEB1}"/>
-                </a:ext>
-                <a:ext uri="{C183D7F6-B498-43B3-948B-1728B52AA6E4}">
-                  <adec:decorative xmlns:adec="http://schemas.microsoft.com/office/drawing/2017/decorative" val="1"/>
-                </a:ext>
-              </a:extLst>
-            </p:cNvPr>
-            <p:cNvCxnSpPr>
-              <a:cxnSpLocks/>
-            </p:cNvCxnSpPr>
-            <p:nvPr>
-              <p:extLst>
-                <p:ext uri="{386F3935-93C4-4BCD-93E2-E3B085C9AB24}">
-                  <p16:designElem xmlns:p16="http://schemas.microsoft.com/office/powerpoint/2015/main" val="1"/>
-                </p:ext>
-              </p:extLst>
-            </p:nvPr>
-          </p:nvCxnSpPr>
-          <p:spPr>
-            <a:xfrm>
-              <a:off x="9043074" y="-1"/>
-              <a:ext cx="0" cy="6858000"/>
-            </a:xfrm>
-            <a:prstGeom prst="line">
-              <a:avLst/>
-            </a:prstGeom>
-            <a:ln w="12700">
-              <a:solidFill>
-                <a:srgbClr val="BCBCBC">
-                  <a:alpha val="29804"/>
-                </a:srgbClr>
-              </a:solidFill>
-              <a:prstDash val="sysDot"/>
-            </a:ln>
-          </p:spPr>
-          <p:style>
-            <a:lnRef idx="1">
-              <a:schemeClr val="accent1"/>
-            </a:lnRef>
-            <a:fillRef idx="0">
-              <a:schemeClr val="accent1"/>
-            </a:fillRef>
-            <a:effectRef idx="0">
-              <a:schemeClr val="accent1"/>
-            </a:effectRef>
-            <a:fontRef idx="minor">
-              <a:schemeClr val="tx1"/>
-            </a:fontRef>
-          </p:style>
-        </p:cxnSp>
-        <p:cxnSp>
-          <p:nvCxnSpPr>
-            <p:cNvPr id="25" name="Straight Connector 24">
-              <a:extLst>
-                <a:ext uri="{FF2B5EF4-FFF2-40B4-BE49-F238E27FC236}">
-                  <a16:creationId xmlns:a16="http://schemas.microsoft.com/office/drawing/2014/main" id="{0500A6E2-A41C-4751-8A4E-9A0C5718D930}"/>
-                </a:ext>
-                <a:ext uri="{C183D7F6-B498-43B3-948B-1728B52AA6E4}">
-                  <adec:decorative xmlns:adec="http://schemas.microsoft.com/office/drawing/2017/decorative" val="1"/>
-                </a:ext>
-              </a:extLst>
-            </p:cNvPr>
-            <p:cNvCxnSpPr>
-              <a:cxnSpLocks/>
-            </p:cNvCxnSpPr>
-            <p:nvPr>
-              <p:extLst>
-                <p:ext uri="{386F3935-93C4-4BCD-93E2-E3B085C9AB24}">
-                  <p16:designElem xmlns:p16="http://schemas.microsoft.com/office/powerpoint/2015/main" val="1"/>
-                </p:ext>
-              </p:extLst>
-            </p:nvPr>
-          </p:nvCxnSpPr>
-          <p:spPr>
-            <a:xfrm>
-              <a:off x="10026468" y="-1"/>
-              <a:ext cx="0" cy="6858000"/>
-            </a:xfrm>
-            <a:prstGeom prst="line">
-              <a:avLst/>
-            </a:prstGeom>
-            <a:ln w="12700">
-              <a:solidFill>
-                <a:srgbClr val="BCBCBC">
-                  <a:alpha val="29804"/>
-                </a:srgbClr>
-              </a:solidFill>
-              <a:prstDash val="sysDot"/>
-            </a:ln>
-          </p:spPr>
-          <p:style>
-            <a:lnRef idx="1">
-              <a:schemeClr val="accent1"/>
-            </a:lnRef>
-            <a:fillRef idx="0">
-              <a:schemeClr val="accent1"/>
-            </a:fillRef>
-            <a:effectRef idx="0">
-              <a:schemeClr val="accent1"/>
-            </a:effectRef>
-            <a:fontRef idx="minor">
-              <a:schemeClr val="tx1"/>
-            </a:fontRef>
-          </p:style>
-        </p:cxnSp>
-        <p:cxnSp>
-          <p:nvCxnSpPr>
-            <p:cNvPr id="26" name="Straight Connector 25">
-              <a:extLst>
-                <a:ext uri="{FF2B5EF4-FFF2-40B4-BE49-F238E27FC236}">
-                  <a16:creationId xmlns:a16="http://schemas.microsoft.com/office/drawing/2014/main" id="{FC259517-7BE7-45F9-81C0-3A6362BF143C}"/>
-                </a:ext>
-                <a:ext uri="{C183D7F6-B498-43B3-948B-1728B52AA6E4}">
-                  <adec:decorative xmlns:adec="http://schemas.microsoft.com/office/drawing/2017/decorative" val="1"/>
-                </a:ext>
-              </a:extLst>
-            </p:cNvPr>
-            <p:cNvCxnSpPr>
-              <a:cxnSpLocks/>
-            </p:cNvCxnSpPr>
-            <p:nvPr>
-              <p:extLst>
-                <p:ext uri="{386F3935-93C4-4BCD-93E2-E3B085C9AB24}">
-                  <p16:designElem xmlns:p16="http://schemas.microsoft.com/office/powerpoint/2015/main" val="1"/>
-                </p:ext>
-              </p:extLst>
-            </p:nvPr>
-          </p:nvCxnSpPr>
-          <p:spPr>
-            <a:xfrm>
-              <a:off x="11009862" y="-1"/>
-              <a:ext cx="0" cy="6858000"/>
-            </a:xfrm>
-            <a:prstGeom prst="line">
-              <a:avLst/>
-            </a:prstGeom>
-            <a:ln w="12700">
-              <a:solidFill>
-                <a:srgbClr val="BCBCBC">
-                  <a:alpha val="29804"/>
-                </a:srgbClr>
-              </a:solidFill>
-              <a:prstDash val="sysDot"/>
-            </a:ln>
-          </p:spPr>
-          <p:style>
-            <a:lnRef idx="1">
-              <a:schemeClr val="accent1"/>
-            </a:lnRef>
-            <a:fillRef idx="0">
-              <a:schemeClr val="accent1"/>
-            </a:fillRef>
-            <a:effectRef idx="0">
-              <a:schemeClr val="accent1"/>
-            </a:effectRef>
-            <a:fontRef idx="minor">
-              <a:schemeClr val="tx1"/>
-            </a:fontRef>
-          </p:style>
-        </p:cxnSp>
-        <p:cxnSp>
-          <p:nvCxnSpPr>
-            <p:cNvPr id="27" name="Straight Connector 26">
-              <a:extLst>
-                <a:ext uri="{FF2B5EF4-FFF2-40B4-BE49-F238E27FC236}">
-                  <a16:creationId xmlns:a16="http://schemas.microsoft.com/office/drawing/2014/main" id="{90652F56-7B71-42B2-AB68-22204A6DF177}"/>
-                </a:ext>
-                <a:ext uri="{C183D7F6-B498-43B3-948B-1728B52AA6E4}">
-                  <adec:decorative xmlns:adec="http://schemas.microsoft.com/office/drawing/2017/decorative" val="1"/>
-                </a:ext>
-              </a:extLst>
-            </p:cNvPr>
-            <p:cNvCxnSpPr>
-              <a:cxnSpLocks/>
-            </p:cNvCxnSpPr>
-            <p:nvPr>
-              <p:extLst>
-                <p:ext uri="{386F3935-93C4-4BCD-93E2-E3B085C9AB24}">
-                  <p16:designElem xmlns:p16="http://schemas.microsoft.com/office/powerpoint/2015/main" val="1"/>
-                </p:ext>
-              </p:extLst>
-            </p:nvPr>
-          </p:nvCxnSpPr>
-          <p:spPr>
-            <a:xfrm>
-              <a:off x="12185786" y="-1"/>
-              <a:ext cx="0" cy="6858000"/>
-            </a:xfrm>
-            <a:prstGeom prst="line">
-              <a:avLst/>
-            </a:prstGeom>
-            <a:ln w="12700">
-              <a:solidFill>
-                <a:srgbClr val="BCBCBC">
-                  <a:alpha val="29804"/>
-                </a:srgbClr>
-              </a:solidFill>
-              <a:prstDash val="sysDot"/>
-            </a:ln>
-          </p:spPr>
-          <p:style>
-            <a:lnRef idx="1">
-              <a:schemeClr val="accent1"/>
-            </a:lnRef>
-            <a:fillRef idx="0">
-              <a:schemeClr val="accent1"/>
-            </a:fillRef>
-            <a:effectRef idx="0">
-              <a:schemeClr val="accent1"/>
-            </a:effectRef>
-            <a:fontRef idx="minor">
-              <a:schemeClr val="tx1"/>
-            </a:fontRef>
-          </p:style>
-        </p:cxnSp>
-        <p:cxnSp>
-          <p:nvCxnSpPr>
-            <p:cNvPr id="28" name="Straight Connector 27">
-              <a:extLst>
-                <a:ext uri="{FF2B5EF4-FFF2-40B4-BE49-F238E27FC236}">
-                  <a16:creationId xmlns:a16="http://schemas.microsoft.com/office/drawing/2014/main" id="{1059830E-1C3D-4D42-8789-524971CB4657}"/>
-                </a:ext>
-                <a:ext uri="{C183D7F6-B498-43B3-948B-1728B52AA6E4}">
-                  <adec:decorative xmlns:adec="http://schemas.microsoft.com/office/drawing/2017/decorative" val="1"/>
-                </a:ext>
-              </a:extLst>
-            </p:cNvPr>
-            <p:cNvCxnSpPr>
-              <a:cxnSpLocks/>
-            </p:cNvCxnSpPr>
-            <p:nvPr>
-              <p:extLst>
-                <p:ext uri="{386F3935-93C4-4BCD-93E2-E3B085C9AB24}">
-                  <p16:designElem xmlns:p16="http://schemas.microsoft.com/office/powerpoint/2015/main" val="1"/>
-                </p:ext>
-              </p:extLst>
-            </p:nvPr>
-          </p:nvCxnSpPr>
-          <p:spPr>
-            <a:xfrm>
-              <a:off x="0" y="171716"/>
-              <a:ext cx="12192000" cy="0"/>
-            </a:xfrm>
-            <a:prstGeom prst="line">
-              <a:avLst/>
-            </a:prstGeom>
-            <a:ln w="12700">
-              <a:solidFill>
-                <a:srgbClr val="BCBCBC">
-                  <a:alpha val="29804"/>
-                </a:srgbClr>
-              </a:solidFill>
-              <a:prstDash val="sysDot"/>
-            </a:ln>
-          </p:spPr>
-          <p:style>
-            <a:lnRef idx="1">
-              <a:schemeClr val="accent1"/>
-            </a:lnRef>
-            <a:fillRef idx="0">
-              <a:schemeClr val="accent1"/>
-            </a:fillRef>
-            <a:effectRef idx="0">
-              <a:schemeClr val="accent1"/>
-            </a:effectRef>
-            <a:fontRef idx="minor">
-              <a:schemeClr val="tx1"/>
-            </a:fontRef>
-          </p:style>
-        </p:cxnSp>
-        <p:cxnSp>
-          <p:nvCxnSpPr>
-            <p:cNvPr id="29" name="Straight Connector 28">
-              <a:extLst>
-                <a:ext uri="{FF2B5EF4-FFF2-40B4-BE49-F238E27FC236}">
-                  <a16:creationId xmlns:a16="http://schemas.microsoft.com/office/drawing/2014/main" id="{B53325A7-86D3-4B52-A7E3-ADDF408B4067}"/>
-                </a:ext>
-                <a:ext uri="{C183D7F6-B498-43B3-948B-1728B52AA6E4}">
-                  <adec:decorative xmlns:adec="http://schemas.microsoft.com/office/drawing/2017/decorative" val="1"/>
-                </a:ext>
-              </a:extLst>
-            </p:cNvPr>
-            <p:cNvCxnSpPr>
-              <a:cxnSpLocks/>
-            </p:cNvCxnSpPr>
-            <p:nvPr>
-              <p:extLst>
-                <p:ext uri="{386F3935-93C4-4BCD-93E2-E3B085C9AB24}">
-                  <p16:designElem xmlns:p16="http://schemas.microsoft.com/office/powerpoint/2015/main" val="1"/>
-                </p:ext>
-              </p:extLst>
-            </p:nvPr>
-          </p:nvCxnSpPr>
-          <p:spPr>
-            <a:xfrm>
-              <a:off x="0" y="714597"/>
-              <a:ext cx="12192000" cy="0"/>
-            </a:xfrm>
-            <a:prstGeom prst="line">
-              <a:avLst/>
-            </a:prstGeom>
-            <a:ln w="12700">
-              <a:solidFill>
-                <a:srgbClr val="BCBCBC">
-                  <a:alpha val="29804"/>
-                </a:srgbClr>
-              </a:solidFill>
-              <a:prstDash val="sysDot"/>
-            </a:ln>
-          </p:spPr>
-          <p:style>
-            <a:lnRef idx="1">
-              <a:schemeClr val="accent1"/>
-            </a:lnRef>
-            <a:fillRef idx="0">
-              <a:schemeClr val="accent1"/>
-            </a:fillRef>
-            <a:effectRef idx="0">
-              <a:schemeClr val="accent1"/>
-            </a:effectRef>
-            <a:fontRef idx="minor">
-              <a:schemeClr val="tx1"/>
-            </a:fontRef>
-          </p:style>
-        </p:cxnSp>
-        <p:cxnSp>
-          <p:nvCxnSpPr>
-            <p:cNvPr id="30" name="Straight Connector 29">
-              <a:extLst>
-                <a:ext uri="{FF2B5EF4-FFF2-40B4-BE49-F238E27FC236}">
-                  <a16:creationId xmlns:a16="http://schemas.microsoft.com/office/drawing/2014/main" id="{6D53F46F-EC12-484C-A4E7-791E57687AC1}"/>
-                </a:ext>
-                <a:ext uri="{C183D7F6-B498-43B3-948B-1728B52AA6E4}">
-                  <adec:decorative xmlns:adec="http://schemas.microsoft.com/office/drawing/2017/decorative" val="1"/>
-                </a:ext>
-              </a:extLst>
-            </p:cNvPr>
-            <p:cNvCxnSpPr>
-              <a:cxnSpLocks/>
-            </p:cNvCxnSpPr>
-            <p:nvPr>
-              <p:extLst>
-                <p:ext uri="{386F3935-93C4-4BCD-93E2-E3B085C9AB24}">
-                  <p16:designElem xmlns:p16="http://schemas.microsoft.com/office/powerpoint/2015/main" val="1"/>
-                </p:ext>
-              </p:extLst>
-            </p:nvPr>
-          </p:nvCxnSpPr>
-          <p:spPr>
-            <a:xfrm>
-              <a:off x="0" y="1257478"/>
-              <a:ext cx="12192000" cy="0"/>
-            </a:xfrm>
-            <a:prstGeom prst="line">
-              <a:avLst/>
-            </a:prstGeom>
-            <a:ln w="12700">
-              <a:solidFill>
-                <a:srgbClr val="BCBCBC">
-                  <a:alpha val="29804"/>
-                </a:srgbClr>
-              </a:solidFill>
-              <a:prstDash val="sysDot"/>
-            </a:ln>
-          </p:spPr>
-          <p:style>
-            <a:lnRef idx="1">
-              <a:schemeClr val="accent1"/>
-            </a:lnRef>
-            <a:fillRef idx="0">
-              <a:schemeClr val="accent1"/>
-            </a:fillRef>
-            <a:effectRef idx="0">
-              <a:schemeClr val="accent1"/>
-            </a:effectRef>
-            <a:fontRef idx="minor">
-              <a:schemeClr val="tx1"/>
-            </a:fontRef>
-          </p:style>
-        </p:cxnSp>
-        <p:cxnSp>
-          <p:nvCxnSpPr>
-            <p:cNvPr id="31" name="Straight Connector 30">
-              <a:extLst>
-                <a:ext uri="{FF2B5EF4-FFF2-40B4-BE49-F238E27FC236}">
-                  <a16:creationId xmlns:a16="http://schemas.microsoft.com/office/drawing/2014/main" id="{464ED9CA-8950-47B8-A9ED-22B45CE15FBC}"/>
-                </a:ext>
-                <a:ext uri="{C183D7F6-B498-43B3-948B-1728B52AA6E4}">
-                  <adec:decorative xmlns:adec="http://schemas.microsoft.com/office/drawing/2017/decorative" val="1"/>
-                </a:ext>
-              </a:extLst>
-            </p:cNvPr>
-            <p:cNvCxnSpPr>
-              <a:cxnSpLocks/>
-            </p:cNvCxnSpPr>
-            <p:nvPr>
-              <p:extLst>
-                <p:ext uri="{386F3935-93C4-4BCD-93E2-E3B085C9AB24}">
-                  <p16:designElem xmlns:p16="http://schemas.microsoft.com/office/powerpoint/2015/main" val="1"/>
-                </p:ext>
-              </p:extLst>
-            </p:nvPr>
-          </p:nvCxnSpPr>
-          <p:spPr>
-            <a:xfrm>
-              <a:off x="0" y="1800359"/>
-              <a:ext cx="12192000" cy="0"/>
-            </a:xfrm>
-            <a:prstGeom prst="line">
-              <a:avLst/>
-            </a:prstGeom>
-            <a:ln w="12700">
-              <a:solidFill>
-                <a:srgbClr val="BCBCBC">
-                  <a:alpha val="29804"/>
-                </a:srgbClr>
-              </a:solidFill>
-              <a:prstDash val="sysDot"/>
-            </a:ln>
-          </p:spPr>
-          <p:style>
-            <a:lnRef idx="1">
-              <a:schemeClr val="accent1"/>
-            </a:lnRef>
-            <a:fillRef idx="0">
-              <a:schemeClr val="accent1"/>
-            </a:fillRef>
-            <a:effectRef idx="0">
-              <a:schemeClr val="accent1"/>
-            </a:effectRef>
-            <a:fontRef idx="minor">
-              <a:schemeClr val="tx1"/>
-            </a:fontRef>
-          </p:style>
-        </p:cxnSp>
-        <p:cxnSp>
-          <p:nvCxnSpPr>
-            <p:cNvPr id="32" name="Straight Connector 31">
-              <a:extLst>
-                <a:ext uri="{FF2B5EF4-FFF2-40B4-BE49-F238E27FC236}">
-                  <a16:creationId xmlns:a16="http://schemas.microsoft.com/office/drawing/2014/main" id="{E4429F7B-9FD7-438F-8ECA-3FCAD0061805}"/>
-                </a:ext>
-                <a:ext uri="{C183D7F6-B498-43B3-948B-1728B52AA6E4}">
-                  <adec:decorative xmlns:adec="http://schemas.microsoft.com/office/drawing/2017/decorative" val="1"/>
-                </a:ext>
-              </a:extLst>
-            </p:cNvPr>
-            <p:cNvCxnSpPr>
-              <a:cxnSpLocks/>
-            </p:cNvCxnSpPr>
-            <p:nvPr>
-              <p:extLst>
-                <p:ext uri="{386F3935-93C4-4BCD-93E2-E3B085C9AB24}">
-                  <p16:designElem xmlns:p16="http://schemas.microsoft.com/office/powerpoint/2015/main" val="1"/>
-                </p:ext>
-              </p:extLst>
-            </p:nvPr>
-          </p:nvCxnSpPr>
-          <p:spPr>
-            <a:xfrm>
-              <a:off x="0" y="2343240"/>
-              <a:ext cx="12192000" cy="0"/>
-            </a:xfrm>
-            <a:prstGeom prst="line">
-              <a:avLst/>
-            </a:prstGeom>
-            <a:ln w="12700">
-              <a:solidFill>
-                <a:srgbClr val="BCBCBC">
-                  <a:alpha val="29804"/>
-                </a:srgbClr>
-              </a:solidFill>
-              <a:prstDash val="sysDot"/>
-            </a:ln>
-          </p:spPr>
-          <p:style>
-            <a:lnRef idx="1">
-              <a:schemeClr val="accent1"/>
-            </a:lnRef>
-            <a:fillRef idx="0">
-              <a:schemeClr val="accent1"/>
-            </a:fillRef>
-            <a:effectRef idx="0">
-              <a:schemeClr val="accent1"/>
-            </a:effectRef>
-            <a:fontRef idx="minor">
-              <a:schemeClr val="tx1"/>
-            </a:fontRef>
-          </p:style>
-        </p:cxnSp>
-        <p:cxnSp>
-          <p:nvCxnSpPr>
-            <p:cNvPr id="33" name="Straight Connector 32">
-              <a:extLst>
-                <a:ext uri="{FF2B5EF4-FFF2-40B4-BE49-F238E27FC236}">
-                  <a16:creationId xmlns:a16="http://schemas.microsoft.com/office/drawing/2014/main" id="{0C558100-D455-4B41-890C-BCC898B2D165}"/>
-                </a:ext>
-                <a:ext uri="{C183D7F6-B498-43B3-948B-1728B52AA6E4}">
-                  <adec:decorative xmlns:adec="http://schemas.microsoft.com/office/drawing/2017/decorative" val="1"/>
-                </a:ext>
-              </a:extLst>
-            </p:cNvPr>
-            <p:cNvCxnSpPr>
-              <a:cxnSpLocks/>
-            </p:cNvCxnSpPr>
-            <p:nvPr>
-              <p:extLst>
-                <p:ext uri="{386F3935-93C4-4BCD-93E2-E3B085C9AB24}">
-                  <p16:designElem xmlns:p16="http://schemas.microsoft.com/office/powerpoint/2015/main" val="1"/>
-                </p:ext>
-              </p:extLst>
-            </p:nvPr>
-          </p:nvCxnSpPr>
-          <p:spPr>
-            <a:xfrm>
-              <a:off x="0" y="2886121"/>
-              <a:ext cx="12192000" cy="0"/>
-            </a:xfrm>
-            <a:prstGeom prst="line">
-              <a:avLst/>
-            </a:prstGeom>
-            <a:ln w="12700">
-              <a:solidFill>
-                <a:srgbClr val="BCBCBC">
-                  <a:alpha val="29804"/>
-                </a:srgbClr>
-              </a:solidFill>
-              <a:prstDash val="sysDot"/>
-            </a:ln>
-          </p:spPr>
-          <p:style>
-            <a:lnRef idx="1">
-              <a:schemeClr val="accent1"/>
-            </a:lnRef>
-            <a:fillRef idx="0">
-              <a:schemeClr val="accent1"/>
-            </a:fillRef>
-            <a:effectRef idx="0">
-              <a:schemeClr val="accent1"/>
-            </a:effectRef>
-            <a:fontRef idx="minor">
-              <a:schemeClr val="tx1"/>
-            </a:fontRef>
-          </p:style>
-        </p:cxnSp>
-        <p:cxnSp>
-          <p:nvCxnSpPr>
-            <p:cNvPr id="34" name="Straight Connector 33">
-              <a:extLst>
-                <a:ext uri="{FF2B5EF4-FFF2-40B4-BE49-F238E27FC236}">
-                  <a16:creationId xmlns:a16="http://schemas.microsoft.com/office/drawing/2014/main" id="{F2886397-398A-4318-BE16-2CBAC1902F9E}"/>
-                </a:ext>
-                <a:ext uri="{C183D7F6-B498-43B3-948B-1728B52AA6E4}">
-                  <adec:decorative xmlns:adec="http://schemas.microsoft.com/office/drawing/2017/decorative" val="1"/>
-                </a:ext>
-              </a:extLst>
-            </p:cNvPr>
-            <p:cNvCxnSpPr>
-              <a:cxnSpLocks/>
-            </p:cNvCxnSpPr>
-            <p:nvPr>
-              <p:extLst>
-                <p:ext uri="{386F3935-93C4-4BCD-93E2-E3B085C9AB24}">
-                  <p16:designElem xmlns:p16="http://schemas.microsoft.com/office/powerpoint/2015/main" val="1"/>
-                </p:ext>
-              </p:extLst>
-            </p:nvPr>
-          </p:nvCxnSpPr>
-          <p:spPr>
-            <a:xfrm>
-              <a:off x="0" y="3429002"/>
-              <a:ext cx="12192000" cy="0"/>
-            </a:xfrm>
-            <a:prstGeom prst="line">
-              <a:avLst/>
-            </a:prstGeom>
-            <a:ln w="12700">
-              <a:solidFill>
-                <a:srgbClr val="BCBCBC">
-                  <a:alpha val="29804"/>
-                </a:srgbClr>
-              </a:solidFill>
-              <a:prstDash val="sysDot"/>
-            </a:ln>
-          </p:spPr>
-          <p:style>
-            <a:lnRef idx="1">
-              <a:schemeClr val="accent1"/>
-            </a:lnRef>
-            <a:fillRef idx="0">
-              <a:schemeClr val="accent1"/>
-            </a:fillRef>
-            <a:effectRef idx="0">
-              <a:schemeClr val="accent1"/>
-            </a:effectRef>
-            <a:fontRef idx="minor">
-              <a:schemeClr val="tx1"/>
-            </a:fontRef>
-          </p:style>
-        </p:cxnSp>
-        <p:cxnSp>
-          <p:nvCxnSpPr>
-            <p:cNvPr id="35" name="Straight Connector 34">
-              <a:extLst>
-                <a:ext uri="{FF2B5EF4-FFF2-40B4-BE49-F238E27FC236}">
-                  <a16:creationId xmlns:a16="http://schemas.microsoft.com/office/drawing/2014/main" id="{7D32A3A6-CE6E-4ABD-8522-2C8DC88C070E}"/>
-                </a:ext>
-                <a:ext uri="{C183D7F6-B498-43B3-948B-1728B52AA6E4}">
-                  <adec:decorative xmlns:adec="http://schemas.microsoft.com/office/drawing/2017/decorative" val="1"/>
-                </a:ext>
-              </a:extLst>
-            </p:cNvPr>
-            <p:cNvCxnSpPr>
-              <a:cxnSpLocks/>
-            </p:cNvCxnSpPr>
-            <p:nvPr>
-              <p:extLst>
-                <p:ext uri="{386F3935-93C4-4BCD-93E2-E3B085C9AB24}">
-                  <p16:designElem xmlns:p16="http://schemas.microsoft.com/office/powerpoint/2015/main" val="1"/>
-                </p:ext>
-              </p:extLst>
-            </p:nvPr>
-          </p:nvCxnSpPr>
-          <p:spPr>
-            <a:xfrm>
-              <a:off x="0" y="3971883"/>
-              <a:ext cx="12192000" cy="0"/>
-            </a:xfrm>
-            <a:prstGeom prst="line">
-              <a:avLst/>
-            </a:prstGeom>
-            <a:ln w="12700">
-              <a:solidFill>
-                <a:srgbClr val="BCBCBC">
-                  <a:alpha val="29804"/>
-                </a:srgbClr>
-              </a:solidFill>
-              <a:prstDash val="sysDot"/>
-            </a:ln>
-          </p:spPr>
-          <p:style>
-            <a:lnRef idx="1">
-              <a:schemeClr val="accent1"/>
-            </a:lnRef>
-            <a:fillRef idx="0">
-              <a:schemeClr val="accent1"/>
-            </a:fillRef>
-            <a:effectRef idx="0">
-              <a:schemeClr val="accent1"/>
-            </a:effectRef>
-            <a:fontRef idx="minor">
-              <a:schemeClr val="tx1"/>
-            </a:fontRef>
-          </p:style>
-        </p:cxnSp>
-        <p:cxnSp>
-          <p:nvCxnSpPr>
-            <p:cNvPr id="36" name="Straight Connector 35">
-              <a:extLst>
-                <a:ext uri="{FF2B5EF4-FFF2-40B4-BE49-F238E27FC236}">
-                  <a16:creationId xmlns:a16="http://schemas.microsoft.com/office/drawing/2014/main" id="{F9014C09-5B84-4798-8BDE-C80D76E67B8E}"/>
-                </a:ext>
-                <a:ext uri="{C183D7F6-B498-43B3-948B-1728B52AA6E4}">
-                  <adec:decorative xmlns:adec="http://schemas.microsoft.com/office/drawing/2017/decorative" val="1"/>
-                </a:ext>
-              </a:extLst>
-            </p:cNvPr>
-            <p:cNvCxnSpPr>
-              <a:cxnSpLocks/>
-            </p:cNvCxnSpPr>
-            <p:nvPr>
-              <p:extLst>
-                <p:ext uri="{386F3935-93C4-4BCD-93E2-E3B085C9AB24}">
-                  <p16:designElem xmlns:p16="http://schemas.microsoft.com/office/powerpoint/2015/main" val="1"/>
-                </p:ext>
-              </p:extLst>
-            </p:nvPr>
-          </p:nvCxnSpPr>
-          <p:spPr>
-            <a:xfrm>
-              <a:off x="0" y="4514764"/>
-              <a:ext cx="12192000" cy="0"/>
-            </a:xfrm>
-            <a:prstGeom prst="line">
-              <a:avLst/>
-            </a:prstGeom>
-            <a:ln w="12700">
-              <a:solidFill>
-                <a:srgbClr val="BCBCBC">
-                  <a:alpha val="29804"/>
-                </a:srgbClr>
-              </a:solidFill>
-              <a:prstDash val="sysDot"/>
-            </a:ln>
-          </p:spPr>
-          <p:style>
-            <a:lnRef idx="1">
-              <a:schemeClr val="accent1"/>
-            </a:lnRef>
-            <a:fillRef idx="0">
-              <a:schemeClr val="accent1"/>
-            </a:fillRef>
-            <a:effectRef idx="0">
-              <a:schemeClr val="accent1"/>
-            </a:effectRef>
-            <a:fontRef idx="minor">
-              <a:schemeClr val="tx1"/>
-            </a:fontRef>
-          </p:style>
-        </p:cxnSp>
-        <p:cxnSp>
-          <p:nvCxnSpPr>
-            <p:cNvPr id="37" name="Straight Connector 36">
-              <a:extLst>
-                <a:ext uri="{FF2B5EF4-FFF2-40B4-BE49-F238E27FC236}">
-                  <a16:creationId xmlns:a16="http://schemas.microsoft.com/office/drawing/2014/main" id="{2A29EB9E-ED9D-4C69-8A26-9A7A0A830569}"/>
-                </a:ext>
-                <a:ext uri="{C183D7F6-B498-43B3-948B-1728B52AA6E4}">
-                  <adec:decorative xmlns:adec="http://schemas.microsoft.com/office/drawing/2017/decorative" val="1"/>
-                </a:ext>
-              </a:extLst>
-            </p:cNvPr>
-            <p:cNvCxnSpPr>
-              <a:cxnSpLocks/>
-            </p:cNvCxnSpPr>
-            <p:nvPr>
-              <p:extLst>
-                <p:ext uri="{386F3935-93C4-4BCD-93E2-E3B085C9AB24}">
-                  <p16:designElem xmlns:p16="http://schemas.microsoft.com/office/powerpoint/2015/main" val="1"/>
-                </p:ext>
-              </p:extLst>
-            </p:nvPr>
-          </p:nvCxnSpPr>
-          <p:spPr>
-            <a:xfrm>
-              <a:off x="0" y="5057645"/>
-              <a:ext cx="12192000" cy="0"/>
-            </a:xfrm>
-            <a:prstGeom prst="line">
-              <a:avLst/>
-            </a:prstGeom>
-            <a:ln w="12700">
-              <a:solidFill>
-                <a:srgbClr val="BCBCBC">
-                  <a:alpha val="29804"/>
-                </a:srgbClr>
-              </a:solidFill>
-              <a:prstDash val="sysDot"/>
-            </a:ln>
-          </p:spPr>
-          <p:style>
-            <a:lnRef idx="1">
-              <a:schemeClr val="accent1"/>
-            </a:lnRef>
-            <a:fillRef idx="0">
-              <a:schemeClr val="accent1"/>
-            </a:fillRef>
-            <a:effectRef idx="0">
-              <a:schemeClr val="accent1"/>
-            </a:effectRef>
-            <a:fontRef idx="minor">
-              <a:schemeClr val="tx1"/>
-            </a:fontRef>
-          </p:style>
-        </p:cxnSp>
-        <p:cxnSp>
-          <p:nvCxnSpPr>
-            <p:cNvPr id="38" name="Straight Connector 37">
-              <a:extLst>
-                <a:ext uri="{FF2B5EF4-FFF2-40B4-BE49-F238E27FC236}">
-                  <a16:creationId xmlns:a16="http://schemas.microsoft.com/office/drawing/2014/main" id="{AA2899F9-1795-416F-8F3D-26EEB684DB6A}"/>
-                </a:ext>
-                <a:ext uri="{C183D7F6-B498-43B3-948B-1728B52AA6E4}">
-                  <adec:decorative xmlns:adec="http://schemas.microsoft.com/office/drawing/2017/decorative" val="1"/>
-                </a:ext>
-              </a:extLst>
-            </p:cNvPr>
-            <p:cNvCxnSpPr>
-              <a:cxnSpLocks/>
-            </p:cNvCxnSpPr>
-            <p:nvPr>
-              <p:extLst>
-                <p:ext uri="{386F3935-93C4-4BCD-93E2-E3B085C9AB24}">
-                  <p16:designElem xmlns:p16="http://schemas.microsoft.com/office/powerpoint/2015/main" val="1"/>
-                </p:ext>
-              </p:extLst>
-            </p:nvPr>
-          </p:nvCxnSpPr>
-          <p:spPr>
-            <a:xfrm>
-              <a:off x="0" y="5600526"/>
-              <a:ext cx="12192000" cy="0"/>
-            </a:xfrm>
-            <a:prstGeom prst="line">
-              <a:avLst/>
-            </a:prstGeom>
-            <a:ln w="12700">
-              <a:solidFill>
-                <a:srgbClr val="BCBCBC">
-                  <a:alpha val="29804"/>
-                </a:srgbClr>
-              </a:solidFill>
-              <a:prstDash val="sysDot"/>
-            </a:ln>
-          </p:spPr>
-          <p:style>
-            <a:lnRef idx="1">
-              <a:schemeClr val="accent1"/>
-            </a:lnRef>
-            <a:fillRef idx="0">
-              <a:schemeClr val="accent1"/>
-            </a:fillRef>
-            <a:effectRef idx="0">
-              <a:schemeClr val="accent1"/>
-            </a:effectRef>
-            <a:fontRef idx="minor">
-              <a:schemeClr val="tx1"/>
-            </a:fontRef>
-          </p:style>
-        </p:cxnSp>
-        <p:cxnSp>
-          <p:nvCxnSpPr>
-            <p:cNvPr id="39" name="Straight Connector 38">
-              <a:extLst>
-                <a:ext uri="{FF2B5EF4-FFF2-40B4-BE49-F238E27FC236}">
-                  <a16:creationId xmlns:a16="http://schemas.microsoft.com/office/drawing/2014/main" id="{E3043474-8625-495C-BD06-3627FD286C55}"/>
-                </a:ext>
-                <a:ext uri="{C183D7F6-B498-43B3-948B-1728B52AA6E4}">
-                  <adec:decorative xmlns:adec="http://schemas.microsoft.com/office/drawing/2017/decorative" val="1"/>
-                </a:ext>
-              </a:extLst>
-            </p:cNvPr>
-            <p:cNvCxnSpPr>
-              <a:cxnSpLocks/>
-            </p:cNvCxnSpPr>
-            <p:nvPr>
-              <p:extLst>
-                <p:ext uri="{386F3935-93C4-4BCD-93E2-E3B085C9AB24}">
-                  <p16:designElem xmlns:p16="http://schemas.microsoft.com/office/powerpoint/2015/main" val="1"/>
-                </p:ext>
-              </p:extLst>
-            </p:nvPr>
-          </p:nvCxnSpPr>
-          <p:spPr>
-            <a:xfrm>
-              <a:off x="0" y="6857999"/>
-              <a:ext cx="12192000" cy="0"/>
-            </a:xfrm>
-            <a:prstGeom prst="line">
-              <a:avLst/>
-            </a:prstGeom>
-            <a:ln w="12700">
-              <a:solidFill>
-                <a:srgbClr val="BCBCBC">
-                  <a:alpha val="29804"/>
-                </a:srgbClr>
-              </a:solidFill>
-              <a:prstDash val="sysDot"/>
-            </a:ln>
-          </p:spPr>
-          <p:style>
-            <a:lnRef idx="1">
-              <a:schemeClr val="accent1"/>
-            </a:lnRef>
-            <a:fillRef idx="0">
-              <a:schemeClr val="accent1"/>
-            </a:fillRef>
-            <a:effectRef idx="0">
-              <a:schemeClr val="accent1"/>
-            </a:effectRef>
-            <a:fontRef idx="minor">
-              <a:schemeClr val="tx1"/>
-            </a:fontRef>
-          </p:style>
-        </p:cxnSp>
-        <p:cxnSp>
-          <p:nvCxnSpPr>
-            <p:cNvPr id="40" name="Straight Connector 39">
-              <a:extLst>
-                <a:ext uri="{FF2B5EF4-FFF2-40B4-BE49-F238E27FC236}">
-                  <a16:creationId xmlns:a16="http://schemas.microsoft.com/office/drawing/2014/main" id="{D432CE47-7631-408E-8DDC-79EE378B707B}"/>
-                </a:ext>
-                <a:ext uri="{C183D7F6-B498-43B3-948B-1728B52AA6E4}">
-                  <adec:decorative xmlns:adec="http://schemas.microsoft.com/office/drawing/2017/decorative" val="1"/>
-                </a:ext>
-              </a:extLst>
-            </p:cNvPr>
-            <p:cNvCxnSpPr>
-              <a:cxnSpLocks/>
-            </p:cNvCxnSpPr>
-            <p:nvPr>
-              <p:extLst>
-                <p:ext uri="{386F3935-93C4-4BCD-93E2-E3B085C9AB24}">
-                  <p16:designElem xmlns:p16="http://schemas.microsoft.com/office/powerpoint/2015/main" val="1"/>
-                </p:ext>
-              </p:extLst>
-            </p:nvPr>
-          </p:nvCxnSpPr>
-          <p:spPr>
-            <a:xfrm>
-              <a:off x="16613" y="6143407"/>
-              <a:ext cx="12192000" cy="0"/>
-            </a:xfrm>
-            <a:prstGeom prst="line">
-              <a:avLst/>
-            </a:prstGeom>
-            <a:ln w="12700">
-              <a:solidFill>
-                <a:srgbClr val="BCBCBC">
-                  <a:alpha val="29804"/>
-                </a:srgbClr>
-              </a:solidFill>
-              <a:prstDash val="sysDot"/>
-            </a:ln>
-          </p:spPr>
-          <p:style>
-            <a:lnRef idx="1">
-              <a:schemeClr val="accent1"/>
-            </a:lnRef>
-            <a:fillRef idx="0">
-              <a:schemeClr val="accent1"/>
-            </a:fillRef>
-            <a:effectRef idx="0">
-              <a:schemeClr val="accent1"/>
-            </a:effectRef>
-            <a:fontRef idx="minor">
-              <a:schemeClr val="tx1"/>
-            </a:fontRef>
-          </p:style>
-        </p:cxnSp>
-        <p:cxnSp>
-          <p:nvCxnSpPr>
-            <p:cNvPr id="41" name="Straight Connector 40">
-              <a:extLst>
-                <a:ext uri="{FF2B5EF4-FFF2-40B4-BE49-F238E27FC236}">
-                  <a16:creationId xmlns:a16="http://schemas.microsoft.com/office/drawing/2014/main" id="{B2C8832D-8B8D-4036-B913-2D363143274B}"/>
-                </a:ext>
-                <a:ext uri="{C183D7F6-B498-43B3-948B-1728B52AA6E4}">
-                  <adec:decorative xmlns:adec="http://schemas.microsoft.com/office/drawing/2017/decorative" val="1"/>
-                </a:ext>
-              </a:extLst>
-            </p:cNvPr>
-            <p:cNvCxnSpPr>
-              <a:cxnSpLocks/>
-            </p:cNvCxnSpPr>
-            <p:nvPr>
-              <p:extLst>
-                <p:ext uri="{386F3935-93C4-4BCD-93E2-E3B085C9AB24}">
-                  <p16:designElem xmlns:p16="http://schemas.microsoft.com/office/powerpoint/2015/main" val="1"/>
-                </p:ext>
-              </p:extLst>
-            </p:nvPr>
-          </p:nvCxnSpPr>
-          <p:spPr>
-            <a:xfrm>
-              <a:off x="684225" y="171716"/>
-              <a:ext cx="0" cy="6511464"/>
-            </a:xfrm>
-            <a:prstGeom prst="line">
-              <a:avLst/>
-            </a:prstGeom>
-            <a:ln w="12700">
-              <a:solidFill>
-                <a:srgbClr val="BCBCBC">
-                  <a:alpha val="29804"/>
-                </a:srgbClr>
-              </a:solidFill>
-              <a:prstDash val="sysDot"/>
-            </a:ln>
-          </p:spPr>
-          <p:style>
-            <a:lnRef idx="1">
-              <a:schemeClr val="accent1"/>
-            </a:lnRef>
-            <a:fillRef idx="0">
-              <a:schemeClr val="accent1"/>
-            </a:fillRef>
-            <a:effectRef idx="0">
-              <a:schemeClr val="accent1"/>
-            </a:effectRef>
-            <a:fontRef idx="minor">
-              <a:schemeClr val="tx1"/>
-            </a:fontRef>
-          </p:style>
-        </p:cxnSp>
-        <p:cxnSp>
-          <p:nvCxnSpPr>
-            <p:cNvPr id="42" name="Straight Connector 41">
-              <a:extLst>
-                <a:ext uri="{FF2B5EF4-FFF2-40B4-BE49-F238E27FC236}">
-                  <a16:creationId xmlns:a16="http://schemas.microsoft.com/office/drawing/2014/main" id="{1CCEFEAF-E87B-4FF2-A947-94CABAA0610D}"/>
-                </a:ext>
-                <a:ext uri="{C183D7F6-B498-43B3-948B-1728B52AA6E4}">
-                  <adec:decorative xmlns:adec="http://schemas.microsoft.com/office/drawing/2017/decorative" val="1"/>
-                </a:ext>
-              </a:extLst>
-            </p:cNvPr>
-            <p:cNvCxnSpPr>
-              <a:cxnSpLocks/>
-            </p:cNvCxnSpPr>
-            <p:nvPr>
-              <p:extLst>
-                <p:ext uri="{386F3935-93C4-4BCD-93E2-E3B085C9AB24}">
-                  <p16:designElem xmlns:p16="http://schemas.microsoft.com/office/powerpoint/2015/main" val="1"/>
-                </p:ext>
-              </p:extLst>
-            </p:nvPr>
-          </p:nvCxnSpPr>
-          <p:spPr>
-            <a:xfrm>
-              <a:off x="11508412" y="173267"/>
-              <a:ext cx="0" cy="6511464"/>
-            </a:xfrm>
-            <a:prstGeom prst="line">
-              <a:avLst/>
-            </a:prstGeom>
-            <a:ln w="12700">
-              <a:solidFill>
-                <a:srgbClr val="BCBCBC">
-                  <a:alpha val="29804"/>
-                </a:srgbClr>
-              </a:solidFill>
-              <a:prstDash val="sysDot"/>
-            </a:ln>
-          </p:spPr>
-          <p:style>
-            <a:lnRef idx="1">
-              <a:schemeClr val="accent1"/>
-            </a:lnRef>
-            <a:fillRef idx="0">
-              <a:schemeClr val="accent1"/>
-            </a:fillRef>
-            <a:effectRef idx="0">
-              <a:schemeClr val="accent1"/>
-            </a:effectRef>
-            <a:fontRef idx="minor">
-              <a:schemeClr val="tx1"/>
-            </a:fontRef>
-          </p:style>
-        </p:cxnSp>
-      </p:grpSp>
-      <p:sp>
-        <p:nvSpPr>
-          <p:cNvPr id="44" name="Right Triangle 43">
-            <a:extLst>
-              <a:ext uri="{FF2B5EF4-FFF2-40B4-BE49-F238E27FC236}">
-                <a16:creationId xmlns:a16="http://schemas.microsoft.com/office/drawing/2014/main" id="{2437C4A8-8E3A-4ADA-93B9-64737CE1ABB1}"/>
-              </a:ext>
-              <a:ext uri="{C183D7F6-B498-43B3-948B-1728B52AA6E4}">
-                <adec:decorative xmlns:adec="http://schemas.microsoft.com/office/drawing/2017/decorative" val="1"/>
-              </a:ext>
-            </a:extLst>
-          </p:cNvPr>
-          <p:cNvSpPr>
-            <a:spLocks noGrp="1" noRot="1" noChangeAspect="1" noMove="1" noResize="1" noEditPoints="1" noAdjustHandles="1" noChangeArrowheads="1" noChangeShapeType="1" noTextEdit="1"/>
-          </p:cNvSpPr>
-          <p:nvPr>
-            <p:extLst>
-              <p:ext uri="{386F3935-93C4-4BCD-93E2-E3B085C9AB24}">
-                <p16:designElem xmlns:p16="http://schemas.microsoft.com/office/powerpoint/2015/main" val="1"/>
-              </p:ext>
-            </p:extLst>
-          </p:nvPr>
-        </p:nvSpPr>
-        <p:spPr>
-          <a:xfrm rot="13500000">
-            <a:off x="-281093" y="2607907"/>
-            <a:ext cx="568289" cy="568289"/>
-          </a:xfrm>
-          <a:prstGeom prst="rtTriangle">
-            <a:avLst/>
-          </a:prstGeom>
-          <a:solidFill>
-            <a:schemeClr val="accent1">
-              <a:alpha val="50000"/>
-            </a:schemeClr>
-          </a:solidFill>
-          <a:ln>
-            <a:noFill/>
-          </a:ln>
-        </p:spPr>
-        <p:style>
-          <a:lnRef idx="2">
-            <a:schemeClr val="accent1">
-              <a:shade val="50000"/>
-            </a:schemeClr>
-          </a:lnRef>
-          <a:fillRef idx="1">
-            <a:schemeClr val="accent1"/>
-          </a:fillRef>
-          <a:effectRef idx="0">
-            <a:schemeClr val="accent1"/>
-          </a:effectRef>
-          <a:fontRef idx="minor">
-            <a:schemeClr val="lt1"/>
-          </a:fontRef>
-        </p:style>
-        <p:txBody>
-          <a:bodyPr rtlCol="0" anchor="ctr"/>
-          <a:lstStyle/>
-          <a:p>
-            <a:pPr algn="ctr"/>
-            <a:endParaRPr lang="en-US">
-              <a:solidFill>
-                <a:schemeClr val="tx1"/>
-              </a:solidFill>
-            </a:endParaRPr>
-          </a:p>
-        </p:txBody>
-      </p:sp>
-      <p:sp useBgFill="1">
-        <p:nvSpPr>
-          <p:cNvPr id="46" name="Rectangle 45">
-            <a:extLst>
-              <a:ext uri="{FF2B5EF4-FFF2-40B4-BE49-F238E27FC236}">
-                <a16:creationId xmlns:a16="http://schemas.microsoft.com/office/drawing/2014/main" id="{13B6DAC6-0186-4D62-AD69-90B9C0411EA3}"/>
-              </a:ext>
-              <a:ext uri="{C183D7F6-B498-43B3-948B-1728B52AA6E4}">
-                <adec:decorative xmlns:adec="http://schemas.microsoft.com/office/drawing/2017/decorative" val="1"/>
-              </a:ext>
-            </a:extLst>
-          </p:cNvPr>
-          <p:cNvSpPr>
-            <a:spLocks noGrp="1" noRot="1" noChangeAspect="1" noMove="1" noResize="1" noEditPoints="1" noAdjustHandles="1" noChangeArrowheads="1" noChangeShapeType="1" noTextEdit="1"/>
-          </p:cNvSpPr>
-          <p:nvPr>
-            <p:extLst>
-              <p:ext uri="{386F3935-93C4-4BCD-93E2-E3B085C9AB24}">
-                <p16:designElem xmlns:p16="http://schemas.microsoft.com/office/powerpoint/2015/main" val="1"/>
-              </p:ext>
-            </p:extLst>
-          </p:nvPr>
-        </p:nvSpPr>
-        <p:spPr>
-          <a:xfrm>
-            <a:off x="0" y="0"/>
-            <a:ext cx="12188952" cy="6858000"/>
-          </a:xfrm>
-          <a:prstGeom prst="rect">
-            <a:avLst/>
-          </a:prstGeom>
-          <a:ln>
-            <a:noFill/>
-          </a:ln>
-        </p:spPr>
-        <p:style>
-          <a:lnRef idx="2">
-            <a:schemeClr val="accent1">
-              <a:shade val="50000"/>
-            </a:schemeClr>
-          </a:lnRef>
-          <a:fillRef idx="1">
-            <a:schemeClr val="accent1"/>
-          </a:fillRef>
-          <a:effectRef idx="0">
-            <a:schemeClr val="accent1"/>
-          </a:effectRef>
-          <a:fontRef idx="minor">
-            <a:schemeClr val="lt1"/>
-          </a:fontRef>
-        </p:style>
-        <p:txBody>
-          <a:bodyPr rtlCol="0" anchor="ctr"/>
-          <a:lstStyle/>
-          <a:p>
-            <a:pPr algn="ctr"/>
-            <a:endParaRPr lang="en-US">
-              <a:solidFill>
-                <a:schemeClr val="bg1"/>
-              </a:solidFill>
-            </a:endParaRPr>
-          </a:p>
-        </p:txBody>
-      </p:sp>
-      <p:grpSp>
-        <p:nvGrpSpPr>
-          <p:cNvPr id="48" name="Group 47">
-            <a:extLst>
-              <a:ext uri="{FF2B5EF4-FFF2-40B4-BE49-F238E27FC236}">
-                <a16:creationId xmlns:a16="http://schemas.microsoft.com/office/drawing/2014/main" id="{A0297160-077C-4B0C-9F1E-6519CEDB84C4}"/>
-              </a:ext>
-              <a:ext uri="{C183D7F6-B498-43B3-948B-1728B52AA6E4}">
-                <adec:decorative xmlns:adec="http://schemas.microsoft.com/office/drawing/2017/decorative" val="1"/>
-              </a:ext>
-            </a:extLst>
-          </p:cNvPr>
-          <p:cNvGrpSpPr>
-            <a:grpSpLocks noGrp="1" noUngrp="1" noRot="1" noChangeAspect="1" noMove="1" noResize="1"/>
-          </p:cNvGrpSpPr>
-          <p:nvPr>
-            <p:extLst>
-              <p:ext uri="{386F3935-93C4-4BCD-93E2-E3B085C9AB24}">
-                <p16:designElem xmlns:p16="http://schemas.microsoft.com/office/powerpoint/2015/main" val="1"/>
-              </p:ext>
-            </p:extLst>
-          </p:nvPr>
-        </p:nvGrpSpPr>
-        <p:grpSpPr>
-          <a:xfrm>
-            <a:off x="-6214" y="-1"/>
-            <a:ext cx="12214827" cy="6858000"/>
-            <a:chOff x="-6214" y="-1"/>
-            <a:chExt cx="12214827" cy="6858000"/>
-          </a:xfrm>
-        </p:grpSpPr>
-        <p:cxnSp>
-          <p:nvCxnSpPr>
-            <p:cNvPr id="49" name="Straight Connector 48">
-              <a:extLst>
-                <a:ext uri="{FF2B5EF4-FFF2-40B4-BE49-F238E27FC236}">
-                  <a16:creationId xmlns:a16="http://schemas.microsoft.com/office/drawing/2014/main" id="{31F77CDE-CC8E-40E6-8745-8D7CB6208F86}"/>
-                </a:ext>
-                <a:ext uri="{C183D7F6-B498-43B3-948B-1728B52AA6E4}">
-                  <adec:decorative xmlns:adec="http://schemas.microsoft.com/office/drawing/2017/decorative" val="1"/>
-                </a:ext>
-              </a:extLst>
-            </p:cNvPr>
-            <p:cNvCxnSpPr>
-              <a:cxnSpLocks/>
-            </p:cNvCxnSpPr>
-            <p:nvPr>
-              <p:extLst>
-                <p:ext uri="{386F3935-93C4-4BCD-93E2-E3B085C9AB24}">
-                  <p16:designElem xmlns:p16="http://schemas.microsoft.com/office/powerpoint/2015/main" val="1"/>
-                </p:ext>
-              </p:extLst>
-            </p:nvPr>
-          </p:nvCxnSpPr>
-          <p:spPr>
-            <a:xfrm>
-              <a:off x="-6214" y="6686283"/>
-              <a:ext cx="12192000" cy="0"/>
-            </a:xfrm>
-            <a:prstGeom prst="line">
-              <a:avLst/>
-            </a:prstGeom>
-            <a:ln w="12700">
-              <a:solidFill>
-                <a:srgbClr val="BCBCBC">
-                  <a:alpha val="29804"/>
-                </a:srgbClr>
-              </a:solidFill>
-              <a:prstDash val="sysDot"/>
-            </a:ln>
-          </p:spPr>
-          <p:style>
-            <a:lnRef idx="1">
-              <a:schemeClr val="accent1"/>
-            </a:lnRef>
-            <a:fillRef idx="0">
-              <a:schemeClr val="accent1"/>
-            </a:fillRef>
-            <a:effectRef idx="0">
-              <a:schemeClr val="accent1"/>
-            </a:effectRef>
-            <a:fontRef idx="minor">
-              <a:schemeClr val="tx1"/>
-            </a:fontRef>
-          </p:style>
-        </p:cxnSp>
-        <p:cxnSp>
-          <p:nvCxnSpPr>
-            <p:cNvPr id="50" name="Straight Connector 49">
-              <a:extLst>
-                <a:ext uri="{FF2B5EF4-FFF2-40B4-BE49-F238E27FC236}">
-                  <a16:creationId xmlns:a16="http://schemas.microsoft.com/office/drawing/2014/main" id="{83FCA172-142C-4352-A938-33B43EC3BEAE}"/>
-                </a:ext>
-                <a:ext uri="{C183D7F6-B498-43B3-948B-1728B52AA6E4}">
-                  <adec:decorative xmlns:adec="http://schemas.microsoft.com/office/drawing/2017/decorative" val="1"/>
-                </a:ext>
-              </a:extLst>
-            </p:cNvPr>
-            <p:cNvCxnSpPr>
-              <a:cxnSpLocks/>
-            </p:cNvCxnSpPr>
-            <p:nvPr>
-              <p:extLst>
-                <p:ext uri="{386F3935-93C4-4BCD-93E2-E3B085C9AB24}">
-                  <p16:designElem xmlns:p16="http://schemas.microsoft.com/office/powerpoint/2015/main" val="1"/>
-                </p:ext>
-              </p:extLst>
-            </p:nvPr>
-          </p:nvCxnSpPr>
-          <p:spPr>
-            <a:xfrm>
-              <a:off x="0" y="-1"/>
-              <a:ext cx="0" cy="6858000"/>
-            </a:xfrm>
-            <a:prstGeom prst="line">
-              <a:avLst/>
-            </a:prstGeom>
-            <a:ln w="12700">
-              <a:solidFill>
-                <a:srgbClr val="BCBCBC">
-                  <a:alpha val="29804"/>
-                </a:srgbClr>
-              </a:solidFill>
-              <a:prstDash val="sysDot"/>
-            </a:ln>
-          </p:spPr>
-          <p:style>
-            <a:lnRef idx="1">
-              <a:schemeClr val="accent1"/>
-            </a:lnRef>
-            <a:fillRef idx="0">
-              <a:schemeClr val="accent1"/>
-            </a:fillRef>
-            <a:effectRef idx="0">
-              <a:schemeClr val="accent1"/>
-            </a:effectRef>
-            <a:fontRef idx="minor">
-              <a:schemeClr val="tx1"/>
-            </a:fontRef>
-          </p:style>
-        </p:cxnSp>
-        <p:cxnSp>
-          <p:nvCxnSpPr>
-            <p:cNvPr id="51" name="Straight Connector 50">
-              <a:extLst>
-                <a:ext uri="{FF2B5EF4-FFF2-40B4-BE49-F238E27FC236}">
-                  <a16:creationId xmlns:a16="http://schemas.microsoft.com/office/drawing/2014/main" id="{253BB53B-6660-4F6B-8C3C-4EAA148CFFD4}"/>
-                </a:ext>
-                <a:ext uri="{C183D7F6-B498-43B3-948B-1728B52AA6E4}">
-                  <adec:decorative xmlns:adec="http://schemas.microsoft.com/office/drawing/2017/decorative" val="1"/>
-                </a:ext>
-              </a:extLst>
-            </p:cNvPr>
-            <p:cNvCxnSpPr>
-              <a:cxnSpLocks/>
-            </p:cNvCxnSpPr>
-            <p:nvPr>
-              <p:extLst>
-                <p:ext uri="{386F3935-93C4-4BCD-93E2-E3B085C9AB24}">
-                  <p16:designElem xmlns:p16="http://schemas.microsoft.com/office/powerpoint/2015/main" val="1"/>
-                </p:ext>
-              </p:extLst>
-            </p:nvPr>
-          </p:nvCxnSpPr>
-          <p:spPr>
-            <a:xfrm>
-              <a:off x="11993258" y="-1"/>
-              <a:ext cx="0" cy="6858000"/>
-            </a:xfrm>
-            <a:prstGeom prst="line">
-              <a:avLst/>
-            </a:prstGeom>
-            <a:ln w="12700">
-              <a:solidFill>
-                <a:srgbClr val="BCBCBC">
-                  <a:alpha val="29804"/>
-                </a:srgbClr>
-              </a:solidFill>
-              <a:prstDash val="sysDot"/>
-            </a:ln>
-          </p:spPr>
-          <p:style>
-            <a:lnRef idx="1">
-              <a:schemeClr val="accent1"/>
-            </a:lnRef>
-            <a:fillRef idx="0">
-              <a:schemeClr val="accent1"/>
-            </a:fillRef>
-            <a:effectRef idx="0">
-              <a:schemeClr val="accent1"/>
-            </a:effectRef>
-            <a:fontRef idx="minor">
-              <a:schemeClr val="tx1"/>
-            </a:fontRef>
-          </p:style>
-        </p:cxnSp>
-        <p:cxnSp>
-          <p:nvCxnSpPr>
-            <p:cNvPr id="52" name="Straight Connector 51">
-              <a:extLst>
-                <a:ext uri="{FF2B5EF4-FFF2-40B4-BE49-F238E27FC236}">
-                  <a16:creationId xmlns:a16="http://schemas.microsoft.com/office/drawing/2014/main" id="{921D1E67-3038-4399-8F14-244731FAE31C}"/>
-                </a:ext>
-                <a:ext uri="{C183D7F6-B498-43B3-948B-1728B52AA6E4}">
-                  <adec:decorative xmlns:adec="http://schemas.microsoft.com/office/drawing/2017/decorative" val="1"/>
-                </a:ext>
-              </a:extLst>
-            </p:cNvPr>
-            <p:cNvCxnSpPr>
-              <a:cxnSpLocks/>
-            </p:cNvCxnSpPr>
-            <p:nvPr>
-              <p:extLst>
-                <p:ext uri="{386F3935-93C4-4BCD-93E2-E3B085C9AB24}">
-                  <p16:designElem xmlns:p16="http://schemas.microsoft.com/office/powerpoint/2015/main" val="1"/>
-                </p:ext>
-              </p:extLst>
-            </p:nvPr>
-          </p:nvCxnSpPr>
-          <p:spPr>
-            <a:xfrm>
-              <a:off x="192528" y="-1"/>
-              <a:ext cx="0" cy="6858000"/>
-            </a:xfrm>
-            <a:prstGeom prst="line">
-              <a:avLst/>
-            </a:prstGeom>
-            <a:ln w="12700">
-              <a:solidFill>
-                <a:srgbClr val="BCBCBC">
-                  <a:alpha val="29804"/>
-                </a:srgbClr>
-              </a:solidFill>
-              <a:prstDash val="sysDot"/>
-            </a:ln>
-          </p:spPr>
-          <p:style>
-            <a:lnRef idx="1">
-              <a:schemeClr val="accent1"/>
-            </a:lnRef>
-            <a:fillRef idx="0">
-              <a:schemeClr val="accent1"/>
-            </a:fillRef>
-            <a:effectRef idx="0">
-              <a:schemeClr val="accent1"/>
-            </a:effectRef>
-            <a:fontRef idx="minor">
-              <a:schemeClr val="tx1"/>
-            </a:fontRef>
-          </p:style>
-        </p:cxnSp>
-        <p:cxnSp>
-          <p:nvCxnSpPr>
-            <p:cNvPr id="53" name="Straight Connector 52">
-              <a:extLst>
-                <a:ext uri="{FF2B5EF4-FFF2-40B4-BE49-F238E27FC236}">
-                  <a16:creationId xmlns:a16="http://schemas.microsoft.com/office/drawing/2014/main" id="{B9A17FB9-5481-4E6D-A157-C4A1D8F29741}"/>
-                </a:ext>
-                <a:ext uri="{C183D7F6-B498-43B3-948B-1728B52AA6E4}">
-                  <adec:decorative xmlns:adec="http://schemas.microsoft.com/office/drawing/2017/decorative" val="1"/>
-                </a:ext>
-              </a:extLst>
-            </p:cNvPr>
-            <p:cNvCxnSpPr>
-              <a:cxnSpLocks/>
-            </p:cNvCxnSpPr>
-            <p:nvPr>
-              <p:extLst>
-                <p:ext uri="{386F3935-93C4-4BCD-93E2-E3B085C9AB24}">
-                  <p16:designElem xmlns:p16="http://schemas.microsoft.com/office/powerpoint/2015/main" val="1"/>
-                </p:ext>
-              </p:extLst>
-            </p:nvPr>
-          </p:nvCxnSpPr>
-          <p:spPr>
-            <a:xfrm>
-              <a:off x="1175922" y="-1"/>
-              <a:ext cx="0" cy="6858000"/>
-            </a:xfrm>
-            <a:prstGeom prst="line">
-              <a:avLst/>
-            </a:prstGeom>
-            <a:ln w="12700">
-              <a:solidFill>
-                <a:srgbClr val="BCBCBC">
-                  <a:alpha val="29804"/>
-                </a:srgbClr>
-              </a:solidFill>
-              <a:prstDash val="sysDot"/>
-            </a:ln>
-          </p:spPr>
-          <p:style>
-            <a:lnRef idx="1">
-              <a:schemeClr val="accent1"/>
-            </a:lnRef>
-            <a:fillRef idx="0">
-              <a:schemeClr val="accent1"/>
-            </a:fillRef>
-            <a:effectRef idx="0">
-              <a:schemeClr val="accent1"/>
-            </a:effectRef>
-            <a:fontRef idx="minor">
-              <a:schemeClr val="tx1"/>
-            </a:fontRef>
-          </p:style>
-        </p:cxnSp>
-        <p:cxnSp>
-          <p:nvCxnSpPr>
-            <p:cNvPr id="54" name="Straight Connector 53">
-              <a:extLst>
-                <a:ext uri="{FF2B5EF4-FFF2-40B4-BE49-F238E27FC236}">
-                  <a16:creationId xmlns:a16="http://schemas.microsoft.com/office/drawing/2014/main" id="{9B5B4D4B-6074-48B5-B7D7-5B22BDC2AD86}"/>
-                </a:ext>
-                <a:ext uri="{C183D7F6-B498-43B3-948B-1728B52AA6E4}">
-                  <adec:decorative xmlns:adec="http://schemas.microsoft.com/office/drawing/2017/decorative" val="1"/>
-                </a:ext>
-              </a:extLst>
-            </p:cNvPr>
-            <p:cNvCxnSpPr>
-              <a:cxnSpLocks/>
-            </p:cNvCxnSpPr>
-            <p:nvPr>
-              <p:extLst>
-                <p:ext uri="{386F3935-93C4-4BCD-93E2-E3B085C9AB24}">
-                  <p16:designElem xmlns:p16="http://schemas.microsoft.com/office/powerpoint/2015/main" val="1"/>
-                </p:ext>
-              </p:extLst>
-            </p:nvPr>
-          </p:nvCxnSpPr>
-          <p:spPr>
-            <a:xfrm>
-              <a:off x="2159316" y="-1"/>
-              <a:ext cx="0" cy="6858000"/>
-            </a:xfrm>
-            <a:prstGeom prst="line">
-              <a:avLst/>
-            </a:prstGeom>
-            <a:ln w="12700">
-              <a:solidFill>
-                <a:srgbClr val="BCBCBC">
-                  <a:alpha val="29804"/>
-                </a:srgbClr>
-              </a:solidFill>
-              <a:prstDash val="sysDot"/>
-            </a:ln>
-          </p:spPr>
-          <p:style>
-            <a:lnRef idx="1">
-              <a:schemeClr val="accent1"/>
-            </a:lnRef>
-            <a:fillRef idx="0">
-              <a:schemeClr val="accent1"/>
-            </a:fillRef>
-            <a:effectRef idx="0">
-              <a:schemeClr val="accent1"/>
-            </a:effectRef>
-            <a:fontRef idx="minor">
-              <a:schemeClr val="tx1"/>
-            </a:fontRef>
-          </p:style>
-        </p:cxnSp>
-        <p:cxnSp>
-          <p:nvCxnSpPr>
-            <p:cNvPr id="55" name="Straight Connector 54">
-              <a:extLst>
-                <a:ext uri="{FF2B5EF4-FFF2-40B4-BE49-F238E27FC236}">
-                  <a16:creationId xmlns:a16="http://schemas.microsoft.com/office/drawing/2014/main" id="{DFE68CF5-4975-4F0E-98F8-E40F12E8FEA3}"/>
-                </a:ext>
-                <a:ext uri="{C183D7F6-B498-43B3-948B-1728B52AA6E4}">
-                  <adec:decorative xmlns:adec="http://schemas.microsoft.com/office/drawing/2017/decorative" val="1"/>
-                </a:ext>
-              </a:extLst>
-            </p:cNvPr>
-            <p:cNvCxnSpPr>
-              <a:cxnSpLocks/>
-            </p:cNvCxnSpPr>
-            <p:nvPr>
-              <p:extLst>
-                <p:ext uri="{386F3935-93C4-4BCD-93E2-E3B085C9AB24}">
-                  <p16:designElem xmlns:p16="http://schemas.microsoft.com/office/powerpoint/2015/main" val="1"/>
-                </p:ext>
-              </p:extLst>
-            </p:nvPr>
-          </p:nvCxnSpPr>
-          <p:spPr>
-            <a:xfrm>
-              <a:off x="3142710" y="-1"/>
-              <a:ext cx="0" cy="6858000"/>
-            </a:xfrm>
-            <a:prstGeom prst="line">
-              <a:avLst/>
-            </a:prstGeom>
-            <a:ln w="12700">
-              <a:solidFill>
-                <a:srgbClr val="BCBCBC">
-                  <a:alpha val="29804"/>
-                </a:srgbClr>
-              </a:solidFill>
-              <a:prstDash val="sysDot"/>
-            </a:ln>
-          </p:spPr>
-          <p:style>
-            <a:lnRef idx="1">
-              <a:schemeClr val="accent1"/>
-            </a:lnRef>
-            <a:fillRef idx="0">
-              <a:schemeClr val="accent1"/>
-            </a:fillRef>
-            <a:effectRef idx="0">
-              <a:schemeClr val="accent1"/>
-            </a:effectRef>
-            <a:fontRef idx="minor">
-              <a:schemeClr val="tx1"/>
-            </a:fontRef>
-          </p:style>
-        </p:cxnSp>
-        <p:cxnSp>
-          <p:nvCxnSpPr>
-            <p:cNvPr id="56" name="Straight Connector 55">
-              <a:extLst>
-                <a:ext uri="{FF2B5EF4-FFF2-40B4-BE49-F238E27FC236}">
-                  <a16:creationId xmlns:a16="http://schemas.microsoft.com/office/drawing/2014/main" id="{B63AD0D6-BFAB-41EE-A0DD-BFEB6844D11D}"/>
-                </a:ext>
-                <a:ext uri="{C183D7F6-B498-43B3-948B-1728B52AA6E4}">
-                  <adec:decorative xmlns:adec="http://schemas.microsoft.com/office/drawing/2017/decorative" val="1"/>
-                </a:ext>
-              </a:extLst>
-            </p:cNvPr>
-            <p:cNvCxnSpPr>
-              <a:cxnSpLocks/>
-            </p:cNvCxnSpPr>
-            <p:nvPr>
-              <p:extLst>
-                <p:ext uri="{386F3935-93C4-4BCD-93E2-E3B085C9AB24}">
-                  <p16:designElem xmlns:p16="http://schemas.microsoft.com/office/powerpoint/2015/main" val="1"/>
-                </p:ext>
-              </p:extLst>
-            </p:nvPr>
-          </p:nvCxnSpPr>
-          <p:spPr>
-            <a:xfrm>
-              <a:off x="4126104" y="-1"/>
-              <a:ext cx="0" cy="6858000"/>
-            </a:xfrm>
-            <a:prstGeom prst="line">
-              <a:avLst/>
-            </a:prstGeom>
-            <a:ln w="12700">
-              <a:solidFill>
-                <a:srgbClr val="BCBCBC">
-                  <a:alpha val="29804"/>
-                </a:srgbClr>
-              </a:solidFill>
-              <a:prstDash val="sysDot"/>
-            </a:ln>
-          </p:spPr>
-          <p:style>
-            <a:lnRef idx="1">
-              <a:schemeClr val="accent1"/>
-            </a:lnRef>
-            <a:fillRef idx="0">
-              <a:schemeClr val="accent1"/>
-            </a:fillRef>
-            <a:effectRef idx="0">
-              <a:schemeClr val="accent1"/>
-            </a:effectRef>
-            <a:fontRef idx="minor">
-              <a:schemeClr val="tx1"/>
-            </a:fontRef>
-          </p:style>
-        </p:cxnSp>
-        <p:cxnSp>
-          <p:nvCxnSpPr>
-            <p:cNvPr id="57" name="Straight Connector 56">
-              <a:extLst>
-                <a:ext uri="{FF2B5EF4-FFF2-40B4-BE49-F238E27FC236}">
-                  <a16:creationId xmlns:a16="http://schemas.microsoft.com/office/drawing/2014/main" id="{A7EA9615-8E94-4E0C-BAF0-C52132326CDE}"/>
-                </a:ext>
-                <a:ext uri="{C183D7F6-B498-43B3-948B-1728B52AA6E4}">
-                  <adec:decorative xmlns:adec="http://schemas.microsoft.com/office/drawing/2017/decorative" val="1"/>
-                </a:ext>
-              </a:extLst>
-            </p:cNvPr>
-            <p:cNvCxnSpPr>
-              <a:cxnSpLocks/>
-            </p:cNvCxnSpPr>
-            <p:nvPr>
-              <p:extLst>
-                <p:ext uri="{386F3935-93C4-4BCD-93E2-E3B085C9AB24}">
-                  <p16:designElem xmlns:p16="http://schemas.microsoft.com/office/powerpoint/2015/main" val="1"/>
-                </p:ext>
-              </p:extLst>
-            </p:nvPr>
-          </p:nvCxnSpPr>
-          <p:spPr>
-            <a:xfrm>
-              <a:off x="5109498" y="-1"/>
-              <a:ext cx="0" cy="6858000"/>
-            </a:xfrm>
-            <a:prstGeom prst="line">
-              <a:avLst/>
-            </a:prstGeom>
-            <a:ln w="12700">
-              <a:solidFill>
-                <a:srgbClr val="BCBCBC">
-                  <a:alpha val="29804"/>
-                </a:srgbClr>
-              </a:solidFill>
-              <a:prstDash val="sysDot"/>
-            </a:ln>
-          </p:spPr>
-          <p:style>
-            <a:lnRef idx="1">
-              <a:schemeClr val="accent1"/>
-            </a:lnRef>
-            <a:fillRef idx="0">
-              <a:schemeClr val="accent1"/>
-            </a:fillRef>
-            <a:effectRef idx="0">
-              <a:schemeClr val="accent1"/>
-            </a:effectRef>
-            <a:fontRef idx="minor">
-              <a:schemeClr val="tx1"/>
-            </a:fontRef>
-          </p:style>
-        </p:cxnSp>
-        <p:cxnSp>
-          <p:nvCxnSpPr>
-            <p:cNvPr id="58" name="Straight Connector 57">
-              <a:extLst>
-                <a:ext uri="{FF2B5EF4-FFF2-40B4-BE49-F238E27FC236}">
-                  <a16:creationId xmlns:a16="http://schemas.microsoft.com/office/drawing/2014/main" id="{96A76D71-0BE7-402F-BF24-CB0154E2A008}"/>
-                </a:ext>
-                <a:ext uri="{C183D7F6-B498-43B3-948B-1728B52AA6E4}">
-                  <adec:decorative xmlns:adec="http://schemas.microsoft.com/office/drawing/2017/decorative" val="1"/>
-                </a:ext>
-              </a:extLst>
-            </p:cNvPr>
-            <p:cNvCxnSpPr>
-              <a:cxnSpLocks/>
-            </p:cNvCxnSpPr>
-            <p:nvPr>
-              <p:extLst>
-                <p:ext uri="{386F3935-93C4-4BCD-93E2-E3B085C9AB24}">
-                  <p16:designElem xmlns:p16="http://schemas.microsoft.com/office/powerpoint/2015/main" val="1"/>
-                </p:ext>
-              </p:extLst>
-            </p:nvPr>
-          </p:nvCxnSpPr>
-          <p:spPr>
-            <a:xfrm>
-              <a:off x="6092892" y="-1"/>
-              <a:ext cx="0" cy="6858000"/>
-            </a:xfrm>
-            <a:prstGeom prst="line">
-              <a:avLst/>
-            </a:prstGeom>
-            <a:ln w="12700">
-              <a:solidFill>
-                <a:srgbClr val="BCBCBC">
-                  <a:alpha val="29804"/>
-                </a:srgbClr>
-              </a:solidFill>
-              <a:prstDash val="sysDot"/>
-            </a:ln>
-          </p:spPr>
-          <p:style>
-            <a:lnRef idx="1">
-              <a:schemeClr val="accent1"/>
-            </a:lnRef>
-            <a:fillRef idx="0">
-              <a:schemeClr val="accent1"/>
-            </a:fillRef>
-            <a:effectRef idx="0">
-              <a:schemeClr val="accent1"/>
-            </a:effectRef>
-            <a:fontRef idx="minor">
-              <a:schemeClr val="tx1"/>
-            </a:fontRef>
-          </p:style>
-        </p:cxnSp>
-        <p:cxnSp>
-          <p:nvCxnSpPr>
-            <p:cNvPr id="59" name="Straight Connector 58">
-              <a:extLst>
-                <a:ext uri="{FF2B5EF4-FFF2-40B4-BE49-F238E27FC236}">
-                  <a16:creationId xmlns:a16="http://schemas.microsoft.com/office/drawing/2014/main" id="{8B18C09B-8FB5-4D88-B4FF-2090E7818FE5}"/>
-                </a:ext>
-                <a:ext uri="{C183D7F6-B498-43B3-948B-1728B52AA6E4}">
-                  <adec:decorative xmlns:adec="http://schemas.microsoft.com/office/drawing/2017/decorative" val="1"/>
-                </a:ext>
-              </a:extLst>
-            </p:cNvPr>
-            <p:cNvCxnSpPr>
-              <a:cxnSpLocks/>
-            </p:cNvCxnSpPr>
-            <p:nvPr>
-              <p:extLst>
-                <p:ext uri="{386F3935-93C4-4BCD-93E2-E3B085C9AB24}">
-                  <p16:designElem xmlns:p16="http://schemas.microsoft.com/office/powerpoint/2015/main" val="1"/>
-                </p:ext>
-              </p:extLst>
-            </p:nvPr>
-          </p:nvCxnSpPr>
-          <p:spPr>
-            <a:xfrm>
-              <a:off x="7076286" y="-1"/>
-              <a:ext cx="0" cy="6858000"/>
-            </a:xfrm>
-            <a:prstGeom prst="line">
-              <a:avLst/>
-            </a:prstGeom>
-            <a:ln w="12700">
-              <a:solidFill>
-                <a:srgbClr val="BCBCBC">
-                  <a:alpha val="29804"/>
-                </a:srgbClr>
-              </a:solidFill>
-              <a:prstDash val="sysDot"/>
-            </a:ln>
-          </p:spPr>
-          <p:style>
-            <a:lnRef idx="1">
-              <a:schemeClr val="accent1"/>
-            </a:lnRef>
-            <a:fillRef idx="0">
-              <a:schemeClr val="accent1"/>
-            </a:fillRef>
-            <a:effectRef idx="0">
-              <a:schemeClr val="accent1"/>
-            </a:effectRef>
-            <a:fontRef idx="minor">
-              <a:schemeClr val="tx1"/>
-            </a:fontRef>
-          </p:style>
-        </p:cxnSp>
-        <p:cxnSp>
-          <p:nvCxnSpPr>
-            <p:cNvPr id="60" name="Straight Connector 59">
-              <a:extLst>
-                <a:ext uri="{FF2B5EF4-FFF2-40B4-BE49-F238E27FC236}">
-                  <a16:creationId xmlns:a16="http://schemas.microsoft.com/office/drawing/2014/main" id="{3A06FA18-2473-40B2-8AE0-DEDDC5E9A375}"/>
-                </a:ext>
-                <a:ext uri="{C183D7F6-B498-43B3-948B-1728B52AA6E4}">
-                  <adec:decorative xmlns:adec="http://schemas.microsoft.com/office/drawing/2017/decorative" val="1"/>
-                </a:ext>
-              </a:extLst>
-            </p:cNvPr>
-            <p:cNvCxnSpPr>
-              <a:cxnSpLocks/>
-            </p:cNvCxnSpPr>
-            <p:nvPr>
-              <p:extLst>
-                <p:ext uri="{386F3935-93C4-4BCD-93E2-E3B085C9AB24}">
-                  <p16:designElem xmlns:p16="http://schemas.microsoft.com/office/powerpoint/2015/main" val="1"/>
-                </p:ext>
-              </p:extLst>
-            </p:nvPr>
-          </p:nvCxnSpPr>
-          <p:spPr>
-            <a:xfrm>
-              <a:off x="8059680" y="-1"/>
-              <a:ext cx="0" cy="6858000"/>
-            </a:xfrm>
-            <a:prstGeom prst="line">
-              <a:avLst/>
-            </a:prstGeom>
-            <a:ln w="12700">
-              <a:solidFill>
-                <a:srgbClr val="BCBCBC">
-                  <a:alpha val="29804"/>
-                </a:srgbClr>
-              </a:solidFill>
-              <a:prstDash val="sysDot"/>
-            </a:ln>
-          </p:spPr>
-          <p:style>
-            <a:lnRef idx="1">
-              <a:schemeClr val="accent1"/>
-            </a:lnRef>
-            <a:fillRef idx="0">
-              <a:schemeClr val="accent1"/>
-            </a:fillRef>
-            <a:effectRef idx="0">
-              <a:schemeClr val="accent1"/>
-            </a:effectRef>
-            <a:fontRef idx="minor">
-              <a:schemeClr val="tx1"/>
-            </a:fontRef>
-          </p:style>
-        </p:cxnSp>
-        <p:cxnSp>
-          <p:nvCxnSpPr>
-            <p:cNvPr id="61" name="Straight Connector 60">
-              <a:extLst>
-                <a:ext uri="{FF2B5EF4-FFF2-40B4-BE49-F238E27FC236}">
-                  <a16:creationId xmlns:a16="http://schemas.microsoft.com/office/drawing/2014/main" id="{F187746C-FE57-4160-B924-6B283B3323DE}"/>
-                </a:ext>
-                <a:ext uri="{C183D7F6-B498-43B3-948B-1728B52AA6E4}">
-                  <adec:decorative xmlns:adec="http://schemas.microsoft.com/office/drawing/2017/decorative" val="1"/>
-                </a:ext>
-              </a:extLst>
-            </p:cNvPr>
-            <p:cNvCxnSpPr>
-              <a:cxnSpLocks/>
-            </p:cNvCxnSpPr>
-            <p:nvPr>
-              <p:extLst>
-                <p:ext uri="{386F3935-93C4-4BCD-93E2-E3B085C9AB24}">
-                  <p16:designElem xmlns:p16="http://schemas.microsoft.com/office/powerpoint/2015/main" val="1"/>
-                </p:ext>
-              </p:extLst>
-            </p:nvPr>
-          </p:nvCxnSpPr>
-          <p:spPr>
-            <a:xfrm>
-              <a:off x="9043074" y="-1"/>
-              <a:ext cx="0" cy="6858000"/>
-            </a:xfrm>
-            <a:prstGeom prst="line">
-              <a:avLst/>
-            </a:prstGeom>
-            <a:ln w="12700">
-              <a:solidFill>
-                <a:srgbClr val="BCBCBC">
-                  <a:alpha val="29804"/>
-                </a:srgbClr>
-              </a:solidFill>
-              <a:prstDash val="sysDot"/>
-            </a:ln>
-          </p:spPr>
-          <p:style>
-            <a:lnRef idx="1">
-              <a:schemeClr val="accent1"/>
-            </a:lnRef>
-            <a:fillRef idx="0">
-              <a:schemeClr val="accent1"/>
-            </a:fillRef>
-            <a:effectRef idx="0">
-              <a:schemeClr val="accent1"/>
-            </a:effectRef>
-            <a:fontRef idx="minor">
-              <a:schemeClr val="tx1"/>
-            </a:fontRef>
-          </p:style>
-        </p:cxnSp>
-        <p:cxnSp>
-          <p:nvCxnSpPr>
-            <p:cNvPr id="62" name="Straight Connector 61">
-              <a:extLst>
-                <a:ext uri="{FF2B5EF4-FFF2-40B4-BE49-F238E27FC236}">
-                  <a16:creationId xmlns:a16="http://schemas.microsoft.com/office/drawing/2014/main" id="{D7337AAE-EB93-4FBD-9904-036641260752}"/>
-                </a:ext>
-                <a:ext uri="{C183D7F6-B498-43B3-948B-1728B52AA6E4}">
-                  <adec:decorative xmlns:adec="http://schemas.microsoft.com/office/drawing/2017/decorative" val="1"/>
-                </a:ext>
-              </a:extLst>
-            </p:cNvPr>
-            <p:cNvCxnSpPr>
-              <a:cxnSpLocks/>
-            </p:cNvCxnSpPr>
-            <p:nvPr>
-              <p:extLst>
-                <p:ext uri="{386F3935-93C4-4BCD-93E2-E3B085C9AB24}">
-                  <p16:designElem xmlns:p16="http://schemas.microsoft.com/office/powerpoint/2015/main" val="1"/>
-                </p:ext>
-              </p:extLst>
-            </p:nvPr>
-          </p:nvCxnSpPr>
-          <p:spPr>
-            <a:xfrm>
-              <a:off x="10026468" y="-1"/>
-              <a:ext cx="0" cy="6858000"/>
-            </a:xfrm>
-            <a:prstGeom prst="line">
-              <a:avLst/>
-            </a:prstGeom>
-            <a:ln w="12700">
-              <a:solidFill>
-                <a:srgbClr val="BCBCBC">
-                  <a:alpha val="29804"/>
-                </a:srgbClr>
-              </a:solidFill>
-              <a:prstDash val="sysDot"/>
-            </a:ln>
-          </p:spPr>
-          <p:style>
-            <a:lnRef idx="1">
-              <a:schemeClr val="accent1"/>
-            </a:lnRef>
-            <a:fillRef idx="0">
-              <a:schemeClr val="accent1"/>
-            </a:fillRef>
-            <a:effectRef idx="0">
-              <a:schemeClr val="accent1"/>
-            </a:effectRef>
-            <a:fontRef idx="minor">
-              <a:schemeClr val="tx1"/>
-            </a:fontRef>
-          </p:style>
-        </p:cxnSp>
-        <p:cxnSp>
-          <p:nvCxnSpPr>
-            <p:cNvPr id="63" name="Straight Connector 62">
-              <a:extLst>
-                <a:ext uri="{FF2B5EF4-FFF2-40B4-BE49-F238E27FC236}">
-                  <a16:creationId xmlns:a16="http://schemas.microsoft.com/office/drawing/2014/main" id="{D6FA7169-C5DB-4F02-935F-AA39EDA4B742}"/>
-                </a:ext>
-                <a:ext uri="{C183D7F6-B498-43B3-948B-1728B52AA6E4}">
-                  <adec:decorative xmlns:adec="http://schemas.microsoft.com/office/drawing/2017/decorative" val="1"/>
-                </a:ext>
-              </a:extLst>
-            </p:cNvPr>
-            <p:cNvCxnSpPr>
-              <a:cxnSpLocks/>
-            </p:cNvCxnSpPr>
-            <p:nvPr>
-              <p:extLst>
-                <p:ext uri="{386F3935-93C4-4BCD-93E2-E3B085C9AB24}">
-                  <p16:designElem xmlns:p16="http://schemas.microsoft.com/office/powerpoint/2015/main" val="1"/>
-                </p:ext>
-              </p:extLst>
-            </p:nvPr>
-          </p:nvCxnSpPr>
-          <p:spPr>
-            <a:xfrm>
-              <a:off x="11009862" y="-1"/>
-              <a:ext cx="0" cy="6858000"/>
-            </a:xfrm>
-            <a:prstGeom prst="line">
-              <a:avLst/>
-            </a:prstGeom>
-            <a:ln w="12700">
-              <a:solidFill>
-                <a:srgbClr val="BCBCBC">
-                  <a:alpha val="29804"/>
-                </a:srgbClr>
-              </a:solidFill>
-              <a:prstDash val="sysDot"/>
-            </a:ln>
-          </p:spPr>
-          <p:style>
-            <a:lnRef idx="1">
-              <a:schemeClr val="accent1"/>
-            </a:lnRef>
-            <a:fillRef idx="0">
-              <a:schemeClr val="accent1"/>
-            </a:fillRef>
-            <a:effectRef idx="0">
-              <a:schemeClr val="accent1"/>
-            </a:effectRef>
-            <a:fontRef idx="minor">
-              <a:schemeClr val="tx1"/>
-            </a:fontRef>
-          </p:style>
-        </p:cxnSp>
-        <p:cxnSp>
-          <p:nvCxnSpPr>
-            <p:cNvPr id="64" name="Straight Connector 63">
-              <a:extLst>
-                <a:ext uri="{FF2B5EF4-FFF2-40B4-BE49-F238E27FC236}">
-                  <a16:creationId xmlns:a16="http://schemas.microsoft.com/office/drawing/2014/main" id="{A4195B93-DBB3-4197-8D91-A786D4753A98}"/>
-                </a:ext>
-                <a:ext uri="{C183D7F6-B498-43B3-948B-1728B52AA6E4}">
-                  <adec:decorative xmlns:adec="http://schemas.microsoft.com/office/drawing/2017/decorative" val="1"/>
-                </a:ext>
-              </a:extLst>
-            </p:cNvPr>
-            <p:cNvCxnSpPr>
-              <a:cxnSpLocks/>
-            </p:cNvCxnSpPr>
-            <p:nvPr>
-              <p:extLst>
-                <p:ext uri="{386F3935-93C4-4BCD-93E2-E3B085C9AB24}">
-                  <p16:designElem xmlns:p16="http://schemas.microsoft.com/office/powerpoint/2015/main" val="1"/>
-                </p:ext>
-              </p:extLst>
-            </p:nvPr>
-          </p:nvCxnSpPr>
-          <p:spPr>
-            <a:xfrm>
-              <a:off x="12185786" y="-1"/>
-              <a:ext cx="0" cy="6858000"/>
-            </a:xfrm>
-            <a:prstGeom prst="line">
-              <a:avLst/>
-            </a:prstGeom>
-            <a:ln w="12700">
-              <a:solidFill>
-                <a:srgbClr val="BCBCBC">
-                  <a:alpha val="29804"/>
-                </a:srgbClr>
-              </a:solidFill>
-              <a:prstDash val="sysDot"/>
-            </a:ln>
-          </p:spPr>
-          <p:style>
-            <a:lnRef idx="1">
-              <a:schemeClr val="accent1"/>
-            </a:lnRef>
-            <a:fillRef idx="0">
-              <a:schemeClr val="accent1"/>
-            </a:fillRef>
-            <a:effectRef idx="0">
-              <a:schemeClr val="accent1"/>
-            </a:effectRef>
-            <a:fontRef idx="minor">
-              <a:schemeClr val="tx1"/>
-            </a:fontRef>
-          </p:style>
-        </p:cxnSp>
-        <p:cxnSp>
-          <p:nvCxnSpPr>
-            <p:cNvPr id="65" name="Straight Connector 64">
-              <a:extLst>
-                <a:ext uri="{FF2B5EF4-FFF2-40B4-BE49-F238E27FC236}">
-                  <a16:creationId xmlns:a16="http://schemas.microsoft.com/office/drawing/2014/main" id="{3F2FF9EB-46CC-4A22-AF8A-9D11BC9666E5}"/>
-                </a:ext>
-                <a:ext uri="{C183D7F6-B498-43B3-948B-1728B52AA6E4}">
-                  <adec:decorative xmlns:adec="http://schemas.microsoft.com/office/drawing/2017/decorative" val="1"/>
-                </a:ext>
-              </a:extLst>
-            </p:cNvPr>
-            <p:cNvCxnSpPr>
-              <a:cxnSpLocks/>
-            </p:cNvCxnSpPr>
-            <p:nvPr>
-              <p:extLst>
-                <p:ext uri="{386F3935-93C4-4BCD-93E2-E3B085C9AB24}">
-                  <p16:designElem xmlns:p16="http://schemas.microsoft.com/office/powerpoint/2015/main" val="1"/>
-                </p:ext>
-              </p:extLst>
-            </p:nvPr>
-          </p:nvCxnSpPr>
-          <p:spPr>
-            <a:xfrm>
-              <a:off x="0" y="171716"/>
-              <a:ext cx="12192000" cy="0"/>
-            </a:xfrm>
-            <a:prstGeom prst="line">
-              <a:avLst/>
-            </a:prstGeom>
-            <a:ln w="12700">
-              <a:solidFill>
-                <a:srgbClr val="BCBCBC">
-                  <a:alpha val="29804"/>
-                </a:srgbClr>
-              </a:solidFill>
-              <a:prstDash val="sysDot"/>
-            </a:ln>
-          </p:spPr>
-          <p:style>
-            <a:lnRef idx="1">
-              <a:schemeClr val="accent1"/>
-            </a:lnRef>
-            <a:fillRef idx="0">
-              <a:schemeClr val="accent1"/>
-            </a:fillRef>
-            <a:effectRef idx="0">
-              <a:schemeClr val="accent1"/>
-            </a:effectRef>
-            <a:fontRef idx="minor">
-              <a:schemeClr val="tx1"/>
-            </a:fontRef>
-          </p:style>
-        </p:cxnSp>
-        <p:cxnSp>
-          <p:nvCxnSpPr>
-            <p:cNvPr id="66" name="Straight Connector 65">
-              <a:extLst>
-                <a:ext uri="{FF2B5EF4-FFF2-40B4-BE49-F238E27FC236}">
-                  <a16:creationId xmlns:a16="http://schemas.microsoft.com/office/drawing/2014/main" id="{2631DADE-538C-4EA4-9D90-3AED82E01BED}"/>
-                </a:ext>
-                <a:ext uri="{C183D7F6-B498-43B3-948B-1728B52AA6E4}">
-                  <adec:decorative xmlns:adec="http://schemas.microsoft.com/office/drawing/2017/decorative" val="1"/>
-                </a:ext>
-              </a:extLst>
-            </p:cNvPr>
-            <p:cNvCxnSpPr>
-              <a:cxnSpLocks/>
-            </p:cNvCxnSpPr>
-            <p:nvPr>
-              <p:extLst>
-                <p:ext uri="{386F3935-93C4-4BCD-93E2-E3B085C9AB24}">
-                  <p16:designElem xmlns:p16="http://schemas.microsoft.com/office/powerpoint/2015/main" val="1"/>
-                </p:ext>
-              </p:extLst>
-            </p:nvPr>
-          </p:nvCxnSpPr>
-          <p:spPr>
-            <a:xfrm>
-              <a:off x="0" y="714597"/>
-              <a:ext cx="12192000" cy="0"/>
-            </a:xfrm>
-            <a:prstGeom prst="line">
-              <a:avLst/>
-            </a:prstGeom>
-            <a:ln w="12700">
-              <a:solidFill>
-                <a:srgbClr val="BCBCBC">
-                  <a:alpha val="29804"/>
-                </a:srgbClr>
-              </a:solidFill>
-              <a:prstDash val="sysDot"/>
-            </a:ln>
-          </p:spPr>
-          <p:style>
-            <a:lnRef idx="1">
-              <a:schemeClr val="accent1"/>
-            </a:lnRef>
-            <a:fillRef idx="0">
-              <a:schemeClr val="accent1"/>
-            </a:fillRef>
-            <a:effectRef idx="0">
-              <a:schemeClr val="accent1"/>
-            </a:effectRef>
-            <a:fontRef idx="minor">
-              <a:schemeClr val="tx1"/>
-            </a:fontRef>
-          </p:style>
-        </p:cxnSp>
-        <p:cxnSp>
-          <p:nvCxnSpPr>
-            <p:cNvPr id="67" name="Straight Connector 66">
-              <a:extLst>
-                <a:ext uri="{FF2B5EF4-FFF2-40B4-BE49-F238E27FC236}">
-                  <a16:creationId xmlns:a16="http://schemas.microsoft.com/office/drawing/2014/main" id="{035A7E2F-77A0-48A1-A881-1A12940D8F00}"/>
-                </a:ext>
-                <a:ext uri="{C183D7F6-B498-43B3-948B-1728B52AA6E4}">
-                  <adec:decorative xmlns:adec="http://schemas.microsoft.com/office/drawing/2017/decorative" val="1"/>
-                </a:ext>
-              </a:extLst>
-            </p:cNvPr>
-            <p:cNvCxnSpPr>
-              <a:cxnSpLocks/>
-            </p:cNvCxnSpPr>
-            <p:nvPr>
-              <p:extLst>
-                <p:ext uri="{386F3935-93C4-4BCD-93E2-E3B085C9AB24}">
-                  <p16:designElem xmlns:p16="http://schemas.microsoft.com/office/powerpoint/2015/main" val="1"/>
-                </p:ext>
-              </p:extLst>
-            </p:nvPr>
-          </p:nvCxnSpPr>
-          <p:spPr>
-            <a:xfrm>
-              <a:off x="0" y="1257478"/>
-              <a:ext cx="12192000" cy="0"/>
-            </a:xfrm>
-            <a:prstGeom prst="line">
-              <a:avLst/>
-            </a:prstGeom>
-            <a:ln w="12700">
-              <a:solidFill>
-                <a:srgbClr val="BCBCBC">
-                  <a:alpha val="29804"/>
-                </a:srgbClr>
-              </a:solidFill>
-              <a:prstDash val="sysDot"/>
-            </a:ln>
-          </p:spPr>
-          <p:style>
-            <a:lnRef idx="1">
-              <a:schemeClr val="accent1"/>
-            </a:lnRef>
-            <a:fillRef idx="0">
-              <a:schemeClr val="accent1"/>
-            </a:fillRef>
-            <a:effectRef idx="0">
-              <a:schemeClr val="accent1"/>
-            </a:effectRef>
-            <a:fontRef idx="minor">
-              <a:schemeClr val="tx1"/>
-            </a:fontRef>
-          </p:style>
-        </p:cxnSp>
-        <p:cxnSp>
-          <p:nvCxnSpPr>
-            <p:cNvPr id="68" name="Straight Connector 67">
-              <a:extLst>
-                <a:ext uri="{FF2B5EF4-FFF2-40B4-BE49-F238E27FC236}">
-                  <a16:creationId xmlns:a16="http://schemas.microsoft.com/office/drawing/2014/main" id="{5AC39BAD-DB08-4260-BCE5-4E1FB09A4426}"/>
-                </a:ext>
-                <a:ext uri="{C183D7F6-B498-43B3-948B-1728B52AA6E4}">
-                  <adec:decorative xmlns:adec="http://schemas.microsoft.com/office/drawing/2017/decorative" val="1"/>
-                </a:ext>
-              </a:extLst>
-            </p:cNvPr>
-            <p:cNvCxnSpPr>
-              <a:cxnSpLocks/>
-            </p:cNvCxnSpPr>
-            <p:nvPr>
-              <p:extLst>
-                <p:ext uri="{386F3935-93C4-4BCD-93E2-E3B085C9AB24}">
-                  <p16:designElem xmlns:p16="http://schemas.microsoft.com/office/powerpoint/2015/main" val="1"/>
-                </p:ext>
-              </p:extLst>
-            </p:nvPr>
-          </p:nvCxnSpPr>
-          <p:spPr>
-            <a:xfrm>
-              <a:off x="0" y="1800359"/>
-              <a:ext cx="12192000" cy="0"/>
-            </a:xfrm>
-            <a:prstGeom prst="line">
-              <a:avLst/>
-            </a:prstGeom>
-            <a:ln w="12700">
-              <a:solidFill>
-                <a:srgbClr val="BCBCBC">
-                  <a:alpha val="29804"/>
-                </a:srgbClr>
-              </a:solidFill>
-              <a:prstDash val="sysDot"/>
-            </a:ln>
-          </p:spPr>
-          <p:style>
-            <a:lnRef idx="1">
-              <a:schemeClr val="accent1"/>
-            </a:lnRef>
-            <a:fillRef idx="0">
-              <a:schemeClr val="accent1"/>
-            </a:fillRef>
-            <a:effectRef idx="0">
-              <a:schemeClr val="accent1"/>
-            </a:effectRef>
-            <a:fontRef idx="minor">
-              <a:schemeClr val="tx1"/>
-            </a:fontRef>
-          </p:style>
-        </p:cxnSp>
-        <p:cxnSp>
-          <p:nvCxnSpPr>
-            <p:cNvPr id="69" name="Straight Connector 68">
-              <a:extLst>
-                <a:ext uri="{FF2B5EF4-FFF2-40B4-BE49-F238E27FC236}">
-                  <a16:creationId xmlns:a16="http://schemas.microsoft.com/office/drawing/2014/main" id="{468F31ED-A97B-4A9A-9F56-221FFB7A317E}"/>
-                </a:ext>
-                <a:ext uri="{C183D7F6-B498-43B3-948B-1728B52AA6E4}">
-                  <adec:decorative xmlns:adec="http://schemas.microsoft.com/office/drawing/2017/decorative" val="1"/>
-                </a:ext>
-              </a:extLst>
-            </p:cNvPr>
-            <p:cNvCxnSpPr>
-              <a:cxnSpLocks/>
-            </p:cNvCxnSpPr>
-            <p:nvPr>
-              <p:extLst>
-                <p:ext uri="{386F3935-93C4-4BCD-93E2-E3B085C9AB24}">
-                  <p16:designElem xmlns:p16="http://schemas.microsoft.com/office/powerpoint/2015/main" val="1"/>
-                </p:ext>
-              </p:extLst>
-            </p:nvPr>
-          </p:nvCxnSpPr>
-          <p:spPr>
-            <a:xfrm>
-              <a:off x="0" y="2343240"/>
-              <a:ext cx="12192000" cy="0"/>
-            </a:xfrm>
-            <a:prstGeom prst="line">
-              <a:avLst/>
-            </a:prstGeom>
-            <a:ln w="12700">
-              <a:solidFill>
-                <a:srgbClr val="BCBCBC">
-                  <a:alpha val="29804"/>
-                </a:srgbClr>
-              </a:solidFill>
-              <a:prstDash val="sysDot"/>
-            </a:ln>
-          </p:spPr>
-          <p:style>
-            <a:lnRef idx="1">
-              <a:schemeClr val="accent1"/>
-            </a:lnRef>
-            <a:fillRef idx="0">
-              <a:schemeClr val="accent1"/>
-            </a:fillRef>
-            <a:effectRef idx="0">
-              <a:schemeClr val="accent1"/>
-            </a:effectRef>
-            <a:fontRef idx="minor">
-              <a:schemeClr val="tx1"/>
-            </a:fontRef>
-          </p:style>
-        </p:cxnSp>
-        <p:cxnSp>
-          <p:nvCxnSpPr>
-            <p:cNvPr id="70" name="Straight Connector 69">
-              <a:extLst>
-                <a:ext uri="{FF2B5EF4-FFF2-40B4-BE49-F238E27FC236}">
-                  <a16:creationId xmlns:a16="http://schemas.microsoft.com/office/drawing/2014/main" id="{F362574E-3A61-4C31-915F-F541B7BE0844}"/>
-                </a:ext>
-                <a:ext uri="{C183D7F6-B498-43B3-948B-1728B52AA6E4}">
-                  <adec:decorative xmlns:adec="http://schemas.microsoft.com/office/drawing/2017/decorative" val="1"/>
-                </a:ext>
-              </a:extLst>
-            </p:cNvPr>
-            <p:cNvCxnSpPr>
-              <a:cxnSpLocks/>
-            </p:cNvCxnSpPr>
-            <p:nvPr>
-              <p:extLst>
-                <p:ext uri="{386F3935-93C4-4BCD-93E2-E3B085C9AB24}">
-                  <p16:designElem xmlns:p16="http://schemas.microsoft.com/office/powerpoint/2015/main" val="1"/>
-                </p:ext>
-              </p:extLst>
-            </p:nvPr>
-          </p:nvCxnSpPr>
-          <p:spPr>
-            <a:xfrm>
-              <a:off x="0" y="2886121"/>
-              <a:ext cx="12192000" cy="0"/>
-            </a:xfrm>
-            <a:prstGeom prst="line">
-              <a:avLst/>
-            </a:prstGeom>
-            <a:ln w="12700">
-              <a:solidFill>
-                <a:srgbClr val="BCBCBC">
-                  <a:alpha val="29804"/>
-                </a:srgbClr>
-              </a:solidFill>
-              <a:prstDash val="sysDot"/>
-            </a:ln>
-          </p:spPr>
-          <p:style>
-            <a:lnRef idx="1">
-              <a:schemeClr val="accent1"/>
-            </a:lnRef>
-            <a:fillRef idx="0">
-              <a:schemeClr val="accent1"/>
-            </a:fillRef>
-            <a:effectRef idx="0">
-              <a:schemeClr val="accent1"/>
-            </a:effectRef>
-            <a:fontRef idx="minor">
-              <a:schemeClr val="tx1"/>
-            </a:fontRef>
-          </p:style>
-        </p:cxnSp>
-        <p:cxnSp>
-          <p:nvCxnSpPr>
-            <p:cNvPr id="71" name="Straight Connector 70">
-              <a:extLst>
-                <a:ext uri="{FF2B5EF4-FFF2-40B4-BE49-F238E27FC236}">
-                  <a16:creationId xmlns:a16="http://schemas.microsoft.com/office/drawing/2014/main" id="{132BD431-3E1E-4528-AC59-5A23CE4CBA34}"/>
-                </a:ext>
-                <a:ext uri="{C183D7F6-B498-43B3-948B-1728B52AA6E4}">
-                  <adec:decorative xmlns:adec="http://schemas.microsoft.com/office/drawing/2017/decorative" val="1"/>
-                </a:ext>
-              </a:extLst>
-            </p:cNvPr>
-            <p:cNvCxnSpPr>
-              <a:cxnSpLocks/>
-            </p:cNvCxnSpPr>
-            <p:nvPr>
-              <p:extLst>
-                <p:ext uri="{386F3935-93C4-4BCD-93E2-E3B085C9AB24}">
-                  <p16:designElem xmlns:p16="http://schemas.microsoft.com/office/powerpoint/2015/main" val="1"/>
-                </p:ext>
-              </p:extLst>
-            </p:nvPr>
-          </p:nvCxnSpPr>
-          <p:spPr>
-            <a:xfrm>
-              <a:off x="0" y="3429002"/>
-              <a:ext cx="12192000" cy="0"/>
-            </a:xfrm>
-            <a:prstGeom prst="line">
-              <a:avLst/>
-            </a:prstGeom>
-            <a:ln w="12700">
-              <a:solidFill>
-                <a:srgbClr val="BCBCBC">
-                  <a:alpha val="29804"/>
-                </a:srgbClr>
-              </a:solidFill>
-              <a:prstDash val="sysDot"/>
-            </a:ln>
-          </p:spPr>
-          <p:style>
-            <a:lnRef idx="1">
-              <a:schemeClr val="accent1"/>
-            </a:lnRef>
-            <a:fillRef idx="0">
-              <a:schemeClr val="accent1"/>
-            </a:fillRef>
-            <a:effectRef idx="0">
-              <a:schemeClr val="accent1"/>
-            </a:effectRef>
-            <a:fontRef idx="minor">
-              <a:schemeClr val="tx1"/>
-            </a:fontRef>
-          </p:style>
-        </p:cxnSp>
-        <p:cxnSp>
-          <p:nvCxnSpPr>
-            <p:cNvPr id="72" name="Straight Connector 71">
-              <a:extLst>
-                <a:ext uri="{FF2B5EF4-FFF2-40B4-BE49-F238E27FC236}">
-                  <a16:creationId xmlns:a16="http://schemas.microsoft.com/office/drawing/2014/main" id="{7DE7131F-209C-4427-96DA-26E0E973EE4B}"/>
-                </a:ext>
-                <a:ext uri="{C183D7F6-B498-43B3-948B-1728B52AA6E4}">
-                  <adec:decorative xmlns:adec="http://schemas.microsoft.com/office/drawing/2017/decorative" val="1"/>
-                </a:ext>
-              </a:extLst>
-            </p:cNvPr>
-            <p:cNvCxnSpPr>
-              <a:cxnSpLocks/>
-            </p:cNvCxnSpPr>
-            <p:nvPr>
-              <p:extLst>
-                <p:ext uri="{386F3935-93C4-4BCD-93E2-E3B085C9AB24}">
-                  <p16:designElem xmlns:p16="http://schemas.microsoft.com/office/powerpoint/2015/main" val="1"/>
-                </p:ext>
-              </p:extLst>
-            </p:nvPr>
-          </p:nvCxnSpPr>
-          <p:spPr>
-            <a:xfrm>
-              <a:off x="0" y="3971883"/>
-              <a:ext cx="12192000" cy="0"/>
-            </a:xfrm>
-            <a:prstGeom prst="line">
-              <a:avLst/>
-            </a:prstGeom>
-            <a:ln w="12700">
-              <a:solidFill>
-                <a:srgbClr val="BCBCBC">
-                  <a:alpha val="29804"/>
-                </a:srgbClr>
-              </a:solidFill>
-              <a:prstDash val="sysDot"/>
-            </a:ln>
-          </p:spPr>
-          <p:style>
-            <a:lnRef idx="1">
-              <a:schemeClr val="accent1"/>
-            </a:lnRef>
-            <a:fillRef idx="0">
-              <a:schemeClr val="accent1"/>
-            </a:fillRef>
-            <a:effectRef idx="0">
-              <a:schemeClr val="accent1"/>
-            </a:effectRef>
-            <a:fontRef idx="minor">
-              <a:schemeClr val="tx1"/>
-            </a:fontRef>
-          </p:style>
-        </p:cxnSp>
-        <p:cxnSp>
-          <p:nvCxnSpPr>
-            <p:cNvPr id="73" name="Straight Connector 72">
-              <a:extLst>
-                <a:ext uri="{FF2B5EF4-FFF2-40B4-BE49-F238E27FC236}">
-                  <a16:creationId xmlns:a16="http://schemas.microsoft.com/office/drawing/2014/main" id="{3283DFDB-6A1C-41B8-B590-9660646991E4}"/>
-                </a:ext>
-                <a:ext uri="{C183D7F6-B498-43B3-948B-1728B52AA6E4}">
-                  <adec:decorative xmlns:adec="http://schemas.microsoft.com/office/drawing/2017/decorative" val="1"/>
-                </a:ext>
-              </a:extLst>
-            </p:cNvPr>
-            <p:cNvCxnSpPr>
-              <a:cxnSpLocks/>
-            </p:cNvCxnSpPr>
-            <p:nvPr>
-              <p:extLst>
-                <p:ext uri="{386F3935-93C4-4BCD-93E2-E3B085C9AB24}">
-                  <p16:designElem xmlns:p16="http://schemas.microsoft.com/office/powerpoint/2015/main" val="1"/>
-                </p:ext>
-              </p:extLst>
-            </p:nvPr>
-          </p:nvCxnSpPr>
-          <p:spPr>
-            <a:xfrm>
-              <a:off x="0" y="4514764"/>
-              <a:ext cx="12192000" cy="0"/>
-            </a:xfrm>
-            <a:prstGeom prst="line">
-              <a:avLst/>
-            </a:prstGeom>
-            <a:ln w="12700">
-              <a:solidFill>
-                <a:srgbClr val="BCBCBC">
-                  <a:alpha val="29804"/>
-                </a:srgbClr>
-              </a:solidFill>
-              <a:prstDash val="sysDot"/>
-            </a:ln>
-          </p:spPr>
-          <p:style>
-            <a:lnRef idx="1">
-              <a:schemeClr val="accent1"/>
-            </a:lnRef>
-            <a:fillRef idx="0">
-              <a:schemeClr val="accent1"/>
-            </a:fillRef>
-            <a:effectRef idx="0">
-              <a:schemeClr val="accent1"/>
-            </a:effectRef>
-            <a:fontRef idx="minor">
-              <a:schemeClr val="tx1"/>
-            </a:fontRef>
-          </p:style>
-        </p:cxnSp>
-        <p:cxnSp>
-          <p:nvCxnSpPr>
-            <p:cNvPr id="74" name="Straight Connector 73">
-              <a:extLst>
-                <a:ext uri="{FF2B5EF4-FFF2-40B4-BE49-F238E27FC236}">
-                  <a16:creationId xmlns:a16="http://schemas.microsoft.com/office/drawing/2014/main" id="{1DA3D6B3-30E3-4C45-A709-4F775DB84678}"/>
-                </a:ext>
-                <a:ext uri="{C183D7F6-B498-43B3-948B-1728B52AA6E4}">
-                  <adec:decorative xmlns:adec="http://schemas.microsoft.com/office/drawing/2017/decorative" val="1"/>
-                </a:ext>
-              </a:extLst>
-            </p:cNvPr>
-            <p:cNvCxnSpPr>
-              <a:cxnSpLocks/>
-            </p:cNvCxnSpPr>
-            <p:nvPr>
-              <p:extLst>
-                <p:ext uri="{386F3935-93C4-4BCD-93E2-E3B085C9AB24}">
-                  <p16:designElem xmlns:p16="http://schemas.microsoft.com/office/powerpoint/2015/main" val="1"/>
-                </p:ext>
-              </p:extLst>
-            </p:nvPr>
-          </p:nvCxnSpPr>
-          <p:spPr>
-            <a:xfrm>
-              <a:off x="0" y="5057645"/>
-              <a:ext cx="12192000" cy="0"/>
-            </a:xfrm>
-            <a:prstGeom prst="line">
-              <a:avLst/>
-            </a:prstGeom>
-            <a:ln w="12700">
-              <a:solidFill>
-                <a:srgbClr val="BCBCBC">
-                  <a:alpha val="29804"/>
-                </a:srgbClr>
-              </a:solidFill>
-              <a:prstDash val="sysDot"/>
-            </a:ln>
-          </p:spPr>
-          <p:style>
-            <a:lnRef idx="1">
-              <a:schemeClr val="accent1"/>
-            </a:lnRef>
-            <a:fillRef idx="0">
-              <a:schemeClr val="accent1"/>
-            </a:fillRef>
-            <a:effectRef idx="0">
-              <a:schemeClr val="accent1"/>
-            </a:effectRef>
-            <a:fontRef idx="minor">
-              <a:schemeClr val="tx1"/>
-            </a:fontRef>
-          </p:style>
-        </p:cxnSp>
-        <p:cxnSp>
-          <p:nvCxnSpPr>
-            <p:cNvPr id="75" name="Straight Connector 74">
-              <a:extLst>
-                <a:ext uri="{FF2B5EF4-FFF2-40B4-BE49-F238E27FC236}">
-                  <a16:creationId xmlns:a16="http://schemas.microsoft.com/office/drawing/2014/main" id="{8F481924-9C4A-4A91-8AB4-D796F33D7365}"/>
-                </a:ext>
-                <a:ext uri="{C183D7F6-B498-43B3-948B-1728B52AA6E4}">
-                  <adec:decorative xmlns:adec="http://schemas.microsoft.com/office/drawing/2017/decorative" val="1"/>
-                </a:ext>
-              </a:extLst>
-            </p:cNvPr>
-            <p:cNvCxnSpPr>
-              <a:cxnSpLocks/>
-            </p:cNvCxnSpPr>
-            <p:nvPr>
-              <p:extLst>
-                <p:ext uri="{386F3935-93C4-4BCD-93E2-E3B085C9AB24}">
-                  <p16:designElem xmlns:p16="http://schemas.microsoft.com/office/powerpoint/2015/main" val="1"/>
-                </p:ext>
-              </p:extLst>
-            </p:nvPr>
-          </p:nvCxnSpPr>
-          <p:spPr>
-            <a:xfrm>
-              <a:off x="0" y="5600526"/>
-              <a:ext cx="12192000" cy="0"/>
-            </a:xfrm>
-            <a:prstGeom prst="line">
-              <a:avLst/>
-            </a:prstGeom>
-            <a:ln w="12700">
-              <a:solidFill>
-                <a:srgbClr val="BCBCBC">
-                  <a:alpha val="29804"/>
-                </a:srgbClr>
-              </a:solidFill>
-              <a:prstDash val="sysDot"/>
-            </a:ln>
-          </p:spPr>
-          <p:style>
-            <a:lnRef idx="1">
-              <a:schemeClr val="accent1"/>
-            </a:lnRef>
-            <a:fillRef idx="0">
-              <a:schemeClr val="accent1"/>
-            </a:fillRef>
-            <a:effectRef idx="0">
-              <a:schemeClr val="accent1"/>
-            </a:effectRef>
-            <a:fontRef idx="minor">
-              <a:schemeClr val="tx1"/>
-            </a:fontRef>
-          </p:style>
-        </p:cxnSp>
-        <p:cxnSp>
-          <p:nvCxnSpPr>
-            <p:cNvPr id="76" name="Straight Connector 75">
-              <a:extLst>
-                <a:ext uri="{FF2B5EF4-FFF2-40B4-BE49-F238E27FC236}">
-                  <a16:creationId xmlns:a16="http://schemas.microsoft.com/office/drawing/2014/main" id="{53787DCF-DA69-4379-94AB-C361DF32605E}"/>
-                </a:ext>
-                <a:ext uri="{C183D7F6-B498-43B3-948B-1728B52AA6E4}">
-                  <adec:decorative xmlns:adec="http://schemas.microsoft.com/office/drawing/2017/decorative" val="1"/>
-                </a:ext>
-              </a:extLst>
-            </p:cNvPr>
-            <p:cNvCxnSpPr>
-              <a:cxnSpLocks/>
-            </p:cNvCxnSpPr>
-            <p:nvPr>
-              <p:extLst>
-                <p:ext uri="{386F3935-93C4-4BCD-93E2-E3B085C9AB24}">
-                  <p16:designElem xmlns:p16="http://schemas.microsoft.com/office/powerpoint/2015/main" val="1"/>
-                </p:ext>
-              </p:extLst>
-            </p:nvPr>
-          </p:nvCxnSpPr>
-          <p:spPr>
-            <a:xfrm>
-              <a:off x="0" y="6857999"/>
-              <a:ext cx="12192000" cy="0"/>
-            </a:xfrm>
-            <a:prstGeom prst="line">
-              <a:avLst/>
-            </a:prstGeom>
-            <a:ln w="12700">
-              <a:solidFill>
-                <a:srgbClr val="BCBCBC">
-                  <a:alpha val="29804"/>
-                </a:srgbClr>
-              </a:solidFill>
-              <a:prstDash val="sysDot"/>
-            </a:ln>
-          </p:spPr>
-          <p:style>
-            <a:lnRef idx="1">
-              <a:schemeClr val="accent1"/>
-            </a:lnRef>
-            <a:fillRef idx="0">
-              <a:schemeClr val="accent1"/>
-            </a:fillRef>
-            <a:effectRef idx="0">
-              <a:schemeClr val="accent1"/>
-            </a:effectRef>
-            <a:fontRef idx="minor">
-              <a:schemeClr val="tx1"/>
-            </a:fontRef>
-          </p:style>
-        </p:cxnSp>
-        <p:cxnSp>
-          <p:nvCxnSpPr>
-            <p:cNvPr id="77" name="Straight Connector 76">
-              <a:extLst>
-                <a:ext uri="{FF2B5EF4-FFF2-40B4-BE49-F238E27FC236}">
-                  <a16:creationId xmlns:a16="http://schemas.microsoft.com/office/drawing/2014/main" id="{753DC9D9-196D-4C02-982F-935945BD57C8}"/>
-                </a:ext>
-                <a:ext uri="{C183D7F6-B498-43B3-948B-1728B52AA6E4}">
-                  <adec:decorative xmlns:adec="http://schemas.microsoft.com/office/drawing/2017/decorative" val="1"/>
-                </a:ext>
-              </a:extLst>
-            </p:cNvPr>
-            <p:cNvCxnSpPr>
-              <a:cxnSpLocks/>
-            </p:cNvCxnSpPr>
-            <p:nvPr>
-              <p:extLst>
-                <p:ext uri="{386F3935-93C4-4BCD-93E2-E3B085C9AB24}">
-                  <p16:designElem xmlns:p16="http://schemas.microsoft.com/office/powerpoint/2015/main" val="1"/>
-                </p:ext>
-              </p:extLst>
-            </p:nvPr>
-          </p:nvCxnSpPr>
-          <p:spPr>
-            <a:xfrm>
-              <a:off x="16613" y="6143407"/>
-              <a:ext cx="12192000" cy="0"/>
-            </a:xfrm>
-            <a:prstGeom prst="line">
-              <a:avLst/>
-            </a:prstGeom>
-            <a:ln w="12700">
-              <a:solidFill>
-                <a:srgbClr val="BCBCBC">
-                  <a:alpha val="29804"/>
-                </a:srgbClr>
-              </a:solidFill>
-              <a:prstDash val="sysDot"/>
-            </a:ln>
-          </p:spPr>
-          <p:style>
-            <a:lnRef idx="1">
-              <a:schemeClr val="accent1"/>
-            </a:lnRef>
-            <a:fillRef idx="0">
-              <a:schemeClr val="accent1"/>
-            </a:fillRef>
-            <a:effectRef idx="0">
-              <a:schemeClr val="accent1"/>
-            </a:effectRef>
-            <a:fontRef idx="minor">
-              <a:schemeClr val="tx1"/>
-            </a:fontRef>
-          </p:style>
-        </p:cxnSp>
-        <p:cxnSp>
-          <p:nvCxnSpPr>
-            <p:cNvPr id="78" name="Straight Connector 77">
-              <a:extLst>
-                <a:ext uri="{FF2B5EF4-FFF2-40B4-BE49-F238E27FC236}">
-                  <a16:creationId xmlns:a16="http://schemas.microsoft.com/office/drawing/2014/main" id="{E2AF9976-A85B-4FAC-ACA0-7B4F06D180B2}"/>
-                </a:ext>
-                <a:ext uri="{C183D7F6-B498-43B3-948B-1728B52AA6E4}">
-                  <adec:decorative xmlns:adec="http://schemas.microsoft.com/office/drawing/2017/decorative" val="1"/>
-                </a:ext>
-              </a:extLst>
-            </p:cNvPr>
-            <p:cNvCxnSpPr>
-              <a:cxnSpLocks/>
-            </p:cNvCxnSpPr>
-            <p:nvPr>
-              <p:extLst>
-                <p:ext uri="{386F3935-93C4-4BCD-93E2-E3B085C9AB24}">
-                  <p16:designElem xmlns:p16="http://schemas.microsoft.com/office/powerpoint/2015/main" val="1"/>
-                </p:ext>
-              </p:extLst>
-            </p:nvPr>
-          </p:nvCxnSpPr>
-          <p:spPr>
-            <a:xfrm>
-              <a:off x="684225" y="171716"/>
-              <a:ext cx="0" cy="6511464"/>
-            </a:xfrm>
-            <a:prstGeom prst="line">
-              <a:avLst/>
-            </a:prstGeom>
-            <a:ln w="12700">
-              <a:solidFill>
-                <a:srgbClr val="BCBCBC">
-                  <a:alpha val="29804"/>
-                </a:srgbClr>
-              </a:solidFill>
-              <a:prstDash val="sysDot"/>
-            </a:ln>
-          </p:spPr>
-          <p:style>
-            <a:lnRef idx="1">
-              <a:schemeClr val="accent1"/>
-            </a:lnRef>
-            <a:fillRef idx="0">
-              <a:schemeClr val="accent1"/>
-            </a:fillRef>
-            <a:effectRef idx="0">
-              <a:schemeClr val="accent1"/>
-            </a:effectRef>
-            <a:fontRef idx="minor">
-              <a:schemeClr val="tx1"/>
-            </a:fontRef>
-          </p:style>
-        </p:cxnSp>
-        <p:cxnSp>
-          <p:nvCxnSpPr>
-            <p:cNvPr id="79" name="Straight Connector 78">
-              <a:extLst>
-                <a:ext uri="{FF2B5EF4-FFF2-40B4-BE49-F238E27FC236}">
-                  <a16:creationId xmlns:a16="http://schemas.microsoft.com/office/drawing/2014/main" id="{BFD38ACD-F4A1-4970-BE99-87B0A04829F7}"/>
-                </a:ext>
-                <a:ext uri="{C183D7F6-B498-43B3-948B-1728B52AA6E4}">
-                  <adec:decorative xmlns:adec="http://schemas.microsoft.com/office/drawing/2017/decorative" val="1"/>
-                </a:ext>
-              </a:extLst>
-            </p:cNvPr>
-            <p:cNvCxnSpPr>
-              <a:cxnSpLocks/>
-            </p:cNvCxnSpPr>
-            <p:nvPr>
-              <p:extLst>
-                <p:ext uri="{386F3935-93C4-4BCD-93E2-E3B085C9AB24}">
-                  <p16:designElem xmlns:p16="http://schemas.microsoft.com/office/powerpoint/2015/main" val="1"/>
-                </p:ext>
-              </p:extLst>
-            </p:nvPr>
-          </p:nvCxnSpPr>
-          <p:spPr>
-            <a:xfrm>
-              <a:off x="11508412" y="173267"/>
-              <a:ext cx="0" cy="6511464"/>
-            </a:xfrm>
-            <a:prstGeom prst="line">
-              <a:avLst/>
-            </a:prstGeom>
-            <a:ln w="12700">
-              <a:solidFill>
-                <a:srgbClr val="BCBCBC">
-                  <a:alpha val="29804"/>
-                </a:srgbClr>
-              </a:solidFill>
-              <a:prstDash val="sysDot"/>
-            </a:ln>
-          </p:spPr>
-          <p:style>
-            <a:lnRef idx="1">
-              <a:schemeClr val="accent1"/>
-            </a:lnRef>
-            <a:fillRef idx="0">
-              <a:schemeClr val="accent1"/>
-            </a:fillRef>
-            <a:effectRef idx="0">
-              <a:schemeClr val="accent1"/>
-            </a:effectRef>
-            <a:fontRef idx="minor">
-              <a:schemeClr val="tx1"/>
-            </a:fontRef>
-          </p:style>
-        </p:cxnSp>
-      </p:grpSp>
-      <p:sp>
-        <p:nvSpPr>
-          <p:cNvPr id="81" name="Right Triangle 80">
-            <a:extLst>
-              <a:ext uri="{FF2B5EF4-FFF2-40B4-BE49-F238E27FC236}">
-                <a16:creationId xmlns:a16="http://schemas.microsoft.com/office/drawing/2014/main" id="{429C64BC-8915-422E-9361-EE04C48FFD40}"/>
-              </a:ext>
-              <a:ext uri="{C183D7F6-B498-43B3-948B-1728B52AA6E4}">
-                <adec:decorative xmlns:adec="http://schemas.microsoft.com/office/drawing/2017/decorative" val="1"/>
-              </a:ext>
-            </a:extLst>
-          </p:cNvPr>
-          <p:cNvSpPr>
-            <a:spLocks noGrp="1" noRot="1" noChangeAspect="1" noMove="1" noResize="1" noEditPoints="1" noAdjustHandles="1" noChangeArrowheads="1" noChangeShapeType="1" noTextEdit="1"/>
-          </p:cNvSpPr>
-          <p:nvPr>
-            <p:extLst>
-              <p:ext uri="{386F3935-93C4-4BCD-93E2-E3B085C9AB24}">
-                <p16:designElem xmlns:p16="http://schemas.microsoft.com/office/powerpoint/2015/main" val="1"/>
-              </p:ext>
-            </p:extLst>
-          </p:nvPr>
-        </p:nvSpPr>
-        <p:spPr>
-          <a:xfrm rot="13500000">
-            <a:off x="-281094" y="2610287"/>
-            <a:ext cx="568289" cy="568289"/>
-          </a:xfrm>
-          <a:prstGeom prst="rtTriangle">
-            <a:avLst/>
-          </a:prstGeom>
-          <a:solidFill>
-            <a:schemeClr val="accent1">
-              <a:alpha val="50000"/>
-            </a:schemeClr>
-          </a:solidFill>
-          <a:ln>
-            <a:noFill/>
-          </a:ln>
-        </p:spPr>
-        <p:style>
-          <a:lnRef idx="2">
-            <a:schemeClr val="accent1">
-              <a:shade val="50000"/>
-            </a:schemeClr>
-          </a:lnRef>
-          <a:fillRef idx="1">
-            <a:schemeClr val="accent1"/>
-          </a:fillRef>
-          <a:effectRef idx="0">
-            <a:schemeClr val="accent1"/>
-          </a:effectRef>
-          <a:fontRef idx="minor">
-            <a:schemeClr val="lt1"/>
-          </a:fontRef>
-        </p:style>
-        <p:txBody>
-          <a:bodyPr rtlCol="0" anchor="ctr"/>
-          <a:lstStyle/>
-          <a:p>
-            <a:pPr algn="ctr"/>
-            <a:endParaRPr lang="en-US">
-              <a:solidFill>
-                <a:schemeClr val="tx1"/>
-              </a:solidFill>
-            </a:endParaRPr>
-          </a:p>
-        </p:txBody>
-      </p:sp>
-      <p:sp>
-        <p:nvSpPr>
-          <p:cNvPr id="2" name="Titel 1">
-            <a:extLst>
-              <a:ext uri="{FF2B5EF4-FFF2-40B4-BE49-F238E27FC236}">
-                <a16:creationId xmlns:a16="http://schemas.microsoft.com/office/drawing/2014/main" id="{3313D2A2-6DB2-21CE-9DEC-8AE5D41E74AE}"/>
-              </a:ext>
-            </a:extLst>
-          </p:cNvPr>
-          <p:cNvSpPr>
-            <a:spLocks noGrp="1"/>
-          </p:cNvSpPr>
-          <p:nvPr>
-            <p:ph type="title"/>
-          </p:nvPr>
-        </p:nvSpPr>
-        <p:spPr>
-          <a:xfrm>
-            <a:off x="802965" y="1570239"/>
-            <a:ext cx="5798932" cy="2534369"/>
-          </a:xfrm>
-        </p:spPr>
-        <p:txBody>
-          <a:bodyPr vert="horz" lIns="91440" tIns="45720" rIns="91440" bIns="45720" rtlCol="0" anchor="b">
-            <a:normAutofit/>
-          </a:bodyPr>
-          <a:lstStyle/>
-          <a:p>
-            <a:r>
-              <a:rPr lang="en-US" sz="9600" dirty="0"/>
-              <a:t>Q &amp; A </a:t>
-            </a:r>
-          </a:p>
-        </p:txBody>
-      </p:sp>
-      <p:pic>
-        <p:nvPicPr>
-          <p:cNvPr id="6" name="Grafik 5" descr="Fragen mit einfarbiger Füllung">
-            <a:extLst>
-              <a:ext uri="{FF2B5EF4-FFF2-40B4-BE49-F238E27FC236}">
-                <a16:creationId xmlns:a16="http://schemas.microsoft.com/office/drawing/2014/main" id="{776CC626-84E1-D2B3-D53E-60C4866B7401}"/>
-              </a:ext>
-            </a:extLst>
-          </p:cNvPr>
-          <p:cNvPicPr>
-            <a:picLocks noChangeAspect="1"/>
-          </p:cNvPicPr>
-          <p:nvPr/>
-        </p:nvPicPr>
-        <p:blipFill>
-          <a:blip r:embed="rId2">
-            <a:extLst>
-              <a:ext uri="{28A0092B-C50C-407E-A947-70E740481C1C}">
-                <a14:useLocalDpi xmlns:a14="http://schemas.microsoft.com/office/drawing/2010/main" val="0"/>
-              </a:ext>
-              <a:ext uri="{96DAC541-7B7A-43D3-8B79-37D633B846F1}">
-                <asvg:svgBlip xmlns:asvg="http://schemas.microsoft.com/office/drawing/2016/SVG/main" r:embed="rId3"/>
-              </a:ext>
-            </a:extLst>
-          </a:blip>
-          <a:stretch>
-            <a:fillRect/>
-          </a:stretch>
-        </p:blipFill>
-        <p:spPr>
-          <a:xfrm>
-            <a:off x="7076284" y="1209097"/>
-            <a:ext cx="4431492" cy="4431492"/>
-          </a:xfrm>
-          <a:prstGeom prst="rect">
-            <a:avLst/>
-          </a:prstGeom>
-        </p:spPr>
-      </p:pic>
       <p:sp>
         <p:nvSpPr>
           <p:cNvPr id="4" name="Foliennummernplatzhalter 3">
             <a:extLst>
               <a:ext uri="{FF2B5EF4-FFF2-40B4-BE49-F238E27FC236}">
-                <a16:creationId xmlns:a16="http://schemas.microsoft.com/office/drawing/2014/main" id="{B76D3243-AC80-E25F-8FE3-BADDF856E6FB}"/>
+                <a16:creationId xmlns:a16="http://schemas.microsoft.com/office/drawing/2014/main" id="{B2B6A5F6-C3C2-F347-1380-353AC0033B9F}"/>
               </a:ext>
             </a:extLst>
           </p:cNvPr>
@@ -24268,40 +25128,211 @@
             <p:ph type="sldNum" sz="quarter" idx="12"/>
           </p:nvPr>
         </p:nvSpPr>
-        <p:spPr>
-          <a:xfrm>
-            <a:off x="11003649" y="6215870"/>
-            <a:ext cx="979151" cy="417126"/>
-          </a:xfrm>
-        </p:spPr>
+        <p:spPr/>
         <p:txBody>
-          <a:bodyPr vert="horz" lIns="91440" tIns="45720" rIns="91440" bIns="45720" rtlCol="0" anchor="ctr">
-            <a:normAutofit/>
-          </a:bodyPr>
+          <a:bodyPr/>
           <a:lstStyle/>
           <a:p>
-            <a:pPr>
-              <a:spcAft>
-                <a:spcPts val="600"/>
-              </a:spcAft>
-            </a:pPr>
             <a:fld id="{BE15108C-154A-4A5A-9C05-91A49A422BA7}" type="slidenum">
               <a:rPr lang="en-US" smtClean="0"/>
-              <a:pPr>
-                <a:spcAft>
-                  <a:spcPts val="600"/>
-                </a:spcAft>
-              </a:pPr>
               <a:t>9</a:t>
             </a:fld>
             <a:endParaRPr lang="en-US"/>
           </a:p>
         </p:txBody>
       </p:sp>
+      <p:sp>
+        <p:nvSpPr>
+          <p:cNvPr id="5" name="Titel 1">
+            <a:extLst>
+              <a:ext uri="{FF2B5EF4-FFF2-40B4-BE49-F238E27FC236}">
+                <a16:creationId xmlns:a16="http://schemas.microsoft.com/office/drawing/2014/main" id="{1B2139BF-F867-8C91-6843-2CBF9BD11BAD}"/>
+              </a:ext>
+            </a:extLst>
+          </p:cNvPr>
+          <p:cNvSpPr txBox="1">
+            <a:spLocks/>
+          </p:cNvSpPr>
+          <p:nvPr/>
+        </p:nvSpPr>
+        <p:spPr>
+          <a:xfrm>
+            <a:off x="678649" y="725952"/>
+            <a:ext cx="10325000" cy="672560"/>
+          </a:xfrm>
+          <a:prstGeom prst="rect">
+            <a:avLst/>
+          </a:prstGeom>
+        </p:spPr>
+        <p:txBody>
+          <a:bodyPr vert="horz" lIns="91440" tIns="45720" rIns="91440" bIns="45720" rtlCol="0" anchor="b">
+            <a:normAutofit fontScale="90000" lnSpcReduction="10000"/>
+          </a:bodyPr>
+          <a:lstStyle>
+            <a:lvl1pPr algn="l" defTabSz="914400" rtl="0" eaLnBrk="1" latinLnBrk="0" hangingPunct="1">
+              <a:lnSpc>
+                <a:spcPct val="100000"/>
+              </a:lnSpc>
+              <a:spcBef>
+                <a:spcPct val="0"/>
+              </a:spcBef>
+              <a:buNone/>
+              <a:defRPr sz="4400" kern="1200">
+                <a:solidFill>
+                  <a:schemeClr val="tx2"/>
+                </a:solidFill>
+                <a:latin typeface="+mj-lt"/>
+                <a:ea typeface="+mj-ea"/>
+                <a:cs typeface="+mj-cs"/>
+              </a:defRPr>
+            </a:lvl1pPr>
+          </a:lstStyle>
+          <a:p>
+            <a:r>
+              <a:rPr lang="en-US" dirty="0"/>
+              <a:t>Learnings</a:t>
+            </a:r>
+            <a:endParaRPr lang="de-CH" dirty="0"/>
+          </a:p>
+        </p:txBody>
+      </p:sp>
+      <p:sp>
+        <p:nvSpPr>
+          <p:cNvPr id="8" name="Textfeld 7">
+            <a:extLst>
+              <a:ext uri="{FF2B5EF4-FFF2-40B4-BE49-F238E27FC236}">
+                <a16:creationId xmlns:a16="http://schemas.microsoft.com/office/drawing/2014/main" id="{E18D64F6-00DA-FAA6-4DA8-07F583ABC6C0}"/>
+              </a:ext>
+            </a:extLst>
+          </p:cNvPr>
+          <p:cNvSpPr txBox="1"/>
+          <p:nvPr/>
+        </p:nvSpPr>
+        <p:spPr>
+          <a:xfrm>
+            <a:off x="678649" y="1831896"/>
+            <a:ext cx="10325000" cy="5141729"/>
+          </a:xfrm>
+          <a:prstGeom prst="rect">
+            <a:avLst/>
+          </a:prstGeom>
+          <a:noFill/>
+        </p:spPr>
+        <p:txBody>
+          <a:bodyPr wrap="square">
+            <a:spAutoFit/>
+          </a:bodyPr>
+          <a:lstStyle/>
+          <a:p>
+            <a:pPr marL="285750" indent="-285750">
+              <a:lnSpc>
+                <a:spcPct val="200000"/>
+              </a:lnSpc>
+              <a:buFont typeface="Arial" panose="020B0604020202020204" pitchFamily="34" charset="0"/>
+              <a:buChar char="•"/>
+            </a:pPr>
+            <a:r>
+              <a:rPr lang="de-DE" sz="2400" dirty="0"/>
+              <a:t>Anwendung der linearen und multiplen linearen Regression in R</a:t>
+            </a:r>
+          </a:p>
+          <a:p>
+            <a:pPr marL="285750" indent="-285750">
+              <a:lnSpc>
+                <a:spcPct val="200000"/>
+              </a:lnSpc>
+              <a:buFont typeface="Arial" panose="020B0604020202020204" pitchFamily="34" charset="0"/>
+              <a:buChar char="•"/>
+            </a:pPr>
+            <a:r>
+              <a:rPr lang="de-DE" sz="2400" dirty="0"/>
+              <a:t>Automatische </a:t>
+            </a:r>
+            <a:r>
+              <a:rPr lang="de-DE" sz="2400" dirty="0" err="1"/>
+              <a:t>Residuenanalysen</a:t>
+            </a:r>
+            <a:endParaRPr lang="de-DE" sz="2400" dirty="0"/>
+          </a:p>
+          <a:p>
+            <a:pPr marL="285750" indent="-285750">
+              <a:lnSpc>
+                <a:spcPct val="200000"/>
+              </a:lnSpc>
+              <a:buFont typeface="Arial" panose="020B0604020202020204" pitchFamily="34" charset="0"/>
+              <a:buChar char="•"/>
+            </a:pPr>
+            <a:r>
+              <a:rPr lang="de-DE" sz="2400" dirty="0"/>
+              <a:t>Anwendung der logistischen Regression</a:t>
+            </a:r>
+          </a:p>
+          <a:p>
+            <a:pPr marL="285750" indent="-285750">
+              <a:lnSpc>
+                <a:spcPct val="200000"/>
+              </a:lnSpc>
+              <a:buFont typeface="Arial" panose="020B0604020202020204" pitchFamily="34" charset="0"/>
+              <a:buChar char="•"/>
+            </a:pPr>
+            <a:r>
+              <a:rPr lang="de-DE" sz="2400" dirty="0"/>
+              <a:t>Berechnungen der Kennzahlen aus der </a:t>
+            </a:r>
+            <a:r>
+              <a:rPr lang="de-DE" sz="2400" dirty="0" err="1"/>
+              <a:t>Confusion</a:t>
+            </a:r>
+            <a:r>
+              <a:rPr lang="de-DE" sz="2400" dirty="0"/>
+              <a:t> Matrix</a:t>
+            </a:r>
+          </a:p>
+          <a:p>
+            <a:pPr marL="285750" indent="-285750">
+              <a:lnSpc>
+                <a:spcPct val="200000"/>
+              </a:lnSpc>
+              <a:buFont typeface="Arial" panose="020B0604020202020204" pitchFamily="34" charset="0"/>
+              <a:buChar char="•"/>
+            </a:pPr>
+            <a:r>
+              <a:rPr lang="de-DE" sz="2400" dirty="0"/>
+              <a:t>Erstellen von </a:t>
+            </a:r>
+            <a:r>
+              <a:rPr lang="de-DE" sz="2400" dirty="0" err="1"/>
+              <a:t>Predicitions</a:t>
+            </a:r>
+            <a:r>
+              <a:rPr lang="de-DE" sz="2400" dirty="0"/>
+              <a:t> mittels trainierten Modelle</a:t>
+            </a:r>
+          </a:p>
+          <a:p>
+            <a:pPr>
+              <a:lnSpc>
+                <a:spcPct val="200000"/>
+              </a:lnSpc>
+            </a:pPr>
+            <a:endParaRPr lang="de-CH" sz="2400" dirty="0"/>
+          </a:p>
+          <a:p>
+            <a:pPr marL="285750" indent="-285750">
+              <a:lnSpc>
+                <a:spcPct val="200000"/>
+              </a:lnSpc>
+              <a:buFont typeface="Arial" panose="020B0604020202020204" pitchFamily="34" charset="0"/>
+              <a:buChar char="•"/>
+            </a:pPr>
+            <a:endParaRPr lang="de-DE" sz="2400" dirty="0"/>
+          </a:p>
+        </p:txBody>
+      </p:sp>
     </p:spTree>
     <p:extLst>
       <p:ext uri="{BB962C8B-B14F-4D97-AF65-F5344CB8AC3E}">
-        <p14:creationId xmlns:p14="http://schemas.microsoft.com/office/powerpoint/2010/main" val="326785379"/>
+        <p14:creationId xmlns:p14="http://schemas.microsoft.com/office/powerpoint/2010/main" val="905050750"/>
       </p:ext>
     </p:extLst>
   </p:cSld>
